--- a/Presentazione.pptx
+++ b/Presentazione.pptx
@@ -5,18 +5,22 @@
     <p:sldMasterId id="2147483648" r:id="rId1"/>
   </p:sldMasterIdLst>
   <p:notesMasterIdLst>
-    <p:notesMasterId r:id="rId11"/>
+    <p:notesMasterId r:id="rId15"/>
   </p:notesMasterIdLst>
   <p:sldIdLst>
     <p:sldId id="256" r:id="rId2"/>
-    <p:sldId id="257" r:id="rId3"/>
-    <p:sldId id="258" r:id="rId4"/>
-    <p:sldId id="259" r:id="rId5"/>
-    <p:sldId id="260" r:id="rId6"/>
-    <p:sldId id="264" r:id="rId7"/>
-    <p:sldId id="265" r:id="rId8"/>
-    <p:sldId id="263" r:id="rId9"/>
-    <p:sldId id="262" r:id="rId10"/>
+    <p:sldId id="269" r:id="rId3"/>
+    <p:sldId id="268" r:id="rId4"/>
+    <p:sldId id="271" r:id="rId5"/>
+    <p:sldId id="257" r:id="rId6"/>
+    <p:sldId id="259" r:id="rId7"/>
+    <p:sldId id="260" r:id="rId8"/>
+    <p:sldId id="264" r:id="rId9"/>
+    <p:sldId id="265" r:id="rId10"/>
+    <p:sldId id="266" r:id="rId11"/>
+    <p:sldId id="267" r:id="rId12"/>
+    <p:sldId id="263" r:id="rId13"/>
+    <p:sldId id="262" r:id="rId14"/>
   </p:sldIdLst>
   <p:sldSz cx="12192000" cy="6858000"/>
   <p:notesSz cx="6858000" cy="9144000"/>
@@ -115,6 +119,11 @@
       </a:defRPr>
     </a:lvl9pPr>
   </p:defaultTextStyle>
+  <p:extLst>
+    <p:ext uri="{EFAFB233-063F-42B5-8137-9DF3F51BA10A}">
+      <p15:sldGuideLst xmlns:p15="http://schemas.microsoft.com/office/powerpoint/2012/main"/>
+    </p:ext>
+  </p:extLst>
 </p:presentation>
 </file>
 
@@ -200,7 +209,7 @@
           <a:p>
             <a:fld id="{E97EEBBD-9A68-48A0-BCCB-5DBA9D2516B5}" type="datetimeFigureOut">
               <a:rPr lang="it-IT" smtClean="0"/>
-              <a:t>19/04/2018</a:t>
+              <a:t>26/04/2018</a:t>
             </a:fld>
             <a:endParaRPr lang="it-IT"/>
           </a:p>
@@ -532,7 +541,7 @@
           <a:p>
             <a:fld id="{F0BCF025-A966-45CF-903B-391187988970}" type="slidenum">
               <a:rPr lang="it-IT" smtClean="0"/>
-              <a:t>5</a:t>
+              <a:t>7</a:t>
             </a:fld>
             <a:endParaRPr lang="it-IT"/>
           </a:p>
@@ -616,7 +625,7 @@
           <a:p>
             <a:fld id="{F0BCF025-A966-45CF-903B-391187988970}" type="slidenum">
               <a:rPr lang="it-IT" smtClean="0"/>
-              <a:t>9</a:t>
+              <a:t>13</a:t>
             </a:fld>
             <a:endParaRPr lang="it-IT"/>
           </a:p>
@@ -782,7 +791,7 @@
           <a:p>
             <a:fld id="{2F3E17BE-3B03-4A0A-8E48-DF3FAA2A570B}" type="datetimeFigureOut">
               <a:rPr lang="it-IT" smtClean="0"/>
-              <a:t>19/04/2018</a:t>
+              <a:t>26/04/2018</a:t>
             </a:fld>
             <a:endParaRPr lang="it-IT"/>
           </a:p>
@@ -980,7 +989,7 @@
           <a:p>
             <a:fld id="{2F3E17BE-3B03-4A0A-8E48-DF3FAA2A570B}" type="datetimeFigureOut">
               <a:rPr lang="it-IT" smtClean="0"/>
-              <a:t>19/04/2018</a:t>
+              <a:t>26/04/2018</a:t>
             </a:fld>
             <a:endParaRPr lang="it-IT"/>
           </a:p>
@@ -1188,7 +1197,7 @@
           <a:p>
             <a:fld id="{2F3E17BE-3B03-4A0A-8E48-DF3FAA2A570B}" type="datetimeFigureOut">
               <a:rPr lang="it-IT" smtClean="0"/>
-              <a:t>19/04/2018</a:t>
+              <a:t>26/04/2018</a:t>
             </a:fld>
             <a:endParaRPr lang="it-IT"/>
           </a:p>
@@ -1386,7 +1395,7 @@
           <a:p>
             <a:fld id="{2F3E17BE-3B03-4A0A-8E48-DF3FAA2A570B}" type="datetimeFigureOut">
               <a:rPr lang="it-IT" smtClean="0"/>
-              <a:t>19/04/2018</a:t>
+              <a:t>26/04/2018</a:t>
             </a:fld>
             <a:endParaRPr lang="it-IT"/>
           </a:p>
@@ -1661,7 +1670,7 @@
           <a:p>
             <a:fld id="{2F3E17BE-3B03-4A0A-8E48-DF3FAA2A570B}" type="datetimeFigureOut">
               <a:rPr lang="it-IT" smtClean="0"/>
-              <a:t>19/04/2018</a:t>
+              <a:t>26/04/2018</a:t>
             </a:fld>
             <a:endParaRPr lang="it-IT"/>
           </a:p>
@@ -1926,7 +1935,7 @@
           <a:p>
             <a:fld id="{2F3E17BE-3B03-4A0A-8E48-DF3FAA2A570B}" type="datetimeFigureOut">
               <a:rPr lang="it-IT" smtClean="0"/>
-              <a:t>19/04/2018</a:t>
+              <a:t>26/04/2018</a:t>
             </a:fld>
             <a:endParaRPr lang="it-IT"/>
           </a:p>
@@ -2338,7 +2347,7 @@
           <a:p>
             <a:fld id="{2F3E17BE-3B03-4A0A-8E48-DF3FAA2A570B}" type="datetimeFigureOut">
               <a:rPr lang="it-IT" smtClean="0"/>
-              <a:t>19/04/2018</a:t>
+              <a:t>26/04/2018</a:t>
             </a:fld>
             <a:endParaRPr lang="it-IT"/>
           </a:p>
@@ -2479,7 +2488,7 @@
           <a:p>
             <a:fld id="{2F3E17BE-3B03-4A0A-8E48-DF3FAA2A570B}" type="datetimeFigureOut">
               <a:rPr lang="it-IT" smtClean="0"/>
-              <a:t>19/04/2018</a:t>
+              <a:t>26/04/2018</a:t>
             </a:fld>
             <a:endParaRPr lang="it-IT"/>
           </a:p>
@@ -2592,7 +2601,7 @@
           <a:p>
             <a:fld id="{2F3E17BE-3B03-4A0A-8E48-DF3FAA2A570B}" type="datetimeFigureOut">
               <a:rPr lang="it-IT" smtClean="0"/>
-              <a:t>19/04/2018</a:t>
+              <a:t>26/04/2018</a:t>
             </a:fld>
             <a:endParaRPr lang="it-IT"/>
           </a:p>
@@ -2903,7 +2912,7 @@
           <a:p>
             <a:fld id="{2F3E17BE-3B03-4A0A-8E48-DF3FAA2A570B}" type="datetimeFigureOut">
               <a:rPr lang="it-IT" smtClean="0"/>
-              <a:t>19/04/2018</a:t>
+              <a:t>26/04/2018</a:t>
             </a:fld>
             <a:endParaRPr lang="it-IT"/>
           </a:p>
@@ -3191,7 +3200,7 @@
           <a:p>
             <a:fld id="{2F3E17BE-3B03-4A0A-8E48-DF3FAA2A570B}" type="datetimeFigureOut">
               <a:rPr lang="it-IT" smtClean="0"/>
-              <a:t>19/04/2018</a:t>
+              <a:t>26/04/2018</a:t>
             </a:fld>
             <a:endParaRPr lang="it-IT"/>
           </a:p>
@@ -3432,7 +3441,7 @@
           <a:p>
             <a:fld id="{2F3E17BE-3B03-4A0A-8E48-DF3FAA2A570B}" type="datetimeFigureOut">
               <a:rPr lang="it-IT" smtClean="0"/>
-              <a:t>19/04/2018</a:t>
+              <a:t>26/04/2018</a:t>
             </a:fld>
             <a:endParaRPr lang="it-IT"/>
           </a:p>
@@ -4163,7 +4172,3888 @@
 </p:sld>
 </file>
 
+<file path=ppt/slides/slide10.xml><?xml version="1.0" encoding="utf-8"?>
+<p:sld xmlns:a="http://schemas.openxmlformats.org/drawingml/2006/main" xmlns:r="http://schemas.openxmlformats.org/officeDocument/2006/relationships" xmlns:p="http://schemas.openxmlformats.org/presentationml/2006/main">
+  <p:cSld>
+    <p:spTree>
+      <p:nvGrpSpPr>
+        <p:cNvPr id="1" name=""/>
+        <p:cNvGrpSpPr/>
+        <p:nvPr/>
+      </p:nvGrpSpPr>
+      <p:grpSpPr>
+        <a:xfrm>
+          <a:off x="0" y="0"/>
+          <a:ext cx="0" cy="0"/>
+          <a:chOff x="0" y="0"/>
+          <a:chExt cx="0" cy="0"/>
+        </a:xfrm>
+      </p:grpSpPr>
+      <p:sp>
+        <p:nvSpPr>
+          <p:cNvPr id="2" name="Titolo 1">
+            <a:extLst>
+              <a:ext uri="{FF2B5EF4-FFF2-40B4-BE49-F238E27FC236}">
+                <a16:creationId xmlns:a16="http://schemas.microsoft.com/office/drawing/2014/main" id="{18A32D1E-57F0-4194-A6FC-D6AE6672E338}"/>
+              </a:ext>
+            </a:extLst>
+          </p:cNvPr>
+          <p:cNvSpPr>
+            <a:spLocks noGrp="1"/>
+          </p:cNvSpPr>
+          <p:nvPr>
+            <p:ph type="title"/>
+          </p:nvPr>
+        </p:nvSpPr>
+        <p:spPr>
+          <a:xfrm>
+            <a:off x="838200" y="365125"/>
+            <a:ext cx="10515600" cy="1325563"/>
+          </a:xfrm>
+        </p:spPr>
+        <p:txBody>
+          <a:bodyPr/>
+          <a:lstStyle/>
+          <a:p>
+            <a:r>
+              <a:rPr lang="it-IT" dirty="0"/>
+              <a:t>Matrici</a:t>
+            </a:r>
+          </a:p>
+        </p:txBody>
+      </p:sp>
+      <p:sp>
+        <p:nvSpPr>
+          <p:cNvPr id="4" name="Segnaposto contenuto 2">
+            <a:extLst>
+              <a:ext uri="{FF2B5EF4-FFF2-40B4-BE49-F238E27FC236}">
+                <a16:creationId xmlns:a16="http://schemas.microsoft.com/office/drawing/2014/main" id="{91689680-E88A-4CA0-9C49-3684A0AB466F}"/>
+              </a:ext>
+            </a:extLst>
+          </p:cNvPr>
+          <p:cNvSpPr txBox="1">
+            <a:spLocks noGrp="1"/>
+          </p:cNvSpPr>
+          <p:nvPr>
+            <p:ph idx="1"/>
+          </p:nvPr>
+        </p:nvSpPr>
+        <p:spPr>
+          <a:xfrm>
+            <a:off x="481739" y="1884443"/>
+            <a:ext cx="5257800" cy="902077"/>
+          </a:xfrm>
+          <a:prstGeom prst="rect">
+            <a:avLst/>
+          </a:prstGeom>
+        </p:spPr>
+        <p:txBody>
+          <a:bodyPr vert="horz" lIns="91440" tIns="45720" rIns="91440" bIns="45720" rtlCol="0">
+            <a:normAutofit fontScale="92500" lnSpcReduction="10000"/>
+          </a:bodyPr>
+          <a:lstStyle>
+            <a:lvl1pPr marL="228600" indent="-228600" algn="l" defTabSz="914400" rtl="0" eaLnBrk="1" latinLnBrk="0" hangingPunct="1">
+              <a:lnSpc>
+                <a:spcPct val="90000"/>
+              </a:lnSpc>
+              <a:spcBef>
+                <a:spcPts val="1000"/>
+              </a:spcBef>
+              <a:buFont typeface="Arial" panose="020B0604020202020204" pitchFamily="34" charset="0"/>
+              <a:buChar char="•"/>
+              <a:defRPr sz="2800" kern="1200">
+                <a:solidFill>
+                  <a:schemeClr val="tx1"/>
+                </a:solidFill>
+                <a:latin typeface="+mn-lt"/>
+                <a:ea typeface="+mn-ea"/>
+                <a:cs typeface="+mn-cs"/>
+              </a:defRPr>
+            </a:lvl1pPr>
+            <a:lvl2pPr marL="685800" indent="-228600" algn="l" defTabSz="914400" rtl="0" eaLnBrk="1" latinLnBrk="0" hangingPunct="1">
+              <a:lnSpc>
+                <a:spcPct val="90000"/>
+              </a:lnSpc>
+              <a:spcBef>
+                <a:spcPts val="500"/>
+              </a:spcBef>
+              <a:buFont typeface="Arial" panose="020B0604020202020204" pitchFamily="34" charset="0"/>
+              <a:buChar char="•"/>
+              <a:defRPr sz="2400" kern="1200">
+                <a:solidFill>
+                  <a:schemeClr val="tx1"/>
+                </a:solidFill>
+                <a:latin typeface="+mn-lt"/>
+                <a:ea typeface="+mn-ea"/>
+                <a:cs typeface="+mn-cs"/>
+              </a:defRPr>
+            </a:lvl2pPr>
+            <a:lvl3pPr marL="1143000" indent="-228600" algn="l" defTabSz="914400" rtl="0" eaLnBrk="1" latinLnBrk="0" hangingPunct="1">
+              <a:lnSpc>
+                <a:spcPct val="90000"/>
+              </a:lnSpc>
+              <a:spcBef>
+                <a:spcPts val="500"/>
+              </a:spcBef>
+              <a:buFont typeface="Arial" panose="020B0604020202020204" pitchFamily="34" charset="0"/>
+              <a:buChar char="•"/>
+              <a:defRPr sz="2000" kern="1200">
+                <a:solidFill>
+                  <a:schemeClr val="tx1"/>
+                </a:solidFill>
+                <a:latin typeface="+mn-lt"/>
+                <a:ea typeface="+mn-ea"/>
+                <a:cs typeface="+mn-cs"/>
+              </a:defRPr>
+            </a:lvl3pPr>
+            <a:lvl4pPr marL="1600200" indent="-228600" algn="l" defTabSz="914400" rtl="0" eaLnBrk="1" latinLnBrk="0" hangingPunct="1">
+              <a:lnSpc>
+                <a:spcPct val="90000"/>
+              </a:lnSpc>
+              <a:spcBef>
+                <a:spcPts val="500"/>
+              </a:spcBef>
+              <a:buFont typeface="Arial" panose="020B0604020202020204" pitchFamily="34" charset="0"/>
+              <a:buChar char="•"/>
+              <a:defRPr sz="1800" kern="1200">
+                <a:solidFill>
+                  <a:schemeClr val="tx1"/>
+                </a:solidFill>
+                <a:latin typeface="+mn-lt"/>
+                <a:ea typeface="+mn-ea"/>
+                <a:cs typeface="+mn-cs"/>
+              </a:defRPr>
+            </a:lvl4pPr>
+            <a:lvl5pPr marL="2057400" indent="-228600" algn="l" defTabSz="914400" rtl="0" eaLnBrk="1" latinLnBrk="0" hangingPunct="1">
+              <a:lnSpc>
+                <a:spcPct val="90000"/>
+              </a:lnSpc>
+              <a:spcBef>
+                <a:spcPts val="500"/>
+              </a:spcBef>
+              <a:buFont typeface="Arial" panose="020B0604020202020204" pitchFamily="34" charset="0"/>
+              <a:buChar char="•"/>
+              <a:defRPr sz="1800" kern="1200">
+                <a:solidFill>
+                  <a:schemeClr val="tx1"/>
+                </a:solidFill>
+                <a:latin typeface="+mn-lt"/>
+                <a:ea typeface="+mn-ea"/>
+                <a:cs typeface="+mn-cs"/>
+              </a:defRPr>
+            </a:lvl5pPr>
+            <a:lvl6pPr marL="2514600" indent="-228600" algn="l" defTabSz="914400" rtl="0" eaLnBrk="1" latinLnBrk="0" hangingPunct="1">
+              <a:lnSpc>
+                <a:spcPct val="90000"/>
+              </a:lnSpc>
+              <a:spcBef>
+                <a:spcPts val="500"/>
+              </a:spcBef>
+              <a:buFont typeface="Arial" panose="020B0604020202020204" pitchFamily="34" charset="0"/>
+              <a:buChar char="•"/>
+              <a:defRPr sz="1800" kern="1200">
+                <a:solidFill>
+                  <a:schemeClr val="tx1"/>
+                </a:solidFill>
+                <a:latin typeface="+mn-lt"/>
+                <a:ea typeface="+mn-ea"/>
+                <a:cs typeface="+mn-cs"/>
+              </a:defRPr>
+            </a:lvl6pPr>
+            <a:lvl7pPr marL="2971800" indent="-228600" algn="l" defTabSz="914400" rtl="0" eaLnBrk="1" latinLnBrk="0" hangingPunct="1">
+              <a:lnSpc>
+                <a:spcPct val="90000"/>
+              </a:lnSpc>
+              <a:spcBef>
+                <a:spcPts val="500"/>
+              </a:spcBef>
+              <a:buFont typeface="Arial" panose="020B0604020202020204" pitchFamily="34" charset="0"/>
+              <a:buChar char="•"/>
+              <a:defRPr sz="1800" kern="1200">
+                <a:solidFill>
+                  <a:schemeClr val="tx1"/>
+                </a:solidFill>
+                <a:latin typeface="+mn-lt"/>
+                <a:ea typeface="+mn-ea"/>
+                <a:cs typeface="+mn-cs"/>
+              </a:defRPr>
+            </a:lvl7pPr>
+            <a:lvl8pPr marL="3429000" indent="-228600" algn="l" defTabSz="914400" rtl="0" eaLnBrk="1" latinLnBrk="0" hangingPunct="1">
+              <a:lnSpc>
+                <a:spcPct val="90000"/>
+              </a:lnSpc>
+              <a:spcBef>
+                <a:spcPts val="500"/>
+              </a:spcBef>
+              <a:buFont typeface="Arial" panose="020B0604020202020204" pitchFamily="34" charset="0"/>
+              <a:buChar char="•"/>
+              <a:defRPr sz="1800" kern="1200">
+                <a:solidFill>
+                  <a:schemeClr val="tx1"/>
+                </a:solidFill>
+                <a:latin typeface="+mn-lt"/>
+                <a:ea typeface="+mn-ea"/>
+                <a:cs typeface="+mn-cs"/>
+              </a:defRPr>
+            </a:lvl8pPr>
+            <a:lvl9pPr marL="3886200" indent="-228600" algn="l" defTabSz="914400" rtl="0" eaLnBrk="1" latinLnBrk="0" hangingPunct="1">
+              <a:lnSpc>
+                <a:spcPct val="90000"/>
+              </a:lnSpc>
+              <a:spcBef>
+                <a:spcPts val="500"/>
+              </a:spcBef>
+              <a:buFont typeface="Arial" panose="020B0604020202020204" pitchFamily="34" charset="0"/>
+              <a:buChar char="•"/>
+              <a:defRPr sz="1800" kern="1200">
+                <a:solidFill>
+                  <a:schemeClr val="tx1"/>
+                </a:solidFill>
+                <a:latin typeface="+mn-lt"/>
+                <a:ea typeface="+mn-ea"/>
+                <a:cs typeface="+mn-cs"/>
+              </a:defRPr>
+            </a:lvl9pPr>
+          </a:lstStyle>
+          <a:p>
+            <a:pPr marL="0" indent="0" algn="ctr">
+              <a:buFont typeface="Arial" panose="020B0604020202020204" pitchFamily="34" charset="0"/>
+              <a:buNone/>
+            </a:pPr>
+            <a:r>
+              <a:rPr lang="it-IT" b="1" dirty="0"/>
+              <a:t>Matrice quadrata</a:t>
+            </a:r>
+          </a:p>
+          <a:p>
+            <a:pPr marL="0" indent="0">
+              <a:buFont typeface="Arial" panose="020B0604020202020204" pitchFamily="34" charset="0"/>
+              <a:buNone/>
+            </a:pPr>
+            <a:r>
+              <a:rPr lang="it-IT" dirty="0"/>
+              <a:t>numero di righe = numero di colonne</a:t>
+            </a:r>
+          </a:p>
+        </p:txBody>
+      </p:sp>
+      <mc:AlternateContent xmlns:mc="http://schemas.openxmlformats.org/markup-compatibility/2006" xmlns:a14="http://schemas.microsoft.com/office/drawing/2010/main">
+        <mc:Choice Requires="a14">
+          <p:sp>
+            <p:nvSpPr>
+              <p:cNvPr id="5" name="CasellaDiTesto 4">
+                <a:extLst>
+                  <a:ext uri="{FF2B5EF4-FFF2-40B4-BE49-F238E27FC236}">
+                    <a16:creationId xmlns:a16="http://schemas.microsoft.com/office/drawing/2014/main" id="{617C67D5-6B42-43B9-84A8-9666F0931420}"/>
+                  </a:ext>
+                </a:extLst>
+              </p:cNvPr>
+              <p:cNvSpPr txBox="1"/>
+              <p:nvPr/>
+            </p:nvSpPr>
+            <p:spPr>
+              <a:xfrm>
+                <a:off x="8561374" y="2764608"/>
+                <a:ext cx="1615635" cy="738215"/>
+              </a:xfrm>
+              <a:prstGeom prst="rect">
+                <a:avLst/>
+              </a:prstGeom>
+              <a:noFill/>
+            </p:spPr>
+            <p:txBody>
+              <a:bodyPr wrap="none" lIns="0" tIns="0" rIns="0" bIns="0" rtlCol="0">
+                <a:spAutoFit/>
+              </a:bodyPr>
+              <a:lstStyle/>
+              <a:p>
+                <a:pPr/>
+                <a14:m>
+                  <m:oMathPara xmlns:m="http://schemas.openxmlformats.org/officeDocument/2006/math">
+                    <m:oMathParaPr>
+                      <m:jc m:val="centerGroup"/>
+                    </m:oMathParaPr>
+                    <m:oMath xmlns:m="http://schemas.openxmlformats.org/officeDocument/2006/math">
+                      <m:d>
+                        <m:dPr>
+                          <m:begChr m:val="["/>
+                          <m:endChr m:val="]"/>
+                          <m:ctrlPr>
+                            <a:rPr lang="it-IT" i="1" smtClean="0">
+                              <a:latin typeface="Cambria Math" panose="02040503050406030204" pitchFamily="18" charset="0"/>
+                            </a:rPr>
+                          </m:ctrlPr>
+                        </m:dPr>
+                        <m:e>
+                          <m:m>
+                            <m:mPr>
+                              <m:mcs>
+                                <m:mc>
+                                  <m:mcPr>
+                                    <m:count m:val="4"/>
+                                    <m:mcJc m:val="center"/>
+                                  </m:mcPr>
+                                </m:mc>
+                              </m:mcs>
+                              <m:ctrlPr>
+                                <a:rPr lang="it-IT" b="0" i="1" smtClean="0">
+                                  <a:latin typeface="Cambria Math" panose="02040503050406030204" pitchFamily="18" charset="0"/>
+                                </a:rPr>
+                              </m:ctrlPr>
+                            </m:mPr>
+                            <m:mr>
+                              <m:e>
+                                <m:r>
+                                  <m:rPr>
+                                    <m:brk m:alnAt="7"/>
+                                  </m:rPr>
+                                  <a:rPr lang="it-IT" b="0" i="1" smtClean="0">
+                                    <a:latin typeface="Cambria Math" panose="02040503050406030204" pitchFamily="18" charset="0"/>
+                                  </a:rPr>
+                                  <m:t>7</m:t>
+                                </m:r>
+                              </m:e>
+                              <m:e>
+                                <m:r>
+                                  <a:rPr lang="it-IT" b="0" i="1" smtClean="0">
+                                    <a:latin typeface="Cambria Math" panose="02040503050406030204" pitchFamily="18" charset="0"/>
+                                  </a:rPr>
+                                  <m:t>6</m:t>
+                                </m:r>
+                              </m:e>
+                              <m:e>
+                                <m:r>
+                                  <a:rPr lang="it-IT" b="0" i="1" smtClean="0">
+                                    <a:latin typeface="Cambria Math" panose="02040503050406030204" pitchFamily="18" charset="0"/>
+                                  </a:rPr>
+                                  <m:t>5</m:t>
+                                </m:r>
+                              </m:e>
+                              <m:e>
+                                <m:r>
+                                  <a:rPr lang="it-IT" b="0" i="1" smtClean="0">
+                                    <a:latin typeface="Cambria Math" panose="02040503050406030204" pitchFamily="18" charset="0"/>
+                                  </a:rPr>
+                                  <m:t>0</m:t>
+                                </m:r>
+                              </m:e>
+                            </m:mr>
+                            <m:mr>
+                              <m:e>
+                                <m:r>
+                                  <a:rPr lang="it-IT" b="0" i="1" smtClean="0">
+                                    <a:latin typeface="Cambria Math" panose="02040503050406030204" pitchFamily="18" charset="0"/>
+                                  </a:rPr>
+                                  <m:t>0</m:t>
+                                </m:r>
+                              </m:e>
+                              <m:e>
+                                <m:r>
+                                  <a:rPr lang="it-IT" b="0" i="1" smtClean="0">
+                                    <a:latin typeface="Cambria Math" panose="02040503050406030204" pitchFamily="18" charset="0"/>
+                                  </a:rPr>
+                                  <m:t>−4</m:t>
+                                </m:r>
+                              </m:e>
+                              <m:e>
+                                <m:r>
+                                  <a:rPr lang="it-IT" b="0" i="1" smtClean="0">
+                                    <a:latin typeface="Cambria Math" panose="02040503050406030204" pitchFamily="18" charset="0"/>
+                                  </a:rPr>
+                                  <m:t>2</m:t>
+                                </m:r>
+                              </m:e>
+                              <m:e>
+                                <m:r>
+                                  <a:rPr lang="it-IT" b="0" i="1" smtClean="0">
+                                    <a:latin typeface="Cambria Math" panose="02040503050406030204" pitchFamily="18" charset="0"/>
+                                  </a:rPr>
+                                  <m:t>1</m:t>
+                                </m:r>
+                              </m:e>
+                            </m:mr>
+                            <m:mr>
+                              <m:e>
+                                <m:r>
+                                  <a:rPr lang="it-IT" b="0" i="1" smtClean="0">
+                                    <a:latin typeface="Cambria Math" panose="02040503050406030204" pitchFamily="18" charset="0"/>
+                                  </a:rPr>
+                                  <m:t>5</m:t>
+                                </m:r>
+                              </m:e>
+                              <m:e>
+                                <m:r>
+                                  <a:rPr lang="it-IT" b="0" i="1" smtClean="0">
+                                    <a:latin typeface="Cambria Math" panose="02040503050406030204" pitchFamily="18" charset="0"/>
+                                  </a:rPr>
+                                  <m:t>7</m:t>
+                                </m:r>
+                              </m:e>
+                              <m:e>
+                                <m:r>
+                                  <a:rPr lang="it-IT" b="0" i="1" smtClean="0">
+                                    <a:latin typeface="Cambria Math" panose="02040503050406030204" pitchFamily="18" charset="0"/>
+                                  </a:rPr>
+                                  <m:t>0</m:t>
+                                </m:r>
+                              </m:e>
+                              <m:e>
+                                <m:r>
+                                  <a:rPr lang="it-IT" b="0" i="1" smtClean="0">
+                                    <a:latin typeface="Cambria Math" panose="02040503050406030204" pitchFamily="18" charset="0"/>
+                                  </a:rPr>
+                                  <m:t>1</m:t>
+                                </m:r>
+                              </m:e>
+                            </m:mr>
+                          </m:m>
+                        </m:e>
+                      </m:d>
+                    </m:oMath>
+                  </m:oMathPara>
+                </a14:m>
+                <a:endParaRPr lang="it-IT" dirty="0"/>
+              </a:p>
+            </p:txBody>
+          </p:sp>
+        </mc:Choice>
+        <mc:Fallback xmlns="">
+          <p:sp>
+            <p:nvSpPr>
+              <p:cNvPr id="5" name="CasellaDiTesto 4">
+                <a:extLst>
+                  <a:ext uri="{FF2B5EF4-FFF2-40B4-BE49-F238E27FC236}">
+                    <a16:creationId xmlns:a16="http://schemas.microsoft.com/office/drawing/2014/main" id="{617C67D5-6B42-43B9-84A8-9666F0931420}"/>
+                  </a:ext>
+                </a:extLst>
+              </p:cNvPr>
+              <p:cNvSpPr txBox="1">
+                <a:spLocks noRot="1" noChangeAspect="1" noMove="1" noResize="1" noEditPoints="1" noAdjustHandles="1" noChangeArrowheads="1" noChangeShapeType="1" noTextEdit="1"/>
+              </p:cNvSpPr>
+              <p:nvPr/>
+            </p:nvSpPr>
+            <p:spPr>
+              <a:xfrm>
+                <a:off x="8561374" y="2764608"/>
+                <a:ext cx="1615635" cy="738215"/>
+              </a:xfrm>
+              <a:prstGeom prst="rect">
+                <a:avLst/>
+              </a:prstGeom>
+              <a:blipFill>
+                <a:blip r:embed="rId2"/>
+                <a:stretch>
+                  <a:fillRect/>
+                </a:stretch>
+              </a:blipFill>
+            </p:spPr>
+            <p:txBody>
+              <a:bodyPr/>
+              <a:lstStyle/>
+              <a:p>
+                <a:r>
+                  <a:rPr lang="it-IT">
+                    <a:noFill/>
+                  </a:rPr>
+                  <a:t> </a:t>
+                </a:r>
+              </a:p>
+            </p:txBody>
+          </p:sp>
+        </mc:Fallback>
+      </mc:AlternateContent>
+      <p:sp>
+        <p:nvSpPr>
+          <p:cNvPr id="15" name="Segnaposto contenuto 2">
+            <a:extLst>
+              <a:ext uri="{FF2B5EF4-FFF2-40B4-BE49-F238E27FC236}">
+                <a16:creationId xmlns:a16="http://schemas.microsoft.com/office/drawing/2014/main" id="{8453BC0F-D4A1-4D08-9519-B85025BA33F0}"/>
+              </a:ext>
+            </a:extLst>
+          </p:cNvPr>
+          <p:cNvSpPr txBox="1">
+            <a:spLocks/>
+          </p:cNvSpPr>
+          <p:nvPr/>
+        </p:nvSpPr>
+        <p:spPr>
+          <a:xfrm>
+            <a:off x="6608180" y="1825625"/>
+            <a:ext cx="5257800" cy="902077"/>
+          </a:xfrm>
+          <a:prstGeom prst="rect">
+            <a:avLst/>
+          </a:prstGeom>
+        </p:spPr>
+        <p:txBody>
+          <a:bodyPr vert="horz" lIns="91440" tIns="45720" rIns="91440" bIns="45720" rtlCol="0">
+            <a:normAutofit fontScale="92500" lnSpcReduction="10000"/>
+          </a:bodyPr>
+          <a:lstStyle>
+            <a:lvl1pPr marL="228600" indent="-228600" algn="l" defTabSz="914400" rtl="0" eaLnBrk="1" latinLnBrk="0" hangingPunct="1">
+              <a:lnSpc>
+                <a:spcPct val="90000"/>
+              </a:lnSpc>
+              <a:spcBef>
+                <a:spcPts val="1000"/>
+              </a:spcBef>
+              <a:buFont typeface="Arial" panose="020B0604020202020204" pitchFamily="34" charset="0"/>
+              <a:buChar char="•"/>
+              <a:defRPr sz="2800" kern="1200">
+                <a:solidFill>
+                  <a:schemeClr val="tx1"/>
+                </a:solidFill>
+                <a:latin typeface="+mn-lt"/>
+                <a:ea typeface="+mn-ea"/>
+                <a:cs typeface="+mn-cs"/>
+              </a:defRPr>
+            </a:lvl1pPr>
+            <a:lvl2pPr marL="685800" indent="-228600" algn="l" defTabSz="914400" rtl="0" eaLnBrk="1" latinLnBrk="0" hangingPunct="1">
+              <a:lnSpc>
+                <a:spcPct val="90000"/>
+              </a:lnSpc>
+              <a:spcBef>
+                <a:spcPts val="500"/>
+              </a:spcBef>
+              <a:buFont typeface="Arial" panose="020B0604020202020204" pitchFamily="34" charset="0"/>
+              <a:buChar char="•"/>
+              <a:defRPr sz="2400" kern="1200">
+                <a:solidFill>
+                  <a:schemeClr val="tx1"/>
+                </a:solidFill>
+                <a:latin typeface="+mn-lt"/>
+                <a:ea typeface="+mn-ea"/>
+                <a:cs typeface="+mn-cs"/>
+              </a:defRPr>
+            </a:lvl2pPr>
+            <a:lvl3pPr marL="1143000" indent="-228600" algn="l" defTabSz="914400" rtl="0" eaLnBrk="1" latinLnBrk="0" hangingPunct="1">
+              <a:lnSpc>
+                <a:spcPct val="90000"/>
+              </a:lnSpc>
+              <a:spcBef>
+                <a:spcPts val="500"/>
+              </a:spcBef>
+              <a:buFont typeface="Arial" panose="020B0604020202020204" pitchFamily="34" charset="0"/>
+              <a:buChar char="•"/>
+              <a:defRPr sz="2000" kern="1200">
+                <a:solidFill>
+                  <a:schemeClr val="tx1"/>
+                </a:solidFill>
+                <a:latin typeface="+mn-lt"/>
+                <a:ea typeface="+mn-ea"/>
+                <a:cs typeface="+mn-cs"/>
+              </a:defRPr>
+            </a:lvl3pPr>
+            <a:lvl4pPr marL="1600200" indent="-228600" algn="l" defTabSz="914400" rtl="0" eaLnBrk="1" latinLnBrk="0" hangingPunct="1">
+              <a:lnSpc>
+                <a:spcPct val="90000"/>
+              </a:lnSpc>
+              <a:spcBef>
+                <a:spcPts val="500"/>
+              </a:spcBef>
+              <a:buFont typeface="Arial" panose="020B0604020202020204" pitchFamily="34" charset="0"/>
+              <a:buChar char="•"/>
+              <a:defRPr sz="1800" kern="1200">
+                <a:solidFill>
+                  <a:schemeClr val="tx1"/>
+                </a:solidFill>
+                <a:latin typeface="+mn-lt"/>
+                <a:ea typeface="+mn-ea"/>
+                <a:cs typeface="+mn-cs"/>
+              </a:defRPr>
+            </a:lvl4pPr>
+            <a:lvl5pPr marL="2057400" indent="-228600" algn="l" defTabSz="914400" rtl="0" eaLnBrk="1" latinLnBrk="0" hangingPunct="1">
+              <a:lnSpc>
+                <a:spcPct val="90000"/>
+              </a:lnSpc>
+              <a:spcBef>
+                <a:spcPts val="500"/>
+              </a:spcBef>
+              <a:buFont typeface="Arial" panose="020B0604020202020204" pitchFamily="34" charset="0"/>
+              <a:buChar char="•"/>
+              <a:defRPr sz="1800" kern="1200">
+                <a:solidFill>
+                  <a:schemeClr val="tx1"/>
+                </a:solidFill>
+                <a:latin typeface="+mn-lt"/>
+                <a:ea typeface="+mn-ea"/>
+                <a:cs typeface="+mn-cs"/>
+              </a:defRPr>
+            </a:lvl5pPr>
+            <a:lvl6pPr marL="2514600" indent="-228600" algn="l" defTabSz="914400" rtl="0" eaLnBrk="1" latinLnBrk="0" hangingPunct="1">
+              <a:lnSpc>
+                <a:spcPct val="90000"/>
+              </a:lnSpc>
+              <a:spcBef>
+                <a:spcPts val="500"/>
+              </a:spcBef>
+              <a:buFont typeface="Arial" panose="020B0604020202020204" pitchFamily="34" charset="0"/>
+              <a:buChar char="•"/>
+              <a:defRPr sz="1800" kern="1200">
+                <a:solidFill>
+                  <a:schemeClr val="tx1"/>
+                </a:solidFill>
+                <a:latin typeface="+mn-lt"/>
+                <a:ea typeface="+mn-ea"/>
+                <a:cs typeface="+mn-cs"/>
+              </a:defRPr>
+            </a:lvl6pPr>
+            <a:lvl7pPr marL="2971800" indent="-228600" algn="l" defTabSz="914400" rtl="0" eaLnBrk="1" latinLnBrk="0" hangingPunct="1">
+              <a:lnSpc>
+                <a:spcPct val="90000"/>
+              </a:lnSpc>
+              <a:spcBef>
+                <a:spcPts val="500"/>
+              </a:spcBef>
+              <a:buFont typeface="Arial" panose="020B0604020202020204" pitchFamily="34" charset="0"/>
+              <a:buChar char="•"/>
+              <a:defRPr sz="1800" kern="1200">
+                <a:solidFill>
+                  <a:schemeClr val="tx1"/>
+                </a:solidFill>
+                <a:latin typeface="+mn-lt"/>
+                <a:ea typeface="+mn-ea"/>
+                <a:cs typeface="+mn-cs"/>
+              </a:defRPr>
+            </a:lvl7pPr>
+            <a:lvl8pPr marL="3429000" indent="-228600" algn="l" defTabSz="914400" rtl="0" eaLnBrk="1" latinLnBrk="0" hangingPunct="1">
+              <a:lnSpc>
+                <a:spcPct val="90000"/>
+              </a:lnSpc>
+              <a:spcBef>
+                <a:spcPts val="500"/>
+              </a:spcBef>
+              <a:buFont typeface="Arial" panose="020B0604020202020204" pitchFamily="34" charset="0"/>
+              <a:buChar char="•"/>
+              <a:defRPr sz="1800" kern="1200">
+                <a:solidFill>
+                  <a:schemeClr val="tx1"/>
+                </a:solidFill>
+                <a:latin typeface="+mn-lt"/>
+                <a:ea typeface="+mn-ea"/>
+                <a:cs typeface="+mn-cs"/>
+              </a:defRPr>
+            </a:lvl8pPr>
+            <a:lvl9pPr marL="3886200" indent="-228600" algn="l" defTabSz="914400" rtl="0" eaLnBrk="1" latinLnBrk="0" hangingPunct="1">
+              <a:lnSpc>
+                <a:spcPct val="90000"/>
+              </a:lnSpc>
+              <a:spcBef>
+                <a:spcPts val="500"/>
+              </a:spcBef>
+              <a:buFont typeface="Arial" panose="020B0604020202020204" pitchFamily="34" charset="0"/>
+              <a:buChar char="•"/>
+              <a:defRPr sz="1800" kern="1200">
+                <a:solidFill>
+                  <a:schemeClr val="tx1"/>
+                </a:solidFill>
+                <a:latin typeface="+mn-lt"/>
+                <a:ea typeface="+mn-ea"/>
+                <a:cs typeface="+mn-cs"/>
+              </a:defRPr>
+            </a:lvl9pPr>
+          </a:lstStyle>
+          <a:p>
+            <a:pPr marL="0" indent="0" algn="ctr">
+              <a:buFont typeface="Arial" panose="020B0604020202020204" pitchFamily="34" charset="0"/>
+              <a:buNone/>
+            </a:pPr>
+            <a:r>
+              <a:rPr lang="it-IT" b="1" dirty="0"/>
+              <a:t>Matrice rettangolare </a:t>
+            </a:r>
+          </a:p>
+          <a:p>
+            <a:pPr marL="0" indent="0">
+              <a:buFont typeface="Arial" panose="020B0604020202020204" pitchFamily="34" charset="0"/>
+              <a:buNone/>
+            </a:pPr>
+            <a:r>
+              <a:rPr lang="it-IT" dirty="0"/>
+              <a:t>numero di righe </a:t>
+            </a:r>
+            <a:r>
+              <a:rPr lang="it-IT" dirty="0">
+                <a:sym typeface="Symbol" panose="05050102010706020507" pitchFamily="18" charset="2"/>
+              </a:rPr>
+              <a:t></a:t>
+            </a:r>
+            <a:r>
+              <a:rPr lang="it-IT" dirty="0"/>
+              <a:t> numero di colonne</a:t>
+            </a:r>
+          </a:p>
+        </p:txBody>
+      </p:sp>
+      <mc:AlternateContent xmlns:mc="http://schemas.openxmlformats.org/markup-compatibility/2006" xmlns:a14="http://schemas.microsoft.com/office/drawing/2010/main">
+        <mc:Choice Requires="a14">
+          <p:sp>
+            <p:nvSpPr>
+              <p:cNvPr id="16" name="CasellaDiTesto 15">
+                <a:extLst>
+                  <a:ext uri="{FF2B5EF4-FFF2-40B4-BE49-F238E27FC236}">
+                    <a16:creationId xmlns:a16="http://schemas.microsoft.com/office/drawing/2014/main" id="{17501F4B-E4B5-4368-97D4-A089C13260E3}"/>
+                  </a:ext>
+                </a:extLst>
+              </p:cNvPr>
+              <p:cNvSpPr txBox="1"/>
+              <p:nvPr/>
+            </p:nvSpPr>
+            <p:spPr>
+              <a:xfrm>
+                <a:off x="2361919" y="2980275"/>
+                <a:ext cx="1256561" cy="738215"/>
+              </a:xfrm>
+              <a:prstGeom prst="rect">
+                <a:avLst/>
+              </a:prstGeom>
+              <a:noFill/>
+            </p:spPr>
+            <p:txBody>
+              <a:bodyPr wrap="none" lIns="0" tIns="0" rIns="0" bIns="0" rtlCol="0">
+                <a:spAutoFit/>
+              </a:bodyPr>
+              <a:lstStyle/>
+              <a:p>
+                <a:pPr/>
+                <a14:m>
+                  <m:oMathPara xmlns:m="http://schemas.openxmlformats.org/officeDocument/2006/math">
+                    <m:oMathParaPr>
+                      <m:jc m:val="centerGroup"/>
+                    </m:oMathParaPr>
+                    <m:oMath xmlns:m="http://schemas.openxmlformats.org/officeDocument/2006/math">
+                      <m:d>
+                        <m:dPr>
+                          <m:begChr m:val="["/>
+                          <m:endChr m:val="]"/>
+                          <m:ctrlPr>
+                            <a:rPr lang="it-IT" i="1" smtClean="0">
+                              <a:latin typeface="Cambria Math" panose="02040503050406030204" pitchFamily="18" charset="0"/>
+                            </a:rPr>
+                          </m:ctrlPr>
+                        </m:dPr>
+                        <m:e>
+                          <m:m>
+                            <m:mPr>
+                              <m:mcs>
+                                <m:mc>
+                                  <m:mcPr>
+                                    <m:count m:val="3"/>
+                                    <m:mcJc m:val="center"/>
+                                  </m:mcPr>
+                                </m:mc>
+                              </m:mcs>
+                              <m:ctrlPr>
+                                <a:rPr lang="it-IT" b="0" i="1" smtClean="0">
+                                  <a:latin typeface="Cambria Math" panose="02040503050406030204" pitchFamily="18" charset="0"/>
+                                </a:rPr>
+                              </m:ctrlPr>
+                            </m:mPr>
+                            <m:mr>
+                              <m:e>
+                                <m:r>
+                                  <m:rPr>
+                                    <m:brk m:alnAt="7"/>
+                                  </m:rPr>
+                                  <a:rPr lang="it-IT" b="0" i="1" smtClean="0">
+                                    <a:latin typeface="Cambria Math" panose="02040503050406030204" pitchFamily="18" charset="0"/>
+                                  </a:rPr>
+                                  <m:t>7</m:t>
+                                </m:r>
+                              </m:e>
+                              <m:e>
+                                <m:r>
+                                  <a:rPr lang="it-IT" b="0" i="1" smtClean="0">
+                                    <a:latin typeface="Cambria Math" panose="02040503050406030204" pitchFamily="18" charset="0"/>
+                                  </a:rPr>
+                                  <m:t>6</m:t>
+                                </m:r>
+                              </m:e>
+                              <m:e>
+                                <m:r>
+                                  <a:rPr lang="it-IT" b="0" i="1" smtClean="0">
+                                    <a:latin typeface="Cambria Math" panose="02040503050406030204" pitchFamily="18" charset="0"/>
+                                  </a:rPr>
+                                  <m:t>5</m:t>
+                                </m:r>
+                              </m:e>
+                            </m:mr>
+                            <m:mr>
+                              <m:e>
+                                <m:r>
+                                  <a:rPr lang="it-IT" b="0" i="1" smtClean="0">
+                                    <a:latin typeface="Cambria Math" panose="02040503050406030204" pitchFamily="18" charset="0"/>
+                                  </a:rPr>
+                                  <m:t>0</m:t>
+                                </m:r>
+                              </m:e>
+                              <m:e>
+                                <m:r>
+                                  <a:rPr lang="it-IT" b="0" i="1" smtClean="0">
+                                    <a:latin typeface="Cambria Math" panose="02040503050406030204" pitchFamily="18" charset="0"/>
+                                  </a:rPr>
+                                  <m:t>−4</m:t>
+                                </m:r>
+                              </m:e>
+                              <m:e>
+                                <m:r>
+                                  <a:rPr lang="it-IT" b="0" i="1" smtClean="0">
+                                    <a:latin typeface="Cambria Math" panose="02040503050406030204" pitchFamily="18" charset="0"/>
+                                  </a:rPr>
+                                  <m:t>2</m:t>
+                                </m:r>
+                              </m:e>
+                            </m:mr>
+                            <m:mr>
+                              <m:e>
+                                <m:r>
+                                  <a:rPr lang="it-IT" b="0" i="1" smtClean="0">
+                                    <a:latin typeface="Cambria Math" panose="02040503050406030204" pitchFamily="18" charset="0"/>
+                                  </a:rPr>
+                                  <m:t>5</m:t>
+                                </m:r>
+                              </m:e>
+                              <m:e>
+                                <m:r>
+                                  <a:rPr lang="it-IT" b="0" i="1" smtClean="0">
+                                    <a:latin typeface="Cambria Math" panose="02040503050406030204" pitchFamily="18" charset="0"/>
+                                  </a:rPr>
+                                  <m:t>7</m:t>
+                                </m:r>
+                              </m:e>
+                              <m:e>
+                                <m:r>
+                                  <a:rPr lang="it-IT" b="0" i="1" smtClean="0">
+                                    <a:latin typeface="Cambria Math" panose="02040503050406030204" pitchFamily="18" charset="0"/>
+                                  </a:rPr>
+                                  <m:t>0</m:t>
+                                </m:r>
+                              </m:e>
+                            </m:mr>
+                          </m:m>
+                        </m:e>
+                      </m:d>
+                    </m:oMath>
+                  </m:oMathPara>
+                </a14:m>
+                <a:endParaRPr lang="it-IT" dirty="0"/>
+              </a:p>
+            </p:txBody>
+          </p:sp>
+        </mc:Choice>
+        <mc:Fallback xmlns="">
+          <p:sp>
+            <p:nvSpPr>
+              <p:cNvPr id="16" name="CasellaDiTesto 15">
+                <a:extLst>
+                  <a:ext uri="{FF2B5EF4-FFF2-40B4-BE49-F238E27FC236}">
+                    <a16:creationId xmlns:a16="http://schemas.microsoft.com/office/drawing/2014/main" id="{17501F4B-E4B5-4368-97D4-A089C13260E3}"/>
+                  </a:ext>
+                </a:extLst>
+              </p:cNvPr>
+              <p:cNvSpPr txBox="1">
+                <a:spLocks noRot="1" noChangeAspect="1" noMove="1" noResize="1" noEditPoints="1" noAdjustHandles="1" noChangeArrowheads="1" noChangeShapeType="1" noTextEdit="1"/>
+              </p:cNvSpPr>
+              <p:nvPr/>
+            </p:nvSpPr>
+            <p:spPr>
+              <a:xfrm>
+                <a:off x="2361919" y="2980275"/>
+                <a:ext cx="1256561" cy="738215"/>
+              </a:xfrm>
+              <a:prstGeom prst="rect">
+                <a:avLst/>
+              </a:prstGeom>
+              <a:blipFill>
+                <a:blip r:embed="rId3"/>
+                <a:stretch>
+                  <a:fillRect/>
+                </a:stretch>
+              </a:blipFill>
+            </p:spPr>
+            <p:txBody>
+              <a:bodyPr/>
+              <a:lstStyle/>
+              <a:p>
+                <a:r>
+                  <a:rPr lang="it-IT">
+                    <a:noFill/>
+                  </a:rPr>
+                  <a:t> </a:t>
+                </a:r>
+              </a:p>
+            </p:txBody>
+          </p:sp>
+        </mc:Fallback>
+      </mc:AlternateContent>
+      <p:sp>
+        <p:nvSpPr>
+          <p:cNvPr id="3" name="CasellaDiTesto 2">
+            <a:extLst>
+              <a:ext uri="{FF2B5EF4-FFF2-40B4-BE49-F238E27FC236}">
+                <a16:creationId xmlns:a16="http://schemas.microsoft.com/office/drawing/2014/main" id="{317251CE-6BF7-42E9-B37B-86179E7C6251}"/>
+              </a:ext>
+            </a:extLst>
+          </p:cNvPr>
+          <p:cNvSpPr txBox="1"/>
+          <p:nvPr/>
+        </p:nvSpPr>
+        <p:spPr>
+          <a:xfrm>
+            <a:off x="2194530" y="3823492"/>
+            <a:ext cx="1591337" cy="369332"/>
+          </a:xfrm>
+          <a:prstGeom prst="rect">
+            <a:avLst/>
+          </a:prstGeom>
+          <a:noFill/>
+        </p:spPr>
+        <p:txBody>
+          <a:bodyPr wrap="square" rtlCol="0">
+            <a:spAutoFit/>
+          </a:bodyPr>
+          <a:lstStyle/>
+          <a:p>
+            <a:pPr algn="ctr"/>
+            <a:r>
+              <a:rPr lang="it-IT" i="1" dirty="0"/>
+              <a:t>Matrice 3 x 3</a:t>
+            </a:r>
+          </a:p>
+        </p:txBody>
+      </p:sp>
+      <p:sp>
+        <p:nvSpPr>
+          <p:cNvPr id="17" name="CasellaDiTesto 16">
+            <a:extLst>
+              <a:ext uri="{FF2B5EF4-FFF2-40B4-BE49-F238E27FC236}">
+                <a16:creationId xmlns:a16="http://schemas.microsoft.com/office/drawing/2014/main" id="{D6933B05-071A-4900-9116-6FC344E92A00}"/>
+              </a:ext>
+            </a:extLst>
+          </p:cNvPr>
+          <p:cNvSpPr txBox="1"/>
+          <p:nvPr/>
+        </p:nvSpPr>
+        <p:spPr>
+          <a:xfrm>
+            <a:off x="8573522" y="3638826"/>
+            <a:ext cx="1591337" cy="369332"/>
+          </a:xfrm>
+          <a:prstGeom prst="rect">
+            <a:avLst/>
+          </a:prstGeom>
+          <a:noFill/>
+        </p:spPr>
+        <p:txBody>
+          <a:bodyPr wrap="square" rtlCol="0">
+            <a:spAutoFit/>
+          </a:bodyPr>
+          <a:lstStyle/>
+          <a:p>
+            <a:pPr algn="ctr"/>
+            <a:r>
+              <a:rPr lang="it-IT" i="1" dirty="0"/>
+              <a:t>Matrice 3 x 4</a:t>
+            </a:r>
+          </a:p>
+        </p:txBody>
+      </p:sp>
+    </p:spTree>
+    <p:extLst>
+      <p:ext uri="{BB962C8B-B14F-4D97-AF65-F5344CB8AC3E}">
+        <p14:creationId xmlns:p14="http://schemas.microsoft.com/office/powerpoint/2010/main" val="387438836"/>
+      </p:ext>
+    </p:extLst>
+  </p:cSld>
+  <p:clrMapOvr>
+    <a:masterClrMapping/>
+  </p:clrMapOvr>
+</p:sld>
+</file>
+
+<file path=ppt/slides/slide11.xml><?xml version="1.0" encoding="utf-8"?>
+<p:sld xmlns:a="http://schemas.openxmlformats.org/drawingml/2006/main" xmlns:r="http://schemas.openxmlformats.org/officeDocument/2006/relationships" xmlns:p="http://schemas.openxmlformats.org/presentationml/2006/main">
+  <p:cSld>
+    <p:spTree>
+      <p:nvGrpSpPr>
+        <p:cNvPr id="1" name=""/>
+        <p:cNvGrpSpPr/>
+        <p:nvPr/>
+      </p:nvGrpSpPr>
+      <p:grpSpPr>
+        <a:xfrm>
+          <a:off x="0" y="0"/>
+          <a:ext cx="0" cy="0"/>
+          <a:chOff x="0" y="0"/>
+          <a:chExt cx="0" cy="0"/>
+        </a:xfrm>
+      </p:grpSpPr>
+      <p:sp>
+        <p:nvSpPr>
+          <p:cNvPr id="2" name="Titolo 1">
+            <a:extLst>
+              <a:ext uri="{FF2B5EF4-FFF2-40B4-BE49-F238E27FC236}">
+                <a16:creationId xmlns:a16="http://schemas.microsoft.com/office/drawing/2014/main" id="{18A32D1E-57F0-4194-A6FC-D6AE6672E338}"/>
+              </a:ext>
+            </a:extLst>
+          </p:cNvPr>
+          <p:cNvSpPr>
+            <a:spLocks noGrp="1"/>
+          </p:cNvSpPr>
+          <p:nvPr>
+            <p:ph type="title"/>
+          </p:nvPr>
+        </p:nvSpPr>
+        <p:spPr>
+          <a:xfrm>
+            <a:off x="838200" y="365125"/>
+            <a:ext cx="10515600" cy="1325563"/>
+          </a:xfrm>
+        </p:spPr>
+        <p:txBody>
+          <a:bodyPr/>
+          <a:lstStyle/>
+          <a:p>
+            <a:r>
+              <a:rPr lang="it-IT" dirty="0"/>
+              <a:t>Matrici</a:t>
+            </a:r>
+          </a:p>
+        </p:txBody>
+      </p:sp>
+      <p:sp>
+        <p:nvSpPr>
+          <p:cNvPr id="4" name="Segnaposto contenuto 2">
+            <a:extLst>
+              <a:ext uri="{FF2B5EF4-FFF2-40B4-BE49-F238E27FC236}">
+                <a16:creationId xmlns:a16="http://schemas.microsoft.com/office/drawing/2014/main" id="{91689680-E88A-4CA0-9C49-3684A0AB466F}"/>
+              </a:ext>
+            </a:extLst>
+          </p:cNvPr>
+          <p:cNvSpPr txBox="1">
+            <a:spLocks noGrp="1"/>
+          </p:cNvSpPr>
+          <p:nvPr>
+            <p:ph idx="1"/>
+          </p:nvPr>
+        </p:nvSpPr>
+        <p:spPr>
+          <a:xfrm>
+            <a:off x="838200" y="1825625"/>
+            <a:ext cx="5257800" cy="902077"/>
+          </a:xfrm>
+          <a:prstGeom prst="rect">
+            <a:avLst/>
+          </a:prstGeom>
+        </p:spPr>
+        <p:txBody>
+          <a:bodyPr vert="horz" lIns="91440" tIns="45720" rIns="91440" bIns="45720" rtlCol="0">
+            <a:normAutofit fontScale="92500" lnSpcReduction="10000"/>
+          </a:bodyPr>
+          <a:lstStyle>
+            <a:lvl1pPr marL="228600" indent="-228600" algn="l" defTabSz="914400" rtl="0" eaLnBrk="1" latinLnBrk="0" hangingPunct="1">
+              <a:lnSpc>
+                <a:spcPct val="90000"/>
+              </a:lnSpc>
+              <a:spcBef>
+                <a:spcPts val="1000"/>
+              </a:spcBef>
+              <a:buFont typeface="Arial" panose="020B0604020202020204" pitchFamily="34" charset="0"/>
+              <a:buChar char="•"/>
+              <a:defRPr sz="2800" kern="1200">
+                <a:solidFill>
+                  <a:schemeClr val="tx1"/>
+                </a:solidFill>
+                <a:latin typeface="+mn-lt"/>
+                <a:ea typeface="+mn-ea"/>
+                <a:cs typeface="+mn-cs"/>
+              </a:defRPr>
+            </a:lvl1pPr>
+            <a:lvl2pPr marL="685800" indent="-228600" algn="l" defTabSz="914400" rtl="0" eaLnBrk="1" latinLnBrk="0" hangingPunct="1">
+              <a:lnSpc>
+                <a:spcPct val="90000"/>
+              </a:lnSpc>
+              <a:spcBef>
+                <a:spcPts val="500"/>
+              </a:spcBef>
+              <a:buFont typeface="Arial" panose="020B0604020202020204" pitchFamily="34" charset="0"/>
+              <a:buChar char="•"/>
+              <a:defRPr sz="2400" kern="1200">
+                <a:solidFill>
+                  <a:schemeClr val="tx1"/>
+                </a:solidFill>
+                <a:latin typeface="+mn-lt"/>
+                <a:ea typeface="+mn-ea"/>
+                <a:cs typeface="+mn-cs"/>
+              </a:defRPr>
+            </a:lvl2pPr>
+            <a:lvl3pPr marL="1143000" indent="-228600" algn="l" defTabSz="914400" rtl="0" eaLnBrk="1" latinLnBrk="0" hangingPunct="1">
+              <a:lnSpc>
+                <a:spcPct val="90000"/>
+              </a:lnSpc>
+              <a:spcBef>
+                <a:spcPts val="500"/>
+              </a:spcBef>
+              <a:buFont typeface="Arial" panose="020B0604020202020204" pitchFamily="34" charset="0"/>
+              <a:buChar char="•"/>
+              <a:defRPr sz="2000" kern="1200">
+                <a:solidFill>
+                  <a:schemeClr val="tx1"/>
+                </a:solidFill>
+                <a:latin typeface="+mn-lt"/>
+                <a:ea typeface="+mn-ea"/>
+                <a:cs typeface="+mn-cs"/>
+              </a:defRPr>
+            </a:lvl3pPr>
+            <a:lvl4pPr marL="1600200" indent="-228600" algn="l" defTabSz="914400" rtl="0" eaLnBrk="1" latinLnBrk="0" hangingPunct="1">
+              <a:lnSpc>
+                <a:spcPct val="90000"/>
+              </a:lnSpc>
+              <a:spcBef>
+                <a:spcPts val="500"/>
+              </a:spcBef>
+              <a:buFont typeface="Arial" panose="020B0604020202020204" pitchFamily="34" charset="0"/>
+              <a:buChar char="•"/>
+              <a:defRPr sz="1800" kern="1200">
+                <a:solidFill>
+                  <a:schemeClr val="tx1"/>
+                </a:solidFill>
+                <a:latin typeface="+mn-lt"/>
+                <a:ea typeface="+mn-ea"/>
+                <a:cs typeface="+mn-cs"/>
+              </a:defRPr>
+            </a:lvl4pPr>
+            <a:lvl5pPr marL="2057400" indent="-228600" algn="l" defTabSz="914400" rtl="0" eaLnBrk="1" latinLnBrk="0" hangingPunct="1">
+              <a:lnSpc>
+                <a:spcPct val="90000"/>
+              </a:lnSpc>
+              <a:spcBef>
+                <a:spcPts val="500"/>
+              </a:spcBef>
+              <a:buFont typeface="Arial" panose="020B0604020202020204" pitchFamily="34" charset="0"/>
+              <a:buChar char="•"/>
+              <a:defRPr sz="1800" kern="1200">
+                <a:solidFill>
+                  <a:schemeClr val="tx1"/>
+                </a:solidFill>
+                <a:latin typeface="+mn-lt"/>
+                <a:ea typeface="+mn-ea"/>
+                <a:cs typeface="+mn-cs"/>
+              </a:defRPr>
+            </a:lvl5pPr>
+            <a:lvl6pPr marL="2514600" indent="-228600" algn="l" defTabSz="914400" rtl="0" eaLnBrk="1" latinLnBrk="0" hangingPunct="1">
+              <a:lnSpc>
+                <a:spcPct val="90000"/>
+              </a:lnSpc>
+              <a:spcBef>
+                <a:spcPts val="500"/>
+              </a:spcBef>
+              <a:buFont typeface="Arial" panose="020B0604020202020204" pitchFamily="34" charset="0"/>
+              <a:buChar char="•"/>
+              <a:defRPr sz="1800" kern="1200">
+                <a:solidFill>
+                  <a:schemeClr val="tx1"/>
+                </a:solidFill>
+                <a:latin typeface="+mn-lt"/>
+                <a:ea typeface="+mn-ea"/>
+                <a:cs typeface="+mn-cs"/>
+              </a:defRPr>
+            </a:lvl6pPr>
+            <a:lvl7pPr marL="2971800" indent="-228600" algn="l" defTabSz="914400" rtl="0" eaLnBrk="1" latinLnBrk="0" hangingPunct="1">
+              <a:lnSpc>
+                <a:spcPct val="90000"/>
+              </a:lnSpc>
+              <a:spcBef>
+                <a:spcPts val="500"/>
+              </a:spcBef>
+              <a:buFont typeface="Arial" panose="020B0604020202020204" pitchFamily="34" charset="0"/>
+              <a:buChar char="•"/>
+              <a:defRPr sz="1800" kern="1200">
+                <a:solidFill>
+                  <a:schemeClr val="tx1"/>
+                </a:solidFill>
+                <a:latin typeface="+mn-lt"/>
+                <a:ea typeface="+mn-ea"/>
+                <a:cs typeface="+mn-cs"/>
+              </a:defRPr>
+            </a:lvl7pPr>
+            <a:lvl8pPr marL="3429000" indent="-228600" algn="l" defTabSz="914400" rtl="0" eaLnBrk="1" latinLnBrk="0" hangingPunct="1">
+              <a:lnSpc>
+                <a:spcPct val="90000"/>
+              </a:lnSpc>
+              <a:spcBef>
+                <a:spcPts val="500"/>
+              </a:spcBef>
+              <a:buFont typeface="Arial" panose="020B0604020202020204" pitchFamily="34" charset="0"/>
+              <a:buChar char="•"/>
+              <a:defRPr sz="1800" kern="1200">
+                <a:solidFill>
+                  <a:schemeClr val="tx1"/>
+                </a:solidFill>
+                <a:latin typeface="+mn-lt"/>
+                <a:ea typeface="+mn-ea"/>
+                <a:cs typeface="+mn-cs"/>
+              </a:defRPr>
+            </a:lvl8pPr>
+            <a:lvl9pPr marL="3886200" indent="-228600" algn="l" defTabSz="914400" rtl="0" eaLnBrk="1" latinLnBrk="0" hangingPunct="1">
+              <a:lnSpc>
+                <a:spcPct val="90000"/>
+              </a:lnSpc>
+              <a:spcBef>
+                <a:spcPts val="500"/>
+              </a:spcBef>
+              <a:buFont typeface="Arial" panose="020B0604020202020204" pitchFamily="34" charset="0"/>
+              <a:buChar char="•"/>
+              <a:defRPr sz="1800" kern="1200">
+                <a:solidFill>
+                  <a:schemeClr val="tx1"/>
+                </a:solidFill>
+                <a:latin typeface="+mn-lt"/>
+                <a:ea typeface="+mn-ea"/>
+                <a:cs typeface="+mn-cs"/>
+              </a:defRPr>
+            </a:lvl9pPr>
+          </a:lstStyle>
+          <a:p>
+            <a:pPr marL="0" indent="0">
+              <a:buFont typeface="Arial" panose="020B0604020202020204" pitchFamily="34" charset="0"/>
+              <a:buNone/>
+            </a:pPr>
+            <a:r>
+              <a:rPr lang="it-IT" dirty="0"/>
+              <a:t>Matrice quadrata: </a:t>
+            </a:r>
+          </a:p>
+          <a:p>
+            <a:pPr marL="0" indent="0">
+              <a:buFont typeface="Arial" panose="020B0604020202020204" pitchFamily="34" charset="0"/>
+              <a:buNone/>
+            </a:pPr>
+            <a:r>
+              <a:rPr lang="it-IT" dirty="0"/>
+              <a:t>numero di righe = numero di colonne</a:t>
+            </a:r>
+          </a:p>
+        </p:txBody>
+      </p:sp>
+      <mc:AlternateContent xmlns:mc="http://schemas.openxmlformats.org/markup-compatibility/2006" xmlns:a14="http://schemas.microsoft.com/office/drawing/2010/main">
+        <mc:Choice Requires="a14">
+          <p:sp>
+            <p:nvSpPr>
+              <p:cNvPr id="5" name="CasellaDiTesto 4">
+                <a:extLst>
+                  <a:ext uri="{FF2B5EF4-FFF2-40B4-BE49-F238E27FC236}">
+                    <a16:creationId xmlns:a16="http://schemas.microsoft.com/office/drawing/2014/main" id="{617C67D5-6B42-43B9-84A8-9666F0931420}"/>
+                  </a:ext>
+                </a:extLst>
+              </p:cNvPr>
+              <p:cNvSpPr txBox="1"/>
+              <p:nvPr/>
+            </p:nvSpPr>
+            <p:spPr>
+              <a:xfrm>
+                <a:off x="8417112" y="3286749"/>
+                <a:ext cx="1615635" cy="738215"/>
+              </a:xfrm>
+              <a:prstGeom prst="rect">
+                <a:avLst/>
+              </a:prstGeom>
+              <a:noFill/>
+            </p:spPr>
+            <p:txBody>
+              <a:bodyPr wrap="none" lIns="0" tIns="0" rIns="0" bIns="0" rtlCol="0">
+                <a:spAutoFit/>
+              </a:bodyPr>
+              <a:lstStyle/>
+              <a:p>
+                <a:pPr/>
+                <a14:m>
+                  <m:oMathPara xmlns:m="http://schemas.openxmlformats.org/officeDocument/2006/math">
+                    <m:oMathParaPr>
+                      <m:jc m:val="centerGroup"/>
+                    </m:oMathParaPr>
+                    <m:oMath xmlns:m="http://schemas.openxmlformats.org/officeDocument/2006/math">
+                      <m:d>
+                        <m:dPr>
+                          <m:begChr m:val="["/>
+                          <m:endChr m:val="]"/>
+                          <m:ctrlPr>
+                            <a:rPr lang="it-IT" i="1" smtClean="0">
+                              <a:latin typeface="Cambria Math" panose="02040503050406030204" pitchFamily="18" charset="0"/>
+                            </a:rPr>
+                          </m:ctrlPr>
+                        </m:dPr>
+                        <m:e>
+                          <m:m>
+                            <m:mPr>
+                              <m:mcs>
+                                <m:mc>
+                                  <m:mcPr>
+                                    <m:count m:val="4"/>
+                                    <m:mcJc m:val="center"/>
+                                  </m:mcPr>
+                                </m:mc>
+                              </m:mcs>
+                              <m:ctrlPr>
+                                <a:rPr lang="it-IT" b="0" i="1" smtClean="0">
+                                  <a:latin typeface="Cambria Math" panose="02040503050406030204" pitchFamily="18" charset="0"/>
+                                </a:rPr>
+                              </m:ctrlPr>
+                            </m:mPr>
+                            <m:mr>
+                              <m:e>
+                                <m:r>
+                                  <m:rPr>
+                                    <m:brk m:alnAt="7"/>
+                                  </m:rPr>
+                                  <a:rPr lang="it-IT" b="0" i="1" smtClean="0">
+                                    <a:latin typeface="Cambria Math" panose="02040503050406030204" pitchFamily="18" charset="0"/>
+                                  </a:rPr>
+                                  <m:t>7</m:t>
+                                </m:r>
+                              </m:e>
+                              <m:e>
+                                <m:r>
+                                  <a:rPr lang="it-IT" b="0" i="1" smtClean="0">
+                                    <a:latin typeface="Cambria Math" panose="02040503050406030204" pitchFamily="18" charset="0"/>
+                                  </a:rPr>
+                                  <m:t>6</m:t>
+                                </m:r>
+                              </m:e>
+                              <m:e>
+                                <m:r>
+                                  <a:rPr lang="it-IT" b="0" i="1" smtClean="0">
+                                    <a:latin typeface="Cambria Math" panose="02040503050406030204" pitchFamily="18" charset="0"/>
+                                  </a:rPr>
+                                  <m:t>5</m:t>
+                                </m:r>
+                              </m:e>
+                              <m:e>
+                                <m:r>
+                                  <a:rPr lang="it-IT" b="0" i="1" smtClean="0">
+                                    <a:latin typeface="Cambria Math" panose="02040503050406030204" pitchFamily="18" charset="0"/>
+                                  </a:rPr>
+                                  <m:t>0</m:t>
+                                </m:r>
+                              </m:e>
+                            </m:mr>
+                            <m:mr>
+                              <m:e>
+                                <m:r>
+                                  <a:rPr lang="it-IT" b="0" i="1" smtClean="0">
+                                    <a:latin typeface="Cambria Math" panose="02040503050406030204" pitchFamily="18" charset="0"/>
+                                  </a:rPr>
+                                  <m:t>0</m:t>
+                                </m:r>
+                              </m:e>
+                              <m:e>
+                                <m:r>
+                                  <a:rPr lang="it-IT" b="0" i="1" smtClean="0">
+                                    <a:latin typeface="Cambria Math" panose="02040503050406030204" pitchFamily="18" charset="0"/>
+                                  </a:rPr>
+                                  <m:t>−4</m:t>
+                                </m:r>
+                              </m:e>
+                              <m:e>
+                                <m:r>
+                                  <a:rPr lang="it-IT" b="0" i="1" smtClean="0">
+                                    <a:latin typeface="Cambria Math" panose="02040503050406030204" pitchFamily="18" charset="0"/>
+                                  </a:rPr>
+                                  <m:t>2</m:t>
+                                </m:r>
+                              </m:e>
+                              <m:e>
+                                <m:r>
+                                  <a:rPr lang="it-IT" b="0" i="1" smtClean="0">
+                                    <a:latin typeface="Cambria Math" panose="02040503050406030204" pitchFamily="18" charset="0"/>
+                                  </a:rPr>
+                                  <m:t>1</m:t>
+                                </m:r>
+                              </m:e>
+                            </m:mr>
+                            <m:mr>
+                              <m:e>
+                                <m:r>
+                                  <a:rPr lang="it-IT" b="0" i="1" smtClean="0">
+                                    <a:latin typeface="Cambria Math" panose="02040503050406030204" pitchFamily="18" charset="0"/>
+                                  </a:rPr>
+                                  <m:t>5</m:t>
+                                </m:r>
+                              </m:e>
+                              <m:e>
+                                <m:r>
+                                  <a:rPr lang="it-IT" b="0" i="1" smtClean="0">
+                                    <a:latin typeface="Cambria Math" panose="02040503050406030204" pitchFamily="18" charset="0"/>
+                                  </a:rPr>
+                                  <m:t>7</m:t>
+                                </m:r>
+                              </m:e>
+                              <m:e>
+                                <m:r>
+                                  <a:rPr lang="it-IT" b="0" i="1" smtClean="0">
+                                    <a:latin typeface="Cambria Math" panose="02040503050406030204" pitchFamily="18" charset="0"/>
+                                  </a:rPr>
+                                  <m:t>0</m:t>
+                                </m:r>
+                              </m:e>
+                              <m:e>
+                                <m:r>
+                                  <a:rPr lang="it-IT" b="0" i="1" smtClean="0">
+                                    <a:latin typeface="Cambria Math" panose="02040503050406030204" pitchFamily="18" charset="0"/>
+                                  </a:rPr>
+                                  <m:t>1</m:t>
+                                </m:r>
+                              </m:e>
+                            </m:mr>
+                          </m:m>
+                        </m:e>
+                      </m:d>
+                    </m:oMath>
+                  </m:oMathPara>
+                </a14:m>
+                <a:endParaRPr lang="it-IT" dirty="0"/>
+              </a:p>
+            </p:txBody>
+          </p:sp>
+        </mc:Choice>
+        <mc:Fallback xmlns="">
+          <p:sp>
+            <p:nvSpPr>
+              <p:cNvPr id="5" name="CasellaDiTesto 4">
+                <a:extLst>
+                  <a:ext uri="{FF2B5EF4-FFF2-40B4-BE49-F238E27FC236}">
+                    <a16:creationId xmlns:a16="http://schemas.microsoft.com/office/drawing/2014/main" id="{617C67D5-6B42-43B9-84A8-9666F0931420}"/>
+                  </a:ext>
+                </a:extLst>
+              </p:cNvPr>
+              <p:cNvSpPr txBox="1">
+                <a:spLocks noRot="1" noChangeAspect="1" noMove="1" noResize="1" noEditPoints="1" noAdjustHandles="1" noChangeArrowheads="1" noChangeShapeType="1" noTextEdit="1"/>
+              </p:cNvSpPr>
+              <p:nvPr/>
+            </p:nvSpPr>
+            <p:spPr>
+              <a:xfrm>
+                <a:off x="8417112" y="3286749"/>
+                <a:ext cx="1615635" cy="738215"/>
+              </a:xfrm>
+              <a:prstGeom prst="rect">
+                <a:avLst/>
+              </a:prstGeom>
+              <a:blipFill>
+                <a:blip r:embed="rId2"/>
+                <a:stretch>
+                  <a:fillRect/>
+                </a:stretch>
+              </a:blipFill>
+            </p:spPr>
+            <p:txBody>
+              <a:bodyPr/>
+              <a:lstStyle/>
+              <a:p>
+                <a:r>
+                  <a:rPr lang="it-IT">
+                    <a:noFill/>
+                  </a:rPr>
+                  <a:t> </a:t>
+                </a:r>
+              </a:p>
+            </p:txBody>
+          </p:sp>
+        </mc:Fallback>
+      </mc:AlternateContent>
+      <p:sp>
+        <p:nvSpPr>
+          <p:cNvPr id="15" name="Segnaposto contenuto 2">
+            <a:extLst>
+              <a:ext uri="{FF2B5EF4-FFF2-40B4-BE49-F238E27FC236}">
+                <a16:creationId xmlns:a16="http://schemas.microsoft.com/office/drawing/2014/main" id="{8453BC0F-D4A1-4D08-9519-B85025BA33F0}"/>
+              </a:ext>
+            </a:extLst>
+          </p:cNvPr>
+          <p:cNvSpPr txBox="1">
+            <a:spLocks/>
+          </p:cNvSpPr>
+          <p:nvPr/>
+        </p:nvSpPr>
+        <p:spPr>
+          <a:xfrm>
+            <a:off x="6596030" y="1767873"/>
+            <a:ext cx="5257800" cy="902077"/>
+          </a:xfrm>
+          <a:prstGeom prst="rect">
+            <a:avLst/>
+          </a:prstGeom>
+        </p:spPr>
+        <p:txBody>
+          <a:bodyPr vert="horz" lIns="91440" tIns="45720" rIns="91440" bIns="45720" rtlCol="0">
+            <a:normAutofit fontScale="92500" lnSpcReduction="10000"/>
+          </a:bodyPr>
+          <a:lstStyle>
+            <a:lvl1pPr marL="228600" indent="-228600" algn="l" defTabSz="914400" rtl="0" eaLnBrk="1" latinLnBrk="0" hangingPunct="1">
+              <a:lnSpc>
+                <a:spcPct val="90000"/>
+              </a:lnSpc>
+              <a:spcBef>
+                <a:spcPts val="1000"/>
+              </a:spcBef>
+              <a:buFont typeface="Arial" panose="020B0604020202020204" pitchFamily="34" charset="0"/>
+              <a:buChar char="•"/>
+              <a:defRPr sz="2800" kern="1200">
+                <a:solidFill>
+                  <a:schemeClr val="tx1"/>
+                </a:solidFill>
+                <a:latin typeface="+mn-lt"/>
+                <a:ea typeface="+mn-ea"/>
+                <a:cs typeface="+mn-cs"/>
+              </a:defRPr>
+            </a:lvl1pPr>
+            <a:lvl2pPr marL="685800" indent="-228600" algn="l" defTabSz="914400" rtl="0" eaLnBrk="1" latinLnBrk="0" hangingPunct="1">
+              <a:lnSpc>
+                <a:spcPct val="90000"/>
+              </a:lnSpc>
+              <a:spcBef>
+                <a:spcPts val="500"/>
+              </a:spcBef>
+              <a:buFont typeface="Arial" panose="020B0604020202020204" pitchFamily="34" charset="0"/>
+              <a:buChar char="•"/>
+              <a:defRPr sz="2400" kern="1200">
+                <a:solidFill>
+                  <a:schemeClr val="tx1"/>
+                </a:solidFill>
+                <a:latin typeface="+mn-lt"/>
+                <a:ea typeface="+mn-ea"/>
+                <a:cs typeface="+mn-cs"/>
+              </a:defRPr>
+            </a:lvl2pPr>
+            <a:lvl3pPr marL="1143000" indent="-228600" algn="l" defTabSz="914400" rtl="0" eaLnBrk="1" latinLnBrk="0" hangingPunct="1">
+              <a:lnSpc>
+                <a:spcPct val="90000"/>
+              </a:lnSpc>
+              <a:spcBef>
+                <a:spcPts val="500"/>
+              </a:spcBef>
+              <a:buFont typeface="Arial" panose="020B0604020202020204" pitchFamily="34" charset="0"/>
+              <a:buChar char="•"/>
+              <a:defRPr sz="2000" kern="1200">
+                <a:solidFill>
+                  <a:schemeClr val="tx1"/>
+                </a:solidFill>
+                <a:latin typeface="+mn-lt"/>
+                <a:ea typeface="+mn-ea"/>
+                <a:cs typeface="+mn-cs"/>
+              </a:defRPr>
+            </a:lvl3pPr>
+            <a:lvl4pPr marL="1600200" indent="-228600" algn="l" defTabSz="914400" rtl="0" eaLnBrk="1" latinLnBrk="0" hangingPunct="1">
+              <a:lnSpc>
+                <a:spcPct val="90000"/>
+              </a:lnSpc>
+              <a:spcBef>
+                <a:spcPts val="500"/>
+              </a:spcBef>
+              <a:buFont typeface="Arial" panose="020B0604020202020204" pitchFamily="34" charset="0"/>
+              <a:buChar char="•"/>
+              <a:defRPr sz="1800" kern="1200">
+                <a:solidFill>
+                  <a:schemeClr val="tx1"/>
+                </a:solidFill>
+                <a:latin typeface="+mn-lt"/>
+                <a:ea typeface="+mn-ea"/>
+                <a:cs typeface="+mn-cs"/>
+              </a:defRPr>
+            </a:lvl4pPr>
+            <a:lvl5pPr marL="2057400" indent="-228600" algn="l" defTabSz="914400" rtl="0" eaLnBrk="1" latinLnBrk="0" hangingPunct="1">
+              <a:lnSpc>
+                <a:spcPct val="90000"/>
+              </a:lnSpc>
+              <a:spcBef>
+                <a:spcPts val="500"/>
+              </a:spcBef>
+              <a:buFont typeface="Arial" panose="020B0604020202020204" pitchFamily="34" charset="0"/>
+              <a:buChar char="•"/>
+              <a:defRPr sz="1800" kern="1200">
+                <a:solidFill>
+                  <a:schemeClr val="tx1"/>
+                </a:solidFill>
+                <a:latin typeface="+mn-lt"/>
+                <a:ea typeface="+mn-ea"/>
+                <a:cs typeface="+mn-cs"/>
+              </a:defRPr>
+            </a:lvl5pPr>
+            <a:lvl6pPr marL="2514600" indent="-228600" algn="l" defTabSz="914400" rtl="0" eaLnBrk="1" latinLnBrk="0" hangingPunct="1">
+              <a:lnSpc>
+                <a:spcPct val="90000"/>
+              </a:lnSpc>
+              <a:spcBef>
+                <a:spcPts val="500"/>
+              </a:spcBef>
+              <a:buFont typeface="Arial" panose="020B0604020202020204" pitchFamily="34" charset="0"/>
+              <a:buChar char="•"/>
+              <a:defRPr sz="1800" kern="1200">
+                <a:solidFill>
+                  <a:schemeClr val="tx1"/>
+                </a:solidFill>
+                <a:latin typeface="+mn-lt"/>
+                <a:ea typeface="+mn-ea"/>
+                <a:cs typeface="+mn-cs"/>
+              </a:defRPr>
+            </a:lvl6pPr>
+            <a:lvl7pPr marL="2971800" indent="-228600" algn="l" defTabSz="914400" rtl="0" eaLnBrk="1" latinLnBrk="0" hangingPunct="1">
+              <a:lnSpc>
+                <a:spcPct val="90000"/>
+              </a:lnSpc>
+              <a:spcBef>
+                <a:spcPts val="500"/>
+              </a:spcBef>
+              <a:buFont typeface="Arial" panose="020B0604020202020204" pitchFamily="34" charset="0"/>
+              <a:buChar char="•"/>
+              <a:defRPr sz="1800" kern="1200">
+                <a:solidFill>
+                  <a:schemeClr val="tx1"/>
+                </a:solidFill>
+                <a:latin typeface="+mn-lt"/>
+                <a:ea typeface="+mn-ea"/>
+                <a:cs typeface="+mn-cs"/>
+              </a:defRPr>
+            </a:lvl7pPr>
+            <a:lvl8pPr marL="3429000" indent="-228600" algn="l" defTabSz="914400" rtl="0" eaLnBrk="1" latinLnBrk="0" hangingPunct="1">
+              <a:lnSpc>
+                <a:spcPct val="90000"/>
+              </a:lnSpc>
+              <a:spcBef>
+                <a:spcPts val="500"/>
+              </a:spcBef>
+              <a:buFont typeface="Arial" panose="020B0604020202020204" pitchFamily="34" charset="0"/>
+              <a:buChar char="•"/>
+              <a:defRPr sz="1800" kern="1200">
+                <a:solidFill>
+                  <a:schemeClr val="tx1"/>
+                </a:solidFill>
+                <a:latin typeface="+mn-lt"/>
+                <a:ea typeface="+mn-ea"/>
+                <a:cs typeface="+mn-cs"/>
+              </a:defRPr>
+            </a:lvl8pPr>
+            <a:lvl9pPr marL="3886200" indent="-228600" algn="l" defTabSz="914400" rtl="0" eaLnBrk="1" latinLnBrk="0" hangingPunct="1">
+              <a:lnSpc>
+                <a:spcPct val="90000"/>
+              </a:lnSpc>
+              <a:spcBef>
+                <a:spcPts val="500"/>
+              </a:spcBef>
+              <a:buFont typeface="Arial" panose="020B0604020202020204" pitchFamily="34" charset="0"/>
+              <a:buChar char="•"/>
+              <a:defRPr sz="1800" kern="1200">
+                <a:solidFill>
+                  <a:schemeClr val="tx1"/>
+                </a:solidFill>
+                <a:latin typeface="+mn-lt"/>
+                <a:ea typeface="+mn-ea"/>
+                <a:cs typeface="+mn-cs"/>
+              </a:defRPr>
+            </a:lvl9pPr>
+          </a:lstStyle>
+          <a:p>
+            <a:pPr marL="0" indent="0">
+              <a:buFont typeface="Arial" panose="020B0604020202020204" pitchFamily="34" charset="0"/>
+              <a:buNone/>
+            </a:pPr>
+            <a:r>
+              <a:rPr lang="it-IT" dirty="0"/>
+              <a:t>Matrice rettangolare: </a:t>
+            </a:r>
+          </a:p>
+          <a:p>
+            <a:pPr marL="0" indent="0">
+              <a:buFont typeface="Arial" panose="020B0604020202020204" pitchFamily="34" charset="0"/>
+              <a:buNone/>
+            </a:pPr>
+            <a:r>
+              <a:rPr lang="it-IT" dirty="0"/>
+              <a:t>numero di righe </a:t>
+            </a:r>
+            <a:r>
+              <a:rPr lang="it-IT" dirty="0">
+                <a:sym typeface="Symbol" panose="05050102010706020507" pitchFamily="18" charset="2"/>
+              </a:rPr>
+              <a:t></a:t>
+            </a:r>
+            <a:r>
+              <a:rPr lang="it-IT" dirty="0"/>
+              <a:t> numero di colonne</a:t>
+            </a:r>
+          </a:p>
+        </p:txBody>
+      </p:sp>
+      <mc:AlternateContent xmlns:mc="http://schemas.openxmlformats.org/markup-compatibility/2006" xmlns:a14="http://schemas.microsoft.com/office/drawing/2010/main">
+        <mc:Choice Requires="a14">
+          <p:sp>
+            <p:nvSpPr>
+              <p:cNvPr id="16" name="CasellaDiTesto 15">
+                <a:extLst>
+                  <a:ext uri="{FF2B5EF4-FFF2-40B4-BE49-F238E27FC236}">
+                    <a16:creationId xmlns:a16="http://schemas.microsoft.com/office/drawing/2014/main" id="{17501F4B-E4B5-4368-97D4-A089C13260E3}"/>
+                  </a:ext>
+                </a:extLst>
+              </p:cNvPr>
+              <p:cNvSpPr txBox="1"/>
+              <p:nvPr/>
+            </p:nvSpPr>
+            <p:spPr>
+              <a:xfrm>
+                <a:off x="2159253" y="3228264"/>
+                <a:ext cx="1256561" cy="738215"/>
+              </a:xfrm>
+              <a:prstGeom prst="rect">
+                <a:avLst/>
+              </a:prstGeom>
+              <a:noFill/>
+            </p:spPr>
+            <p:txBody>
+              <a:bodyPr wrap="none" lIns="0" tIns="0" rIns="0" bIns="0" rtlCol="0">
+                <a:spAutoFit/>
+              </a:bodyPr>
+              <a:lstStyle/>
+              <a:p>
+                <a:pPr/>
+                <a14:m>
+                  <m:oMathPara xmlns:m="http://schemas.openxmlformats.org/officeDocument/2006/math">
+                    <m:oMathParaPr>
+                      <m:jc m:val="centerGroup"/>
+                    </m:oMathParaPr>
+                    <m:oMath xmlns:m="http://schemas.openxmlformats.org/officeDocument/2006/math">
+                      <m:d>
+                        <m:dPr>
+                          <m:begChr m:val="["/>
+                          <m:endChr m:val="]"/>
+                          <m:ctrlPr>
+                            <a:rPr lang="it-IT" i="1" smtClean="0">
+                              <a:latin typeface="Cambria Math" panose="02040503050406030204" pitchFamily="18" charset="0"/>
+                            </a:rPr>
+                          </m:ctrlPr>
+                        </m:dPr>
+                        <m:e>
+                          <m:m>
+                            <m:mPr>
+                              <m:mcs>
+                                <m:mc>
+                                  <m:mcPr>
+                                    <m:count m:val="3"/>
+                                    <m:mcJc m:val="center"/>
+                                  </m:mcPr>
+                                </m:mc>
+                              </m:mcs>
+                              <m:ctrlPr>
+                                <a:rPr lang="it-IT" b="0" i="1" smtClean="0">
+                                  <a:latin typeface="Cambria Math" panose="02040503050406030204" pitchFamily="18" charset="0"/>
+                                </a:rPr>
+                              </m:ctrlPr>
+                            </m:mPr>
+                            <m:mr>
+                              <m:e>
+                                <m:r>
+                                  <m:rPr>
+                                    <m:brk m:alnAt="7"/>
+                                  </m:rPr>
+                                  <a:rPr lang="it-IT" b="0" i="1" smtClean="0">
+                                    <a:latin typeface="Cambria Math" panose="02040503050406030204" pitchFamily="18" charset="0"/>
+                                  </a:rPr>
+                                  <m:t>7</m:t>
+                                </m:r>
+                              </m:e>
+                              <m:e>
+                                <m:r>
+                                  <a:rPr lang="it-IT" b="0" i="1" smtClean="0">
+                                    <a:latin typeface="Cambria Math" panose="02040503050406030204" pitchFamily="18" charset="0"/>
+                                  </a:rPr>
+                                  <m:t>6</m:t>
+                                </m:r>
+                              </m:e>
+                              <m:e>
+                                <m:r>
+                                  <a:rPr lang="it-IT" b="0" i="1" smtClean="0">
+                                    <a:latin typeface="Cambria Math" panose="02040503050406030204" pitchFamily="18" charset="0"/>
+                                  </a:rPr>
+                                  <m:t>5</m:t>
+                                </m:r>
+                              </m:e>
+                            </m:mr>
+                            <m:mr>
+                              <m:e>
+                                <m:r>
+                                  <a:rPr lang="it-IT" b="0" i="1" smtClean="0">
+                                    <a:latin typeface="Cambria Math" panose="02040503050406030204" pitchFamily="18" charset="0"/>
+                                  </a:rPr>
+                                  <m:t>0</m:t>
+                                </m:r>
+                              </m:e>
+                              <m:e>
+                                <m:r>
+                                  <a:rPr lang="it-IT" b="0" i="1" smtClean="0">
+                                    <a:latin typeface="Cambria Math" panose="02040503050406030204" pitchFamily="18" charset="0"/>
+                                  </a:rPr>
+                                  <m:t>−4</m:t>
+                                </m:r>
+                              </m:e>
+                              <m:e>
+                                <m:r>
+                                  <a:rPr lang="it-IT" b="0" i="1" smtClean="0">
+                                    <a:latin typeface="Cambria Math" panose="02040503050406030204" pitchFamily="18" charset="0"/>
+                                  </a:rPr>
+                                  <m:t>2</m:t>
+                                </m:r>
+                              </m:e>
+                            </m:mr>
+                            <m:mr>
+                              <m:e>
+                                <m:r>
+                                  <a:rPr lang="it-IT" b="0" i="1" smtClean="0">
+                                    <a:latin typeface="Cambria Math" panose="02040503050406030204" pitchFamily="18" charset="0"/>
+                                  </a:rPr>
+                                  <m:t>5</m:t>
+                                </m:r>
+                              </m:e>
+                              <m:e>
+                                <m:r>
+                                  <a:rPr lang="it-IT" b="0" i="1" smtClean="0">
+                                    <a:latin typeface="Cambria Math" panose="02040503050406030204" pitchFamily="18" charset="0"/>
+                                  </a:rPr>
+                                  <m:t>7</m:t>
+                                </m:r>
+                              </m:e>
+                              <m:e>
+                                <m:r>
+                                  <a:rPr lang="it-IT" b="0" i="1" smtClean="0">
+                                    <a:latin typeface="Cambria Math" panose="02040503050406030204" pitchFamily="18" charset="0"/>
+                                  </a:rPr>
+                                  <m:t>0</m:t>
+                                </m:r>
+                              </m:e>
+                            </m:mr>
+                          </m:m>
+                        </m:e>
+                      </m:d>
+                    </m:oMath>
+                  </m:oMathPara>
+                </a14:m>
+                <a:endParaRPr lang="it-IT" dirty="0"/>
+              </a:p>
+            </p:txBody>
+          </p:sp>
+        </mc:Choice>
+        <mc:Fallback xmlns="">
+          <p:sp>
+            <p:nvSpPr>
+              <p:cNvPr id="16" name="CasellaDiTesto 15">
+                <a:extLst>
+                  <a:ext uri="{FF2B5EF4-FFF2-40B4-BE49-F238E27FC236}">
+                    <a16:creationId xmlns:a16="http://schemas.microsoft.com/office/drawing/2014/main" id="{17501F4B-E4B5-4368-97D4-A089C13260E3}"/>
+                  </a:ext>
+                </a:extLst>
+              </p:cNvPr>
+              <p:cNvSpPr txBox="1">
+                <a:spLocks noRot="1" noChangeAspect="1" noMove="1" noResize="1" noEditPoints="1" noAdjustHandles="1" noChangeArrowheads="1" noChangeShapeType="1" noTextEdit="1"/>
+              </p:cNvSpPr>
+              <p:nvPr/>
+            </p:nvSpPr>
+            <p:spPr>
+              <a:xfrm>
+                <a:off x="2159253" y="3228264"/>
+                <a:ext cx="1256561" cy="738215"/>
+              </a:xfrm>
+              <a:prstGeom prst="rect">
+                <a:avLst/>
+              </a:prstGeom>
+              <a:blipFill>
+                <a:blip r:embed="rId3"/>
+                <a:stretch>
+                  <a:fillRect/>
+                </a:stretch>
+              </a:blipFill>
+            </p:spPr>
+            <p:txBody>
+              <a:bodyPr/>
+              <a:lstStyle/>
+              <a:p>
+                <a:r>
+                  <a:rPr lang="it-IT">
+                    <a:noFill/>
+                  </a:rPr>
+                  <a:t> </a:t>
+                </a:r>
+              </a:p>
+            </p:txBody>
+          </p:sp>
+        </mc:Fallback>
+      </mc:AlternateContent>
+      <p:sp>
+        <p:nvSpPr>
+          <p:cNvPr id="3" name="CasellaDiTesto 2">
+            <a:extLst>
+              <a:ext uri="{FF2B5EF4-FFF2-40B4-BE49-F238E27FC236}">
+                <a16:creationId xmlns:a16="http://schemas.microsoft.com/office/drawing/2014/main" id="{317251CE-6BF7-42E9-B37B-86179E7C6251}"/>
+              </a:ext>
+            </a:extLst>
+          </p:cNvPr>
+          <p:cNvSpPr txBox="1"/>
+          <p:nvPr/>
+        </p:nvSpPr>
+        <p:spPr>
+          <a:xfrm>
+            <a:off x="2159253" y="4282374"/>
+            <a:ext cx="1591337" cy="369332"/>
+          </a:xfrm>
+          <a:prstGeom prst="rect">
+            <a:avLst/>
+          </a:prstGeom>
+          <a:noFill/>
+        </p:spPr>
+        <p:txBody>
+          <a:bodyPr wrap="square" rtlCol="0">
+            <a:spAutoFit/>
+          </a:bodyPr>
+          <a:lstStyle/>
+          <a:p>
+            <a:r>
+              <a:rPr lang="it-IT" i="1" dirty="0"/>
+              <a:t>Matrice 3 x 3</a:t>
+            </a:r>
+          </a:p>
+        </p:txBody>
+      </p:sp>
+      <p:sp>
+        <p:nvSpPr>
+          <p:cNvPr id="17" name="CasellaDiTesto 16">
+            <a:extLst>
+              <a:ext uri="{FF2B5EF4-FFF2-40B4-BE49-F238E27FC236}">
+                <a16:creationId xmlns:a16="http://schemas.microsoft.com/office/drawing/2014/main" id="{D6933B05-071A-4900-9116-6FC344E92A00}"/>
+              </a:ext>
+            </a:extLst>
+          </p:cNvPr>
+          <p:cNvSpPr txBox="1"/>
+          <p:nvPr/>
+        </p:nvSpPr>
+        <p:spPr>
+          <a:xfrm>
+            <a:off x="8441412" y="4282374"/>
+            <a:ext cx="1591337" cy="369332"/>
+          </a:xfrm>
+          <a:prstGeom prst="rect">
+            <a:avLst/>
+          </a:prstGeom>
+          <a:noFill/>
+        </p:spPr>
+        <p:txBody>
+          <a:bodyPr wrap="square" rtlCol="0">
+            <a:spAutoFit/>
+          </a:bodyPr>
+          <a:lstStyle/>
+          <a:p>
+            <a:r>
+              <a:rPr lang="it-IT" i="1" dirty="0"/>
+              <a:t>Matrice 3 x 4</a:t>
+            </a:r>
+          </a:p>
+        </p:txBody>
+      </p:sp>
+    </p:spTree>
+    <p:extLst>
+      <p:ext uri="{BB962C8B-B14F-4D97-AF65-F5344CB8AC3E}">
+        <p14:creationId xmlns:p14="http://schemas.microsoft.com/office/powerpoint/2010/main" val="4153930437"/>
+      </p:ext>
+    </p:extLst>
+  </p:cSld>
+  <p:clrMapOvr>
+    <a:masterClrMapping/>
+  </p:clrMapOvr>
+</p:sld>
+</file>
+
+<file path=ppt/slides/slide12.xml><?xml version="1.0" encoding="utf-8"?>
+<p:sld xmlns:a="http://schemas.openxmlformats.org/drawingml/2006/main" xmlns:r="http://schemas.openxmlformats.org/officeDocument/2006/relationships" xmlns:p="http://schemas.openxmlformats.org/presentationml/2006/main">
+  <p:cSld>
+    <p:spTree>
+      <p:nvGrpSpPr>
+        <p:cNvPr id="1" name=""/>
+        <p:cNvGrpSpPr/>
+        <p:nvPr/>
+      </p:nvGrpSpPr>
+      <p:grpSpPr>
+        <a:xfrm>
+          <a:off x="0" y="0"/>
+          <a:ext cx="0" cy="0"/>
+          <a:chOff x="0" y="0"/>
+          <a:chExt cx="0" cy="0"/>
+        </a:xfrm>
+      </p:grpSpPr>
+      <p:sp>
+        <p:nvSpPr>
+          <p:cNvPr id="4" name="Titolo 1">
+            <a:extLst>
+              <a:ext uri="{FF2B5EF4-FFF2-40B4-BE49-F238E27FC236}">
+                <a16:creationId xmlns:a16="http://schemas.microsoft.com/office/drawing/2014/main" id="{5C310D8D-832E-4EF6-9F0B-5B97AB22CAB7}"/>
+              </a:ext>
+            </a:extLst>
+          </p:cNvPr>
+          <p:cNvSpPr txBox="1">
+            <a:spLocks/>
+          </p:cNvSpPr>
+          <p:nvPr/>
+        </p:nvSpPr>
+        <p:spPr>
+          <a:xfrm>
+            <a:off x="838200" y="365125"/>
+            <a:ext cx="5853545" cy="1325563"/>
+          </a:xfrm>
+          <a:prstGeom prst="rect">
+            <a:avLst/>
+          </a:prstGeom>
+        </p:spPr>
+        <p:txBody>
+          <a:bodyPr vert="horz" lIns="91440" tIns="45720" rIns="91440" bIns="45720" rtlCol="0" anchor="ctr">
+            <a:normAutofit/>
+          </a:bodyPr>
+          <a:lstStyle>
+            <a:lvl1pPr algn="l" defTabSz="914400" rtl="0" eaLnBrk="1" latinLnBrk="0" hangingPunct="1">
+              <a:lnSpc>
+                <a:spcPct val="90000"/>
+              </a:lnSpc>
+              <a:spcBef>
+                <a:spcPct val="0"/>
+              </a:spcBef>
+              <a:buNone/>
+              <a:defRPr sz="4400" kern="1200">
+                <a:solidFill>
+                  <a:schemeClr val="tx1"/>
+                </a:solidFill>
+                <a:latin typeface="+mj-lt"/>
+                <a:ea typeface="+mj-ea"/>
+                <a:cs typeface="+mj-cs"/>
+              </a:defRPr>
+            </a:lvl1pPr>
+          </a:lstStyle>
+          <a:p>
+            <a:r>
+              <a:rPr lang="it-IT" dirty="0"/>
+              <a:t>Esercizi</a:t>
+            </a:r>
+          </a:p>
+        </p:txBody>
+      </p:sp>
+      <p:sp>
+        <p:nvSpPr>
+          <p:cNvPr id="6" name="CasellaDiTesto 5">
+            <a:extLst>
+              <a:ext uri="{FF2B5EF4-FFF2-40B4-BE49-F238E27FC236}">
+                <a16:creationId xmlns:a16="http://schemas.microsoft.com/office/drawing/2014/main" id="{66ABBBBE-6599-4DFD-83C0-DFC6911F4036}"/>
+              </a:ext>
+            </a:extLst>
+          </p:cNvPr>
+          <p:cNvSpPr txBox="1"/>
+          <p:nvPr/>
+        </p:nvSpPr>
+        <p:spPr>
+          <a:xfrm>
+            <a:off x="838200" y="1828800"/>
+            <a:ext cx="6182532" cy="369332"/>
+          </a:xfrm>
+          <a:prstGeom prst="rect">
+            <a:avLst/>
+          </a:prstGeom>
+          <a:noFill/>
+        </p:spPr>
+        <p:txBody>
+          <a:bodyPr wrap="square" rtlCol="0">
+            <a:spAutoFit/>
+          </a:bodyPr>
+          <a:lstStyle/>
+          <a:p>
+            <a:pPr marL="285750" indent="-285750">
+              <a:buFont typeface="Arial" panose="020B0604020202020204" pitchFamily="34" charset="0"/>
+              <a:buChar char="•"/>
+            </a:pPr>
+            <a:r>
+              <a:rPr lang="it-IT" dirty="0"/>
+              <a:t>Elenco con tipologie di esercizi</a:t>
+            </a:r>
+          </a:p>
+        </p:txBody>
+      </p:sp>
+    </p:spTree>
+    <p:extLst>
+      <p:ext uri="{BB962C8B-B14F-4D97-AF65-F5344CB8AC3E}">
+        <p14:creationId xmlns:p14="http://schemas.microsoft.com/office/powerpoint/2010/main" val="2269192412"/>
+      </p:ext>
+    </p:extLst>
+  </p:cSld>
+  <p:clrMapOvr>
+    <a:masterClrMapping/>
+  </p:clrMapOvr>
+</p:sld>
+</file>
+
+<file path=ppt/slides/slide13.xml><?xml version="1.0" encoding="utf-8"?>
+<p:sld xmlns:a="http://schemas.openxmlformats.org/drawingml/2006/main" xmlns:r="http://schemas.openxmlformats.org/officeDocument/2006/relationships" xmlns:p="http://schemas.openxmlformats.org/presentationml/2006/main">
+  <p:cSld>
+    <p:spTree>
+      <p:nvGrpSpPr>
+        <p:cNvPr id="1" name=""/>
+        <p:cNvGrpSpPr/>
+        <p:nvPr/>
+      </p:nvGrpSpPr>
+      <p:grpSpPr>
+        <a:xfrm>
+          <a:off x="0" y="0"/>
+          <a:ext cx="0" cy="0"/>
+          <a:chOff x="0" y="0"/>
+          <a:chExt cx="0" cy="0"/>
+        </a:xfrm>
+      </p:grpSpPr>
+      <p:sp>
+        <p:nvSpPr>
+          <p:cNvPr id="37" name="Titolo 1">
+            <a:extLst>
+              <a:ext uri="{FF2B5EF4-FFF2-40B4-BE49-F238E27FC236}">
+                <a16:creationId xmlns:a16="http://schemas.microsoft.com/office/drawing/2014/main" id="{F7C244DD-F536-4331-B723-E17E25537A8F}"/>
+              </a:ext>
+            </a:extLst>
+          </p:cNvPr>
+          <p:cNvSpPr txBox="1">
+            <a:spLocks/>
+          </p:cNvSpPr>
+          <p:nvPr/>
+        </p:nvSpPr>
+        <p:spPr>
+          <a:xfrm>
+            <a:off x="838200" y="365125"/>
+            <a:ext cx="5853545" cy="1325563"/>
+          </a:xfrm>
+          <a:prstGeom prst="rect">
+            <a:avLst/>
+          </a:prstGeom>
+        </p:spPr>
+        <p:txBody>
+          <a:bodyPr vert="horz" lIns="91440" tIns="45720" rIns="91440" bIns="45720" rtlCol="0" anchor="ctr">
+            <a:normAutofit/>
+          </a:bodyPr>
+          <a:lstStyle>
+            <a:lvl1pPr algn="l" defTabSz="914400" rtl="0" eaLnBrk="1" latinLnBrk="0" hangingPunct="1">
+              <a:lnSpc>
+                <a:spcPct val="90000"/>
+              </a:lnSpc>
+              <a:spcBef>
+                <a:spcPct val="0"/>
+              </a:spcBef>
+              <a:buNone/>
+              <a:defRPr sz="4400" kern="1200">
+                <a:solidFill>
+                  <a:schemeClr val="tx1"/>
+                </a:solidFill>
+                <a:latin typeface="+mj-lt"/>
+                <a:ea typeface="+mj-ea"/>
+                <a:cs typeface="+mj-cs"/>
+              </a:defRPr>
+            </a:lvl1pPr>
+          </a:lstStyle>
+          <a:p>
+            <a:r>
+              <a:rPr lang="it-IT" dirty="0"/>
+              <a:t>Esercizi</a:t>
+            </a:r>
+          </a:p>
+        </p:txBody>
+      </p:sp>
+      <mc:AlternateContent xmlns:mc="http://schemas.openxmlformats.org/markup-compatibility/2006" xmlns:a14="http://schemas.microsoft.com/office/drawing/2010/main">
+        <mc:Choice Requires="a14">
+          <p:sp>
+            <p:nvSpPr>
+              <p:cNvPr id="38" name="CasellaDiTesto 37">
+                <a:extLst>
+                  <a:ext uri="{FF2B5EF4-FFF2-40B4-BE49-F238E27FC236}">
+                    <a16:creationId xmlns:a16="http://schemas.microsoft.com/office/drawing/2014/main" id="{8C7E7A7A-6C3C-4C49-9ED1-D6D216F2143D}"/>
+                  </a:ext>
+                </a:extLst>
+              </p:cNvPr>
+              <p:cNvSpPr txBox="1"/>
+              <p:nvPr/>
+            </p:nvSpPr>
+            <p:spPr>
+              <a:xfrm>
+                <a:off x="1506911" y="1997776"/>
+                <a:ext cx="2109488" cy="884281"/>
+              </a:xfrm>
+              <a:prstGeom prst="rect">
+                <a:avLst/>
+              </a:prstGeom>
+              <a:noFill/>
+            </p:spPr>
+            <p:txBody>
+              <a:bodyPr wrap="none" lIns="0" tIns="0" rIns="0" bIns="0" rtlCol="0">
+                <a:spAutoFit/>
+              </a:bodyPr>
+              <a:lstStyle/>
+              <a:p>
+                <a:pPr/>
+                <a14:m>
+                  <m:oMathPara xmlns:m="http://schemas.openxmlformats.org/officeDocument/2006/math">
+                    <m:oMathParaPr>
+                      <m:jc m:val="centerGroup"/>
+                    </m:oMathParaPr>
+                    <m:oMath xmlns:m="http://schemas.openxmlformats.org/officeDocument/2006/math">
+                      <m:d>
+                        <m:dPr>
+                          <m:begChr m:val="{"/>
+                          <m:endChr m:val=""/>
+                          <m:ctrlPr>
+                            <a:rPr lang="it-IT" i="1" smtClean="0">
+                              <a:latin typeface="Cambria Math" panose="02040503050406030204" pitchFamily="18" charset="0"/>
+                            </a:rPr>
+                          </m:ctrlPr>
+                        </m:dPr>
+                        <m:e>
+                          <m:m>
+                            <m:mPr>
+                              <m:mcs>
+                                <m:mc>
+                                  <m:mcPr>
+                                    <m:count m:val="1"/>
+                                    <m:mcJc m:val="center"/>
+                                  </m:mcPr>
+                                </m:mc>
+                              </m:mcs>
+                              <m:ctrlPr>
+                                <a:rPr lang="it-IT" i="1" smtClean="0">
+                                  <a:solidFill>
+                                    <a:schemeClr val="tx1"/>
+                                  </a:solidFill>
+                                  <a:latin typeface="Cambria Math" panose="02040503050406030204" pitchFamily="18" charset="0"/>
+                                </a:rPr>
+                              </m:ctrlPr>
+                            </m:mPr>
+                            <m:mr>
+                              <m:e>
+                                <m:r>
+                                  <m:rPr>
+                                    <m:brk m:alnAt="7"/>
+                                  </m:rPr>
+                                  <a:rPr lang="it-IT" b="0" i="1" smtClean="0">
+                                    <a:solidFill>
+                                      <a:schemeClr val="tx1"/>
+                                    </a:solidFill>
+                                    <a:latin typeface="Cambria Math" panose="02040503050406030204" pitchFamily="18" charset="0"/>
+                                  </a:rPr>
+                                  <m:t>7</m:t>
+                                </m:r>
+                                <m:r>
+                                  <a:rPr lang="it-IT" b="0" i="1" smtClean="0">
+                                    <a:solidFill>
+                                      <a:schemeClr val="tx1"/>
+                                    </a:solidFill>
+                                    <a:latin typeface="Cambria Math" panose="02040503050406030204" pitchFamily="18" charset="0"/>
+                                  </a:rPr>
+                                  <m:t>𝑥</m:t>
+                                </m:r>
+                                <m:r>
+                                  <a:rPr lang="it-IT" b="0" i="1" smtClean="0">
+                                    <a:solidFill>
+                                      <a:schemeClr val="tx1"/>
+                                    </a:solidFill>
+                                    <a:latin typeface="Cambria Math" panose="02040503050406030204" pitchFamily="18" charset="0"/>
+                                  </a:rPr>
+                                  <m:t>+6</m:t>
+                                </m:r>
+                                <m:r>
+                                  <a:rPr lang="it-IT" b="0" i="1" smtClean="0">
+                                    <a:solidFill>
+                                      <a:schemeClr val="tx1"/>
+                                    </a:solidFill>
+                                    <a:latin typeface="Cambria Math" panose="02040503050406030204" pitchFamily="18" charset="0"/>
+                                  </a:rPr>
+                                  <m:t>𝑦</m:t>
+                                </m:r>
+                                <m:r>
+                                  <a:rPr lang="it-IT" b="0" i="1" smtClean="0">
+                                    <a:solidFill>
+                                      <a:schemeClr val="tx1"/>
+                                    </a:solidFill>
+                                    <a:latin typeface="Cambria Math" panose="02040503050406030204" pitchFamily="18" charset="0"/>
+                                  </a:rPr>
+                                  <m:t>+5</m:t>
+                                </m:r>
+                                <m:r>
+                                  <a:rPr lang="it-IT" b="0" i="1" smtClean="0">
+                                    <a:solidFill>
+                                      <a:schemeClr val="tx1"/>
+                                    </a:solidFill>
+                                    <a:latin typeface="Cambria Math" panose="02040503050406030204" pitchFamily="18" charset="0"/>
+                                  </a:rPr>
+                                  <m:t>𝑧</m:t>
+                                </m:r>
+                                <m:r>
+                                  <a:rPr lang="it-IT" b="0" i="1" smtClean="0">
+                                    <a:solidFill>
+                                      <a:schemeClr val="tx1"/>
+                                    </a:solidFill>
+                                    <a:latin typeface="Cambria Math" panose="02040503050406030204" pitchFamily="18" charset="0"/>
+                                  </a:rPr>
+                                  <m:t>=−5</m:t>
+                                </m:r>
+                              </m:e>
+                            </m:mr>
+                            <m:mr>
+                              <m:e>
+                                <m:r>
+                                  <a:rPr lang="it-IT" b="0" i="1" smtClean="0">
+                                    <a:solidFill>
+                                      <a:schemeClr val="tx1"/>
+                                    </a:solidFill>
+                                    <a:latin typeface="Cambria Math" panose="02040503050406030204" pitchFamily="18" charset="0"/>
+                                  </a:rPr>
+                                  <m:t>3</m:t>
+                                </m:r>
+                                <m:r>
+                                  <a:rPr lang="it-IT" b="0" i="1" smtClean="0">
+                                    <a:solidFill>
+                                      <a:schemeClr val="tx1"/>
+                                    </a:solidFill>
+                                    <a:latin typeface="Cambria Math" panose="02040503050406030204" pitchFamily="18" charset="0"/>
+                                  </a:rPr>
+                                  <m:t>𝑥</m:t>
+                                </m:r>
+                                <m:r>
+                                  <a:rPr lang="it-IT" b="0" i="1" smtClean="0">
+                                    <a:solidFill>
+                                      <a:schemeClr val="tx1"/>
+                                    </a:solidFill>
+                                    <a:latin typeface="Cambria Math" panose="02040503050406030204" pitchFamily="18" charset="0"/>
+                                  </a:rPr>
+                                  <m:t>−4</m:t>
+                                </m:r>
+                                <m:r>
+                                  <a:rPr lang="it-IT" b="0" i="1" smtClean="0">
+                                    <a:solidFill>
+                                      <a:schemeClr val="tx1"/>
+                                    </a:solidFill>
+                                    <a:latin typeface="Cambria Math" panose="02040503050406030204" pitchFamily="18" charset="0"/>
+                                  </a:rPr>
+                                  <m:t>𝑦</m:t>
+                                </m:r>
+                                <m:r>
+                                  <a:rPr lang="it-IT" b="0" i="1" smtClean="0">
+                                    <a:solidFill>
+                                      <a:schemeClr val="tx1"/>
+                                    </a:solidFill>
+                                    <a:latin typeface="Cambria Math" panose="02040503050406030204" pitchFamily="18" charset="0"/>
+                                  </a:rPr>
+                                  <m:t>+2</m:t>
+                                </m:r>
+                                <m:r>
+                                  <a:rPr lang="it-IT" b="0" i="1" smtClean="0">
+                                    <a:solidFill>
+                                      <a:schemeClr val="tx1"/>
+                                    </a:solidFill>
+                                    <a:latin typeface="Cambria Math" panose="02040503050406030204" pitchFamily="18" charset="0"/>
+                                  </a:rPr>
+                                  <m:t>𝑧</m:t>
+                                </m:r>
+                                <m:r>
+                                  <a:rPr lang="it-IT" b="0" i="1" smtClean="0">
+                                    <a:solidFill>
+                                      <a:schemeClr val="tx1"/>
+                                    </a:solidFill>
+                                    <a:latin typeface="Cambria Math" panose="02040503050406030204" pitchFamily="18" charset="0"/>
+                                  </a:rPr>
+                                  <m:t>=1</m:t>
+                                </m:r>
+                              </m:e>
+                            </m:mr>
+                            <m:mr>
+                              <m:e>
+                                <m:r>
+                                  <a:rPr lang="it-IT" b="0" i="1" smtClean="0">
+                                    <a:solidFill>
+                                      <a:schemeClr val="tx1"/>
+                                    </a:solidFill>
+                                    <a:latin typeface="Cambria Math" panose="02040503050406030204" pitchFamily="18" charset="0"/>
+                                  </a:rPr>
+                                  <m:t>−5</m:t>
+                                </m:r>
+                                <m:r>
+                                  <a:rPr lang="it-IT" b="0" i="1" smtClean="0">
+                                    <a:solidFill>
+                                      <a:schemeClr val="tx1"/>
+                                    </a:solidFill>
+                                    <a:latin typeface="Cambria Math" panose="02040503050406030204" pitchFamily="18" charset="0"/>
+                                  </a:rPr>
+                                  <m:t>𝑥</m:t>
+                                </m:r>
+                                <m:r>
+                                  <a:rPr lang="it-IT" b="0" i="1" smtClean="0">
+                                    <a:solidFill>
+                                      <a:schemeClr val="tx1"/>
+                                    </a:solidFill>
+                                    <a:latin typeface="Cambria Math" panose="02040503050406030204" pitchFamily="18" charset="0"/>
+                                  </a:rPr>
+                                  <m:t>+6</m:t>
+                                </m:r>
+                                <m:r>
+                                  <a:rPr lang="it-IT" b="0" i="1" smtClean="0">
+                                    <a:solidFill>
+                                      <a:schemeClr val="tx1"/>
+                                    </a:solidFill>
+                                    <a:latin typeface="Cambria Math" panose="02040503050406030204" pitchFamily="18" charset="0"/>
+                                  </a:rPr>
+                                  <m:t>𝑦</m:t>
+                                </m:r>
+                                <m:r>
+                                  <a:rPr lang="it-IT" b="0" i="1" smtClean="0">
+                                    <a:solidFill>
+                                      <a:schemeClr val="tx1"/>
+                                    </a:solidFill>
+                                    <a:latin typeface="Cambria Math" panose="02040503050406030204" pitchFamily="18" charset="0"/>
+                                  </a:rPr>
+                                  <m:t>−4</m:t>
+                                </m:r>
+                                <m:r>
+                                  <a:rPr lang="it-IT" b="0" i="1" smtClean="0">
+                                    <a:solidFill>
+                                      <a:schemeClr val="tx1"/>
+                                    </a:solidFill>
+                                    <a:latin typeface="Cambria Math" panose="02040503050406030204" pitchFamily="18" charset="0"/>
+                                  </a:rPr>
+                                  <m:t>𝑧</m:t>
+                                </m:r>
+                                <m:r>
+                                  <a:rPr lang="it-IT" b="0" i="1" smtClean="0">
+                                    <a:solidFill>
+                                      <a:schemeClr val="tx1"/>
+                                    </a:solidFill>
+                                    <a:latin typeface="Cambria Math" panose="02040503050406030204" pitchFamily="18" charset="0"/>
+                                  </a:rPr>
+                                  <m:t>=1</m:t>
+                                </m:r>
+                              </m:e>
+                            </m:mr>
+                          </m:m>
+                        </m:e>
+                      </m:d>
+                    </m:oMath>
+                  </m:oMathPara>
+                </a14:m>
+                <a:endParaRPr lang="it-IT" dirty="0"/>
+              </a:p>
+            </p:txBody>
+          </p:sp>
+        </mc:Choice>
+        <mc:Fallback xmlns="">
+          <p:sp>
+            <p:nvSpPr>
+              <p:cNvPr id="38" name="CasellaDiTesto 37">
+                <a:extLst>
+                  <a:ext uri="{FF2B5EF4-FFF2-40B4-BE49-F238E27FC236}">
+                    <a16:creationId xmlns:a16="http://schemas.microsoft.com/office/drawing/2014/main" id="{8C7E7A7A-6C3C-4C49-9ED1-D6D216F2143D}"/>
+                  </a:ext>
+                </a:extLst>
+              </p:cNvPr>
+              <p:cNvSpPr txBox="1">
+                <a:spLocks noRot="1" noChangeAspect="1" noMove="1" noResize="1" noEditPoints="1" noAdjustHandles="1" noChangeArrowheads="1" noChangeShapeType="1" noTextEdit="1"/>
+              </p:cNvSpPr>
+              <p:nvPr/>
+            </p:nvSpPr>
+            <p:spPr>
+              <a:xfrm>
+                <a:off x="1506911" y="1997776"/>
+                <a:ext cx="2109488" cy="884281"/>
+              </a:xfrm>
+              <a:prstGeom prst="rect">
+                <a:avLst/>
+              </a:prstGeom>
+              <a:blipFill>
+                <a:blip r:embed="rId3"/>
+                <a:stretch>
+                  <a:fillRect/>
+                </a:stretch>
+              </a:blipFill>
+            </p:spPr>
+            <p:txBody>
+              <a:bodyPr/>
+              <a:lstStyle/>
+              <a:p>
+                <a:r>
+                  <a:rPr lang="it-IT">
+                    <a:noFill/>
+                  </a:rPr>
+                  <a:t> </a:t>
+                </a:r>
+              </a:p>
+            </p:txBody>
+          </p:sp>
+        </mc:Fallback>
+      </mc:AlternateContent>
+      <mc:AlternateContent xmlns:mc="http://schemas.openxmlformats.org/markup-compatibility/2006" xmlns:a14="http://schemas.microsoft.com/office/drawing/2010/main">
+        <mc:Choice Requires="a14">
+          <p:sp>
+            <p:nvSpPr>
+              <p:cNvPr id="39" name="CasellaDiTesto 38">
+                <a:extLst>
+                  <a:ext uri="{FF2B5EF4-FFF2-40B4-BE49-F238E27FC236}">
+                    <a16:creationId xmlns:a16="http://schemas.microsoft.com/office/drawing/2014/main" id="{6C70E289-235D-497F-B801-3EB63FA5416B}"/>
+                  </a:ext>
+                </a:extLst>
+              </p:cNvPr>
+              <p:cNvSpPr txBox="1"/>
+              <p:nvPr/>
+            </p:nvSpPr>
+            <p:spPr>
+              <a:xfrm>
+                <a:off x="4736273" y="1997776"/>
+                <a:ext cx="1955472" cy="756426"/>
+              </a:xfrm>
+              <a:prstGeom prst="rect">
+                <a:avLst/>
+              </a:prstGeom>
+              <a:noFill/>
+            </p:spPr>
+            <p:txBody>
+              <a:bodyPr wrap="none" lIns="0" tIns="0" rIns="0" bIns="0" rtlCol="0">
+                <a:spAutoFit/>
+              </a:bodyPr>
+              <a:lstStyle/>
+              <a:p>
+                <a:pPr/>
+                <a14:m>
+                  <m:oMathPara xmlns:m="http://schemas.openxmlformats.org/officeDocument/2006/math">
+                    <m:oMathParaPr>
+                      <m:jc m:val="centerGroup"/>
+                    </m:oMathParaPr>
+                    <m:oMath xmlns:m="http://schemas.openxmlformats.org/officeDocument/2006/math">
+                      <m:d>
+                        <m:dPr>
+                          <m:begChr m:val="["/>
+                          <m:endChr m:val="]"/>
+                          <m:ctrlPr>
+                            <a:rPr lang="it-IT" i="1" smtClean="0">
+                              <a:latin typeface="Cambria Math" panose="02040503050406030204" pitchFamily="18" charset="0"/>
+                            </a:rPr>
+                          </m:ctrlPr>
+                        </m:dPr>
+                        <m:e>
+                          <m:m>
+                            <m:mPr>
+                              <m:mcs>
+                                <m:mc>
+                                  <m:mcPr>
+                                    <m:count m:val="4"/>
+                                    <m:mcJc m:val="center"/>
+                                  </m:mcPr>
+                                </m:mc>
+                              </m:mcs>
+                              <m:ctrlPr>
+                                <a:rPr lang="it-IT" b="0" i="1" smtClean="0">
+                                  <a:latin typeface="Cambria Math" panose="02040503050406030204" pitchFamily="18" charset="0"/>
+                                </a:rPr>
+                              </m:ctrlPr>
+                            </m:mPr>
+                            <m:mr>
+                              <m:e/>
+                              <m:e/>
+                              <m:e/>
+                              <m:e>
+                                <m:r>
+                                  <a:rPr lang="it-IT" b="0" i="1" smtClean="0">
+                                    <a:latin typeface="Cambria Math" panose="02040503050406030204" pitchFamily="18" charset="0"/>
+                                  </a:rPr>
+                                  <m:t>−5</m:t>
+                                </m:r>
+                              </m:e>
+                            </m:mr>
+                            <m:mr>
+                              <m:e/>
+                              <m:e/>
+                              <m:e/>
+                              <m:e>
+                                <m:r>
+                                  <a:rPr lang="it-IT" b="0" i="1" smtClean="0">
+                                    <a:latin typeface="Cambria Math" panose="02040503050406030204" pitchFamily="18" charset="0"/>
+                                  </a:rPr>
+                                  <m:t>1</m:t>
+                                </m:r>
+                              </m:e>
+                            </m:mr>
+                            <m:mr>
+                              <m:e/>
+                              <m:e/>
+                              <m:e>
+                                <m:r>
+                                  <a:rPr lang="it-IT" b="0" i="1" smtClean="0">
+                                    <a:latin typeface="Cambria Math" panose="02040503050406030204" pitchFamily="18" charset="0"/>
+                                  </a:rPr>
+                                  <m:t>−4</m:t>
+                                </m:r>
+                              </m:e>
+                              <m:e>
+                                <m:r>
+                                  <a:rPr lang="it-IT" b="0" i="1" smtClean="0">
+                                    <a:latin typeface="Cambria Math" panose="02040503050406030204" pitchFamily="18" charset="0"/>
+                                  </a:rPr>
+                                  <m:t>1</m:t>
+                                </m:r>
+                              </m:e>
+                            </m:mr>
+                          </m:m>
+                        </m:e>
+                      </m:d>
+                    </m:oMath>
+                  </m:oMathPara>
+                </a14:m>
+                <a:endParaRPr lang="it-IT" dirty="0"/>
+              </a:p>
+            </p:txBody>
+          </p:sp>
+        </mc:Choice>
+        <mc:Fallback xmlns="">
+          <p:sp>
+            <p:nvSpPr>
+              <p:cNvPr id="39" name="CasellaDiTesto 38">
+                <a:extLst>
+                  <a:ext uri="{FF2B5EF4-FFF2-40B4-BE49-F238E27FC236}">
+                    <a16:creationId xmlns:a16="http://schemas.microsoft.com/office/drawing/2014/main" id="{6C70E289-235D-497F-B801-3EB63FA5416B}"/>
+                  </a:ext>
+                </a:extLst>
+              </p:cNvPr>
+              <p:cNvSpPr txBox="1">
+                <a:spLocks noRot="1" noChangeAspect="1" noMove="1" noResize="1" noEditPoints="1" noAdjustHandles="1" noChangeArrowheads="1" noChangeShapeType="1" noTextEdit="1"/>
+              </p:cNvSpPr>
+              <p:nvPr/>
+            </p:nvSpPr>
+            <p:spPr>
+              <a:xfrm>
+                <a:off x="4736273" y="1997776"/>
+                <a:ext cx="1955472" cy="756426"/>
+              </a:xfrm>
+              <a:prstGeom prst="rect">
+                <a:avLst/>
+              </a:prstGeom>
+              <a:blipFill>
+                <a:blip r:embed="rId4"/>
+                <a:stretch>
+                  <a:fillRect/>
+                </a:stretch>
+              </a:blipFill>
+            </p:spPr>
+            <p:txBody>
+              <a:bodyPr/>
+              <a:lstStyle/>
+              <a:p>
+                <a:r>
+                  <a:rPr lang="it-IT">
+                    <a:noFill/>
+                  </a:rPr>
+                  <a:t> </a:t>
+                </a:r>
+              </a:p>
+            </p:txBody>
+          </p:sp>
+        </mc:Fallback>
+      </mc:AlternateContent>
+      <mc:AlternateContent xmlns:mc="http://schemas.openxmlformats.org/markup-compatibility/2006" xmlns:a14="http://schemas.microsoft.com/office/drawing/2010/main">
+        <mc:Choice Requires="a14">
+          <p:sp>
+            <p:nvSpPr>
+              <p:cNvPr id="40" name="CasellaDiTesto 39">
+                <a:extLst>
+                  <a:ext uri="{FF2B5EF4-FFF2-40B4-BE49-F238E27FC236}">
+                    <a16:creationId xmlns:a16="http://schemas.microsoft.com/office/drawing/2014/main" id="{C2615B6E-A09E-4F2E-AE77-D541D708075B}"/>
+                  </a:ext>
+                </a:extLst>
+              </p:cNvPr>
+              <p:cNvSpPr txBox="1"/>
+              <p:nvPr/>
+            </p:nvSpPr>
+            <p:spPr>
+              <a:xfrm>
+                <a:off x="1506911" y="3665876"/>
+                <a:ext cx="2109488" cy="884281"/>
+              </a:xfrm>
+              <a:prstGeom prst="rect">
+                <a:avLst/>
+              </a:prstGeom>
+              <a:noFill/>
+            </p:spPr>
+            <p:txBody>
+              <a:bodyPr wrap="none" lIns="0" tIns="0" rIns="0" bIns="0" rtlCol="0">
+                <a:spAutoFit/>
+              </a:bodyPr>
+              <a:lstStyle/>
+              <a:p>
+                <a:pPr/>
+                <a14:m>
+                  <m:oMathPara xmlns:m="http://schemas.openxmlformats.org/officeDocument/2006/math">
+                    <m:oMathParaPr>
+                      <m:jc m:val="centerGroup"/>
+                    </m:oMathParaPr>
+                    <m:oMath xmlns:m="http://schemas.openxmlformats.org/officeDocument/2006/math">
+                      <m:d>
+                        <m:dPr>
+                          <m:begChr m:val="{"/>
+                          <m:endChr m:val=""/>
+                          <m:ctrlPr>
+                            <a:rPr lang="it-IT" i="1" smtClean="0">
+                              <a:latin typeface="Cambria Math" panose="02040503050406030204" pitchFamily="18" charset="0"/>
+                            </a:rPr>
+                          </m:ctrlPr>
+                        </m:dPr>
+                        <m:e>
+                          <m:m>
+                            <m:mPr>
+                              <m:mcs>
+                                <m:mc>
+                                  <m:mcPr>
+                                    <m:count m:val="1"/>
+                                    <m:mcJc m:val="center"/>
+                                  </m:mcPr>
+                                </m:mc>
+                              </m:mcs>
+                              <m:ctrlPr>
+                                <a:rPr lang="it-IT" i="1" smtClean="0">
+                                  <a:solidFill>
+                                    <a:schemeClr val="tx1"/>
+                                  </a:solidFill>
+                                  <a:latin typeface="Cambria Math" panose="02040503050406030204" pitchFamily="18" charset="0"/>
+                                </a:rPr>
+                              </m:ctrlPr>
+                            </m:mPr>
+                            <m:mr>
+                              <m:e>
+                                <m:r>
+                                  <m:rPr>
+                                    <m:brk m:alnAt="7"/>
+                                  </m:rPr>
+                                  <a:rPr lang="it-IT" b="0" i="1" smtClean="0">
+                                    <a:solidFill>
+                                      <a:schemeClr val="tx1"/>
+                                    </a:solidFill>
+                                    <a:latin typeface="Cambria Math" panose="02040503050406030204" pitchFamily="18" charset="0"/>
+                                  </a:rPr>
+                                  <m:t>7</m:t>
+                                </m:r>
+                                <m:r>
+                                  <a:rPr lang="it-IT" b="0" i="1" smtClean="0">
+                                    <a:solidFill>
+                                      <a:schemeClr val="tx1"/>
+                                    </a:solidFill>
+                                    <a:latin typeface="Cambria Math" panose="02040503050406030204" pitchFamily="18" charset="0"/>
+                                  </a:rPr>
+                                  <m:t>𝑥</m:t>
+                                </m:r>
+                                <m:r>
+                                  <a:rPr lang="it-IT" b="0" i="1" smtClean="0">
+                                    <a:solidFill>
+                                      <a:schemeClr val="tx1"/>
+                                    </a:solidFill>
+                                    <a:latin typeface="Cambria Math" panose="02040503050406030204" pitchFamily="18" charset="0"/>
+                                  </a:rPr>
+                                  <m:t>+6</m:t>
+                                </m:r>
+                                <m:r>
+                                  <a:rPr lang="it-IT" b="0" i="1" smtClean="0">
+                                    <a:solidFill>
+                                      <a:schemeClr val="tx1"/>
+                                    </a:solidFill>
+                                    <a:latin typeface="Cambria Math" panose="02040503050406030204" pitchFamily="18" charset="0"/>
+                                  </a:rPr>
+                                  <m:t>𝑦</m:t>
+                                </m:r>
+                                <m:r>
+                                  <a:rPr lang="it-IT" b="0" i="1" smtClean="0">
+                                    <a:solidFill>
+                                      <a:schemeClr val="tx1"/>
+                                    </a:solidFill>
+                                    <a:latin typeface="Cambria Math" panose="02040503050406030204" pitchFamily="18" charset="0"/>
+                                  </a:rPr>
+                                  <m:t>+5</m:t>
+                                </m:r>
+                                <m:r>
+                                  <a:rPr lang="it-IT" b="0" i="1" smtClean="0">
+                                    <a:solidFill>
+                                      <a:schemeClr val="tx1"/>
+                                    </a:solidFill>
+                                    <a:latin typeface="Cambria Math" panose="02040503050406030204" pitchFamily="18" charset="0"/>
+                                  </a:rPr>
+                                  <m:t>𝑧</m:t>
+                                </m:r>
+                                <m:r>
+                                  <a:rPr lang="it-IT" b="0" i="1" smtClean="0">
+                                    <a:solidFill>
+                                      <a:schemeClr val="tx1"/>
+                                    </a:solidFill>
+                                    <a:latin typeface="Cambria Math" panose="02040503050406030204" pitchFamily="18" charset="0"/>
+                                  </a:rPr>
+                                  <m:t>=−5</m:t>
+                                </m:r>
+                              </m:e>
+                            </m:mr>
+                            <m:mr>
+                              <m:e>
+                                <m:r>
+                                  <a:rPr lang="it-IT" b="0" i="1" smtClean="0">
+                                    <a:solidFill>
+                                      <a:schemeClr val="tx1"/>
+                                    </a:solidFill>
+                                    <a:latin typeface="Cambria Math" panose="02040503050406030204" pitchFamily="18" charset="0"/>
+                                  </a:rPr>
+                                  <m:t>3</m:t>
+                                </m:r>
+                                <m:r>
+                                  <a:rPr lang="it-IT" b="0" i="1" smtClean="0">
+                                    <a:solidFill>
+                                      <a:schemeClr val="tx1"/>
+                                    </a:solidFill>
+                                    <a:latin typeface="Cambria Math" panose="02040503050406030204" pitchFamily="18" charset="0"/>
+                                  </a:rPr>
+                                  <m:t>𝑥</m:t>
+                                </m:r>
+                                <m:r>
+                                  <a:rPr lang="it-IT" b="0" i="1" smtClean="0">
+                                    <a:solidFill>
+                                      <a:schemeClr val="tx1"/>
+                                    </a:solidFill>
+                                    <a:latin typeface="Cambria Math" panose="02040503050406030204" pitchFamily="18" charset="0"/>
+                                  </a:rPr>
+                                  <m:t>−4</m:t>
+                                </m:r>
+                                <m:r>
+                                  <a:rPr lang="it-IT" b="0" i="1" smtClean="0">
+                                    <a:solidFill>
+                                      <a:schemeClr val="tx1"/>
+                                    </a:solidFill>
+                                    <a:latin typeface="Cambria Math" panose="02040503050406030204" pitchFamily="18" charset="0"/>
+                                  </a:rPr>
+                                  <m:t>𝑦</m:t>
+                                </m:r>
+                                <m:r>
+                                  <a:rPr lang="it-IT" b="0" i="1" smtClean="0">
+                                    <a:solidFill>
+                                      <a:schemeClr val="tx1"/>
+                                    </a:solidFill>
+                                    <a:latin typeface="Cambria Math" panose="02040503050406030204" pitchFamily="18" charset="0"/>
+                                  </a:rPr>
+                                  <m:t>+2</m:t>
+                                </m:r>
+                                <m:r>
+                                  <a:rPr lang="it-IT" b="0" i="1" smtClean="0">
+                                    <a:solidFill>
+                                      <a:schemeClr val="tx1"/>
+                                    </a:solidFill>
+                                    <a:latin typeface="Cambria Math" panose="02040503050406030204" pitchFamily="18" charset="0"/>
+                                  </a:rPr>
+                                  <m:t>𝑧</m:t>
+                                </m:r>
+                                <m:r>
+                                  <a:rPr lang="it-IT" b="0" i="1" smtClean="0">
+                                    <a:solidFill>
+                                      <a:schemeClr val="tx1"/>
+                                    </a:solidFill>
+                                    <a:latin typeface="Cambria Math" panose="02040503050406030204" pitchFamily="18" charset="0"/>
+                                  </a:rPr>
+                                  <m:t>=1</m:t>
+                                </m:r>
+                              </m:e>
+                            </m:mr>
+                            <m:mr>
+                              <m:e>
+                                <m:r>
+                                  <a:rPr lang="it-IT" b="0" i="1" smtClean="0">
+                                    <a:solidFill>
+                                      <a:schemeClr val="tx1"/>
+                                    </a:solidFill>
+                                    <a:latin typeface="Cambria Math" panose="02040503050406030204" pitchFamily="18" charset="0"/>
+                                  </a:rPr>
+                                  <m:t>−5</m:t>
+                                </m:r>
+                                <m:r>
+                                  <a:rPr lang="it-IT" b="0" i="1" smtClean="0">
+                                    <a:solidFill>
+                                      <a:schemeClr val="tx1"/>
+                                    </a:solidFill>
+                                    <a:latin typeface="Cambria Math" panose="02040503050406030204" pitchFamily="18" charset="0"/>
+                                  </a:rPr>
+                                  <m:t>𝑥</m:t>
+                                </m:r>
+                                <m:r>
+                                  <a:rPr lang="it-IT" b="0" i="1" smtClean="0">
+                                    <a:solidFill>
+                                      <a:schemeClr val="tx1"/>
+                                    </a:solidFill>
+                                    <a:latin typeface="Cambria Math" panose="02040503050406030204" pitchFamily="18" charset="0"/>
+                                  </a:rPr>
+                                  <m:t>+6</m:t>
+                                </m:r>
+                                <m:r>
+                                  <a:rPr lang="it-IT" b="0" i="1" smtClean="0">
+                                    <a:solidFill>
+                                      <a:schemeClr val="tx1"/>
+                                    </a:solidFill>
+                                    <a:latin typeface="Cambria Math" panose="02040503050406030204" pitchFamily="18" charset="0"/>
+                                  </a:rPr>
+                                  <m:t>𝑦</m:t>
+                                </m:r>
+                                <m:r>
+                                  <a:rPr lang="it-IT" b="0" i="1" smtClean="0">
+                                    <a:solidFill>
+                                      <a:schemeClr val="tx1"/>
+                                    </a:solidFill>
+                                    <a:latin typeface="Cambria Math" panose="02040503050406030204" pitchFamily="18" charset="0"/>
+                                  </a:rPr>
+                                  <m:t>−4</m:t>
+                                </m:r>
+                                <m:r>
+                                  <a:rPr lang="it-IT" b="0" i="1" smtClean="0">
+                                    <a:solidFill>
+                                      <a:schemeClr val="tx1"/>
+                                    </a:solidFill>
+                                    <a:latin typeface="Cambria Math" panose="02040503050406030204" pitchFamily="18" charset="0"/>
+                                  </a:rPr>
+                                  <m:t>𝑧</m:t>
+                                </m:r>
+                                <m:r>
+                                  <a:rPr lang="it-IT" b="0" i="1" smtClean="0">
+                                    <a:solidFill>
+                                      <a:schemeClr val="tx1"/>
+                                    </a:solidFill>
+                                    <a:latin typeface="Cambria Math" panose="02040503050406030204" pitchFamily="18" charset="0"/>
+                                  </a:rPr>
+                                  <m:t>=1</m:t>
+                                </m:r>
+                              </m:e>
+                            </m:mr>
+                          </m:m>
+                        </m:e>
+                      </m:d>
+                    </m:oMath>
+                  </m:oMathPara>
+                </a14:m>
+                <a:endParaRPr lang="it-IT" dirty="0"/>
+              </a:p>
+            </p:txBody>
+          </p:sp>
+        </mc:Choice>
+        <mc:Fallback xmlns="">
+          <p:sp>
+            <p:nvSpPr>
+              <p:cNvPr id="40" name="CasellaDiTesto 39">
+                <a:extLst>
+                  <a:ext uri="{FF2B5EF4-FFF2-40B4-BE49-F238E27FC236}">
+                    <a16:creationId xmlns:a16="http://schemas.microsoft.com/office/drawing/2014/main" id="{C2615B6E-A09E-4F2E-AE77-D541D708075B}"/>
+                  </a:ext>
+                </a:extLst>
+              </p:cNvPr>
+              <p:cNvSpPr txBox="1">
+                <a:spLocks noRot="1" noChangeAspect="1" noMove="1" noResize="1" noEditPoints="1" noAdjustHandles="1" noChangeArrowheads="1" noChangeShapeType="1" noTextEdit="1"/>
+              </p:cNvSpPr>
+              <p:nvPr/>
+            </p:nvSpPr>
+            <p:spPr>
+              <a:xfrm>
+                <a:off x="1506911" y="3665876"/>
+                <a:ext cx="2109488" cy="884281"/>
+              </a:xfrm>
+              <a:prstGeom prst="rect">
+                <a:avLst/>
+              </a:prstGeom>
+              <a:blipFill>
+                <a:blip r:embed="rId5"/>
+                <a:stretch>
+                  <a:fillRect/>
+                </a:stretch>
+              </a:blipFill>
+            </p:spPr>
+            <p:txBody>
+              <a:bodyPr/>
+              <a:lstStyle/>
+              <a:p>
+                <a:r>
+                  <a:rPr lang="it-IT">
+                    <a:noFill/>
+                  </a:rPr>
+                  <a:t> </a:t>
+                </a:r>
+              </a:p>
+            </p:txBody>
+          </p:sp>
+        </mc:Fallback>
+      </mc:AlternateContent>
+      <mc:AlternateContent xmlns:mc="http://schemas.openxmlformats.org/markup-compatibility/2006" xmlns:a14="http://schemas.microsoft.com/office/drawing/2010/main">
+        <mc:Choice Requires="a14">
+          <p:sp>
+            <p:nvSpPr>
+              <p:cNvPr id="41" name="CasellaDiTesto 40">
+                <a:extLst>
+                  <a:ext uri="{FF2B5EF4-FFF2-40B4-BE49-F238E27FC236}">
+                    <a16:creationId xmlns:a16="http://schemas.microsoft.com/office/drawing/2014/main" id="{6641B9DA-8D89-442E-BF7F-40C5C81F0C74}"/>
+                  </a:ext>
+                </a:extLst>
+              </p:cNvPr>
+              <p:cNvSpPr txBox="1"/>
+              <p:nvPr/>
+            </p:nvSpPr>
+            <p:spPr>
+              <a:xfrm>
+                <a:off x="4736273" y="3851215"/>
+                <a:ext cx="2135008" cy="738215"/>
+              </a:xfrm>
+              <a:prstGeom prst="rect">
+                <a:avLst/>
+              </a:prstGeom>
+              <a:noFill/>
+            </p:spPr>
+            <p:txBody>
+              <a:bodyPr wrap="none" lIns="0" tIns="0" rIns="0" bIns="0" rtlCol="0">
+                <a:spAutoFit/>
+              </a:bodyPr>
+              <a:lstStyle/>
+              <a:p>
+                <a:pPr/>
+                <a14:m>
+                  <m:oMathPara xmlns:m="http://schemas.openxmlformats.org/officeDocument/2006/math">
+                    <m:oMathParaPr>
+                      <m:jc m:val="centerGroup"/>
+                    </m:oMathParaPr>
+                    <m:oMath xmlns:m="http://schemas.openxmlformats.org/officeDocument/2006/math">
+                      <m:d>
+                        <m:dPr>
+                          <m:begChr m:val="["/>
+                          <m:endChr m:val="]"/>
+                          <m:ctrlPr>
+                            <a:rPr lang="it-IT" i="1" smtClean="0">
+                              <a:latin typeface="Cambria Math" panose="02040503050406030204" pitchFamily="18" charset="0"/>
+                            </a:rPr>
+                          </m:ctrlPr>
+                        </m:dPr>
+                        <m:e>
+                          <m:m>
+                            <m:mPr>
+                              <m:mcs>
+                                <m:mc>
+                                  <m:mcPr>
+                                    <m:count m:val="4"/>
+                                    <m:mcJc m:val="center"/>
+                                  </m:mcPr>
+                                </m:mc>
+                              </m:mcs>
+                              <m:ctrlPr>
+                                <a:rPr lang="it-IT" b="0" i="1" smtClean="0">
+                                  <a:latin typeface="Cambria Math" panose="02040503050406030204" pitchFamily="18" charset="0"/>
+                                </a:rPr>
+                              </m:ctrlPr>
+                            </m:mPr>
+                            <m:mr>
+                              <m:e>
+                                <m:r>
+                                  <m:rPr>
+                                    <m:brk m:alnAt="7"/>
+                                  </m:rPr>
+                                  <a:rPr lang="it-IT" b="0" i="1" smtClean="0">
+                                    <a:latin typeface="Cambria Math" panose="02040503050406030204" pitchFamily="18" charset="0"/>
+                                  </a:rPr>
+                                  <m:t>7</m:t>
+                                </m:r>
+                              </m:e>
+                              <m:e>
+                                <m:r>
+                                  <a:rPr lang="it-IT" b="0" i="1" smtClean="0">
+                                    <a:latin typeface="Cambria Math" panose="02040503050406030204" pitchFamily="18" charset="0"/>
+                                  </a:rPr>
+                                  <m:t>6</m:t>
+                                </m:r>
+                              </m:e>
+                              <m:e>
+                                <m:r>
+                                  <a:rPr lang="it-IT" b="0" i="1" smtClean="0">
+                                    <a:latin typeface="Cambria Math" panose="02040503050406030204" pitchFamily="18" charset="0"/>
+                                  </a:rPr>
+                                  <m:t>5</m:t>
+                                </m:r>
+                              </m:e>
+                              <m:e>
+                                <m:r>
+                                  <a:rPr lang="it-IT" b="0" i="1" smtClean="0">
+                                    <a:latin typeface="Cambria Math" panose="02040503050406030204" pitchFamily="18" charset="0"/>
+                                  </a:rPr>
+                                  <m:t>−5</m:t>
+                                </m:r>
+                              </m:e>
+                            </m:mr>
+                            <m:mr>
+                              <m:e>
+                                <m:r>
+                                  <a:rPr lang="it-IT" b="0" i="1" smtClean="0">
+                                    <a:latin typeface="Cambria Math" panose="02040503050406030204" pitchFamily="18" charset="0"/>
+                                  </a:rPr>
+                                  <m:t>3</m:t>
+                                </m:r>
+                              </m:e>
+                              <m:e>
+                                <m:r>
+                                  <a:rPr lang="it-IT" b="0" i="1" smtClean="0">
+                                    <a:latin typeface="Cambria Math" panose="02040503050406030204" pitchFamily="18" charset="0"/>
+                                  </a:rPr>
+                                  <m:t>−4</m:t>
+                                </m:r>
+                              </m:e>
+                              <m:e>
+                                <m:r>
+                                  <a:rPr lang="it-IT" b="0" i="1" smtClean="0">
+                                    <a:latin typeface="Cambria Math" panose="02040503050406030204" pitchFamily="18" charset="0"/>
+                                  </a:rPr>
+                                  <m:t>2</m:t>
+                                </m:r>
+                              </m:e>
+                              <m:e>
+                                <m:r>
+                                  <a:rPr lang="it-IT" b="0" i="1" smtClean="0">
+                                    <a:latin typeface="Cambria Math" panose="02040503050406030204" pitchFamily="18" charset="0"/>
+                                  </a:rPr>
+                                  <m:t>1</m:t>
+                                </m:r>
+                              </m:e>
+                            </m:mr>
+                            <m:mr>
+                              <m:e>
+                                <m:r>
+                                  <a:rPr lang="it-IT" b="0" i="1" smtClean="0">
+                                    <a:latin typeface="Cambria Math" panose="02040503050406030204" pitchFamily="18" charset="0"/>
+                                  </a:rPr>
+                                  <m:t>−5</m:t>
+                                </m:r>
+                              </m:e>
+                              <m:e>
+                                <m:r>
+                                  <a:rPr lang="it-IT" b="0" i="1" smtClean="0">
+                                    <a:latin typeface="Cambria Math" panose="02040503050406030204" pitchFamily="18" charset="0"/>
+                                  </a:rPr>
+                                  <m:t>6</m:t>
+                                </m:r>
+                              </m:e>
+                              <m:e>
+                                <m:r>
+                                  <a:rPr lang="it-IT" b="0" i="1" smtClean="0">
+                                    <a:latin typeface="Cambria Math" panose="02040503050406030204" pitchFamily="18" charset="0"/>
+                                  </a:rPr>
+                                  <m:t>−4</m:t>
+                                </m:r>
+                              </m:e>
+                              <m:e>
+                                <m:r>
+                                  <a:rPr lang="it-IT" b="0" i="1" smtClean="0">
+                                    <a:latin typeface="Cambria Math" panose="02040503050406030204" pitchFamily="18" charset="0"/>
+                                  </a:rPr>
+                                  <m:t>1</m:t>
+                                </m:r>
+                              </m:e>
+                            </m:mr>
+                          </m:m>
+                        </m:e>
+                      </m:d>
+                    </m:oMath>
+                  </m:oMathPara>
+                </a14:m>
+                <a:endParaRPr lang="it-IT" dirty="0"/>
+              </a:p>
+            </p:txBody>
+          </p:sp>
+        </mc:Choice>
+        <mc:Fallback xmlns="">
+          <p:sp>
+            <p:nvSpPr>
+              <p:cNvPr id="41" name="CasellaDiTesto 40">
+                <a:extLst>
+                  <a:ext uri="{FF2B5EF4-FFF2-40B4-BE49-F238E27FC236}">
+                    <a16:creationId xmlns:a16="http://schemas.microsoft.com/office/drawing/2014/main" id="{6641B9DA-8D89-442E-BF7F-40C5C81F0C74}"/>
+                  </a:ext>
+                </a:extLst>
+              </p:cNvPr>
+              <p:cNvSpPr txBox="1">
+                <a:spLocks noRot="1" noChangeAspect="1" noMove="1" noResize="1" noEditPoints="1" noAdjustHandles="1" noChangeArrowheads="1" noChangeShapeType="1" noTextEdit="1"/>
+              </p:cNvSpPr>
+              <p:nvPr/>
+            </p:nvSpPr>
+            <p:spPr>
+              <a:xfrm>
+                <a:off x="4736273" y="3851215"/>
+                <a:ext cx="2135008" cy="738215"/>
+              </a:xfrm>
+              <a:prstGeom prst="rect">
+                <a:avLst/>
+              </a:prstGeom>
+              <a:blipFill>
+                <a:blip r:embed="rId6"/>
+                <a:stretch>
+                  <a:fillRect/>
+                </a:stretch>
+              </a:blipFill>
+            </p:spPr>
+            <p:txBody>
+              <a:bodyPr/>
+              <a:lstStyle/>
+              <a:p>
+                <a:r>
+                  <a:rPr lang="it-IT">
+                    <a:noFill/>
+                  </a:rPr>
+                  <a:t> </a:t>
+                </a:r>
+              </a:p>
+            </p:txBody>
+          </p:sp>
+        </mc:Fallback>
+      </mc:AlternateContent>
+      <p:sp>
+        <p:nvSpPr>
+          <p:cNvPr id="42" name="Rettangolo ad angolo ripiegato 41">
+            <a:extLst>
+              <a:ext uri="{FF2B5EF4-FFF2-40B4-BE49-F238E27FC236}">
+                <a16:creationId xmlns:a16="http://schemas.microsoft.com/office/drawing/2014/main" id="{AA6B798D-138D-4808-A2E1-0AFB89FE1F4F}"/>
+              </a:ext>
+            </a:extLst>
+          </p:cNvPr>
+          <p:cNvSpPr/>
+          <p:nvPr/>
+        </p:nvSpPr>
+        <p:spPr>
+          <a:xfrm>
+            <a:off x="9581240" y="194443"/>
+            <a:ext cx="2367953" cy="6469828"/>
+          </a:xfrm>
+          <a:prstGeom prst="foldedCorner">
+            <a:avLst/>
+          </a:prstGeom>
+        </p:spPr>
+        <p:style>
+          <a:lnRef idx="2">
+            <a:schemeClr val="accent1">
+              <a:shade val="50000"/>
+            </a:schemeClr>
+          </a:lnRef>
+          <a:fillRef idx="1">
+            <a:schemeClr val="accent1"/>
+          </a:fillRef>
+          <a:effectRef idx="0">
+            <a:schemeClr val="accent1"/>
+          </a:effectRef>
+          <a:fontRef idx="minor">
+            <a:schemeClr val="lt1"/>
+          </a:fontRef>
+        </p:style>
+        <p:txBody>
+          <a:bodyPr rtlCol="0" anchor="ctr"/>
+          <a:lstStyle/>
+          <a:p>
+            <a:r>
+              <a:rPr lang="it-IT" dirty="0"/>
+              <a:t>Note:</a:t>
+            </a:r>
+          </a:p>
+          <a:p>
+            <a:r>
+              <a:rPr lang="it-IT" dirty="0"/>
+              <a:t>L’idea è di generare un sistema random e lasciare una matrice vuota da completare con un check per verificare la correttezza.</a:t>
+            </a:r>
+          </a:p>
+          <a:p>
+            <a:r>
+              <a:rPr lang="it-IT" dirty="0"/>
+              <a:t>Caso 1: sistema ordinato</a:t>
+            </a:r>
+          </a:p>
+          <a:p>
+            <a:r>
+              <a:rPr lang="it-IT" dirty="0"/>
+              <a:t>Caso 2: sistema disordinato con un «</a:t>
+            </a:r>
+            <a:r>
+              <a:rPr lang="it-IT" dirty="0" err="1"/>
+              <a:t>hint</a:t>
+            </a:r>
+            <a:r>
+              <a:rPr lang="it-IT" dirty="0"/>
+              <a:t>» nascosto che lo studente può cliccare nel caso non capisca come risolvere l’esercizio.</a:t>
+            </a:r>
+          </a:p>
+          <a:p>
+            <a:r>
+              <a:rPr lang="it-IT" dirty="0"/>
+              <a:t>Se si può fare bene, altrimenti ripensiamo qualcosa.</a:t>
+            </a:r>
+          </a:p>
+        </p:txBody>
+      </p:sp>
+      <p:sp>
+        <p:nvSpPr>
+          <p:cNvPr id="43" name="Rettangolo con angoli arrotondati 42">
+            <a:extLst>
+              <a:ext uri="{FF2B5EF4-FFF2-40B4-BE49-F238E27FC236}">
+                <a16:creationId xmlns:a16="http://schemas.microsoft.com/office/drawing/2014/main" id="{BACC595E-2CB6-4694-9E33-D9C1B1F88290}"/>
+              </a:ext>
+            </a:extLst>
+          </p:cNvPr>
+          <p:cNvSpPr/>
+          <p:nvPr/>
+        </p:nvSpPr>
+        <p:spPr>
+          <a:xfrm>
+            <a:off x="7096206" y="2183626"/>
+            <a:ext cx="2094290" cy="384725"/>
+          </a:xfrm>
+          <a:prstGeom prst="roundRect">
+            <a:avLst/>
+          </a:prstGeom>
+        </p:spPr>
+        <p:style>
+          <a:lnRef idx="2">
+            <a:schemeClr val="accent3">
+              <a:shade val="50000"/>
+            </a:schemeClr>
+          </a:lnRef>
+          <a:fillRef idx="1">
+            <a:schemeClr val="accent3"/>
+          </a:fillRef>
+          <a:effectRef idx="0">
+            <a:schemeClr val="accent3"/>
+          </a:effectRef>
+          <a:fontRef idx="minor">
+            <a:schemeClr val="lt1"/>
+          </a:fontRef>
+        </p:style>
+        <p:txBody>
+          <a:bodyPr rtlCol="0" anchor="ctr"/>
+          <a:lstStyle/>
+          <a:p>
+            <a:pPr algn="ctr"/>
+            <a:r>
+              <a:rPr lang="it-IT" sz="2800" dirty="0">
+                <a:solidFill>
+                  <a:schemeClr val="tx1"/>
+                </a:solidFill>
+              </a:rPr>
+              <a:t>Verifica</a:t>
+            </a:r>
+          </a:p>
+        </p:txBody>
+      </p:sp>
+      <p:sp>
+        <p:nvSpPr>
+          <p:cNvPr id="44" name="Rettangolo con angoli arrotondati 43">
+            <a:extLst>
+              <a:ext uri="{FF2B5EF4-FFF2-40B4-BE49-F238E27FC236}">
+                <a16:creationId xmlns:a16="http://schemas.microsoft.com/office/drawing/2014/main" id="{6E073523-679B-4E5B-B5D5-156A13227351}"/>
+              </a:ext>
+            </a:extLst>
+          </p:cNvPr>
+          <p:cNvSpPr/>
+          <p:nvPr/>
+        </p:nvSpPr>
+        <p:spPr>
+          <a:xfrm>
+            <a:off x="7096206" y="4185945"/>
+            <a:ext cx="2094290" cy="384725"/>
+          </a:xfrm>
+          <a:prstGeom prst="roundRect">
+            <a:avLst/>
+          </a:prstGeom>
+        </p:spPr>
+        <p:style>
+          <a:lnRef idx="2">
+            <a:schemeClr val="accent3">
+              <a:shade val="50000"/>
+            </a:schemeClr>
+          </a:lnRef>
+          <a:fillRef idx="1">
+            <a:schemeClr val="accent3"/>
+          </a:fillRef>
+          <a:effectRef idx="0">
+            <a:schemeClr val="accent3"/>
+          </a:effectRef>
+          <a:fontRef idx="minor">
+            <a:schemeClr val="lt1"/>
+          </a:fontRef>
+        </p:style>
+        <p:txBody>
+          <a:bodyPr rtlCol="0" anchor="ctr"/>
+          <a:lstStyle/>
+          <a:p>
+            <a:pPr algn="ctr"/>
+            <a:r>
+              <a:rPr lang="it-IT" sz="2800" dirty="0">
+                <a:solidFill>
+                  <a:schemeClr val="tx1"/>
+                </a:solidFill>
+              </a:rPr>
+              <a:t>Verifica</a:t>
+            </a:r>
+          </a:p>
+        </p:txBody>
+      </p:sp>
+      <p:sp>
+        <p:nvSpPr>
+          <p:cNvPr id="45" name="Rettangolo con angoli arrotondati 44">
+            <a:extLst>
+              <a:ext uri="{FF2B5EF4-FFF2-40B4-BE49-F238E27FC236}">
+                <a16:creationId xmlns:a16="http://schemas.microsoft.com/office/drawing/2014/main" id="{C405F399-810B-49D7-9E63-61BFE4975DA5}"/>
+              </a:ext>
+            </a:extLst>
+          </p:cNvPr>
+          <p:cNvSpPr/>
+          <p:nvPr/>
+        </p:nvSpPr>
+        <p:spPr>
+          <a:xfrm>
+            <a:off x="7089348" y="3723291"/>
+            <a:ext cx="2094290" cy="384725"/>
+          </a:xfrm>
+          <a:prstGeom prst="roundRect">
+            <a:avLst/>
+          </a:prstGeom>
+        </p:spPr>
+        <p:style>
+          <a:lnRef idx="2">
+            <a:schemeClr val="accent3">
+              <a:shade val="50000"/>
+            </a:schemeClr>
+          </a:lnRef>
+          <a:fillRef idx="1">
+            <a:schemeClr val="accent3"/>
+          </a:fillRef>
+          <a:effectRef idx="0">
+            <a:schemeClr val="accent3"/>
+          </a:effectRef>
+          <a:fontRef idx="minor">
+            <a:schemeClr val="lt1"/>
+          </a:fontRef>
+        </p:style>
+        <p:txBody>
+          <a:bodyPr rtlCol="0" anchor="ctr"/>
+          <a:lstStyle/>
+          <a:p>
+            <a:pPr algn="ctr"/>
+            <a:r>
+              <a:rPr lang="it-IT" sz="2800" dirty="0">
+                <a:solidFill>
+                  <a:schemeClr val="tx1"/>
+                </a:solidFill>
+              </a:rPr>
+              <a:t>Aiuto</a:t>
+            </a:r>
+          </a:p>
+        </p:txBody>
+      </p:sp>
+      <p:sp>
+        <p:nvSpPr>
+          <p:cNvPr id="46" name="Rettangolo con angoli arrotondati 45">
+            <a:extLst>
+              <a:ext uri="{FF2B5EF4-FFF2-40B4-BE49-F238E27FC236}">
+                <a16:creationId xmlns:a16="http://schemas.microsoft.com/office/drawing/2014/main" id="{ABEE7711-A715-4258-8CC2-1E79F7F6DD39}"/>
+              </a:ext>
+            </a:extLst>
+          </p:cNvPr>
+          <p:cNvSpPr/>
+          <p:nvPr/>
+        </p:nvSpPr>
+        <p:spPr>
+          <a:xfrm>
+            <a:off x="1266260" y="5792148"/>
+            <a:ext cx="3104262" cy="384725"/>
+          </a:xfrm>
+          <a:prstGeom prst="roundRect">
+            <a:avLst/>
+          </a:prstGeom>
+        </p:spPr>
+        <p:style>
+          <a:lnRef idx="2">
+            <a:schemeClr val="accent3">
+              <a:shade val="50000"/>
+            </a:schemeClr>
+          </a:lnRef>
+          <a:fillRef idx="1">
+            <a:schemeClr val="accent3"/>
+          </a:fillRef>
+          <a:effectRef idx="0">
+            <a:schemeClr val="accent3"/>
+          </a:effectRef>
+          <a:fontRef idx="minor">
+            <a:schemeClr val="lt1"/>
+          </a:fontRef>
+        </p:style>
+        <p:txBody>
+          <a:bodyPr rtlCol="0" anchor="ctr"/>
+          <a:lstStyle/>
+          <a:p>
+            <a:pPr algn="ctr"/>
+            <a:r>
+              <a:rPr lang="it-IT" sz="2800" dirty="0">
+                <a:solidFill>
+                  <a:schemeClr val="tx1"/>
+                </a:solidFill>
+              </a:rPr>
+              <a:t>Torna alla teoria</a:t>
+            </a:r>
+          </a:p>
+        </p:txBody>
+      </p:sp>
+    </p:spTree>
+    <p:extLst>
+      <p:ext uri="{BB962C8B-B14F-4D97-AF65-F5344CB8AC3E}">
+        <p14:creationId xmlns:p14="http://schemas.microsoft.com/office/powerpoint/2010/main" val="1921842211"/>
+      </p:ext>
+    </p:extLst>
+  </p:cSld>
+  <p:clrMapOvr>
+    <a:masterClrMapping/>
+  </p:clrMapOvr>
+</p:sld>
+</file>
+
 <file path=ppt/slides/slide2.xml><?xml version="1.0" encoding="utf-8"?>
+<p:sld xmlns:a="http://schemas.openxmlformats.org/drawingml/2006/main" xmlns:r="http://schemas.openxmlformats.org/officeDocument/2006/relationships" xmlns:p="http://schemas.openxmlformats.org/presentationml/2006/main">
+  <p:cSld>
+    <p:spTree>
+      <p:nvGrpSpPr>
+        <p:cNvPr id="1" name=""/>
+        <p:cNvGrpSpPr/>
+        <p:nvPr/>
+      </p:nvGrpSpPr>
+      <p:grpSpPr>
+        <a:xfrm>
+          <a:off x="0" y="0"/>
+          <a:ext cx="0" cy="0"/>
+          <a:chOff x="0" y="0"/>
+          <a:chExt cx="0" cy="0"/>
+        </a:xfrm>
+      </p:grpSpPr>
+      <p:pic>
+        <p:nvPicPr>
+          <p:cNvPr id="5" name="Segnaposto contenuto 4">
+            <a:extLst>
+              <a:ext uri="{FF2B5EF4-FFF2-40B4-BE49-F238E27FC236}">
+                <a16:creationId xmlns:a16="http://schemas.microsoft.com/office/drawing/2014/main" id="{4C64A0B0-08A3-4E95-8821-2710B5D7398D}"/>
+              </a:ext>
+            </a:extLst>
+          </p:cNvPr>
+          <p:cNvPicPr>
+            <a:picLocks noGrp="1" noChangeAspect="1"/>
+          </p:cNvPicPr>
+          <p:nvPr>
+            <p:ph idx="1"/>
+          </p:nvPr>
+        </p:nvPicPr>
+        <p:blipFill>
+          <a:blip r:embed="rId2">
+            <a:extLst>
+              <a:ext uri="{28A0092B-C50C-407E-A947-70E740481C1C}">
+                <a14:useLocalDpi xmlns:a14="http://schemas.microsoft.com/office/drawing/2010/main" val="0"/>
+              </a:ext>
+            </a:extLst>
+          </a:blip>
+          <a:stretch>
+            <a:fillRect/>
+          </a:stretch>
+        </p:blipFill>
+        <p:spPr>
+          <a:xfrm>
+            <a:off x="171773" y="130271"/>
+            <a:ext cx="11897368" cy="4410731"/>
+          </a:xfrm>
+        </p:spPr>
+      </p:pic>
+    </p:spTree>
+    <p:extLst>
+      <p:ext uri="{BB962C8B-B14F-4D97-AF65-F5344CB8AC3E}">
+        <p14:creationId xmlns:p14="http://schemas.microsoft.com/office/powerpoint/2010/main" val="1041280205"/>
+      </p:ext>
+    </p:extLst>
+  </p:cSld>
+  <p:clrMapOvr>
+    <a:masterClrMapping/>
+  </p:clrMapOvr>
+</p:sld>
+</file>
+
+<file path=ppt/slides/slide3.xml><?xml version="1.0" encoding="utf-8"?>
+<p:sld xmlns:a="http://schemas.openxmlformats.org/drawingml/2006/main" xmlns:r="http://schemas.openxmlformats.org/officeDocument/2006/relationships" xmlns:p="http://schemas.openxmlformats.org/presentationml/2006/main">
+  <p:cSld>
+    <p:spTree>
+      <p:nvGrpSpPr>
+        <p:cNvPr id="1" name=""/>
+        <p:cNvGrpSpPr/>
+        <p:nvPr/>
+      </p:nvGrpSpPr>
+      <p:grpSpPr>
+        <a:xfrm>
+          <a:off x="0" y="0"/>
+          <a:ext cx="0" cy="0"/>
+          <a:chOff x="0" y="0"/>
+          <a:chExt cx="0" cy="0"/>
+        </a:xfrm>
+      </p:grpSpPr>
+      <p:pic>
+        <p:nvPicPr>
+          <p:cNvPr id="5" name="Immagine 4">
+            <a:extLst>
+              <a:ext uri="{FF2B5EF4-FFF2-40B4-BE49-F238E27FC236}">
+                <a16:creationId xmlns:a16="http://schemas.microsoft.com/office/drawing/2014/main" id="{9234A203-F684-4DF6-80AC-177C84A3C8CA}"/>
+              </a:ext>
+            </a:extLst>
+          </p:cNvPr>
+          <p:cNvPicPr>
+            <a:picLocks noChangeAspect="1"/>
+          </p:cNvPicPr>
+          <p:nvPr/>
+        </p:nvPicPr>
+        <p:blipFill>
+          <a:blip r:embed="rId2">
+            <a:extLst>
+              <a:ext uri="{28A0092B-C50C-407E-A947-70E740481C1C}">
+                <a14:useLocalDpi xmlns:a14="http://schemas.microsoft.com/office/drawing/2010/main" val="0"/>
+              </a:ext>
+            </a:extLst>
+          </a:blip>
+          <a:stretch>
+            <a:fillRect/>
+          </a:stretch>
+        </p:blipFill>
+        <p:spPr>
+          <a:xfrm>
+            <a:off x="0" y="0"/>
+            <a:ext cx="12192000" cy="6689558"/>
+          </a:xfrm>
+          <a:prstGeom prst="rect">
+            <a:avLst/>
+          </a:prstGeom>
+        </p:spPr>
+      </p:pic>
+      <p:sp>
+        <p:nvSpPr>
+          <p:cNvPr id="6" name="CasellaDiTesto 5">
+            <a:extLst>
+              <a:ext uri="{FF2B5EF4-FFF2-40B4-BE49-F238E27FC236}">
+                <a16:creationId xmlns:a16="http://schemas.microsoft.com/office/drawing/2014/main" id="{B825BDB0-1D3D-4695-9334-E7E91B86145D}"/>
+              </a:ext>
+            </a:extLst>
+          </p:cNvPr>
+          <p:cNvSpPr txBox="1"/>
+          <p:nvPr/>
+        </p:nvSpPr>
+        <p:spPr>
+          <a:xfrm>
+            <a:off x="0" y="1239864"/>
+            <a:ext cx="11561736" cy="369332"/>
+          </a:xfrm>
+          <a:prstGeom prst="rect">
+            <a:avLst/>
+          </a:prstGeom>
+          <a:noFill/>
+        </p:spPr>
+        <p:txBody>
+          <a:bodyPr wrap="square" rtlCol="0">
+            <a:spAutoFit/>
+          </a:bodyPr>
+          <a:lstStyle/>
+          <a:p>
+            <a:r>
+              <a:rPr lang="it-IT" dirty="0"/>
+              <a:t>Risolto per via grafica con metodo delle rette su piano cartesiano.</a:t>
+            </a:r>
+          </a:p>
+        </p:txBody>
+      </p:sp>
+    </p:spTree>
+    <p:extLst>
+      <p:ext uri="{BB962C8B-B14F-4D97-AF65-F5344CB8AC3E}">
+        <p14:creationId xmlns:p14="http://schemas.microsoft.com/office/powerpoint/2010/main" val="82014777"/>
+      </p:ext>
+    </p:extLst>
+  </p:cSld>
+  <p:clrMapOvr>
+    <a:masterClrMapping/>
+  </p:clrMapOvr>
+</p:sld>
+</file>
+
+<file path=ppt/slides/slide4.xml><?xml version="1.0" encoding="utf-8"?>
+<p:sld xmlns:a="http://schemas.openxmlformats.org/drawingml/2006/main" xmlns:r="http://schemas.openxmlformats.org/officeDocument/2006/relationships" xmlns:p="http://schemas.openxmlformats.org/presentationml/2006/main">
+  <p:cSld>
+    <p:spTree>
+      <p:nvGrpSpPr>
+        <p:cNvPr id="1" name=""/>
+        <p:cNvGrpSpPr/>
+        <p:nvPr/>
+      </p:nvGrpSpPr>
+      <p:grpSpPr>
+        <a:xfrm>
+          <a:off x="0" y="0"/>
+          <a:ext cx="0" cy="0"/>
+          <a:chOff x="0" y="0"/>
+          <a:chExt cx="0" cy="0"/>
+        </a:xfrm>
+      </p:grpSpPr>
+      <p:pic>
+        <p:nvPicPr>
+          <p:cNvPr id="5" name="Immagine 4">
+            <a:extLst>
+              <a:ext uri="{FF2B5EF4-FFF2-40B4-BE49-F238E27FC236}">
+                <a16:creationId xmlns:a16="http://schemas.microsoft.com/office/drawing/2014/main" id="{9234A203-F684-4DF6-80AC-177C84A3C8CA}"/>
+              </a:ext>
+            </a:extLst>
+          </p:cNvPr>
+          <p:cNvPicPr>
+            <a:picLocks noChangeAspect="1"/>
+          </p:cNvPicPr>
+          <p:nvPr/>
+        </p:nvPicPr>
+        <p:blipFill>
+          <a:blip r:embed="rId2">
+            <a:extLst>
+              <a:ext uri="{28A0092B-C50C-407E-A947-70E740481C1C}">
+                <a14:useLocalDpi xmlns:a14="http://schemas.microsoft.com/office/drawing/2010/main" val="0"/>
+              </a:ext>
+            </a:extLst>
+          </a:blip>
+          <a:stretch>
+            <a:fillRect/>
+          </a:stretch>
+        </p:blipFill>
+        <p:spPr>
+          <a:xfrm>
+            <a:off x="0" y="0"/>
+            <a:ext cx="12192000" cy="6689558"/>
+          </a:xfrm>
+          <a:prstGeom prst="rect">
+            <a:avLst/>
+          </a:prstGeom>
+        </p:spPr>
+      </p:pic>
+      <p:sp>
+        <p:nvSpPr>
+          <p:cNvPr id="6" name="CasellaDiTesto 5">
+            <a:extLst>
+              <a:ext uri="{FF2B5EF4-FFF2-40B4-BE49-F238E27FC236}">
+                <a16:creationId xmlns:a16="http://schemas.microsoft.com/office/drawing/2014/main" id="{B825BDB0-1D3D-4695-9334-E7E91B86145D}"/>
+              </a:ext>
+            </a:extLst>
+          </p:cNvPr>
+          <p:cNvSpPr txBox="1"/>
+          <p:nvPr/>
+        </p:nvSpPr>
+        <p:spPr>
+          <a:xfrm>
+            <a:off x="175647" y="1099066"/>
+            <a:ext cx="11561736" cy="369332"/>
+          </a:xfrm>
+          <a:prstGeom prst="rect">
+            <a:avLst/>
+          </a:prstGeom>
+          <a:noFill/>
+        </p:spPr>
+        <p:txBody>
+          <a:bodyPr wrap="square" rtlCol="0">
+            <a:spAutoFit/>
+          </a:bodyPr>
+          <a:lstStyle/>
+          <a:p>
+            <a:r>
+              <a:rPr lang="it-IT" dirty="0"/>
+              <a:t>Risolto per via grafica. Questo metodo …</a:t>
+            </a:r>
+          </a:p>
+        </p:txBody>
+      </p:sp>
+      <p:sp>
+        <p:nvSpPr>
+          <p:cNvPr id="2" name="CasellaDiTesto 1">
+            <a:extLst>
+              <a:ext uri="{FF2B5EF4-FFF2-40B4-BE49-F238E27FC236}">
+                <a16:creationId xmlns:a16="http://schemas.microsoft.com/office/drawing/2014/main" id="{872CBE70-9815-4C31-B0DB-5F79881DB73D}"/>
+              </a:ext>
+            </a:extLst>
+          </p:cNvPr>
+          <p:cNvSpPr txBox="1"/>
+          <p:nvPr/>
+        </p:nvSpPr>
+        <p:spPr>
+          <a:xfrm>
+            <a:off x="7516678" y="729734"/>
+            <a:ext cx="542441" cy="369332"/>
+          </a:xfrm>
+          <a:prstGeom prst="rect">
+            <a:avLst/>
+          </a:prstGeom>
+          <a:solidFill>
+            <a:schemeClr val="bg2"/>
+          </a:solidFill>
+        </p:spPr>
+        <p:txBody>
+          <a:bodyPr wrap="square" rtlCol="0">
+            <a:spAutoFit/>
+          </a:bodyPr>
+          <a:lstStyle/>
+          <a:p>
+            <a:r>
+              <a:rPr lang="it-IT" dirty="0"/>
+              <a:t>tre</a:t>
+            </a:r>
+          </a:p>
+        </p:txBody>
+      </p:sp>
+      <p:sp>
+        <p:nvSpPr>
+          <p:cNvPr id="7" name="CasellaDiTesto 6">
+            <a:extLst>
+              <a:ext uri="{FF2B5EF4-FFF2-40B4-BE49-F238E27FC236}">
+                <a16:creationId xmlns:a16="http://schemas.microsoft.com/office/drawing/2014/main" id="{8A1BFAB4-8378-44BE-80F6-CEFDBE5EB8EA}"/>
+              </a:ext>
+            </a:extLst>
+          </p:cNvPr>
+          <p:cNvSpPr txBox="1"/>
+          <p:nvPr/>
+        </p:nvSpPr>
+        <p:spPr>
+          <a:xfrm>
+            <a:off x="9583118" y="729734"/>
+            <a:ext cx="542441" cy="369332"/>
+          </a:xfrm>
+          <a:prstGeom prst="rect">
+            <a:avLst/>
+          </a:prstGeom>
+          <a:solidFill>
+            <a:schemeClr val="bg2"/>
+          </a:solidFill>
+        </p:spPr>
+        <p:txBody>
+          <a:bodyPr wrap="square" rtlCol="0">
+            <a:spAutoFit/>
+          </a:bodyPr>
+          <a:lstStyle/>
+          <a:p>
+            <a:r>
+              <a:rPr lang="it-IT" dirty="0"/>
+              <a:t>tre</a:t>
+            </a:r>
+          </a:p>
+        </p:txBody>
+      </p:sp>
+    </p:spTree>
+    <p:extLst>
+      <p:ext uri="{BB962C8B-B14F-4D97-AF65-F5344CB8AC3E}">
+        <p14:creationId xmlns:p14="http://schemas.microsoft.com/office/powerpoint/2010/main" val="1506991266"/>
+      </p:ext>
+    </p:extLst>
+  </p:cSld>
+  <p:clrMapOvr>
+    <a:masterClrMapping/>
+  </p:clrMapOvr>
+</p:sld>
+</file>
+
+<file path=ppt/slides/slide5.xml><?xml version="1.0" encoding="utf-8"?>
 <p:sld xmlns:a="http://schemas.openxmlformats.org/drawingml/2006/main" xmlns:r="http://schemas.openxmlformats.org/officeDocument/2006/relationships" xmlns:p="http://schemas.openxmlformats.org/presentationml/2006/main">
   <p:cSld>
     <p:spTree>
@@ -4210,792 +8100,6 @@
               <a:rPr lang="it-IT" dirty="0"/>
               <a:t>Dai sistemi lineari…</a:t>
             </a:r>
-            <a:br>
-              <a:rPr lang="it-IT" dirty="0"/>
-            </a:br>
-            <a:r>
-              <a:rPr lang="it-IT" sz="2400" dirty="0"/>
-              <a:t>I sistemi di equazioni di 1° grado</a:t>
-            </a:r>
-            <a:endParaRPr lang="it-IT" dirty="0"/>
-          </a:p>
-        </p:txBody>
-      </p:sp>
-      <p:sp>
-        <p:nvSpPr>
-          <p:cNvPr id="4" name="CasellaDiTesto 3">
-            <a:extLst>
-              <a:ext uri="{FF2B5EF4-FFF2-40B4-BE49-F238E27FC236}">
-                <a16:creationId xmlns:a16="http://schemas.microsoft.com/office/drawing/2014/main" id="{3DFEBF65-856C-4345-996E-5DAF02BC4AEB}"/>
-              </a:ext>
-            </a:extLst>
-          </p:cNvPr>
-          <p:cNvSpPr txBox="1"/>
-          <p:nvPr/>
-        </p:nvSpPr>
-        <p:spPr>
-          <a:xfrm>
-            <a:off x="1634837" y="2318174"/>
-            <a:ext cx="8936182" cy="646331"/>
-          </a:xfrm>
-          <a:prstGeom prst="rect">
-            <a:avLst/>
-          </a:prstGeom>
-        </p:spPr>
-        <p:style>
-          <a:lnRef idx="2">
-            <a:schemeClr val="accent2"/>
-          </a:lnRef>
-          <a:fillRef idx="1">
-            <a:schemeClr val="lt1"/>
-          </a:fillRef>
-          <a:effectRef idx="0">
-            <a:schemeClr val="accent2"/>
-          </a:effectRef>
-          <a:fontRef idx="minor">
-            <a:schemeClr val="dk1"/>
-          </a:fontRef>
-        </p:style>
-        <p:txBody>
-          <a:bodyPr wrap="square" rtlCol="0">
-            <a:spAutoFit/>
-          </a:bodyPr>
-          <a:lstStyle/>
-          <a:p>
-            <a:r>
-              <a:rPr lang="it-IT" dirty="0"/>
-              <a:t>Un sistema lineare è un sistema costituito da equazioni in cui le </a:t>
-            </a:r>
-            <a:r>
-              <a:rPr lang="it-IT" b="1" dirty="0">
-                <a:solidFill>
-                  <a:srgbClr val="FF0000"/>
-                </a:solidFill>
-              </a:rPr>
-              <a:t>incognite</a:t>
-            </a:r>
-            <a:r>
-              <a:rPr lang="it-IT" dirty="0"/>
-              <a:t> compaiono al primo grado. Può essere formato da:</a:t>
-            </a:r>
-          </a:p>
-        </p:txBody>
-      </p:sp>
-      <mc:AlternateContent xmlns:mc="http://schemas.openxmlformats.org/markup-compatibility/2006">
-        <mc:Choice xmlns:a14="http://schemas.microsoft.com/office/drawing/2010/main" Requires="a14">
-          <p:sp>
-            <p:nvSpPr>
-              <p:cNvPr id="5" name="CasellaDiTesto 4">
-                <a:extLst>
-                  <a:ext uri="{FF2B5EF4-FFF2-40B4-BE49-F238E27FC236}">
-                    <a16:creationId xmlns:a16="http://schemas.microsoft.com/office/drawing/2014/main" id="{422A66BD-19FD-4FBA-BA53-1A0ADE72CFD6}"/>
-                  </a:ext>
-                </a:extLst>
-              </p:cNvPr>
-              <p:cNvSpPr txBox="1"/>
-              <p:nvPr/>
-            </p:nvSpPr>
-            <p:spPr>
-              <a:xfrm>
-                <a:off x="1136073" y="4393886"/>
-                <a:ext cx="1752980" cy="617861"/>
-              </a:xfrm>
-              <a:prstGeom prst="rect">
-                <a:avLst/>
-              </a:prstGeom>
-              <a:noFill/>
-            </p:spPr>
-            <p:txBody>
-              <a:bodyPr wrap="none" lIns="0" tIns="0" rIns="0" bIns="0" rtlCol="0">
-                <a:spAutoFit/>
-              </a:bodyPr>
-              <a:lstStyle/>
-              <a:p>
-                <a14:m>
-                  <m:oMathPara xmlns:m="http://schemas.openxmlformats.org/officeDocument/2006/math">
-                    <m:oMathParaPr>
-                      <m:jc m:val="centerGroup"/>
-                    </m:oMathParaPr>
-                    <m:oMath xmlns:m="http://schemas.openxmlformats.org/officeDocument/2006/math">
-                      <m:d>
-                        <m:dPr>
-                          <m:begChr m:val="{"/>
-                          <m:endChr m:val=""/>
-                          <m:ctrlPr>
-                            <a:rPr lang="it-IT" i="1" smtClean="0">
-                              <a:latin typeface="Cambria Math" panose="02040503050406030204" pitchFamily="18" charset="0"/>
-                            </a:rPr>
-                          </m:ctrlPr>
-                        </m:dPr>
-                        <m:e>
-                          <m:m>
-                            <m:mPr>
-                              <m:mcs>
-                                <m:mc>
-                                  <m:mcPr>
-                                    <m:count m:val="1"/>
-                                    <m:mcJc m:val="center"/>
-                                  </m:mcPr>
-                                </m:mc>
-                              </m:mcs>
-                              <m:ctrlPr>
-                                <a:rPr lang="it-IT" i="1" smtClean="0">
-                                  <a:latin typeface="Cambria Math" panose="02040503050406030204" pitchFamily="18" charset="0"/>
-                                </a:rPr>
-                              </m:ctrlPr>
-                            </m:mPr>
-                            <m:mr>
-                              <m:e>
-                                <m:r>
-                                  <m:rPr>
-                                    <m:brk m:alnAt="7"/>
-                                  </m:rPr>
-                                  <a:rPr lang="it-IT" b="0" i="1" smtClean="0">
-                                    <a:latin typeface="Cambria Math" panose="02040503050406030204" pitchFamily="18" charset="0"/>
-                                  </a:rPr>
-                                  <m:t>𝑎</m:t>
-                                </m:r>
-                                <m:r>
-                                  <a:rPr lang="it-IT" b="0" i="1" smtClean="0">
-                                    <a:latin typeface="Cambria Math" panose="02040503050406030204" pitchFamily="18" charset="0"/>
-                                  </a:rPr>
-                                  <m:t>1</m:t>
-                                </m:r>
-                                <m:r>
-                                  <a:rPr lang="it-IT" b="0" i="1" smtClean="0">
-                                    <a:solidFill>
-                                      <a:srgbClr val="FF0000"/>
-                                    </a:solidFill>
-                                    <a:latin typeface="Cambria Math" panose="02040503050406030204" pitchFamily="18" charset="0"/>
-                                  </a:rPr>
-                                  <m:t>𝑥</m:t>
-                                </m:r>
-                                <m:r>
-                                  <a:rPr lang="it-IT" b="0" i="1" smtClean="0">
-                                    <a:latin typeface="Cambria Math" panose="02040503050406030204" pitchFamily="18" charset="0"/>
-                                  </a:rPr>
-                                  <m:t>+</m:t>
-                                </m:r>
-                                <m:r>
-                                  <a:rPr lang="it-IT" b="0" i="1" smtClean="0">
-                                    <a:latin typeface="Cambria Math" panose="02040503050406030204" pitchFamily="18" charset="0"/>
-                                  </a:rPr>
-                                  <m:t>𝑏</m:t>
-                                </m:r>
-                                <m:r>
-                                  <a:rPr lang="it-IT" b="0" i="1" smtClean="0">
-                                    <a:latin typeface="Cambria Math" panose="02040503050406030204" pitchFamily="18" charset="0"/>
-                                  </a:rPr>
-                                  <m:t>1</m:t>
-                                </m:r>
-                                <m:r>
-                                  <a:rPr lang="it-IT" b="0" i="1" smtClean="0">
-                                    <a:solidFill>
-                                      <a:srgbClr val="FF0000"/>
-                                    </a:solidFill>
-                                    <a:latin typeface="Cambria Math" panose="02040503050406030204" pitchFamily="18" charset="0"/>
-                                  </a:rPr>
-                                  <m:t>𝑦</m:t>
-                                </m:r>
-                                <m:r>
-                                  <a:rPr lang="it-IT" b="0" i="1" smtClean="0">
-                                    <a:latin typeface="Cambria Math" panose="02040503050406030204" pitchFamily="18" charset="0"/>
-                                  </a:rPr>
-                                  <m:t>=</m:t>
-                                </m:r>
-                                <m:r>
-                                  <a:rPr lang="it-IT" b="0" i="1" smtClean="0">
-                                    <a:latin typeface="Cambria Math" panose="02040503050406030204" pitchFamily="18" charset="0"/>
-                                  </a:rPr>
-                                  <m:t>𝑐</m:t>
-                                </m:r>
-                                <m:r>
-                                  <a:rPr lang="it-IT" b="0" i="1" smtClean="0">
-                                    <a:latin typeface="Cambria Math" panose="02040503050406030204" pitchFamily="18" charset="0"/>
-                                  </a:rPr>
-                                  <m:t>1</m:t>
-                                </m:r>
-                              </m:e>
-                            </m:mr>
-                            <m:mr>
-                              <m:e>
-                                <m:r>
-                                  <a:rPr lang="it-IT" b="0" i="1" smtClean="0">
-                                    <a:latin typeface="Cambria Math" panose="02040503050406030204" pitchFamily="18" charset="0"/>
-                                  </a:rPr>
-                                  <m:t>𝑎</m:t>
-                                </m:r>
-                                <m:r>
-                                  <a:rPr lang="it-IT" b="0" i="1" smtClean="0">
-                                    <a:latin typeface="Cambria Math" panose="02040503050406030204" pitchFamily="18" charset="0"/>
-                                  </a:rPr>
-                                  <m:t>2</m:t>
-                                </m:r>
-                                <m:r>
-                                  <a:rPr lang="it-IT" b="0" i="1" smtClean="0">
-                                    <a:solidFill>
-                                      <a:srgbClr val="FF0000"/>
-                                    </a:solidFill>
-                                    <a:latin typeface="Cambria Math" panose="02040503050406030204" pitchFamily="18" charset="0"/>
-                                  </a:rPr>
-                                  <m:t>𝑥</m:t>
-                                </m:r>
-                                <m:r>
-                                  <a:rPr lang="it-IT" b="0" i="1" smtClean="0">
-                                    <a:latin typeface="Cambria Math" panose="02040503050406030204" pitchFamily="18" charset="0"/>
-                                  </a:rPr>
-                                  <m:t>+</m:t>
-                                </m:r>
-                                <m:r>
-                                  <a:rPr lang="it-IT" b="0" i="1" smtClean="0">
-                                    <a:latin typeface="Cambria Math" panose="02040503050406030204" pitchFamily="18" charset="0"/>
-                                  </a:rPr>
-                                  <m:t>𝑏</m:t>
-                                </m:r>
-                                <m:r>
-                                  <a:rPr lang="it-IT" b="0" i="1" smtClean="0">
-                                    <a:latin typeface="Cambria Math" panose="02040503050406030204" pitchFamily="18" charset="0"/>
-                                  </a:rPr>
-                                  <m:t>2</m:t>
-                                </m:r>
-                                <m:r>
-                                  <a:rPr lang="it-IT" b="0" i="1" smtClean="0">
-                                    <a:solidFill>
-                                      <a:srgbClr val="FF0000"/>
-                                    </a:solidFill>
-                                    <a:latin typeface="Cambria Math" panose="02040503050406030204" pitchFamily="18" charset="0"/>
-                                  </a:rPr>
-                                  <m:t>𝑦</m:t>
-                                </m:r>
-                                <m:r>
-                                  <a:rPr lang="it-IT" b="0" i="1" smtClean="0">
-                                    <a:latin typeface="Cambria Math" panose="02040503050406030204" pitchFamily="18" charset="0"/>
-                                  </a:rPr>
-                                  <m:t>=</m:t>
-                                </m:r>
-                                <m:r>
-                                  <a:rPr lang="it-IT" b="0" i="1" smtClean="0">
-                                    <a:latin typeface="Cambria Math" panose="02040503050406030204" pitchFamily="18" charset="0"/>
-                                  </a:rPr>
-                                  <m:t>𝑐</m:t>
-                                </m:r>
-                                <m:r>
-                                  <a:rPr lang="it-IT" b="0" i="1" smtClean="0">
-                                    <a:latin typeface="Cambria Math" panose="02040503050406030204" pitchFamily="18" charset="0"/>
-                                  </a:rPr>
-                                  <m:t>2</m:t>
-                                </m:r>
-                              </m:e>
-                            </m:mr>
-                          </m:m>
-                        </m:e>
-                      </m:d>
-                    </m:oMath>
-                  </m:oMathPara>
-                </a14:m>
-                <a:endParaRPr lang="it-IT" dirty="0"/>
-              </a:p>
-            </p:txBody>
-          </p:sp>
-        </mc:Choice>
-        <mc:Fallback>
-          <p:sp>
-            <p:nvSpPr>
-              <p:cNvPr id="5" name="CasellaDiTesto 4">
-                <a:extLst>
-                  <a:ext uri="{FF2B5EF4-FFF2-40B4-BE49-F238E27FC236}">
-                    <a16:creationId xmlns:a16="http://schemas.microsoft.com/office/drawing/2014/main" id="{422A66BD-19FD-4FBA-BA53-1A0ADE72CFD6}"/>
-                  </a:ext>
-                </a:extLst>
-              </p:cNvPr>
-              <p:cNvSpPr txBox="1">
-                <a:spLocks noRot="1" noChangeAspect="1" noMove="1" noResize="1" noEditPoints="1" noAdjustHandles="1" noChangeArrowheads="1" noChangeShapeType="1" noTextEdit="1"/>
-              </p:cNvSpPr>
-              <p:nvPr/>
-            </p:nvSpPr>
-            <p:spPr>
-              <a:xfrm>
-                <a:off x="1136073" y="4393886"/>
-                <a:ext cx="1752980" cy="617861"/>
-              </a:xfrm>
-              <a:prstGeom prst="rect">
-                <a:avLst/>
-              </a:prstGeom>
-              <a:blipFill>
-                <a:blip r:embed="rId2"/>
-                <a:stretch>
-                  <a:fillRect b="-990"/>
-                </a:stretch>
-              </a:blipFill>
-            </p:spPr>
-            <p:txBody>
-              <a:bodyPr/>
-              <a:lstStyle/>
-              <a:p>
-                <a:r>
-                  <a:rPr lang="it-IT">
-                    <a:noFill/>
-                  </a:rPr>
-                  <a:t> </a:t>
-                </a:r>
-              </a:p>
-            </p:txBody>
-          </p:sp>
-        </mc:Fallback>
-      </mc:AlternateContent>
-      <p:sp>
-        <p:nvSpPr>
-          <p:cNvPr id="6" name="CasellaDiTesto 5">
-            <a:extLst>
-              <a:ext uri="{FF2B5EF4-FFF2-40B4-BE49-F238E27FC236}">
-                <a16:creationId xmlns:a16="http://schemas.microsoft.com/office/drawing/2014/main" id="{DCECF829-E594-46B4-856E-C98B951E2BE2}"/>
-              </a:ext>
-            </a:extLst>
-          </p:cNvPr>
-          <p:cNvSpPr txBox="1"/>
-          <p:nvPr/>
-        </p:nvSpPr>
-        <p:spPr>
-          <a:xfrm>
-            <a:off x="1274618" y="3429000"/>
-            <a:ext cx="2521527" cy="646331"/>
-          </a:xfrm>
-          <a:prstGeom prst="rect">
-            <a:avLst/>
-          </a:prstGeom>
-          <a:noFill/>
-        </p:spPr>
-        <p:txBody>
-          <a:bodyPr wrap="square" rtlCol="0">
-            <a:spAutoFit/>
-          </a:bodyPr>
-          <a:lstStyle/>
-          <a:p>
-            <a:r>
-              <a:rPr lang="it-IT" dirty="0"/>
-              <a:t>Due equazioni in due incognite</a:t>
-            </a:r>
-          </a:p>
-        </p:txBody>
-      </p:sp>
-      <mc:AlternateContent xmlns:mc="http://schemas.openxmlformats.org/markup-compatibility/2006">
-        <mc:Choice xmlns:a14="http://schemas.microsoft.com/office/drawing/2010/main" Requires="a14">
-          <p:sp>
-            <p:nvSpPr>
-              <p:cNvPr id="7" name="CasellaDiTesto 6">
-                <a:extLst>
-                  <a:ext uri="{FF2B5EF4-FFF2-40B4-BE49-F238E27FC236}">
-                    <a16:creationId xmlns:a16="http://schemas.microsoft.com/office/drawing/2014/main" id="{B436CF00-AF58-4012-9F80-B4C24CF3B470}"/>
-                  </a:ext>
-                </a:extLst>
-              </p:cNvPr>
-              <p:cNvSpPr txBox="1"/>
-              <p:nvPr/>
-            </p:nvSpPr>
-            <p:spPr>
-              <a:xfrm>
-                <a:off x="4142509" y="4260675"/>
-                <a:ext cx="2428485" cy="884281"/>
-              </a:xfrm>
-              <a:prstGeom prst="rect">
-                <a:avLst/>
-              </a:prstGeom>
-              <a:noFill/>
-            </p:spPr>
-            <p:txBody>
-              <a:bodyPr wrap="none" lIns="0" tIns="0" rIns="0" bIns="0" rtlCol="0">
-                <a:spAutoFit/>
-              </a:bodyPr>
-              <a:lstStyle/>
-              <a:p>
-                <a14:m>
-                  <m:oMathPara xmlns:m="http://schemas.openxmlformats.org/officeDocument/2006/math">
-                    <m:oMathParaPr>
-                      <m:jc m:val="centerGroup"/>
-                    </m:oMathParaPr>
-                    <m:oMath xmlns:m="http://schemas.openxmlformats.org/officeDocument/2006/math">
-                      <m:d>
-                        <m:dPr>
-                          <m:begChr m:val="{"/>
-                          <m:endChr m:val=""/>
-                          <m:ctrlPr>
-                            <a:rPr lang="it-IT" i="1" smtClean="0">
-                              <a:latin typeface="Cambria Math" panose="02040503050406030204" pitchFamily="18" charset="0"/>
-                            </a:rPr>
-                          </m:ctrlPr>
-                        </m:dPr>
-                        <m:e>
-                          <m:m>
-                            <m:mPr>
-                              <m:mcs>
-                                <m:mc>
-                                  <m:mcPr>
-                                    <m:count m:val="1"/>
-                                    <m:mcJc m:val="center"/>
-                                  </m:mcPr>
-                                </m:mc>
-                              </m:mcs>
-                              <m:ctrlPr>
-                                <a:rPr lang="it-IT" i="1" smtClean="0">
-                                  <a:latin typeface="Cambria Math" panose="02040503050406030204" pitchFamily="18" charset="0"/>
-                                </a:rPr>
-                              </m:ctrlPr>
-                            </m:mPr>
-                            <m:mr>
-                              <m:e>
-                                <m:r>
-                                  <m:rPr>
-                                    <m:brk m:alnAt="7"/>
-                                  </m:rPr>
-                                  <a:rPr lang="it-IT" b="0" i="1" smtClean="0">
-                                    <a:latin typeface="Cambria Math" panose="02040503050406030204" pitchFamily="18" charset="0"/>
-                                  </a:rPr>
-                                  <m:t>𝑎</m:t>
-                                </m:r>
-                                <m:r>
-                                  <a:rPr lang="it-IT" b="0" i="1" smtClean="0">
-                                    <a:latin typeface="Cambria Math" panose="02040503050406030204" pitchFamily="18" charset="0"/>
-                                  </a:rPr>
-                                  <m:t>1</m:t>
-                                </m:r>
-                                <m:r>
-                                  <a:rPr lang="it-IT" b="0" i="1" smtClean="0">
-                                    <a:latin typeface="Cambria Math" panose="02040503050406030204" pitchFamily="18" charset="0"/>
-                                  </a:rPr>
-                                  <m:t>𝑥</m:t>
-                                </m:r>
-                                <m:r>
-                                  <a:rPr lang="it-IT" b="0" i="1" smtClean="0">
-                                    <a:latin typeface="Cambria Math" panose="02040503050406030204" pitchFamily="18" charset="0"/>
-                                  </a:rPr>
-                                  <m:t>+</m:t>
-                                </m:r>
-                                <m:r>
-                                  <a:rPr lang="it-IT" b="0" i="1" smtClean="0">
-                                    <a:latin typeface="Cambria Math" panose="02040503050406030204" pitchFamily="18" charset="0"/>
-                                  </a:rPr>
-                                  <m:t>𝑏</m:t>
-                                </m:r>
-                                <m:r>
-                                  <a:rPr lang="it-IT" b="0" i="1" smtClean="0">
-                                    <a:latin typeface="Cambria Math" panose="02040503050406030204" pitchFamily="18" charset="0"/>
-                                  </a:rPr>
-                                  <m:t>1</m:t>
-                                </m:r>
-                                <m:r>
-                                  <a:rPr lang="it-IT" b="0" i="1" smtClean="0">
-                                    <a:latin typeface="Cambria Math" panose="02040503050406030204" pitchFamily="18" charset="0"/>
-                                  </a:rPr>
-                                  <m:t>𝑦</m:t>
-                                </m:r>
-                                <m:r>
-                                  <a:rPr lang="it-IT" b="0" i="1" smtClean="0">
-                                    <a:latin typeface="Cambria Math" panose="02040503050406030204" pitchFamily="18" charset="0"/>
-                                  </a:rPr>
-                                  <m:t>+</m:t>
-                                </m:r>
-                                <m:r>
-                                  <a:rPr lang="it-IT" b="0" i="1" smtClean="0">
-                                    <a:latin typeface="Cambria Math" panose="02040503050406030204" pitchFamily="18" charset="0"/>
-                                  </a:rPr>
-                                  <m:t>𝑐</m:t>
-                                </m:r>
-                                <m:r>
-                                  <a:rPr lang="it-IT" b="0" i="1" smtClean="0">
-                                    <a:latin typeface="Cambria Math" panose="02040503050406030204" pitchFamily="18" charset="0"/>
-                                  </a:rPr>
-                                  <m:t>1</m:t>
-                                </m:r>
-                                <m:r>
-                                  <a:rPr lang="it-IT" b="0" i="1" smtClean="0">
-                                    <a:latin typeface="Cambria Math" panose="02040503050406030204" pitchFamily="18" charset="0"/>
-                                  </a:rPr>
-                                  <m:t>𝑧</m:t>
-                                </m:r>
-                                <m:r>
-                                  <a:rPr lang="it-IT" b="0" i="1" smtClean="0">
-                                    <a:latin typeface="Cambria Math" panose="02040503050406030204" pitchFamily="18" charset="0"/>
-                                  </a:rPr>
-                                  <m:t>=</m:t>
-                                </m:r>
-                                <m:r>
-                                  <a:rPr lang="it-IT" b="0" i="1" smtClean="0">
-                                    <a:latin typeface="Cambria Math" panose="02040503050406030204" pitchFamily="18" charset="0"/>
-                                  </a:rPr>
-                                  <m:t>𝑑</m:t>
-                                </m:r>
-                                <m:r>
-                                  <a:rPr lang="it-IT" b="0" i="1" smtClean="0">
-                                    <a:latin typeface="Cambria Math" panose="02040503050406030204" pitchFamily="18" charset="0"/>
-                                  </a:rPr>
-                                  <m:t>1</m:t>
-                                </m:r>
-                              </m:e>
-                            </m:mr>
-                            <m:mr>
-                              <m:e>
-                                <m:r>
-                                  <a:rPr lang="it-IT" b="0" i="1" smtClean="0">
-                                    <a:latin typeface="Cambria Math" panose="02040503050406030204" pitchFamily="18" charset="0"/>
-                                  </a:rPr>
-                                  <m:t>𝑎</m:t>
-                                </m:r>
-                                <m:r>
-                                  <a:rPr lang="it-IT" b="0" i="1" smtClean="0">
-                                    <a:latin typeface="Cambria Math" panose="02040503050406030204" pitchFamily="18" charset="0"/>
-                                  </a:rPr>
-                                  <m:t>2</m:t>
-                                </m:r>
-                                <m:r>
-                                  <a:rPr lang="it-IT" b="0" i="1" smtClean="0">
-                                    <a:latin typeface="Cambria Math" panose="02040503050406030204" pitchFamily="18" charset="0"/>
-                                  </a:rPr>
-                                  <m:t>𝑥</m:t>
-                                </m:r>
-                                <m:r>
-                                  <a:rPr lang="it-IT" b="0" i="1" smtClean="0">
-                                    <a:latin typeface="Cambria Math" panose="02040503050406030204" pitchFamily="18" charset="0"/>
-                                  </a:rPr>
-                                  <m:t>+</m:t>
-                                </m:r>
-                                <m:r>
-                                  <a:rPr lang="it-IT" b="0" i="1" smtClean="0">
-                                    <a:latin typeface="Cambria Math" panose="02040503050406030204" pitchFamily="18" charset="0"/>
-                                  </a:rPr>
-                                  <m:t>𝑏</m:t>
-                                </m:r>
-                                <m:r>
-                                  <a:rPr lang="it-IT" b="0" i="1" smtClean="0">
-                                    <a:latin typeface="Cambria Math" panose="02040503050406030204" pitchFamily="18" charset="0"/>
-                                  </a:rPr>
-                                  <m:t>2</m:t>
-                                </m:r>
-                                <m:r>
-                                  <a:rPr lang="it-IT" b="0" i="1" smtClean="0">
-                                    <a:latin typeface="Cambria Math" panose="02040503050406030204" pitchFamily="18" charset="0"/>
-                                  </a:rPr>
-                                  <m:t>𝑦</m:t>
-                                </m:r>
-                                <m:r>
-                                  <a:rPr lang="it-IT" b="0" i="1" smtClean="0">
-                                    <a:latin typeface="Cambria Math" panose="02040503050406030204" pitchFamily="18" charset="0"/>
-                                  </a:rPr>
-                                  <m:t>+</m:t>
-                                </m:r>
-                                <m:r>
-                                  <a:rPr lang="it-IT" b="0" i="1" smtClean="0">
-                                    <a:latin typeface="Cambria Math" panose="02040503050406030204" pitchFamily="18" charset="0"/>
-                                  </a:rPr>
-                                  <m:t>𝑐</m:t>
-                                </m:r>
-                                <m:r>
-                                  <a:rPr lang="it-IT" b="0" i="1" smtClean="0">
-                                    <a:latin typeface="Cambria Math" panose="02040503050406030204" pitchFamily="18" charset="0"/>
-                                  </a:rPr>
-                                  <m:t>2</m:t>
-                                </m:r>
-                                <m:r>
-                                  <a:rPr lang="it-IT" b="0" i="1" smtClean="0">
-                                    <a:latin typeface="Cambria Math" panose="02040503050406030204" pitchFamily="18" charset="0"/>
-                                  </a:rPr>
-                                  <m:t>𝑧</m:t>
-                                </m:r>
-                                <m:r>
-                                  <a:rPr lang="it-IT" b="0" i="1" smtClean="0">
-                                    <a:latin typeface="Cambria Math" panose="02040503050406030204" pitchFamily="18" charset="0"/>
-                                  </a:rPr>
-                                  <m:t>=</m:t>
-                                </m:r>
-                                <m:r>
-                                  <a:rPr lang="it-IT" b="0" i="1" smtClean="0">
-                                    <a:latin typeface="Cambria Math" panose="02040503050406030204" pitchFamily="18" charset="0"/>
-                                  </a:rPr>
-                                  <m:t>𝑑</m:t>
-                                </m:r>
-                                <m:r>
-                                  <a:rPr lang="it-IT" b="0" i="1" smtClean="0">
-                                    <a:latin typeface="Cambria Math" panose="02040503050406030204" pitchFamily="18" charset="0"/>
-                                  </a:rPr>
-                                  <m:t>2</m:t>
-                                </m:r>
-                              </m:e>
-                            </m:mr>
-                            <m:mr>
-                              <m:e>
-                                <m:r>
-                                  <a:rPr lang="it-IT" b="0" i="1" smtClean="0">
-                                    <a:latin typeface="Cambria Math" panose="02040503050406030204" pitchFamily="18" charset="0"/>
-                                  </a:rPr>
-                                  <m:t>𝑎</m:t>
-                                </m:r>
-                                <m:r>
-                                  <a:rPr lang="it-IT" b="0" i="1" smtClean="0">
-                                    <a:latin typeface="Cambria Math" panose="02040503050406030204" pitchFamily="18" charset="0"/>
-                                  </a:rPr>
-                                  <m:t>3</m:t>
-                                </m:r>
-                                <m:r>
-                                  <a:rPr lang="it-IT" b="0" i="1" smtClean="0">
-                                    <a:latin typeface="Cambria Math" panose="02040503050406030204" pitchFamily="18" charset="0"/>
-                                  </a:rPr>
-                                  <m:t>𝑥</m:t>
-                                </m:r>
-                                <m:r>
-                                  <a:rPr lang="it-IT" b="0" i="1" smtClean="0">
-                                    <a:latin typeface="Cambria Math" panose="02040503050406030204" pitchFamily="18" charset="0"/>
-                                  </a:rPr>
-                                  <m:t>+</m:t>
-                                </m:r>
-                                <m:r>
-                                  <a:rPr lang="it-IT" b="0" i="1" smtClean="0">
-                                    <a:latin typeface="Cambria Math" panose="02040503050406030204" pitchFamily="18" charset="0"/>
-                                  </a:rPr>
-                                  <m:t>𝑏</m:t>
-                                </m:r>
-                                <m:r>
-                                  <a:rPr lang="it-IT" b="0" i="1" smtClean="0">
-                                    <a:latin typeface="Cambria Math" panose="02040503050406030204" pitchFamily="18" charset="0"/>
-                                  </a:rPr>
-                                  <m:t>3</m:t>
-                                </m:r>
-                                <m:r>
-                                  <a:rPr lang="it-IT" b="0" i="1" smtClean="0">
-                                    <a:latin typeface="Cambria Math" panose="02040503050406030204" pitchFamily="18" charset="0"/>
-                                  </a:rPr>
-                                  <m:t>𝑦</m:t>
-                                </m:r>
-                                <m:r>
-                                  <a:rPr lang="it-IT" b="0" i="1" smtClean="0">
-                                    <a:latin typeface="Cambria Math" panose="02040503050406030204" pitchFamily="18" charset="0"/>
-                                  </a:rPr>
-                                  <m:t>+</m:t>
-                                </m:r>
-                                <m:r>
-                                  <a:rPr lang="it-IT" b="0" i="1" smtClean="0">
-                                    <a:latin typeface="Cambria Math" panose="02040503050406030204" pitchFamily="18" charset="0"/>
-                                  </a:rPr>
-                                  <m:t>𝑐</m:t>
-                                </m:r>
-                                <m:r>
-                                  <a:rPr lang="it-IT" b="0" i="1" smtClean="0">
-                                    <a:latin typeface="Cambria Math" panose="02040503050406030204" pitchFamily="18" charset="0"/>
-                                  </a:rPr>
-                                  <m:t>3</m:t>
-                                </m:r>
-                                <m:r>
-                                  <a:rPr lang="it-IT" b="0" i="1" smtClean="0">
-                                    <a:latin typeface="Cambria Math" panose="02040503050406030204" pitchFamily="18" charset="0"/>
-                                  </a:rPr>
-                                  <m:t>𝑧</m:t>
-                                </m:r>
-                                <m:r>
-                                  <a:rPr lang="it-IT" b="0" i="1" smtClean="0">
-                                    <a:latin typeface="Cambria Math" panose="02040503050406030204" pitchFamily="18" charset="0"/>
-                                  </a:rPr>
-                                  <m:t>=</m:t>
-                                </m:r>
-                                <m:r>
-                                  <a:rPr lang="it-IT" b="0" i="1" smtClean="0">
-                                    <a:latin typeface="Cambria Math" panose="02040503050406030204" pitchFamily="18" charset="0"/>
-                                  </a:rPr>
-                                  <m:t>𝑑</m:t>
-                                </m:r>
-                                <m:r>
-                                  <a:rPr lang="it-IT" b="0" i="1" smtClean="0">
-                                    <a:latin typeface="Cambria Math" panose="02040503050406030204" pitchFamily="18" charset="0"/>
-                                  </a:rPr>
-                                  <m:t>3</m:t>
-                                </m:r>
-                              </m:e>
-                            </m:mr>
-                          </m:m>
-                        </m:e>
-                      </m:d>
-                    </m:oMath>
-                  </m:oMathPara>
-                </a14:m>
-                <a:endParaRPr lang="it-IT" dirty="0"/>
-              </a:p>
-            </p:txBody>
-          </p:sp>
-        </mc:Choice>
-        <mc:Fallback>
-          <p:sp>
-            <p:nvSpPr>
-              <p:cNvPr id="7" name="CasellaDiTesto 6">
-                <a:extLst>
-                  <a:ext uri="{FF2B5EF4-FFF2-40B4-BE49-F238E27FC236}">
-                    <a16:creationId xmlns:a16="http://schemas.microsoft.com/office/drawing/2014/main" id="{B436CF00-AF58-4012-9F80-B4C24CF3B470}"/>
-                  </a:ext>
-                </a:extLst>
-              </p:cNvPr>
-              <p:cNvSpPr txBox="1">
-                <a:spLocks noRot="1" noChangeAspect="1" noMove="1" noResize="1" noEditPoints="1" noAdjustHandles="1" noChangeArrowheads="1" noChangeShapeType="1" noTextEdit="1"/>
-              </p:cNvSpPr>
-              <p:nvPr/>
-            </p:nvSpPr>
-            <p:spPr>
-              <a:xfrm>
-                <a:off x="4142509" y="4260675"/>
-                <a:ext cx="2428485" cy="884281"/>
-              </a:xfrm>
-              <a:prstGeom prst="rect">
-                <a:avLst/>
-              </a:prstGeom>
-              <a:blipFill>
-                <a:blip r:embed="rId3"/>
-                <a:stretch>
-                  <a:fillRect/>
-                </a:stretch>
-              </a:blipFill>
-            </p:spPr>
-            <p:txBody>
-              <a:bodyPr/>
-              <a:lstStyle/>
-              <a:p>
-                <a:r>
-                  <a:rPr lang="it-IT">
-                    <a:noFill/>
-                  </a:rPr>
-                  <a:t> </a:t>
-                </a:r>
-              </a:p>
-            </p:txBody>
-          </p:sp>
-        </mc:Fallback>
-      </mc:AlternateContent>
-      <p:sp>
-        <p:nvSpPr>
-          <p:cNvPr id="8" name="CasellaDiTesto 7">
-            <a:extLst>
-              <a:ext uri="{FF2B5EF4-FFF2-40B4-BE49-F238E27FC236}">
-                <a16:creationId xmlns:a16="http://schemas.microsoft.com/office/drawing/2014/main" id="{2F8371E9-0F4F-4073-823E-FF85C3F94C76}"/>
-              </a:ext>
-            </a:extLst>
-          </p:cNvPr>
-          <p:cNvSpPr txBox="1"/>
-          <p:nvPr/>
-        </p:nvSpPr>
-        <p:spPr>
-          <a:xfrm>
-            <a:off x="4419599" y="3429000"/>
-            <a:ext cx="2521527" cy="646331"/>
-          </a:xfrm>
-          <a:prstGeom prst="rect">
-            <a:avLst/>
-          </a:prstGeom>
-          <a:noFill/>
-        </p:spPr>
-        <p:txBody>
-          <a:bodyPr wrap="square" rtlCol="0">
-            <a:spAutoFit/>
-          </a:bodyPr>
-          <a:lstStyle/>
-          <a:p>
-            <a:r>
-              <a:rPr lang="it-IT" dirty="0"/>
-              <a:t>Tre equazioni in tre incognite</a:t>
-            </a:r>
           </a:p>
         </p:txBody>
       </p:sp>
@@ -5013,8 +8117,8 @@
         </p:nvSpPr>
         <p:spPr>
           <a:xfrm>
-            <a:off x="8049492" y="3428999"/>
-            <a:ext cx="3519053" cy="646331"/>
+            <a:off x="838200" y="2111643"/>
+            <a:ext cx="10026112" cy="1200329"/>
           </a:xfrm>
           <a:prstGeom prst="rect">
             <a:avLst/>
@@ -5028,6 +8132,10 @@
           <a:lstStyle/>
           <a:p>
             <a:r>
+              <a:rPr lang="it-IT" dirty="0"/>
+              <a:t>I sistemi di equazioni di 1° grado: </a:t>
+            </a:r>
+            <a:r>
               <a:rPr lang="it-IT" b="1" dirty="0"/>
               <a:t>m</a:t>
             </a:r>
@@ -5041,8 +8149,35 @@
             </a:r>
             <a:r>
               <a:rPr lang="it-IT" dirty="0"/>
-              <a:t> incognite (caso più generale)</a:t>
-            </a:r>
+              <a:t> incognite. Questo è il caso più generale di tutti ed è difficilmente rappresentabile per via grafica. Le incognite sono (x1, …, </a:t>
+            </a:r>
+            <a:r>
+              <a:rPr lang="it-IT" dirty="0" err="1"/>
+              <a:t>xn</a:t>
+            </a:r>
+            <a:r>
+              <a:rPr lang="it-IT" dirty="0"/>
+              <a:t>), i coefficienti sono gli </a:t>
+            </a:r>
+            <a:r>
+              <a:rPr lang="it-IT" dirty="0" err="1"/>
+              <a:t>aij</a:t>
+            </a:r>
+            <a:r>
+              <a:rPr lang="it-IT" dirty="0"/>
+              <a:t>, e i termini noti sono i b1…</a:t>
+            </a:r>
+            <a:r>
+              <a:rPr lang="it-IT" dirty="0" err="1"/>
+              <a:t>bm</a:t>
+            </a:r>
+            <a:r>
+              <a:rPr lang="it-IT" dirty="0"/>
+              <a:t>.</a:t>
+            </a:r>
+          </a:p>
+          <a:p>
+            <a:endParaRPr lang="it-IT" dirty="0"/>
           </a:p>
         </p:txBody>
       </p:sp>
@@ -5062,7 +8197,7 @@
             </p:nvSpPr>
             <p:spPr>
               <a:xfrm>
-                <a:off x="8049492" y="4189982"/>
+                <a:off x="2308796" y="3331666"/>
                 <a:ext cx="3957685" cy="1025665"/>
               </a:xfrm>
               <a:prstGeom prst="rect">
@@ -5125,13 +8260,7 @@
                                   <a:rPr lang="it-IT" b="0" i="1" smtClean="0">
                                     <a:latin typeface="Cambria Math" panose="02040503050406030204" pitchFamily="18" charset="0"/>
                                   </a:rPr>
-                                  <m:t>1</m:t>
-                                </m:r>
-                                <m:r>
-                                  <a:rPr lang="it-IT" b="0" i="1" smtClean="0">
-                                    <a:latin typeface="Cambria Math" panose="02040503050406030204" pitchFamily="18" charset="0"/>
-                                  </a:rPr>
-                                  <m:t>1</m:t>
+                                  <m:t>11</m:t>
                                 </m:r>
                                 <m:r>
                                   <a:rPr lang="it-IT" b="0" i="1" smtClean="0">
@@ -5143,13 +8272,7 @@
                                   <a:rPr lang="it-IT" b="0" i="1" smtClean="0">
                                     <a:latin typeface="Cambria Math" panose="02040503050406030204" pitchFamily="18" charset="0"/>
                                   </a:rPr>
-                                  <m:t>1</m:t>
-                                </m:r>
-                                <m:r>
-                                  <a:rPr lang="it-IT" b="0" i="1" smtClean="0">
-                                    <a:latin typeface="Cambria Math" panose="02040503050406030204" pitchFamily="18" charset="0"/>
-                                  </a:rPr>
-                                  <m:t>+</m:t>
+                                  <m:t>1+</m:t>
                                 </m:r>
                                 <m:r>
                                   <a:rPr lang="it-IT" b="0" i="1" smtClean="0">
@@ -5237,13 +8360,7 @@
                                       <a:rPr lang="it-IT" b="0" i="1" smtClean="0">
                                         <a:latin typeface="Cambria Math" panose="02040503050406030204" pitchFamily="18" charset="0"/>
                                       </a:rPr>
-                                      <m:t>2</m:t>
-                                    </m:r>
-                                    <m:r>
-                                      <a:rPr lang="it-IT" b="0" i="1" smtClean="0">
-                                        <a:latin typeface="Cambria Math" panose="02040503050406030204" pitchFamily="18" charset="0"/>
-                                      </a:rPr>
-                                      <m:t>1</m:t>
+                                      <m:t>21</m:t>
                                     </m:r>
                                     <m:r>
                                       <a:rPr lang="it-IT" b="0" i="1" smtClean="0">
@@ -5267,13 +8384,7 @@
                                       <a:rPr lang="it-IT" b="0" i="1" smtClean="0">
                                         <a:latin typeface="Cambria Math" panose="02040503050406030204" pitchFamily="18" charset="0"/>
                                       </a:rPr>
-                                      <m:t>2</m:t>
-                                    </m:r>
-                                    <m:r>
-                                      <a:rPr lang="it-IT" b="0" i="1" smtClean="0">
-                                        <a:latin typeface="Cambria Math" panose="02040503050406030204" pitchFamily="18" charset="0"/>
-                                      </a:rPr>
-                                      <m:t>2</m:t>
+                                      <m:t>22</m:t>
                                     </m:r>
                                     <m:r>
                                       <a:rPr lang="it-IT" b="0" i="1" smtClean="0">
@@ -5303,13 +8414,7 @@
                                       <a:rPr lang="it-IT" b="0" i="1" smtClean="0">
                                         <a:latin typeface="Cambria Math" panose="02040503050406030204" pitchFamily="18" charset="0"/>
                                       </a:rPr>
-                                      <m:t>𝑛𝑥</m:t>
-                                    </m:r>
-                                    <m:r>
-                                      <a:rPr lang="it-IT" b="0" i="1" smtClean="0">
-                                        <a:latin typeface="Cambria Math" panose="02040503050406030204" pitchFamily="18" charset="0"/>
-                                      </a:rPr>
-                                      <m:t>𝑛</m:t>
+                                      <m:t>𝑛𝑥𝑛</m:t>
                                     </m:r>
                                     <m:r>
                                       <a:rPr lang="it-IT" b="0" i="1" smtClean="0">
@@ -5350,7 +8455,13 @@
                                   <a:rPr lang="it-IT" b="0" i="1" smtClean="0">
                                     <a:latin typeface="Cambria Math" panose="02040503050406030204" pitchFamily="18" charset="0"/>
                                   </a:rPr>
-                                  <m:t>𝑎𝑚</m:t>
+                                  <m:t>𝑎</m:t>
+                                </m:r>
+                                <m:r>
+                                  <a:rPr lang="it-IT" b="0" i="1" smtClean="0">
+                                    <a:latin typeface="Cambria Math" panose="02040503050406030204" pitchFamily="18" charset="0"/>
+                                  </a:rPr>
+                                  <m:t>𝑚</m:t>
                                 </m:r>
                                 <m:r>
                                   <a:rPr lang="it-IT" b="0" i="1" smtClean="0">
@@ -5442,604 +8553,8 @@
             </p:nvSpPr>
             <p:spPr>
               <a:xfrm>
-                <a:off x="8049492" y="4189982"/>
+                <a:off x="2308796" y="3331666"/>
                 <a:ext cx="3957685" cy="1025665"/>
-              </a:xfrm>
-              <a:prstGeom prst="rect">
-                <a:avLst/>
-              </a:prstGeom>
-              <a:blipFill>
-                <a:blip r:embed="rId4"/>
-                <a:stretch>
-                  <a:fillRect/>
-                </a:stretch>
-              </a:blipFill>
-            </p:spPr>
-            <p:txBody>
-              <a:bodyPr/>
-              <a:lstStyle/>
-              <a:p>
-                <a:r>
-                  <a:rPr lang="it-IT">
-                    <a:noFill/>
-                  </a:rPr>
-                  <a:t> </a:t>
-                </a:r>
-              </a:p>
-            </p:txBody>
-          </p:sp>
-        </mc:Fallback>
-      </mc:AlternateContent>
-      <p:sp>
-        <p:nvSpPr>
-          <p:cNvPr id="12" name="Rettangolo ad angolo ripiegato 11">
-            <a:extLst>
-              <a:ext uri="{FF2B5EF4-FFF2-40B4-BE49-F238E27FC236}">
-                <a16:creationId xmlns:a16="http://schemas.microsoft.com/office/drawing/2014/main" id="{7AF442CD-7F7A-4A96-98B5-A9135B8245D6}"/>
-              </a:ext>
-            </a:extLst>
-          </p:cNvPr>
-          <p:cNvSpPr/>
-          <p:nvPr/>
-        </p:nvSpPr>
-        <p:spPr>
-          <a:xfrm>
-            <a:off x="10030691" y="126975"/>
-            <a:ext cx="1981201" cy="1790057"/>
-          </a:xfrm>
-          <a:prstGeom prst="foldedCorner">
-            <a:avLst/>
-          </a:prstGeom>
-        </p:spPr>
-        <p:style>
-          <a:lnRef idx="2">
-            <a:schemeClr val="accent1">
-              <a:shade val="50000"/>
-            </a:schemeClr>
-          </a:lnRef>
-          <a:fillRef idx="1">
-            <a:schemeClr val="accent1"/>
-          </a:fillRef>
-          <a:effectRef idx="0">
-            <a:schemeClr val="accent1"/>
-          </a:effectRef>
-          <a:fontRef idx="minor">
-            <a:schemeClr val="lt1"/>
-          </a:fontRef>
-        </p:style>
-        <p:txBody>
-          <a:bodyPr rtlCol="0" anchor="ctr"/>
-          <a:lstStyle/>
-          <a:p>
-            <a:r>
-              <a:rPr lang="it-IT" dirty="0"/>
-              <a:t>Note:</a:t>
-            </a:r>
-          </a:p>
-          <a:p>
-            <a:r>
-              <a:rPr lang="it-IT" dirty="0"/>
-              <a:t>Tutte le incognite vanno rosse.</a:t>
-            </a:r>
-          </a:p>
-        </p:txBody>
-      </p:sp>
-      <p:sp>
-        <p:nvSpPr>
-          <p:cNvPr id="13" name="Rettangolo con angoli arrotondati 12">
-            <a:extLst>
-              <a:ext uri="{FF2B5EF4-FFF2-40B4-BE49-F238E27FC236}">
-                <a16:creationId xmlns:a16="http://schemas.microsoft.com/office/drawing/2014/main" id="{5F07FAF8-70E9-4582-93FD-F65C5DC3054A}"/>
-              </a:ext>
-            </a:extLst>
-          </p:cNvPr>
-          <p:cNvSpPr/>
-          <p:nvPr/>
-        </p:nvSpPr>
-        <p:spPr>
-          <a:xfrm>
-            <a:off x="8714509" y="5569527"/>
-            <a:ext cx="2549236" cy="651164"/>
-          </a:xfrm>
-          <a:prstGeom prst="roundRect">
-            <a:avLst/>
-          </a:prstGeom>
-        </p:spPr>
-        <p:style>
-          <a:lnRef idx="2">
-            <a:schemeClr val="accent3">
-              <a:shade val="50000"/>
-            </a:schemeClr>
-          </a:lnRef>
-          <a:fillRef idx="1">
-            <a:schemeClr val="accent3"/>
-          </a:fillRef>
-          <a:effectRef idx="0">
-            <a:schemeClr val="accent3"/>
-          </a:effectRef>
-          <a:fontRef idx="minor">
-            <a:schemeClr val="lt1"/>
-          </a:fontRef>
-        </p:style>
-        <p:txBody>
-          <a:bodyPr rtlCol="0" anchor="ctr"/>
-          <a:lstStyle/>
-          <a:p>
-            <a:pPr algn="ctr"/>
-            <a:r>
-              <a:rPr lang="it-IT" dirty="0"/>
-              <a:t>Approfondimenti</a:t>
-            </a:r>
-          </a:p>
-        </p:txBody>
-      </p:sp>
-    </p:spTree>
-    <p:extLst>
-      <p:ext uri="{BB962C8B-B14F-4D97-AF65-F5344CB8AC3E}">
-        <p14:creationId xmlns:p14="http://schemas.microsoft.com/office/powerpoint/2010/main" val="4064054012"/>
-      </p:ext>
-    </p:extLst>
-  </p:cSld>
-  <p:clrMapOvr>
-    <a:masterClrMapping/>
-  </p:clrMapOvr>
-</p:sld>
-</file>
-
-<file path=ppt/slides/slide3.xml><?xml version="1.0" encoding="utf-8"?>
-<p:sld xmlns:a="http://schemas.openxmlformats.org/drawingml/2006/main" xmlns:r="http://schemas.openxmlformats.org/officeDocument/2006/relationships" xmlns:p="http://schemas.openxmlformats.org/presentationml/2006/main">
-  <p:cSld>
-    <p:spTree>
-      <p:nvGrpSpPr>
-        <p:cNvPr id="1" name=""/>
-        <p:cNvGrpSpPr/>
-        <p:nvPr/>
-      </p:nvGrpSpPr>
-      <p:grpSpPr>
-        <a:xfrm>
-          <a:off x="0" y="0"/>
-          <a:ext cx="0" cy="0"/>
-          <a:chOff x="0" y="0"/>
-          <a:chExt cx="0" cy="0"/>
-        </a:xfrm>
-      </p:grpSpPr>
-      <p:sp>
-        <p:nvSpPr>
-          <p:cNvPr id="4" name="Titolo 1">
-            <a:extLst>
-              <a:ext uri="{FF2B5EF4-FFF2-40B4-BE49-F238E27FC236}">
-                <a16:creationId xmlns:a16="http://schemas.microsoft.com/office/drawing/2014/main" id="{CDA3A63F-D7C7-457C-ADF5-8D1D593A638E}"/>
-              </a:ext>
-            </a:extLst>
-          </p:cNvPr>
-          <p:cNvSpPr txBox="1">
-            <a:spLocks/>
-          </p:cNvSpPr>
-          <p:nvPr/>
-        </p:nvSpPr>
-        <p:spPr>
-          <a:xfrm>
-            <a:off x="838200" y="365125"/>
-            <a:ext cx="5853545" cy="1325563"/>
-          </a:xfrm>
-          <a:prstGeom prst="rect">
-            <a:avLst/>
-          </a:prstGeom>
-        </p:spPr>
-        <p:txBody>
-          <a:bodyPr vert="horz" lIns="91440" tIns="45720" rIns="91440" bIns="45720" rtlCol="0" anchor="ctr">
-            <a:normAutofit/>
-          </a:bodyPr>
-          <a:lstStyle>
-            <a:lvl1pPr algn="l" defTabSz="914400" rtl="0" eaLnBrk="1" latinLnBrk="0" hangingPunct="1">
-              <a:lnSpc>
-                <a:spcPct val="90000"/>
-              </a:lnSpc>
-              <a:spcBef>
-                <a:spcPct val="0"/>
-              </a:spcBef>
-              <a:buNone/>
-              <a:defRPr sz="4400" kern="1200">
-                <a:solidFill>
-                  <a:schemeClr val="tx1"/>
-                </a:solidFill>
-                <a:latin typeface="+mj-lt"/>
-                <a:ea typeface="+mj-ea"/>
-                <a:cs typeface="+mj-cs"/>
-              </a:defRPr>
-            </a:lvl1pPr>
-          </a:lstStyle>
-          <a:p>
-            <a:r>
-              <a:rPr lang="it-IT" dirty="0"/>
-              <a:t>Dai sistemi lineari…</a:t>
-            </a:r>
-            <a:br>
-              <a:rPr lang="it-IT" dirty="0"/>
-            </a:br>
-            <a:r>
-              <a:rPr lang="it-IT" sz="2400" dirty="0"/>
-              <a:t>Nozioni fondamentali</a:t>
-            </a:r>
-            <a:endParaRPr lang="it-IT" dirty="0"/>
-          </a:p>
-        </p:txBody>
-      </p:sp>
-      <mc:AlternateContent xmlns:mc="http://schemas.openxmlformats.org/markup-compatibility/2006">
-        <mc:Choice xmlns:a14="http://schemas.microsoft.com/office/drawing/2010/main" Requires="a14">
-          <p:sp>
-            <p:nvSpPr>
-              <p:cNvPr id="6" name="CasellaDiTesto 5">
-                <a:extLst>
-                  <a:ext uri="{FF2B5EF4-FFF2-40B4-BE49-F238E27FC236}">
-                    <a16:creationId xmlns:a16="http://schemas.microsoft.com/office/drawing/2014/main" id="{BDA16F73-7B3D-4D56-84A0-357AAE7E1B99}"/>
-                  </a:ext>
-                </a:extLst>
-              </p:cNvPr>
-              <p:cNvSpPr txBox="1"/>
-              <p:nvPr/>
-            </p:nvSpPr>
-            <p:spPr>
-              <a:xfrm>
-                <a:off x="1476811" y="3251161"/>
-                <a:ext cx="2428485" cy="884281"/>
-              </a:xfrm>
-              <a:prstGeom prst="rect">
-                <a:avLst/>
-              </a:prstGeom>
-              <a:noFill/>
-            </p:spPr>
-            <p:txBody>
-              <a:bodyPr wrap="none" lIns="0" tIns="0" rIns="0" bIns="0" rtlCol="0">
-                <a:spAutoFit/>
-              </a:bodyPr>
-              <a:lstStyle/>
-              <a:p>
-                <a14:m>
-                  <m:oMathPara xmlns:m="http://schemas.openxmlformats.org/officeDocument/2006/math">
-                    <m:oMathParaPr>
-                      <m:jc m:val="centerGroup"/>
-                    </m:oMathParaPr>
-                    <m:oMath xmlns:m="http://schemas.openxmlformats.org/officeDocument/2006/math">
-                      <m:d>
-                        <m:dPr>
-                          <m:begChr m:val="{"/>
-                          <m:endChr m:val=""/>
-                          <m:ctrlPr>
-                            <a:rPr lang="it-IT" i="1" smtClean="0">
-                              <a:latin typeface="Cambria Math" panose="02040503050406030204" pitchFamily="18" charset="0"/>
-                            </a:rPr>
-                          </m:ctrlPr>
-                        </m:dPr>
-                        <m:e>
-                          <m:m>
-                            <m:mPr>
-                              <m:mcs>
-                                <m:mc>
-                                  <m:mcPr>
-                                    <m:count m:val="1"/>
-                                    <m:mcJc m:val="center"/>
-                                  </m:mcPr>
-                                </m:mc>
-                              </m:mcs>
-                              <m:ctrlPr>
-                                <a:rPr lang="it-IT" i="1" smtClean="0">
-                                  <a:latin typeface="Cambria Math" panose="02040503050406030204" pitchFamily="18" charset="0"/>
-                                </a:rPr>
-                              </m:ctrlPr>
-                            </m:mPr>
-                            <m:mr>
-                              <m:e>
-                                <m:r>
-                                  <m:rPr>
-                                    <m:brk m:alnAt="7"/>
-                                  </m:rPr>
-                                  <a:rPr lang="it-IT" b="0" i="1" smtClean="0">
-                                    <a:solidFill>
-                                      <a:srgbClr val="0070C0"/>
-                                    </a:solidFill>
-                                    <a:latin typeface="Cambria Math" panose="02040503050406030204" pitchFamily="18" charset="0"/>
-                                  </a:rPr>
-                                  <m:t>𝑎</m:t>
-                                </m:r>
-                                <m:r>
-                                  <a:rPr lang="it-IT" b="0" i="1" smtClean="0">
-                                    <a:solidFill>
-                                      <a:srgbClr val="0070C0"/>
-                                    </a:solidFill>
-                                    <a:latin typeface="Cambria Math" panose="02040503050406030204" pitchFamily="18" charset="0"/>
-                                  </a:rPr>
-                                  <m:t>1</m:t>
-                                </m:r>
-                                <m:r>
-                                  <a:rPr lang="it-IT" b="0" i="1" smtClean="0">
-                                    <a:solidFill>
-                                      <a:srgbClr val="FF0000"/>
-                                    </a:solidFill>
-                                    <a:latin typeface="Cambria Math" panose="02040503050406030204" pitchFamily="18" charset="0"/>
-                                  </a:rPr>
-                                  <m:t>𝑥</m:t>
-                                </m:r>
-                                <m:r>
-                                  <a:rPr lang="it-IT" b="0" i="1" smtClean="0">
-                                    <a:latin typeface="Cambria Math" panose="02040503050406030204" pitchFamily="18" charset="0"/>
-                                  </a:rPr>
-                                  <m:t>+</m:t>
-                                </m:r>
-                                <m:r>
-                                  <a:rPr lang="it-IT" b="0" i="1" smtClean="0">
-                                    <a:latin typeface="Cambria Math" panose="02040503050406030204" pitchFamily="18" charset="0"/>
-                                  </a:rPr>
-                                  <m:t>𝑏</m:t>
-                                </m:r>
-                                <m:r>
-                                  <a:rPr lang="it-IT" b="0" i="1" smtClean="0">
-                                    <a:latin typeface="Cambria Math" panose="02040503050406030204" pitchFamily="18" charset="0"/>
-                                  </a:rPr>
-                                  <m:t>1</m:t>
-                                </m:r>
-                                <m:r>
-                                  <a:rPr lang="it-IT" b="0" i="1" smtClean="0">
-                                    <a:latin typeface="Cambria Math" panose="02040503050406030204" pitchFamily="18" charset="0"/>
-                                  </a:rPr>
-                                  <m:t>𝑦</m:t>
-                                </m:r>
-                                <m:r>
-                                  <a:rPr lang="it-IT" b="0" i="1" smtClean="0">
-                                    <a:latin typeface="Cambria Math" panose="02040503050406030204" pitchFamily="18" charset="0"/>
-                                  </a:rPr>
-                                  <m:t>+</m:t>
-                                </m:r>
-                                <m:r>
-                                  <a:rPr lang="it-IT" b="0" i="1" smtClean="0">
-                                    <a:latin typeface="Cambria Math" panose="02040503050406030204" pitchFamily="18" charset="0"/>
-                                  </a:rPr>
-                                  <m:t>𝑐</m:t>
-                                </m:r>
-                                <m:r>
-                                  <a:rPr lang="it-IT" b="0" i="1" smtClean="0">
-                                    <a:latin typeface="Cambria Math" panose="02040503050406030204" pitchFamily="18" charset="0"/>
-                                  </a:rPr>
-                                  <m:t>1</m:t>
-                                </m:r>
-                                <m:r>
-                                  <a:rPr lang="it-IT" b="0" i="1" smtClean="0">
-                                    <a:latin typeface="Cambria Math" panose="02040503050406030204" pitchFamily="18" charset="0"/>
-                                  </a:rPr>
-                                  <m:t>𝑧</m:t>
-                                </m:r>
-                                <m:r>
-                                  <a:rPr lang="it-IT" b="0" i="1" smtClean="0">
-                                    <a:latin typeface="Cambria Math" panose="02040503050406030204" pitchFamily="18" charset="0"/>
-                                  </a:rPr>
-                                  <m:t>=</m:t>
-                                </m:r>
-                                <m:r>
-                                  <a:rPr lang="it-IT" b="0" i="1" smtClean="0">
-                                    <a:solidFill>
-                                      <a:schemeClr val="accent6"/>
-                                    </a:solidFill>
-                                    <a:latin typeface="Cambria Math" panose="02040503050406030204" pitchFamily="18" charset="0"/>
-                                  </a:rPr>
-                                  <m:t>𝑑</m:t>
-                                </m:r>
-                                <m:r>
-                                  <a:rPr lang="it-IT" b="0" i="1" smtClean="0">
-                                    <a:solidFill>
-                                      <a:schemeClr val="accent6"/>
-                                    </a:solidFill>
-                                    <a:latin typeface="Cambria Math" panose="02040503050406030204" pitchFamily="18" charset="0"/>
-                                  </a:rPr>
-                                  <m:t>1</m:t>
-                                </m:r>
-                              </m:e>
-                            </m:mr>
-                            <m:mr>
-                              <m:e>
-                                <m:r>
-                                  <a:rPr lang="it-IT" b="0" i="1" smtClean="0">
-                                    <a:latin typeface="Cambria Math" panose="02040503050406030204" pitchFamily="18" charset="0"/>
-                                  </a:rPr>
-                                  <m:t>𝑎</m:t>
-                                </m:r>
-                                <m:r>
-                                  <a:rPr lang="it-IT" b="0" i="1" smtClean="0">
-                                    <a:latin typeface="Cambria Math" panose="02040503050406030204" pitchFamily="18" charset="0"/>
-                                  </a:rPr>
-                                  <m:t>2</m:t>
-                                </m:r>
-                                <m:r>
-                                  <a:rPr lang="it-IT" b="0" i="1" smtClean="0">
-                                    <a:latin typeface="Cambria Math" panose="02040503050406030204" pitchFamily="18" charset="0"/>
-                                  </a:rPr>
-                                  <m:t>𝑥</m:t>
-                                </m:r>
-                                <m:r>
-                                  <a:rPr lang="it-IT" b="0" i="1" smtClean="0">
-                                    <a:latin typeface="Cambria Math" panose="02040503050406030204" pitchFamily="18" charset="0"/>
-                                  </a:rPr>
-                                  <m:t>+</m:t>
-                                </m:r>
-                                <m:r>
-                                  <a:rPr lang="it-IT" b="0" i="1" smtClean="0">
-                                    <a:latin typeface="Cambria Math" panose="02040503050406030204" pitchFamily="18" charset="0"/>
-                                  </a:rPr>
-                                  <m:t>𝑏</m:t>
-                                </m:r>
-                                <m:r>
-                                  <a:rPr lang="it-IT" b="0" i="1" smtClean="0">
-                                    <a:latin typeface="Cambria Math" panose="02040503050406030204" pitchFamily="18" charset="0"/>
-                                  </a:rPr>
-                                  <m:t>2</m:t>
-                                </m:r>
-                                <m:r>
-                                  <a:rPr lang="it-IT" b="0" i="1" smtClean="0">
-                                    <a:latin typeface="Cambria Math" panose="02040503050406030204" pitchFamily="18" charset="0"/>
-                                  </a:rPr>
-                                  <m:t>𝑦</m:t>
-                                </m:r>
-                                <m:r>
-                                  <a:rPr lang="it-IT" b="0" i="1" smtClean="0">
-                                    <a:latin typeface="Cambria Math" panose="02040503050406030204" pitchFamily="18" charset="0"/>
-                                  </a:rPr>
-                                  <m:t>+</m:t>
-                                </m:r>
-                                <m:r>
-                                  <a:rPr lang="it-IT" b="0" i="1" smtClean="0">
-                                    <a:latin typeface="Cambria Math" panose="02040503050406030204" pitchFamily="18" charset="0"/>
-                                  </a:rPr>
-                                  <m:t>𝑐</m:t>
-                                </m:r>
-                                <m:r>
-                                  <a:rPr lang="it-IT" b="0" i="1" smtClean="0">
-                                    <a:latin typeface="Cambria Math" panose="02040503050406030204" pitchFamily="18" charset="0"/>
-                                  </a:rPr>
-                                  <m:t>2</m:t>
-                                </m:r>
-                                <m:r>
-                                  <a:rPr lang="it-IT" b="0" i="1" smtClean="0">
-                                    <a:latin typeface="Cambria Math" panose="02040503050406030204" pitchFamily="18" charset="0"/>
-                                  </a:rPr>
-                                  <m:t>𝑧</m:t>
-                                </m:r>
-                                <m:r>
-                                  <a:rPr lang="it-IT" b="0" i="1" smtClean="0">
-                                    <a:latin typeface="Cambria Math" panose="02040503050406030204" pitchFamily="18" charset="0"/>
-                                  </a:rPr>
-                                  <m:t>=</m:t>
-                                </m:r>
-                                <m:r>
-                                  <a:rPr lang="it-IT" b="0" i="1" smtClean="0">
-                                    <a:latin typeface="Cambria Math" panose="02040503050406030204" pitchFamily="18" charset="0"/>
-                                  </a:rPr>
-                                  <m:t>𝑑</m:t>
-                                </m:r>
-                                <m:r>
-                                  <a:rPr lang="it-IT" b="0" i="1" smtClean="0">
-                                    <a:latin typeface="Cambria Math" panose="02040503050406030204" pitchFamily="18" charset="0"/>
-                                  </a:rPr>
-                                  <m:t>2</m:t>
-                                </m:r>
-                              </m:e>
-                            </m:mr>
-                            <m:mr>
-                              <m:e>
-                                <m:r>
-                                  <a:rPr lang="it-IT" b="0" i="1" smtClean="0">
-                                    <a:latin typeface="Cambria Math" panose="02040503050406030204" pitchFamily="18" charset="0"/>
-                                  </a:rPr>
-                                  <m:t>𝑎</m:t>
-                                </m:r>
-                                <m:r>
-                                  <a:rPr lang="it-IT" b="0" i="1" smtClean="0">
-                                    <a:latin typeface="Cambria Math" panose="02040503050406030204" pitchFamily="18" charset="0"/>
-                                  </a:rPr>
-                                  <m:t>3</m:t>
-                                </m:r>
-                                <m:r>
-                                  <a:rPr lang="it-IT" b="0" i="1" smtClean="0">
-                                    <a:latin typeface="Cambria Math" panose="02040503050406030204" pitchFamily="18" charset="0"/>
-                                  </a:rPr>
-                                  <m:t>𝑥</m:t>
-                                </m:r>
-                                <m:r>
-                                  <a:rPr lang="it-IT" b="0" i="1" smtClean="0">
-                                    <a:latin typeface="Cambria Math" panose="02040503050406030204" pitchFamily="18" charset="0"/>
-                                  </a:rPr>
-                                  <m:t>+</m:t>
-                                </m:r>
-                                <m:r>
-                                  <a:rPr lang="it-IT" b="0" i="1" smtClean="0">
-                                    <a:latin typeface="Cambria Math" panose="02040503050406030204" pitchFamily="18" charset="0"/>
-                                  </a:rPr>
-                                  <m:t>𝑏</m:t>
-                                </m:r>
-                                <m:r>
-                                  <a:rPr lang="it-IT" b="0" i="1" smtClean="0">
-                                    <a:latin typeface="Cambria Math" panose="02040503050406030204" pitchFamily="18" charset="0"/>
-                                  </a:rPr>
-                                  <m:t>3</m:t>
-                                </m:r>
-                                <m:r>
-                                  <a:rPr lang="it-IT" b="0" i="1" smtClean="0">
-                                    <a:latin typeface="Cambria Math" panose="02040503050406030204" pitchFamily="18" charset="0"/>
-                                  </a:rPr>
-                                  <m:t>𝑦</m:t>
-                                </m:r>
-                                <m:r>
-                                  <a:rPr lang="it-IT" b="0" i="1" smtClean="0">
-                                    <a:latin typeface="Cambria Math" panose="02040503050406030204" pitchFamily="18" charset="0"/>
-                                  </a:rPr>
-                                  <m:t>+</m:t>
-                                </m:r>
-                                <m:r>
-                                  <a:rPr lang="it-IT" b="0" i="1" smtClean="0">
-                                    <a:latin typeface="Cambria Math" panose="02040503050406030204" pitchFamily="18" charset="0"/>
-                                  </a:rPr>
-                                  <m:t>𝑐</m:t>
-                                </m:r>
-                                <m:r>
-                                  <a:rPr lang="it-IT" b="0" i="1" smtClean="0">
-                                    <a:latin typeface="Cambria Math" panose="02040503050406030204" pitchFamily="18" charset="0"/>
-                                  </a:rPr>
-                                  <m:t>3</m:t>
-                                </m:r>
-                                <m:r>
-                                  <a:rPr lang="it-IT" b="0" i="1" smtClean="0">
-                                    <a:latin typeface="Cambria Math" panose="02040503050406030204" pitchFamily="18" charset="0"/>
-                                  </a:rPr>
-                                  <m:t>𝑧</m:t>
-                                </m:r>
-                                <m:r>
-                                  <a:rPr lang="it-IT" b="0" i="1" smtClean="0">
-                                    <a:latin typeface="Cambria Math" panose="02040503050406030204" pitchFamily="18" charset="0"/>
-                                  </a:rPr>
-                                  <m:t>=</m:t>
-                                </m:r>
-                                <m:r>
-                                  <a:rPr lang="it-IT" b="0" i="1" smtClean="0">
-                                    <a:latin typeface="Cambria Math" panose="02040503050406030204" pitchFamily="18" charset="0"/>
-                                  </a:rPr>
-                                  <m:t>𝑑</m:t>
-                                </m:r>
-                                <m:r>
-                                  <a:rPr lang="it-IT" b="0" i="1" smtClean="0">
-                                    <a:latin typeface="Cambria Math" panose="02040503050406030204" pitchFamily="18" charset="0"/>
-                                  </a:rPr>
-                                  <m:t>3</m:t>
-                                </m:r>
-                              </m:e>
-                            </m:mr>
-                          </m:m>
-                        </m:e>
-                      </m:d>
-                    </m:oMath>
-                  </m:oMathPara>
-                </a14:m>
-                <a:endParaRPr lang="it-IT" dirty="0"/>
-              </a:p>
-            </p:txBody>
-          </p:sp>
-        </mc:Choice>
-        <mc:Fallback>
-          <p:sp>
-            <p:nvSpPr>
-              <p:cNvPr id="6" name="CasellaDiTesto 5">
-                <a:extLst>
-                  <a:ext uri="{FF2B5EF4-FFF2-40B4-BE49-F238E27FC236}">
-                    <a16:creationId xmlns:a16="http://schemas.microsoft.com/office/drawing/2014/main" id="{BDA16F73-7B3D-4D56-84A0-357AAE7E1B99}"/>
-                  </a:ext>
-                </a:extLst>
-              </p:cNvPr>
-              <p:cNvSpPr txBox="1">
-                <a:spLocks noRot="1" noChangeAspect="1" noMove="1" noResize="1" noEditPoints="1" noAdjustHandles="1" noChangeArrowheads="1" noChangeShapeType="1" noTextEdit="1"/>
-              </p:cNvSpPr>
-              <p:nvPr/>
-            </p:nvSpPr>
-            <p:spPr>
-              <a:xfrm>
-                <a:off x="1476811" y="3251161"/>
-                <a:ext cx="2428485" cy="884281"/>
               </a:xfrm>
               <a:prstGeom prst="rect">
                 <a:avLst/>
@@ -6068,10 +8583,10 @@
       </mc:AlternateContent>
       <p:sp>
         <p:nvSpPr>
-          <p:cNvPr id="7" name="CasellaDiTesto 6">
+          <p:cNvPr id="16" name="CasellaDiTesto 15">
             <a:extLst>
               <a:ext uri="{FF2B5EF4-FFF2-40B4-BE49-F238E27FC236}">
-                <a16:creationId xmlns:a16="http://schemas.microsoft.com/office/drawing/2014/main" id="{4DA63264-DC49-4565-8DF4-40C3155ED711}"/>
+                <a16:creationId xmlns:a16="http://schemas.microsoft.com/office/drawing/2014/main" id="{8C675E57-0138-4062-8AF4-573CA48E4151}"/>
               </a:ext>
             </a:extLst>
           </p:cNvPr>
@@ -6080,8 +8595,8 @@
         </p:nvSpPr>
         <p:spPr>
           <a:xfrm>
-            <a:off x="969818" y="2071905"/>
-            <a:ext cx="9490364" cy="923330"/>
+            <a:off x="838200" y="4377026"/>
+            <a:ext cx="9700647" cy="923330"/>
           </a:xfrm>
           <a:prstGeom prst="rect">
             <a:avLst/>
@@ -6094,528 +8609,12 @@
           </a:bodyPr>
           <a:lstStyle/>
           <a:p>
+            <a:endParaRPr lang="it-IT" dirty="0"/>
+          </a:p>
+          <a:p>
             <a:r>
               <a:rPr lang="it-IT" dirty="0"/>
-              <a:t>Le lettere </a:t>
-            </a:r>
-            <a:r>
-              <a:rPr lang="it-IT" dirty="0" err="1"/>
-              <a:t>x,y,z</a:t>
-            </a:r>
-            <a:r>
-              <a:rPr lang="it-IT" dirty="0"/>
-              <a:t> rappresentano le </a:t>
-            </a:r>
-            <a:r>
-              <a:rPr lang="it-IT" b="1" dirty="0">
-                <a:solidFill>
-                  <a:srgbClr val="FF0000"/>
-                </a:solidFill>
-              </a:rPr>
-              <a:t>incognite</a:t>
-            </a:r>
-            <a:r>
-              <a:rPr lang="it-IT" dirty="0"/>
-              <a:t> del sistema.</a:t>
-            </a:r>
-          </a:p>
-          <a:p>
-            <a:r>
-              <a:rPr lang="it-IT" dirty="0"/>
-              <a:t>I termini a, b, c sono detti </a:t>
-            </a:r>
-            <a:r>
-              <a:rPr lang="it-IT" b="1" dirty="0">
-                <a:solidFill>
-                  <a:srgbClr val="0070C0"/>
-                </a:solidFill>
-              </a:rPr>
-              <a:t>coefficienti</a:t>
-            </a:r>
-            <a:r>
-              <a:rPr lang="it-IT" dirty="0"/>
-              <a:t> e gli altri elementi sono chiamati </a:t>
-            </a:r>
-            <a:r>
-              <a:rPr lang="it-IT" b="1" dirty="0">
-                <a:solidFill>
-                  <a:schemeClr val="accent6"/>
-                </a:solidFill>
-              </a:rPr>
-              <a:t>termini noti</a:t>
-            </a:r>
-            <a:r>
-              <a:rPr lang="it-IT" dirty="0"/>
-              <a:t>.</a:t>
-            </a:r>
-          </a:p>
-          <a:p>
-            <a:endParaRPr lang="it-IT" dirty="0"/>
-          </a:p>
-        </p:txBody>
-      </p:sp>
-      <mc:AlternateContent xmlns:mc="http://schemas.openxmlformats.org/markup-compatibility/2006">
-        <mc:Choice xmlns:a14="http://schemas.microsoft.com/office/drawing/2010/main" Requires="a14">
-          <p:sp>
-            <p:nvSpPr>
-              <p:cNvPr id="8" name="CasellaDiTesto 7">
-                <a:extLst>
-                  <a:ext uri="{FF2B5EF4-FFF2-40B4-BE49-F238E27FC236}">
-                    <a16:creationId xmlns:a16="http://schemas.microsoft.com/office/drawing/2014/main" id="{71424446-874A-4505-98E1-2418972A571C}"/>
-                  </a:ext>
-                </a:extLst>
-              </p:cNvPr>
-              <p:cNvSpPr txBox="1"/>
-              <p:nvPr/>
-            </p:nvSpPr>
-            <p:spPr>
-              <a:xfrm>
-                <a:off x="7853273" y="3205355"/>
-                <a:ext cx="1936364" cy="884281"/>
-              </a:xfrm>
-              <a:prstGeom prst="rect">
-                <a:avLst/>
-              </a:prstGeom>
-              <a:noFill/>
-            </p:spPr>
-            <p:txBody>
-              <a:bodyPr wrap="none" lIns="0" tIns="0" rIns="0" bIns="0" rtlCol="0">
-                <a:spAutoFit/>
-              </a:bodyPr>
-              <a:lstStyle/>
-              <a:p>
-                <a14:m>
-                  <m:oMathPara xmlns:m="http://schemas.openxmlformats.org/officeDocument/2006/math">
-                    <m:oMathParaPr>
-                      <m:jc m:val="centerGroup"/>
-                    </m:oMathParaPr>
-                    <m:oMath xmlns:m="http://schemas.openxmlformats.org/officeDocument/2006/math">
-                      <m:d>
-                        <m:dPr>
-                          <m:begChr m:val="{"/>
-                          <m:endChr m:val=""/>
-                          <m:ctrlPr>
-                            <a:rPr lang="it-IT" i="1" smtClean="0">
-                              <a:latin typeface="Cambria Math" panose="02040503050406030204" pitchFamily="18" charset="0"/>
-                            </a:rPr>
-                          </m:ctrlPr>
-                        </m:dPr>
-                        <m:e>
-                          <m:m>
-                            <m:mPr>
-                              <m:mcs>
-                                <m:mc>
-                                  <m:mcPr>
-                                    <m:count m:val="1"/>
-                                    <m:mcJc m:val="center"/>
-                                  </m:mcPr>
-                                </m:mc>
-                              </m:mcs>
-                              <m:ctrlPr>
-                                <a:rPr lang="it-IT" i="1" smtClean="0">
-                                  <a:latin typeface="Cambria Math" panose="02040503050406030204" pitchFamily="18" charset="0"/>
-                                </a:rPr>
-                              </m:ctrlPr>
-                            </m:mPr>
-                            <m:mr>
-                              <m:e>
-                                <m:r>
-                                  <m:rPr>
-                                    <m:brk m:alnAt="7"/>
-                                  </m:rPr>
-                                  <a:rPr lang="it-IT" b="0" i="1" smtClean="0">
-                                    <a:solidFill>
-                                      <a:schemeClr val="accent1"/>
-                                    </a:solidFill>
-                                    <a:latin typeface="Cambria Math" panose="02040503050406030204" pitchFamily="18" charset="0"/>
-                                  </a:rPr>
-                                  <m:t>7</m:t>
-                                </m:r>
-                                <m:r>
-                                  <a:rPr lang="it-IT" b="0" i="1" smtClean="0">
-                                    <a:solidFill>
-                                      <a:srgbClr val="FF0000"/>
-                                    </a:solidFill>
-                                    <a:latin typeface="Cambria Math" panose="02040503050406030204" pitchFamily="18" charset="0"/>
-                                  </a:rPr>
-                                  <m:t>𝑥</m:t>
-                                </m:r>
-                                <m:r>
-                                  <a:rPr lang="it-IT" b="0" i="1" smtClean="0">
-                                    <a:latin typeface="Cambria Math" panose="02040503050406030204" pitchFamily="18" charset="0"/>
-                                  </a:rPr>
-                                  <m:t>+</m:t>
-                                </m:r>
-                                <m:r>
-                                  <a:rPr lang="it-IT" b="0" i="1" smtClean="0">
-                                    <a:latin typeface="Cambria Math" panose="02040503050406030204" pitchFamily="18" charset="0"/>
-                                  </a:rPr>
-                                  <m:t>6</m:t>
-                                </m:r>
-                                <m:r>
-                                  <a:rPr lang="it-IT" b="0" i="1" smtClean="0">
-                                    <a:latin typeface="Cambria Math" panose="02040503050406030204" pitchFamily="18" charset="0"/>
-                                  </a:rPr>
-                                  <m:t>𝑦</m:t>
-                                </m:r>
-                                <m:r>
-                                  <a:rPr lang="it-IT" b="0" i="1" smtClean="0">
-                                    <a:latin typeface="Cambria Math" panose="02040503050406030204" pitchFamily="18" charset="0"/>
-                                  </a:rPr>
-                                  <m:t>+5</m:t>
-                                </m:r>
-                                <m:r>
-                                  <a:rPr lang="it-IT" b="0" i="1" smtClean="0">
-                                    <a:latin typeface="Cambria Math" panose="02040503050406030204" pitchFamily="18" charset="0"/>
-                                  </a:rPr>
-                                  <m:t>𝑧</m:t>
-                                </m:r>
-                                <m:r>
-                                  <a:rPr lang="it-IT" b="0" i="1" smtClean="0">
-                                    <a:latin typeface="Cambria Math" panose="02040503050406030204" pitchFamily="18" charset="0"/>
-                                  </a:rPr>
-                                  <m:t>=</m:t>
-                                </m:r>
-                                <m:r>
-                                  <a:rPr lang="it-IT" b="0" i="1" smtClean="0">
-                                    <a:solidFill>
-                                      <a:schemeClr val="accent6"/>
-                                    </a:solidFill>
-                                    <a:latin typeface="Cambria Math" panose="02040503050406030204" pitchFamily="18" charset="0"/>
-                                  </a:rPr>
-                                  <m:t>5</m:t>
-                                </m:r>
-                              </m:e>
-                            </m:mr>
-                            <m:mr>
-                              <m:e>
-                                <m:r>
-                                  <a:rPr lang="it-IT" b="0" i="1" smtClean="0">
-                                    <a:latin typeface="Cambria Math" panose="02040503050406030204" pitchFamily="18" charset="0"/>
-                                  </a:rPr>
-                                  <m:t>3</m:t>
-                                </m:r>
-                                <m:r>
-                                  <a:rPr lang="it-IT" b="0" i="1" smtClean="0">
-                                    <a:latin typeface="Cambria Math" panose="02040503050406030204" pitchFamily="18" charset="0"/>
-                                  </a:rPr>
-                                  <m:t>𝑥</m:t>
-                                </m:r>
-                                <m:r>
-                                  <a:rPr lang="it-IT" b="0" i="1" smtClean="0">
-                                    <a:latin typeface="Cambria Math" panose="02040503050406030204" pitchFamily="18" charset="0"/>
-                                  </a:rPr>
-                                  <m:t>+4</m:t>
-                                </m:r>
-                                <m:r>
-                                  <a:rPr lang="it-IT" b="0" i="1" smtClean="0">
-                                    <a:latin typeface="Cambria Math" panose="02040503050406030204" pitchFamily="18" charset="0"/>
-                                  </a:rPr>
-                                  <m:t>𝑦</m:t>
-                                </m:r>
-                                <m:r>
-                                  <a:rPr lang="it-IT" b="0" i="1" smtClean="0">
-                                    <a:latin typeface="Cambria Math" panose="02040503050406030204" pitchFamily="18" charset="0"/>
-                                  </a:rPr>
-                                  <m:t>+2</m:t>
-                                </m:r>
-                                <m:r>
-                                  <a:rPr lang="it-IT" b="0" i="1" smtClean="0">
-                                    <a:latin typeface="Cambria Math" panose="02040503050406030204" pitchFamily="18" charset="0"/>
-                                  </a:rPr>
-                                  <m:t>𝑧</m:t>
-                                </m:r>
-                                <m:r>
-                                  <a:rPr lang="it-IT" b="0" i="1" smtClean="0">
-                                    <a:latin typeface="Cambria Math" panose="02040503050406030204" pitchFamily="18" charset="0"/>
-                                  </a:rPr>
-                                  <m:t>=1</m:t>
-                                </m:r>
-                              </m:e>
-                            </m:mr>
-                            <m:mr>
-                              <m:e>
-                                <m:r>
-                                  <a:rPr lang="it-IT" b="0" i="1" smtClean="0">
-                                    <a:latin typeface="Cambria Math" panose="02040503050406030204" pitchFamily="18" charset="0"/>
-                                  </a:rPr>
-                                  <m:t>5</m:t>
-                                </m:r>
-                                <m:r>
-                                  <a:rPr lang="it-IT" b="0" i="1" smtClean="0">
-                                    <a:latin typeface="Cambria Math" panose="02040503050406030204" pitchFamily="18" charset="0"/>
-                                  </a:rPr>
-                                  <m:t>𝑥</m:t>
-                                </m:r>
-                                <m:r>
-                                  <a:rPr lang="it-IT" b="0" i="1" smtClean="0">
-                                    <a:latin typeface="Cambria Math" panose="02040503050406030204" pitchFamily="18" charset="0"/>
-                                  </a:rPr>
-                                  <m:t>+6</m:t>
-                                </m:r>
-                                <m:r>
-                                  <a:rPr lang="it-IT" b="0" i="1" smtClean="0">
-                                    <a:latin typeface="Cambria Math" panose="02040503050406030204" pitchFamily="18" charset="0"/>
-                                  </a:rPr>
-                                  <m:t>𝑦</m:t>
-                                </m:r>
-                                <m:r>
-                                  <a:rPr lang="it-IT" b="0" i="1" smtClean="0">
-                                    <a:latin typeface="Cambria Math" panose="02040503050406030204" pitchFamily="18" charset="0"/>
-                                  </a:rPr>
-                                  <m:t>+4</m:t>
-                                </m:r>
-                                <m:r>
-                                  <a:rPr lang="it-IT" b="0" i="1" smtClean="0">
-                                    <a:latin typeface="Cambria Math" panose="02040503050406030204" pitchFamily="18" charset="0"/>
-                                  </a:rPr>
-                                  <m:t>𝑧</m:t>
-                                </m:r>
-                                <m:r>
-                                  <a:rPr lang="it-IT" b="0" i="1" smtClean="0">
-                                    <a:latin typeface="Cambria Math" panose="02040503050406030204" pitchFamily="18" charset="0"/>
-                                  </a:rPr>
-                                  <m:t>=1</m:t>
-                                </m:r>
-                              </m:e>
-                            </m:mr>
-                          </m:m>
-                        </m:e>
-                      </m:d>
-                    </m:oMath>
-                  </m:oMathPara>
-                </a14:m>
-                <a:endParaRPr lang="it-IT" dirty="0"/>
-              </a:p>
-            </p:txBody>
-          </p:sp>
-        </mc:Choice>
-        <mc:Fallback>
-          <p:sp>
-            <p:nvSpPr>
-              <p:cNvPr id="8" name="CasellaDiTesto 7">
-                <a:extLst>
-                  <a:ext uri="{FF2B5EF4-FFF2-40B4-BE49-F238E27FC236}">
-                    <a16:creationId xmlns:a16="http://schemas.microsoft.com/office/drawing/2014/main" id="{71424446-874A-4505-98E1-2418972A571C}"/>
-                  </a:ext>
-                </a:extLst>
-              </p:cNvPr>
-              <p:cNvSpPr txBox="1">
-                <a:spLocks noRot="1" noChangeAspect="1" noMove="1" noResize="1" noEditPoints="1" noAdjustHandles="1" noChangeArrowheads="1" noChangeShapeType="1" noTextEdit="1"/>
-              </p:cNvSpPr>
-              <p:nvPr/>
-            </p:nvSpPr>
-            <p:spPr>
-              <a:xfrm>
-                <a:off x="7853273" y="3205355"/>
-                <a:ext cx="1936364" cy="884281"/>
-              </a:xfrm>
-              <a:prstGeom prst="rect">
-                <a:avLst/>
-              </a:prstGeom>
-              <a:blipFill>
-                <a:blip r:embed="rId3"/>
-                <a:stretch>
-                  <a:fillRect/>
-                </a:stretch>
-              </a:blipFill>
-            </p:spPr>
-            <p:txBody>
-              <a:bodyPr/>
-              <a:lstStyle/>
-              <a:p>
-                <a:r>
-                  <a:rPr lang="it-IT">
-                    <a:noFill/>
-                  </a:rPr>
-                  <a:t> </a:t>
-                </a:r>
-              </a:p>
-            </p:txBody>
-          </p:sp>
-        </mc:Fallback>
-      </mc:AlternateContent>
-      <p:cxnSp>
-        <p:nvCxnSpPr>
-          <p:cNvPr id="10" name="Connettore 2 9">
-            <a:extLst>
-              <a:ext uri="{FF2B5EF4-FFF2-40B4-BE49-F238E27FC236}">
-                <a16:creationId xmlns:a16="http://schemas.microsoft.com/office/drawing/2014/main" id="{98809338-C1A0-47C5-A781-6ABFAC952524}"/>
-              </a:ext>
-            </a:extLst>
-          </p:cNvPr>
-          <p:cNvCxnSpPr>
-            <a:cxnSpLocks/>
-          </p:cNvCxnSpPr>
-          <p:nvPr/>
-        </p:nvCxnSpPr>
-        <p:spPr>
-          <a:xfrm>
-            <a:off x="4357254" y="3647496"/>
-            <a:ext cx="2590801" cy="0"/>
-          </a:xfrm>
-          <a:prstGeom prst="straightConnector1">
-            <a:avLst/>
-          </a:prstGeom>
-          <a:ln>
-            <a:tailEnd type="triangle"/>
-          </a:ln>
-        </p:spPr>
-        <p:style>
-          <a:lnRef idx="1">
-            <a:schemeClr val="accent1"/>
-          </a:lnRef>
-          <a:fillRef idx="0">
-            <a:schemeClr val="accent1"/>
-          </a:fillRef>
-          <a:effectRef idx="0">
-            <a:schemeClr val="accent1"/>
-          </a:effectRef>
-          <a:fontRef idx="minor">
-            <a:schemeClr val="tx1"/>
-          </a:fontRef>
-        </p:style>
-      </p:cxnSp>
-      <p:sp>
-        <p:nvSpPr>
-          <p:cNvPr id="12" name="CasellaDiTesto 11">
-            <a:extLst>
-              <a:ext uri="{FF2B5EF4-FFF2-40B4-BE49-F238E27FC236}">
-                <a16:creationId xmlns:a16="http://schemas.microsoft.com/office/drawing/2014/main" id="{8CEFED75-A848-4CAD-93F2-CF7EE318CC8F}"/>
-              </a:ext>
-            </a:extLst>
-          </p:cNvPr>
-          <p:cNvSpPr txBox="1"/>
-          <p:nvPr/>
-        </p:nvSpPr>
-        <p:spPr>
-          <a:xfrm>
-            <a:off x="4263260" y="3278164"/>
-            <a:ext cx="2428485" cy="369332"/>
-          </a:xfrm>
-          <a:prstGeom prst="rect">
-            <a:avLst/>
-          </a:prstGeom>
-          <a:noFill/>
-        </p:spPr>
-        <p:txBody>
-          <a:bodyPr wrap="square" rtlCol="0">
-            <a:spAutoFit/>
-          </a:bodyPr>
-          <a:lstStyle/>
-          <a:p>
-            <a:pPr algn="ctr"/>
-            <a:r>
-              <a:rPr lang="it-IT" dirty="0"/>
-              <a:t>ESEMPIO</a:t>
-            </a:r>
-          </a:p>
-        </p:txBody>
-      </p:sp>
-      <p:sp>
-        <p:nvSpPr>
-          <p:cNvPr id="13" name="Rettangolo ad angolo ripiegato 12">
-            <a:extLst>
-              <a:ext uri="{FF2B5EF4-FFF2-40B4-BE49-F238E27FC236}">
-                <a16:creationId xmlns:a16="http://schemas.microsoft.com/office/drawing/2014/main" id="{3044543F-4752-4A71-AB89-53D8AB62BA4C}"/>
-              </a:ext>
-            </a:extLst>
-          </p:cNvPr>
-          <p:cNvSpPr/>
-          <p:nvPr/>
-        </p:nvSpPr>
-        <p:spPr>
-          <a:xfrm>
-            <a:off x="10030691" y="126975"/>
-            <a:ext cx="1981201" cy="1790057"/>
-          </a:xfrm>
-          <a:prstGeom prst="foldedCorner">
-            <a:avLst/>
-          </a:prstGeom>
-        </p:spPr>
-        <p:style>
-          <a:lnRef idx="2">
-            <a:schemeClr val="accent1">
-              <a:shade val="50000"/>
-            </a:schemeClr>
-          </a:lnRef>
-          <a:fillRef idx="1">
-            <a:schemeClr val="accent1"/>
-          </a:fillRef>
-          <a:effectRef idx="0">
-            <a:schemeClr val="accent1"/>
-          </a:effectRef>
-          <a:fontRef idx="minor">
-            <a:schemeClr val="lt1"/>
-          </a:fontRef>
-        </p:style>
-        <p:txBody>
-          <a:bodyPr rtlCol="0" anchor="ctr"/>
-          <a:lstStyle/>
-          <a:p>
-            <a:r>
-              <a:rPr lang="it-IT" dirty="0"/>
-              <a:t>Note:</a:t>
-            </a:r>
-          </a:p>
-          <a:p>
-            <a:r>
-              <a:rPr lang="it-IT" dirty="0"/>
-              <a:t>Colora incognite, coefficienti e termini noti</a:t>
-            </a:r>
-          </a:p>
-        </p:txBody>
-      </p:sp>
-      <p:sp>
-        <p:nvSpPr>
-          <p:cNvPr id="15" name="Rettangolo ad angolo ripiegato 14">
-            <a:extLst>
-              <a:ext uri="{FF2B5EF4-FFF2-40B4-BE49-F238E27FC236}">
-                <a16:creationId xmlns:a16="http://schemas.microsoft.com/office/drawing/2014/main" id="{FA298FB5-C51A-4C36-BC6C-D1592DFD7442}"/>
-              </a:ext>
-            </a:extLst>
-          </p:cNvPr>
-          <p:cNvSpPr/>
-          <p:nvPr/>
-        </p:nvSpPr>
-        <p:spPr>
-          <a:xfrm>
-            <a:off x="969818" y="4716524"/>
-            <a:ext cx="3103418" cy="1790057"/>
-          </a:xfrm>
-          <a:prstGeom prst="foldedCorner">
-            <a:avLst/>
-          </a:prstGeom>
-        </p:spPr>
-        <p:style>
-          <a:lnRef idx="2">
-            <a:schemeClr val="accent1">
-              <a:shade val="50000"/>
-            </a:schemeClr>
-          </a:lnRef>
-          <a:fillRef idx="1">
-            <a:schemeClr val="accent1"/>
-          </a:fillRef>
-          <a:effectRef idx="0">
-            <a:schemeClr val="accent1"/>
-          </a:effectRef>
-          <a:fontRef idx="minor">
-            <a:schemeClr val="lt1"/>
-          </a:fontRef>
-        </p:style>
-        <p:txBody>
-          <a:bodyPr rtlCol="0" anchor="ctr"/>
-          <a:lstStyle/>
-          <a:p>
-            <a:r>
-              <a:rPr lang="it-IT" dirty="0"/>
-              <a:t>ATTENTO:</a:t>
-            </a:r>
-          </a:p>
-          <a:p>
-            <a:r>
-              <a:rPr lang="it-IT" dirty="0"/>
-              <a:t>Le incognite sono x, y e z, le altre lettere che compaiono sono tutti numeri</a:t>
+              <a:t>Non ti preoccupare! Il nostro campo da gioco sarà soltanto con le matrici 2x2 e 3x3 (all’università si trattano invece casi più generali come questo).</a:t>
             </a:r>
           </a:p>
         </p:txBody>
@@ -6623,7 +8622,7 @@
     </p:spTree>
     <p:extLst>
       <p:ext uri="{BB962C8B-B14F-4D97-AF65-F5344CB8AC3E}">
-        <p14:creationId xmlns:p14="http://schemas.microsoft.com/office/powerpoint/2010/main" val="2756397381"/>
+        <p14:creationId xmlns:p14="http://schemas.microsoft.com/office/powerpoint/2010/main" val="4064054012"/>
       </p:ext>
     </p:extLst>
   </p:cSld>
@@ -6633,7 +8632,7 @@
 </p:sld>
 </file>
 
-<file path=ppt/slides/slide4.xml><?xml version="1.0" encoding="utf-8"?>
+<file path=ppt/slides/slide6.xml><?xml version="1.0" encoding="utf-8"?>
 <p:sld xmlns:a="http://schemas.openxmlformats.org/drawingml/2006/main" xmlns:r="http://schemas.openxmlformats.org/officeDocument/2006/relationships" xmlns:p="http://schemas.openxmlformats.org/presentationml/2006/main">
   <p:cSld>
     <p:spTree>
@@ -6666,7 +8665,12 @@
             <p:ph idx="1"/>
           </p:nvPr>
         </p:nvSpPr>
-        <p:spPr/>
+        <p:spPr>
+          <a:xfrm>
+            <a:off x="838200" y="1825625"/>
+            <a:ext cx="10515600" cy="2668883"/>
+          </a:xfrm>
+        </p:spPr>
         <p:txBody>
           <a:bodyPr/>
           <a:lstStyle/>
@@ -6676,36 +8680,22 @@
             </a:pPr>
             <a:r>
               <a:rPr lang="it-IT" dirty="0"/>
-              <a:t>Dovresti già conoscere qualche metodo per risolvere i sistemi lineari, ad esempio:</a:t>
-            </a:r>
-          </a:p>
-          <a:p>
-            <a:pPr lvl="1"/>
-            <a:r>
-              <a:rPr lang="it-IT" dirty="0"/>
-              <a:t>Metodo di sostituzione o del confronto</a:t>
-            </a:r>
-          </a:p>
-          <a:p>
-            <a:pPr lvl="1"/>
-            <a:r>
-              <a:rPr lang="it-IT" dirty="0"/>
-              <a:t>Metodo di riduzione</a:t>
-            </a:r>
+              <a:t>Dovresti già conoscere qualche metodo per risolvere i sistemi lineari.</a:t>
+            </a:r>
+          </a:p>
+          <a:p>
+            <a:pPr marL="0" indent="0">
+              <a:buNone/>
+            </a:pPr>
+            <a:endParaRPr lang="it-IT" sz="2800" dirty="0"/>
           </a:p>
           <a:p>
             <a:pPr marL="0" lvl="1" indent="0">
               <a:buNone/>
             </a:pPr>
-            <a:endParaRPr lang="it-IT" sz="2800" dirty="0"/>
-          </a:p>
-          <a:p>
-            <a:pPr marL="0" lvl="1" indent="0">
-              <a:buNone/>
-            </a:pPr>
             <a:r>
               <a:rPr lang="it-IT" sz="2800" dirty="0"/>
-              <a:t>Prosegui al prossimo capitolo       per scoprire un nuovo strumento per trovare la soluzione di sistemi lineari.</a:t>
+              <a:t>Prosegui al prossimo capitolo       per scoprire un nuovo strumento per trovare la soluzione di sistemi lineari. È un metodo generale che, come vedremo, include come casi particolari quelli che già conosci.</a:t>
             </a:r>
           </a:p>
         </p:txBody>
@@ -6786,7 +8776,7 @@
         </p:nvSpPr>
         <p:spPr>
           <a:xfrm>
-            <a:off x="2557220" y="3908306"/>
+            <a:off x="2588216" y="2823424"/>
             <a:ext cx="3037667" cy="384725"/>
           </a:xfrm>
           <a:prstGeom prst="roundRect">
@@ -6931,7 +8921,7 @@
 </p:sld>
 </file>
 
-<file path=ppt/slides/slide5.xml><?xml version="1.0" encoding="utf-8"?>
+<file path=ppt/slides/slide7.xml><?xml version="1.0" encoding="utf-8"?>
 <p:sld xmlns:a="http://schemas.openxmlformats.org/drawingml/2006/main" xmlns:r="http://schemas.openxmlformats.org/officeDocument/2006/relationships" xmlns:p="http://schemas.openxmlformats.org/presentationml/2006/main">
   <p:cSld>
     <p:spTree>
@@ -7080,8 +9070,8 @@
             <a:chExt cx="7334117" cy="925867"/>
           </a:xfrm>
         </p:grpSpPr>
-        <mc:AlternateContent xmlns:mc="http://schemas.openxmlformats.org/markup-compatibility/2006">
-          <mc:Choice xmlns:a14="http://schemas.microsoft.com/office/drawing/2010/main" Requires="a14">
+        <mc:AlternateContent xmlns:mc="http://schemas.openxmlformats.org/markup-compatibility/2006" xmlns:a14="http://schemas.microsoft.com/office/drawing/2010/main">
+          <mc:Choice Requires="a14">
             <p:sp>
               <p:nvSpPr>
                 <p:cNvPr id="7" name="CasellaDiTesto 6">
@@ -7110,6 +9100,7 @@
                 </a:bodyPr>
                 <a:lstStyle/>
                 <a:p>
+                  <a:pPr/>
                   <a14:m>
                     <m:oMathPara xmlns:m="http://schemas.openxmlformats.org/officeDocument/2006/math">
                       <m:oMathParaPr>
@@ -7170,13 +9161,7 @@
                                     <a:rPr lang="it-IT" b="0" i="1" smtClean="0">
                                       <a:latin typeface="Cambria Math" panose="02040503050406030204" pitchFamily="18" charset="0"/>
                                     </a:rPr>
-                                    <m:t>+</m:t>
-                                  </m:r>
-                                  <m:r>
-                                    <a:rPr lang="it-IT" b="0" i="1" smtClean="0">
-                                      <a:latin typeface="Cambria Math" panose="02040503050406030204" pitchFamily="18" charset="0"/>
-                                    </a:rPr>
-                                    <m:t>6</m:t>
+                                    <m:t>+6</m:t>
                                   </m:r>
                                   <m:r>
                                     <a:rPr lang="it-IT" b="0" i="1" smtClean="0">
@@ -7200,22 +9185,7 @@
                                     <a:rPr lang="it-IT" b="0" i="1" smtClean="0">
                                       <a:latin typeface="Cambria Math" panose="02040503050406030204" pitchFamily="18" charset="0"/>
                                     </a:rPr>
-                                    <m:t>=</m:t>
-                                  </m:r>
-                                  <m:r>
-                                    <a:rPr lang="it-IT" b="0" i="1" smtClean="0">
-                                      <a:latin typeface="Cambria Math" panose="02040503050406030204" pitchFamily="18" charset="0"/>
-                                    </a:rPr>
-                                    <m:t>−</m:t>
-                                  </m:r>
-                                  <m:r>
-                                    <a:rPr lang="it-IT" b="0" i="1" smtClean="0">
-                                      <a:solidFill>
-                                        <a:schemeClr val="accent6"/>
-                                      </a:solidFill>
-                                      <a:latin typeface="Cambria Math" panose="02040503050406030204" pitchFamily="18" charset="0"/>
-                                    </a:rPr>
-                                    <m:t>5</m:t>
+                                    <m:t>=−5</m:t>
                                   </m:r>
                                 </m:e>
                               </m:mr>
@@ -7322,7 +9292,7 @@
               </p:txBody>
             </p:sp>
           </mc:Choice>
-          <mc:Fallback>
+          <mc:Fallback xmlns="">
             <p:sp>
               <p:nvSpPr>
                 <p:cNvPr id="7" name="CasellaDiTesto 6">
@@ -7367,8 +9337,8 @@
             </p:sp>
           </mc:Fallback>
         </mc:AlternateContent>
-        <mc:AlternateContent xmlns:mc="http://schemas.openxmlformats.org/markup-compatibility/2006">
-          <mc:Choice xmlns:a14="http://schemas.microsoft.com/office/drawing/2010/main" Requires="a14">
+        <mc:AlternateContent xmlns:mc="http://schemas.openxmlformats.org/markup-compatibility/2006" xmlns:a14="http://schemas.microsoft.com/office/drawing/2010/main">
+          <mc:Choice Requires="a14">
             <p:sp>
               <p:nvSpPr>
                 <p:cNvPr id="8" name="CasellaDiTesto 7">
@@ -7397,6 +9367,7 @@
                 </a:bodyPr>
                 <a:lstStyle/>
                 <a:p>
+                  <a:pPr/>
                   <a14:m>
                     <m:oMathPara xmlns:m="http://schemas.openxmlformats.org/officeDocument/2006/math">
                       <m:oMathParaPr>
@@ -7546,7 +9517,7 @@
               </p:txBody>
             </p:sp>
           </mc:Choice>
-          <mc:Fallback>
+          <mc:Fallback xmlns="">
             <p:sp>
               <p:nvSpPr>
                 <p:cNvPr id="8" name="CasellaDiTesto 7">
@@ -8373,8 +10344,8 @@
             </a:p>
           </p:txBody>
         </p:sp>
-        <mc:AlternateContent xmlns:mc="http://schemas.openxmlformats.org/markup-compatibility/2006">
-          <mc:Choice xmlns:a14="http://schemas.microsoft.com/office/drawing/2010/main" Requires="a14">
+        <mc:AlternateContent xmlns:mc="http://schemas.openxmlformats.org/markup-compatibility/2006" xmlns:a14="http://schemas.microsoft.com/office/drawing/2010/main">
+          <mc:Choice Requires="a14">
             <p:sp>
               <p:nvSpPr>
                 <p:cNvPr id="23" name="CasellaDiTesto 22">
@@ -8403,6 +10374,7 @@
                 </a:bodyPr>
                 <a:lstStyle/>
                 <a:p>
+                  <a:pPr/>
                   <a14:m>
                     <m:oMathPara xmlns:m="http://schemas.openxmlformats.org/officeDocument/2006/math">
                       <m:oMathParaPr>
@@ -8463,13 +10435,7 @@
                                     <a:rPr lang="it-IT" b="0" i="1" smtClean="0">
                                       <a:latin typeface="Cambria Math" panose="02040503050406030204" pitchFamily="18" charset="0"/>
                                     </a:rPr>
-                                    <m:t>+</m:t>
-                                  </m:r>
-                                  <m:r>
-                                    <a:rPr lang="it-IT" b="0" i="1" smtClean="0">
-                                      <a:latin typeface="Cambria Math" panose="02040503050406030204" pitchFamily="18" charset="0"/>
-                                    </a:rPr>
-                                    <m:t>6</m:t>
+                                    <m:t>+6</m:t>
                                   </m:r>
                                   <m:r>
                                     <a:rPr lang="it-IT" b="0" i="1" smtClean="0">
@@ -8493,13 +10459,7 @@
                                     <a:rPr lang="it-IT" b="0" i="1" smtClean="0">
                                       <a:latin typeface="Cambria Math" panose="02040503050406030204" pitchFamily="18" charset="0"/>
                                     </a:rPr>
-                                    <m:t>=</m:t>
-                                  </m:r>
-                                  <m:r>
-                                    <a:rPr lang="it-IT" b="0" i="1" smtClean="0">
-                                      <a:latin typeface="Cambria Math" panose="02040503050406030204" pitchFamily="18" charset="0"/>
-                                    </a:rPr>
-                                    <m:t>0</m:t>
+                                    <m:t>=0</m:t>
                                   </m:r>
                                 </m:e>
                               </m:mr>
@@ -8509,13 +10469,7 @@
                                     <a:rPr lang="it-IT" b="0" i="1" smtClean="0">
                                       <a:latin typeface="Cambria Math" panose="02040503050406030204" pitchFamily="18" charset="0"/>
                                     </a:rPr>
-                                    <m:t>       −</m:t>
-                                  </m:r>
-                                  <m:r>
-                                    <a:rPr lang="it-IT" b="0" i="1" smtClean="0">
-                                      <a:latin typeface="Cambria Math" panose="02040503050406030204" pitchFamily="18" charset="0"/>
-                                    </a:rPr>
-                                    <m:t>4</m:t>
+                                    <m:t>       −4</m:t>
                                   </m:r>
                                   <m:r>
                                     <a:rPr lang="it-IT" b="0" i="1" smtClean="0">
@@ -8588,7 +10542,7 @@
               </p:txBody>
             </p:sp>
           </mc:Choice>
-          <mc:Fallback>
+          <mc:Fallback xmlns="">
             <p:sp>
               <p:nvSpPr>
                 <p:cNvPr id="23" name="CasellaDiTesto 22">
@@ -8633,8 +10587,8 @@
             </p:sp>
           </mc:Fallback>
         </mc:AlternateContent>
-        <mc:AlternateContent xmlns:mc="http://schemas.openxmlformats.org/markup-compatibility/2006">
-          <mc:Choice xmlns:a14="http://schemas.microsoft.com/office/drawing/2010/main" Requires="a14">
+        <mc:AlternateContent xmlns:mc="http://schemas.openxmlformats.org/markup-compatibility/2006" xmlns:a14="http://schemas.microsoft.com/office/drawing/2010/main">
+          <mc:Choice Requires="a14">
             <p:sp>
               <p:nvSpPr>
                 <p:cNvPr id="24" name="CasellaDiTesto 23">
@@ -8663,6 +10617,7 @@
                 </a:bodyPr>
                 <a:lstStyle/>
                 <a:p>
+                  <a:pPr/>
                   <a14:m>
                     <m:oMathPara xmlns:m="http://schemas.openxmlformats.org/officeDocument/2006/math">
                       <m:oMathParaPr>
@@ -8812,7 +10767,7 @@
               </p:txBody>
             </p:sp>
           </mc:Choice>
-          <mc:Fallback>
+          <mc:Fallback xmlns="">
             <p:sp>
               <p:nvSpPr>
                 <p:cNvPr id="24" name="CasellaDiTesto 23">
@@ -9294,7 +11249,7 @@
 </p:sld>
 </file>
 
-<file path=ppt/slides/slide6.xml><?xml version="1.0" encoding="utf-8"?>
+<file path=ppt/slides/slide8.xml><?xml version="1.0" encoding="utf-8"?>
 <p:sld xmlns:a="http://schemas.openxmlformats.org/drawingml/2006/main" xmlns:r="http://schemas.openxmlformats.org/officeDocument/2006/relationships" xmlns:p="http://schemas.openxmlformats.org/presentationml/2006/main">
   <p:cSld>
     <p:spTree>
@@ -9454,7 +11409,7 @@
 </p:sld>
 </file>
 
-<file path=ppt/slides/slide7.xml><?xml version="1.0" encoding="utf-8"?>
+<file path=ppt/slides/slide9.xml><?xml version="1.0" encoding="utf-8"?>
 <p:sld xmlns:a="http://schemas.openxmlformats.org/drawingml/2006/main" xmlns:r="http://schemas.openxmlformats.org/officeDocument/2006/relationships" xmlns:p="http://schemas.openxmlformats.org/presentationml/2006/main">
   <p:cSld>
     <p:spTree>
@@ -9471,6 +11426,62 @@
           <a:chExt cx="0" cy="0"/>
         </a:xfrm>
       </p:grpSpPr>
+      <p:sp>
+        <p:nvSpPr>
+          <p:cNvPr id="6" name="Rettangolo 5">
+            <a:extLst>
+              <a:ext uri="{FF2B5EF4-FFF2-40B4-BE49-F238E27FC236}">
+                <a16:creationId xmlns:a16="http://schemas.microsoft.com/office/drawing/2014/main" id="{9889FF26-9E72-43CD-B884-FA154FA5E158}"/>
+              </a:ext>
+            </a:extLst>
+          </p:cNvPr>
+          <p:cNvSpPr/>
+          <p:nvPr/>
+        </p:nvSpPr>
+        <p:spPr>
+          <a:xfrm>
+            <a:off x="5650634" y="3429000"/>
+            <a:ext cx="209991" cy="738204"/>
+          </a:xfrm>
+          <a:prstGeom prst="rect">
+            <a:avLst/>
+          </a:prstGeom>
+          <a:solidFill>
+            <a:schemeClr val="accent5">
+              <a:lumMod val="60000"/>
+              <a:lumOff val="40000"/>
+              <a:alpha val="43000"/>
+            </a:schemeClr>
+          </a:solidFill>
+          <a:ln>
+            <a:noFill/>
+          </a:ln>
+        </p:spPr>
+        <p:style>
+          <a:lnRef idx="2">
+            <a:schemeClr val="accent1">
+              <a:shade val="50000"/>
+            </a:schemeClr>
+          </a:lnRef>
+          <a:fillRef idx="1">
+            <a:schemeClr val="accent1"/>
+          </a:fillRef>
+          <a:effectRef idx="0">
+            <a:schemeClr val="accent1"/>
+          </a:effectRef>
+          <a:fontRef idx="minor">
+            <a:schemeClr val="lt1"/>
+          </a:fontRef>
+        </p:style>
+        <p:txBody>
+          <a:bodyPr rtlCol="0" anchor="ctr"/>
+          <a:lstStyle/>
+          <a:p>
+            <a:pPr algn="ctr"/>
+            <a:endParaRPr lang="it-IT"/>
+          </a:p>
+        </p:txBody>
+      </p:sp>
       <p:sp>
         <p:nvSpPr>
           <p:cNvPr id="2" name="Titolo 1">
@@ -9699,226 +11710,19 @@
             </a:pPr>
             <a:r>
               <a:rPr lang="it-IT" dirty="0"/>
-              <a:t>Un elemento è individuato da due indici: il numero di riga e il numero di colonna.</a:t>
+              <a:t>Un elemento è individuato univocamente da due indici ordinati: il numero di riga e il numero di colonna.</a:t>
             </a:r>
           </a:p>
         </p:txBody>
       </p:sp>
-    </p:spTree>
-    <p:extLst>
-      <p:ext uri="{BB962C8B-B14F-4D97-AF65-F5344CB8AC3E}">
-        <p14:creationId xmlns:p14="http://schemas.microsoft.com/office/powerpoint/2010/main" val="2994627447"/>
-      </p:ext>
-    </p:extLst>
-  </p:cSld>
-  <p:clrMapOvr>
-    <a:masterClrMapping/>
-  </p:clrMapOvr>
-</p:sld>
-</file>
-
-<file path=ppt/slides/slide8.xml><?xml version="1.0" encoding="utf-8"?>
-<p:sld xmlns:a="http://schemas.openxmlformats.org/drawingml/2006/main" xmlns:r="http://schemas.openxmlformats.org/officeDocument/2006/relationships" xmlns:p="http://schemas.openxmlformats.org/presentationml/2006/main">
-  <p:cSld>
-    <p:spTree>
-      <p:nvGrpSpPr>
-        <p:cNvPr id="1" name=""/>
-        <p:cNvGrpSpPr/>
-        <p:nvPr/>
-      </p:nvGrpSpPr>
-      <p:grpSpPr>
-        <a:xfrm>
-          <a:off x="0" y="0"/>
-          <a:ext cx="0" cy="0"/>
-          <a:chOff x="0" y="0"/>
-          <a:chExt cx="0" cy="0"/>
-        </a:xfrm>
-      </p:grpSpPr>
-      <p:sp>
-        <p:nvSpPr>
-          <p:cNvPr id="4" name="Titolo 1">
-            <a:extLst>
-              <a:ext uri="{FF2B5EF4-FFF2-40B4-BE49-F238E27FC236}">
-                <a16:creationId xmlns:a16="http://schemas.microsoft.com/office/drawing/2014/main" id="{5C310D8D-832E-4EF6-9F0B-5B97AB22CAB7}"/>
-              </a:ext>
-            </a:extLst>
-          </p:cNvPr>
-          <p:cNvSpPr txBox="1">
-            <a:spLocks/>
-          </p:cNvSpPr>
-          <p:nvPr/>
-        </p:nvSpPr>
-        <p:spPr>
-          <a:xfrm>
-            <a:off x="838200" y="365125"/>
-            <a:ext cx="5853545" cy="1325563"/>
-          </a:xfrm>
-          <a:prstGeom prst="rect">
-            <a:avLst/>
-          </a:prstGeom>
-        </p:spPr>
-        <p:txBody>
-          <a:bodyPr vert="horz" lIns="91440" tIns="45720" rIns="91440" bIns="45720" rtlCol="0" anchor="ctr">
-            <a:normAutofit/>
-          </a:bodyPr>
-          <a:lstStyle>
-            <a:lvl1pPr algn="l" defTabSz="914400" rtl="0" eaLnBrk="1" latinLnBrk="0" hangingPunct="1">
-              <a:lnSpc>
-                <a:spcPct val="90000"/>
-              </a:lnSpc>
-              <a:spcBef>
-                <a:spcPct val="0"/>
-              </a:spcBef>
-              <a:buNone/>
-              <a:defRPr sz="4400" kern="1200">
-                <a:solidFill>
-                  <a:schemeClr val="tx1"/>
-                </a:solidFill>
-                <a:latin typeface="+mj-lt"/>
-                <a:ea typeface="+mj-ea"/>
-                <a:cs typeface="+mj-cs"/>
-              </a:defRPr>
-            </a:lvl1pPr>
-          </a:lstStyle>
-          <a:p>
-            <a:r>
-              <a:rPr lang="it-IT" dirty="0"/>
-              <a:t>Esercizi</a:t>
-            </a:r>
-          </a:p>
-        </p:txBody>
-      </p:sp>
-      <p:sp>
-        <p:nvSpPr>
-          <p:cNvPr id="6" name="CasellaDiTesto 5">
-            <a:extLst>
-              <a:ext uri="{FF2B5EF4-FFF2-40B4-BE49-F238E27FC236}">
-                <a16:creationId xmlns:a16="http://schemas.microsoft.com/office/drawing/2014/main" id="{66ABBBBE-6599-4DFD-83C0-DFC6911F4036}"/>
-              </a:ext>
-            </a:extLst>
-          </p:cNvPr>
-          <p:cNvSpPr txBox="1"/>
-          <p:nvPr/>
-        </p:nvSpPr>
-        <p:spPr>
-          <a:xfrm>
-            <a:off x="838200" y="1828800"/>
-            <a:ext cx="6182532" cy="369332"/>
-          </a:xfrm>
-          <a:prstGeom prst="rect">
-            <a:avLst/>
-          </a:prstGeom>
-          <a:noFill/>
-        </p:spPr>
-        <p:txBody>
-          <a:bodyPr wrap="square" rtlCol="0">
-            <a:spAutoFit/>
-          </a:bodyPr>
-          <a:lstStyle/>
-          <a:p>
-            <a:pPr marL="285750" indent="-285750">
-              <a:buFont typeface="Arial" panose="020B0604020202020204" pitchFamily="34" charset="0"/>
-              <a:buChar char="•"/>
-            </a:pPr>
-            <a:r>
-              <a:rPr lang="it-IT" dirty="0"/>
-              <a:t>Elenco con tipologie di esercizi</a:t>
-            </a:r>
-          </a:p>
-        </p:txBody>
-      </p:sp>
-    </p:spTree>
-    <p:extLst>
-      <p:ext uri="{BB962C8B-B14F-4D97-AF65-F5344CB8AC3E}">
-        <p14:creationId xmlns:p14="http://schemas.microsoft.com/office/powerpoint/2010/main" val="2269192412"/>
-      </p:ext>
-    </p:extLst>
-  </p:cSld>
-  <p:clrMapOvr>
-    <a:masterClrMapping/>
-  </p:clrMapOvr>
-</p:sld>
-</file>
-
-<file path=ppt/slides/slide9.xml><?xml version="1.0" encoding="utf-8"?>
-<p:sld xmlns:a="http://schemas.openxmlformats.org/drawingml/2006/main" xmlns:r="http://schemas.openxmlformats.org/officeDocument/2006/relationships" xmlns:p="http://schemas.openxmlformats.org/presentationml/2006/main">
-  <p:cSld>
-    <p:spTree>
-      <p:nvGrpSpPr>
-        <p:cNvPr id="1" name=""/>
-        <p:cNvGrpSpPr/>
-        <p:nvPr/>
-      </p:nvGrpSpPr>
-      <p:grpSpPr>
-        <a:xfrm>
-          <a:off x="0" y="0"/>
-          <a:ext cx="0" cy="0"/>
-          <a:chOff x="0" y="0"/>
-          <a:chExt cx="0" cy="0"/>
-        </a:xfrm>
-      </p:grpSpPr>
-      <p:sp>
-        <p:nvSpPr>
-          <p:cNvPr id="37" name="Titolo 1">
-            <a:extLst>
-              <a:ext uri="{FF2B5EF4-FFF2-40B4-BE49-F238E27FC236}">
-                <a16:creationId xmlns:a16="http://schemas.microsoft.com/office/drawing/2014/main" id="{F7C244DD-F536-4331-B723-E17E25537A8F}"/>
-              </a:ext>
-            </a:extLst>
-          </p:cNvPr>
-          <p:cNvSpPr txBox="1">
-            <a:spLocks/>
-          </p:cNvSpPr>
-          <p:nvPr/>
-        </p:nvSpPr>
-        <p:spPr>
-          <a:xfrm>
-            <a:off x="838200" y="365125"/>
-            <a:ext cx="5853545" cy="1325563"/>
-          </a:xfrm>
-          <a:prstGeom prst="rect">
-            <a:avLst/>
-          </a:prstGeom>
-        </p:spPr>
-        <p:txBody>
-          <a:bodyPr vert="horz" lIns="91440" tIns="45720" rIns="91440" bIns="45720" rtlCol="0" anchor="ctr">
-            <a:normAutofit/>
-          </a:bodyPr>
-          <a:lstStyle>
-            <a:lvl1pPr algn="l" defTabSz="914400" rtl="0" eaLnBrk="1" latinLnBrk="0" hangingPunct="1">
-              <a:lnSpc>
-                <a:spcPct val="90000"/>
-              </a:lnSpc>
-              <a:spcBef>
-                <a:spcPct val="0"/>
-              </a:spcBef>
-              <a:buNone/>
-              <a:defRPr sz="4400" kern="1200">
-                <a:solidFill>
-                  <a:schemeClr val="tx1"/>
-                </a:solidFill>
-                <a:latin typeface="+mj-lt"/>
-                <a:ea typeface="+mj-ea"/>
-                <a:cs typeface="+mj-cs"/>
-              </a:defRPr>
-            </a:lvl1pPr>
-          </a:lstStyle>
-          <a:p>
-            <a:r>
-              <a:rPr lang="it-IT" dirty="0"/>
-              <a:t>Esercizi</a:t>
-            </a:r>
-          </a:p>
-        </p:txBody>
-      </p:sp>
-      <mc:AlternateContent xmlns:mc="http://schemas.openxmlformats.org/markup-compatibility/2006">
-        <mc:Choice xmlns:a14="http://schemas.microsoft.com/office/drawing/2010/main" Requires="a14">
+      <mc:AlternateContent xmlns:mc="http://schemas.openxmlformats.org/markup-compatibility/2006" xmlns:a14="http://schemas.microsoft.com/office/drawing/2010/main">
+        <mc:Choice Requires="a14">
           <p:sp>
             <p:nvSpPr>
-              <p:cNvPr id="38" name="CasellaDiTesto 37">
+              <p:cNvPr id="5" name="CasellaDiTesto 4">
                 <a:extLst>
                   <a:ext uri="{FF2B5EF4-FFF2-40B4-BE49-F238E27FC236}">
-                    <a16:creationId xmlns:a16="http://schemas.microsoft.com/office/drawing/2014/main" id="{8C7E7A7A-6C3C-4C49-9ED1-D6D216F2143D}"/>
+                    <a16:creationId xmlns:a16="http://schemas.microsoft.com/office/drawing/2014/main" id="{617C67D5-6B42-43B9-84A8-9666F0931420}"/>
                   </a:ext>
                 </a:extLst>
               </p:cNvPr>
@@ -9927,8 +11731,8 @@
             </p:nvSpPr>
             <p:spPr>
               <a:xfrm>
-                <a:off x="1506911" y="1997776"/>
-                <a:ext cx="2109488" cy="884281"/>
+                <a:off x="5114800" y="3392084"/>
+                <a:ext cx="1615635" cy="738215"/>
               </a:xfrm>
               <a:prstGeom prst="rect">
                 <a:avLst/>
@@ -9941,859 +11745,7 @@
               </a:bodyPr>
               <a:lstStyle/>
               <a:p>
-                <a14:m>
-                  <m:oMathPara xmlns:m="http://schemas.openxmlformats.org/officeDocument/2006/math">
-                    <m:oMathParaPr>
-                      <m:jc m:val="centerGroup"/>
-                    </m:oMathParaPr>
-                    <m:oMath xmlns:m="http://schemas.openxmlformats.org/officeDocument/2006/math">
-                      <m:d>
-                        <m:dPr>
-                          <m:begChr m:val="{"/>
-                          <m:endChr m:val=""/>
-                          <m:ctrlPr>
-                            <a:rPr lang="it-IT" i="1" smtClean="0">
-                              <a:latin typeface="Cambria Math" panose="02040503050406030204" pitchFamily="18" charset="0"/>
-                            </a:rPr>
-                          </m:ctrlPr>
-                        </m:dPr>
-                        <m:e>
-                          <m:m>
-                            <m:mPr>
-                              <m:mcs>
-                                <m:mc>
-                                  <m:mcPr>
-                                    <m:count m:val="1"/>
-                                    <m:mcJc m:val="center"/>
-                                  </m:mcPr>
-                                </m:mc>
-                              </m:mcs>
-                              <m:ctrlPr>
-                                <a:rPr lang="it-IT" i="1" smtClean="0">
-                                  <a:solidFill>
-                                    <a:schemeClr val="tx1"/>
-                                  </a:solidFill>
-                                  <a:latin typeface="Cambria Math" panose="02040503050406030204" pitchFamily="18" charset="0"/>
-                                </a:rPr>
-                              </m:ctrlPr>
-                            </m:mPr>
-                            <m:mr>
-                              <m:e>
-                                <m:r>
-                                  <m:rPr>
-                                    <m:brk m:alnAt="7"/>
-                                  </m:rPr>
-                                  <a:rPr lang="it-IT" b="0" i="1" smtClean="0">
-                                    <a:solidFill>
-                                      <a:schemeClr val="tx1"/>
-                                    </a:solidFill>
-                                    <a:latin typeface="Cambria Math" panose="02040503050406030204" pitchFamily="18" charset="0"/>
-                                  </a:rPr>
-                                  <m:t>7</m:t>
-                                </m:r>
-                                <m:r>
-                                  <a:rPr lang="it-IT" b="0" i="1" smtClean="0">
-                                    <a:solidFill>
-                                      <a:schemeClr val="tx1"/>
-                                    </a:solidFill>
-                                    <a:latin typeface="Cambria Math" panose="02040503050406030204" pitchFamily="18" charset="0"/>
-                                  </a:rPr>
-                                  <m:t>𝑥</m:t>
-                                </m:r>
-                                <m:r>
-                                  <a:rPr lang="it-IT" b="0" i="1" smtClean="0">
-                                    <a:solidFill>
-                                      <a:schemeClr val="tx1"/>
-                                    </a:solidFill>
-                                    <a:latin typeface="Cambria Math" panose="02040503050406030204" pitchFamily="18" charset="0"/>
-                                  </a:rPr>
-                                  <m:t>+</m:t>
-                                </m:r>
-                                <m:r>
-                                  <a:rPr lang="it-IT" b="0" i="1" smtClean="0">
-                                    <a:solidFill>
-                                      <a:schemeClr val="tx1"/>
-                                    </a:solidFill>
-                                    <a:latin typeface="Cambria Math" panose="02040503050406030204" pitchFamily="18" charset="0"/>
-                                  </a:rPr>
-                                  <m:t>6</m:t>
-                                </m:r>
-                                <m:r>
-                                  <a:rPr lang="it-IT" b="0" i="1" smtClean="0">
-                                    <a:solidFill>
-                                      <a:schemeClr val="tx1"/>
-                                    </a:solidFill>
-                                    <a:latin typeface="Cambria Math" panose="02040503050406030204" pitchFamily="18" charset="0"/>
-                                  </a:rPr>
-                                  <m:t>𝑦</m:t>
-                                </m:r>
-                                <m:r>
-                                  <a:rPr lang="it-IT" b="0" i="1" smtClean="0">
-                                    <a:solidFill>
-                                      <a:schemeClr val="tx1"/>
-                                    </a:solidFill>
-                                    <a:latin typeface="Cambria Math" panose="02040503050406030204" pitchFamily="18" charset="0"/>
-                                  </a:rPr>
-                                  <m:t>+5</m:t>
-                                </m:r>
-                                <m:r>
-                                  <a:rPr lang="it-IT" b="0" i="1" smtClean="0">
-                                    <a:solidFill>
-                                      <a:schemeClr val="tx1"/>
-                                    </a:solidFill>
-                                    <a:latin typeface="Cambria Math" panose="02040503050406030204" pitchFamily="18" charset="0"/>
-                                  </a:rPr>
-                                  <m:t>𝑧</m:t>
-                                </m:r>
-                                <m:r>
-                                  <a:rPr lang="it-IT" b="0" i="1" smtClean="0">
-                                    <a:solidFill>
-                                      <a:schemeClr val="tx1"/>
-                                    </a:solidFill>
-                                    <a:latin typeface="Cambria Math" panose="02040503050406030204" pitchFamily="18" charset="0"/>
-                                  </a:rPr>
-                                  <m:t>=</m:t>
-                                </m:r>
-                                <m:r>
-                                  <a:rPr lang="it-IT" b="0" i="1" smtClean="0">
-                                    <a:solidFill>
-                                      <a:schemeClr val="tx1"/>
-                                    </a:solidFill>
-                                    <a:latin typeface="Cambria Math" panose="02040503050406030204" pitchFamily="18" charset="0"/>
-                                  </a:rPr>
-                                  <m:t>−5</m:t>
-                                </m:r>
-                              </m:e>
-                            </m:mr>
-                            <m:mr>
-                              <m:e>
-                                <m:r>
-                                  <a:rPr lang="it-IT" b="0" i="1" smtClean="0">
-                                    <a:solidFill>
-                                      <a:schemeClr val="tx1"/>
-                                    </a:solidFill>
-                                    <a:latin typeface="Cambria Math" panose="02040503050406030204" pitchFamily="18" charset="0"/>
-                                  </a:rPr>
-                                  <m:t>3</m:t>
-                                </m:r>
-                                <m:r>
-                                  <a:rPr lang="it-IT" b="0" i="1" smtClean="0">
-                                    <a:solidFill>
-                                      <a:schemeClr val="tx1"/>
-                                    </a:solidFill>
-                                    <a:latin typeface="Cambria Math" panose="02040503050406030204" pitchFamily="18" charset="0"/>
-                                  </a:rPr>
-                                  <m:t>𝑥</m:t>
-                                </m:r>
-                                <m:r>
-                                  <a:rPr lang="it-IT" b="0" i="1" smtClean="0">
-                                    <a:solidFill>
-                                      <a:schemeClr val="tx1"/>
-                                    </a:solidFill>
-                                    <a:latin typeface="Cambria Math" panose="02040503050406030204" pitchFamily="18" charset="0"/>
-                                  </a:rPr>
-                                  <m:t>−4</m:t>
-                                </m:r>
-                                <m:r>
-                                  <a:rPr lang="it-IT" b="0" i="1" smtClean="0">
-                                    <a:solidFill>
-                                      <a:schemeClr val="tx1"/>
-                                    </a:solidFill>
-                                    <a:latin typeface="Cambria Math" panose="02040503050406030204" pitchFamily="18" charset="0"/>
-                                  </a:rPr>
-                                  <m:t>𝑦</m:t>
-                                </m:r>
-                                <m:r>
-                                  <a:rPr lang="it-IT" b="0" i="1" smtClean="0">
-                                    <a:solidFill>
-                                      <a:schemeClr val="tx1"/>
-                                    </a:solidFill>
-                                    <a:latin typeface="Cambria Math" panose="02040503050406030204" pitchFamily="18" charset="0"/>
-                                  </a:rPr>
-                                  <m:t>+2</m:t>
-                                </m:r>
-                                <m:r>
-                                  <a:rPr lang="it-IT" b="0" i="1" smtClean="0">
-                                    <a:solidFill>
-                                      <a:schemeClr val="tx1"/>
-                                    </a:solidFill>
-                                    <a:latin typeface="Cambria Math" panose="02040503050406030204" pitchFamily="18" charset="0"/>
-                                  </a:rPr>
-                                  <m:t>𝑧</m:t>
-                                </m:r>
-                                <m:r>
-                                  <a:rPr lang="it-IT" b="0" i="1" smtClean="0">
-                                    <a:solidFill>
-                                      <a:schemeClr val="tx1"/>
-                                    </a:solidFill>
-                                    <a:latin typeface="Cambria Math" panose="02040503050406030204" pitchFamily="18" charset="0"/>
-                                  </a:rPr>
-                                  <m:t>=1</m:t>
-                                </m:r>
-                              </m:e>
-                            </m:mr>
-                            <m:mr>
-                              <m:e>
-                                <m:r>
-                                  <a:rPr lang="it-IT" b="0" i="1" smtClean="0">
-                                    <a:solidFill>
-                                      <a:schemeClr val="tx1"/>
-                                    </a:solidFill>
-                                    <a:latin typeface="Cambria Math" panose="02040503050406030204" pitchFamily="18" charset="0"/>
-                                  </a:rPr>
-                                  <m:t>−5</m:t>
-                                </m:r>
-                                <m:r>
-                                  <a:rPr lang="it-IT" b="0" i="1" smtClean="0">
-                                    <a:solidFill>
-                                      <a:schemeClr val="tx1"/>
-                                    </a:solidFill>
-                                    <a:latin typeface="Cambria Math" panose="02040503050406030204" pitchFamily="18" charset="0"/>
-                                  </a:rPr>
-                                  <m:t>𝑥</m:t>
-                                </m:r>
-                                <m:r>
-                                  <a:rPr lang="it-IT" b="0" i="1" smtClean="0">
-                                    <a:solidFill>
-                                      <a:schemeClr val="tx1"/>
-                                    </a:solidFill>
-                                    <a:latin typeface="Cambria Math" panose="02040503050406030204" pitchFamily="18" charset="0"/>
-                                  </a:rPr>
-                                  <m:t>+6</m:t>
-                                </m:r>
-                                <m:r>
-                                  <a:rPr lang="it-IT" b="0" i="1" smtClean="0">
-                                    <a:solidFill>
-                                      <a:schemeClr val="tx1"/>
-                                    </a:solidFill>
-                                    <a:latin typeface="Cambria Math" panose="02040503050406030204" pitchFamily="18" charset="0"/>
-                                  </a:rPr>
-                                  <m:t>𝑦</m:t>
-                                </m:r>
-                                <m:r>
-                                  <a:rPr lang="it-IT" b="0" i="1" smtClean="0">
-                                    <a:solidFill>
-                                      <a:schemeClr val="tx1"/>
-                                    </a:solidFill>
-                                    <a:latin typeface="Cambria Math" panose="02040503050406030204" pitchFamily="18" charset="0"/>
-                                  </a:rPr>
-                                  <m:t>−4</m:t>
-                                </m:r>
-                                <m:r>
-                                  <a:rPr lang="it-IT" b="0" i="1" smtClean="0">
-                                    <a:solidFill>
-                                      <a:schemeClr val="tx1"/>
-                                    </a:solidFill>
-                                    <a:latin typeface="Cambria Math" panose="02040503050406030204" pitchFamily="18" charset="0"/>
-                                  </a:rPr>
-                                  <m:t>𝑧</m:t>
-                                </m:r>
-                                <m:r>
-                                  <a:rPr lang="it-IT" b="0" i="1" smtClean="0">
-                                    <a:solidFill>
-                                      <a:schemeClr val="tx1"/>
-                                    </a:solidFill>
-                                    <a:latin typeface="Cambria Math" panose="02040503050406030204" pitchFamily="18" charset="0"/>
-                                  </a:rPr>
-                                  <m:t>=1</m:t>
-                                </m:r>
-                              </m:e>
-                            </m:mr>
-                          </m:m>
-                        </m:e>
-                      </m:d>
-                    </m:oMath>
-                  </m:oMathPara>
-                </a14:m>
-                <a:endParaRPr lang="it-IT" dirty="0"/>
-              </a:p>
-            </p:txBody>
-          </p:sp>
-        </mc:Choice>
-        <mc:Fallback>
-          <p:sp>
-            <p:nvSpPr>
-              <p:cNvPr id="38" name="CasellaDiTesto 37">
-                <a:extLst>
-                  <a:ext uri="{FF2B5EF4-FFF2-40B4-BE49-F238E27FC236}">
-                    <a16:creationId xmlns:a16="http://schemas.microsoft.com/office/drawing/2014/main" id="{8C7E7A7A-6C3C-4C49-9ED1-D6D216F2143D}"/>
-                  </a:ext>
-                </a:extLst>
-              </p:cNvPr>
-              <p:cNvSpPr txBox="1">
-                <a:spLocks noRot="1" noChangeAspect="1" noMove="1" noResize="1" noEditPoints="1" noAdjustHandles="1" noChangeArrowheads="1" noChangeShapeType="1" noTextEdit="1"/>
-              </p:cNvSpPr>
-              <p:nvPr/>
-            </p:nvSpPr>
-            <p:spPr>
-              <a:xfrm>
-                <a:off x="1506911" y="1997776"/>
-                <a:ext cx="2109488" cy="884281"/>
-              </a:xfrm>
-              <a:prstGeom prst="rect">
-                <a:avLst/>
-              </a:prstGeom>
-              <a:blipFill>
-                <a:blip r:embed="rId3"/>
-                <a:stretch>
-                  <a:fillRect/>
-                </a:stretch>
-              </a:blipFill>
-            </p:spPr>
-            <p:txBody>
-              <a:bodyPr/>
-              <a:lstStyle/>
-              <a:p>
-                <a:r>
-                  <a:rPr lang="it-IT">
-                    <a:noFill/>
-                  </a:rPr>
-                  <a:t> </a:t>
-                </a:r>
-              </a:p>
-            </p:txBody>
-          </p:sp>
-        </mc:Fallback>
-      </mc:AlternateContent>
-      <mc:AlternateContent xmlns:mc="http://schemas.openxmlformats.org/markup-compatibility/2006">
-        <mc:Choice xmlns:a14="http://schemas.microsoft.com/office/drawing/2010/main" Requires="a14">
-          <p:sp>
-            <p:nvSpPr>
-              <p:cNvPr id="39" name="CasellaDiTesto 38">
-                <a:extLst>
-                  <a:ext uri="{FF2B5EF4-FFF2-40B4-BE49-F238E27FC236}">
-                    <a16:creationId xmlns:a16="http://schemas.microsoft.com/office/drawing/2014/main" id="{6C70E289-235D-497F-B801-3EB63FA5416B}"/>
-                  </a:ext>
-                </a:extLst>
-              </p:cNvPr>
-              <p:cNvSpPr txBox="1"/>
-              <p:nvPr/>
-            </p:nvSpPr>
-            <p:spPr>
-              <a:xfrm>
-                <a:off x="4736273" y="1997776"/>
-                <a:ext cx="1955472" cy="756426"/>
-              </a:xfrm>
-              <a:prstGeom prst="rect">
-                <a:avLst/>
-              </a:prstGeom>
-              <a:noFill/>
-            </p:spPr>
-            <p:txBody>
-              <a:bodyPr wrap="none" lIns="0" tIns="0" rIns="0" bIns="0" rtlCol="0">
-                <a:spAutoFit/>
-              </a:bodyPr>
-              <a:lstStyle/>
-              <a:p>
-                <a14:m>
-                  <m:oMathPara xmlns:m="http://schemas.openxmlformats.org/officeDocument/2006/math">
-                    <m:oMathParaPr>
-                      <m:jc m:val="centerGroup"/>
-                    </m:oMathParaPr>
-                    <m:oMath xmlns:m="http://schemas.openxmlformats.org/officeDocument/2006/math">
-                      <m:d>
-                        <m:dPr>
-                          <m:begChr m:val="["/>
-                          <m:endChr m:val="]"/>
-                          <m:ctrlPr>
-                            <a:rPr lang="it-IT" i="1" smtClean="0">
-                              <a:latin typeface="Cambria Math" panose="02040503050406030204" pitchFamily="18" charset="0"/>
-                            </a:rPr>
-                          </m:ctrlPr>
-                        </m:dPr>
-                        <m:e>
-                          <m:m>
-                            <m:mPr>
-                              <m:mcs>
-                                <m:mc>
-                                  <m:mcPr>
-                                    <m:count m:val="4"/>
-                                    <m:mcJc m:val="center"/>
-                                  </m:mcPr>
-                                </m:mc>
-                              </m:mcs>
-                              <m:ctrlPr>
-                                <a:rPr lang="it-IT" b="0" i="1" smtClean="0">
-                                  <a:latin typeface="Cambria Math" panose="02040503050406030204" pitchFamily="18" charset="0"/>
-                                </a:rPr>
-                              </m:ctrlPr>
-                            </m:mPr>
-                            <m:mr>
-                              <m:e/>
-                              <m:e/>
-                              <m:e/>
-                              <m:e>
-                                <m:r>
-                                  <a:rPr lang="it-IT" b="0" i="1" smtClean="0">
-                                    <a:latin typeface="Cambria Math" panose="02040503050406030204" pitchFamily="18" charset="0"/>
-                                  </a:rPr>
-                                  <m:t>−5</m:t>
-                                </m:r>
-                              </m:e>
-                            </m:mr>
-                            <m:mr>
-                              <m:e/>
-                              <m:e/>
-                              <m:e/>
-                              <m:e>
-                                <m:r>
-                                  <a:rPr lang="it-IT" b="0" i="1" smtClean="0">
-                                    <a:latin typeface="Cambria Math" panose="02040503050406030204" pitchFamily="18" charset="0"/>
-                                  </a:rPr>
-                                  <m:t>1</m:t>
-                                </m:r>
-                              </m:e>
-                            </m:mr>
-                            <m:mr>
-                              <m:e/>
-                              <m:e/>
-                              <m:e>
-                                <m:r>
-                                  <a:rPr lang="it-IT" b="0" i="1" smtClean="0">
-                                    <a:latin typeface="Cambria Math" panose="02040503050406030204" pitchFamily="18" charset="0"/>
-                                  </a:rPr>
-                                  <m:t>−4</m:t>
-                                </m:r>
-                              </m:e>
-                              <m:e>
-                                <m:r>
-                                  <a:rPr lang="it-IT" b="0" i="1" smtClean="0">
-                                    <a:latin typeface="Cambria Math" panose="02040503050406030204" pitchFamily="18" charset="0"/>
-                                  </a:rPr>
-                                  <m:t>1</m:t>
-                                </m:r>
-                              </m:e>
-                            </m:mr>
-                          </m:m>
-                        </m:e>
-                      </m:d>
-                    </m:oMath>
-                  </m:oMathPara>
-                </a14:m>
-                <a:endParaRPr lang="it-IT" dirty="0"/>
-              </a:p>
-            </p:txBody>
-          </p:sp>
-        </mc:Choice>
-        <mc:Fallback>
-          <p:sp>
-            <p:nvSpPr>
-              <p:cNvPr id="39" name="CasellaDiTesto 38">
-                <a:extLst>
-                  <a:ext uri="{FF2B5EF4-FFF2-40B4-BE49-F238E27FC236}">
-                    <a16:creationId xmlns:a16="http://schemas.microsoft.com/office/drawing/2014/main" id="{6C70E289-235D-497F-B801-3EB63FA5416B}"/>
-                  </a:ext>
-                </a:extLst>
-              </p:cNvPr>
-              <p:cNvSpPr txBox="1">
-                <a:spLocks noRot="1" noChangeAspect="1" noMove="1" noResize="1" noEditPoints="1" noAdjustHandles="1" noChangeArrowheads="1" noChangeShapeType="1" noTextEdit="1"/>
-              </p:cNvSpPr>
-              <p:nvPr/>
-            </p:nvSpPr>
-            <p:spPr>
-              <a:xfrm>
-                <a:off x="4736273" y="1997776"/>
-                <a:ext cx="1955472" cy="756426"/>
-              </a:xfrm>
-              <a:prstGeom prst="rect">
-                <a:avLst/>
-              </a:prstGeom>
-              <a:blipFill>
-                <a:blip r:embed="rId4"/>
-                <a:stretch>
-                  <a:fillRect/>
-                </a:stretch>
-              </a:blipFill>
-            </p:spPr>
-            <p:txBody>
-              <a:bodyPr/>
-              <a:lstStyle/>
-              <a:p>
-                <a:r>
-                  <a:rPr lang="it-IT">
-                    <a:noFill/>
-                  </a:rPr>
-                  <a:t> </a:t>
-                </a:r>
-              </a:p>
-            </p:txBody>
-          </p:sp>
-        </mc:Fallback>
-      </mc:AlternateContent>
-      <mc:AlternateContent xmlns:mc="http://schemas.openxmlformats.org/markup-compatibility/2006">
-        <mc:Choice xmlns:a14="http://schemas.microsoft.com/office/drawing/2010/main" Requires="a14">
-          <p:sp>
-            <p:nvSpPr>
-              <p:cNvPr id="40" name="CasellaDiTesto 39">
-                <a:extLst>
-                  <a:ext uri="{FF2B5EF4-FFF2-40B4-BE49-F238E27FC236}">
-                    <a16:creationId xmlns:a16="http://schemas.microsoft.com/office/drawing/2014/main" id="{C2615B6E-A09E-4F2E-AE77-D541D708075B}"/>
-                  </a:ext>
-                </a:extLst>
-              </p:cNvPr>
-              <p:cNvSpPr txBox="1"/>
-              <p:nvPr/>
-            </p:nvSpPr>
-            <p:spPr>
-              <a:xfrm>
-                <a:off x="1506911" y="3665876"/>
-                <a:ext cx="2109488" cy="884281"/>
-              </a:xfrm>
-              <a:prstGeom prst="rect">
-                <a:avLst/>
-              </a:prstGeom>
-              <a:noFill/>
-            </p:spPr>
-            <p:txBody>
-              <a:bodyPr wrap="none" lIns="0" tIns="0" rIns="0" bIns="0" rtlCol="0">
-                <a:spAutoFit/>
-              </a:bodyPr>
-              <a:lstStyle/>
-              <a:p>
-                <a14:m>
-                  <m:oMathPara xmlns:m="http://schemas.openxmlformats.org/officeDocument/2006/math">
-                    <m:oMathParaPr>
-                      <m:jc m:val="centerGroup"/>
-                    </m:oMathParaPr>
-                    <m:oMath xmlns:m="http://schemas.openxmlformats.org/officeDocument/2006/math">
-                      <m:d>
-                        <m:dPr>
-                          <m:begChr m:val="{"/>
-                          <m:endChr m:val=""/>
-                          <m:ctrlPr>
-                            <a:rPr lang="it-IT" i="1" smtClean="0">
-                              <a:latin typeface="Cambria Math" panose="02040503050406030204" pitchFamily="18" charset="0"/>
-                            </a:rPr>
-                          </m:ctrlPr>
-                        </m:dPr>
-                        <m:e>
-                          <m:m>
-                            <m:mPr>
-                              <m:mcs>
-                                <m:mc>
-                                  <m:mcPr>
-                                    <m:count m:val="1"/>
-                                    <m:mcJc m:val="center"/>
-                                  </m:mcPr>
-                                </m:mc>
-                              </m:mcs>
-                              <m:ctrlPr>
-                                <a:rPr lang="it-IT" i="1" smtClean="0">
-                                  <a:solidFill>
-                                    <a:schemeClr val="tx1"/>
-                                  </a:solidFill>
-                                  <a:latin typeface="Cambria Math" panose="02040503050406030204" pitchFamily="18" charset="0"/>
-                                </a:rPr>
-                              </m:ctrlPr>
-                            </m:mPr>
-                            <m:mr>
-                              <m:e>
-                                <m:r>
-                                  <m:rPr>
-                                    <m:brk m:alnAt="7"/>
-                                  </m:rPr>
-                                  <a:rPr lang="it-IT" b="0" i="1" smtClean="0">
-                                    <a:solidFill>
-                                      <a:schemeClr val="tx1"/>
-                                    </a:solidFill>
-                                    <a:latin typeface="Cambria Math" panose="02040503050406030204" pitchFamily="18" charset="0"/>
-                                  </a:rPr>
-                                  <m:t>7</m:t>
-                                </m:r>
-                                <m:r>
-                                  <a:rPr lang="it-IT" b="0" i="1" smtClean="0">
-                                    <a:solidFill>
-                                      <a:schemeClr val="tx1"/>
-                                    </a:solidFill>
-                                    <a:latin typeface="Cambria Math" panose="02040503050406030204" pitchFamily="18" charset="0"/>
-                                  </a:rPr>
-                                  <m:t>𝑥</m:t>
-                                </m:r>
-                                <m:r>
-                                  <a:rPr lang="it-IT" b="0" i="1" smtClean="0">
-                                    <a:solidFill>
-                                      <a:schemeClr val="tx1"/>
-                                    </a:solidFill>
-                                    <a:latin typeface="Cambria Math" panose="02040503050406030204" pitchFamily="18" charset="0"/>
-                                  </a:rPr>
-                                  <m:t>+</m:t>
-                                </m:r>
-                                <m:r>
-                                  <a:rPr lang="it-IT" b="0" i="1" smtClean="0">
-                                    <a:solidFill>
-                                      <a:schemeClr val="tx1"/>
-                                    </a:solidFill>
-                                    <a:latin typeface="Cambria Math" panose="02040503050406030204" pitchFamily="18" charset="0"/>
-                                  </a:rPr>
-                                  <m:t>6</m:t>
-                                </m:r>
-                                <m:r>
-                                  <a:rPr lang="it-IT" b="0" i="1" smtClean="0">
-                                    <a:solidFill>
-                                      <a:schemeClr val="tx1"/>
-                                    </a:solidFill>
-                                    <a:latin typeface="Cambria Math" panose="02040503050406030204" pitchFamily="18" charset="0"/>
-                                  </a:rPr>
-                                  <m:t>𝑦</m:t>
-                                </m:r>
-                                <m:r>
-                                  <a:rPr lang="it-IT" b="0" i="1" smtClean="0">
-                                    <a:solidFill>
-                                      <a:schemeClr val="tx1"/>
-                                    </a:solidFill>
-                                    <a:latin typeface="Cambria Math" panose="02040503050406030204" pitchFamily="18" charset="0"/>
-                                  </a:rPr>
-                                  <m:t>+5</m:t>
-                                </m:r>
-                                <m:r>
-                                  <a:rPr lang="it-IT" b="0" i="1" smtClean="0">
-                                    <a:solidFill>
-                                      <a:schemeClr val="tx1"/>
-                                    </a:solidFill>
-                                    <a:latin typeface="Cambria Math" panose="02040503050406030204" pitchFamily="18" charset="0"/>
-                                  </a:rPr>
-                                  <m:t>𝑧</m:t>
-                                </m:r>
-                                <m:r>
-                                  <a:rPr lang="it-IT" b="0" i="1" smtClean="0">
-                                    <a:solidFill>
-                                      <a:schemeClr val="tx1"/>
-                                    </a:solidFill>
-                                    <a:latin typeface="Cambria Math" panose="02040503050406030204" pitchFamily="18" charset="0"/>
-                                  </a:rPr>
-                                  <m:t>=</m:t>
-                                </m:r>
-                                <m:r>
-                                  <a:rPr lang="it-IT" b="0" i="1" smtClean="0">
-                                    <a:solidFill>
-                                      <a:schemeClr val="tx1"/>
-                                    </a:solidFill>
-                                    <a:latin typeface="Cambria Math" panose="02040503050406030204" pitchFamily="18" charset="0"/>
-                                  </a:rPr>
-                                  <m:t>−5</m:t>
-                                </m:r>
-                              </m:e>
-                            </m:mr>
-                            <m:mr>
-                              <m:e>
-                                <m:r>
-                                  <a:rPr lang="it-IT" b="0" i="1" smtClean="0">
-                                    <a:solidFill>
-                                      <a:schemeClr val="tx1"/>
-                                    </a:solidFill>
-                                    <a:latin typeface="Cambria Math" panose="02040503050406030204" pitchFamily="18" charset="0"/>
-                                  </a:rPr>
-                                  <m:t>3</m:t>
-                                </m:r>
-                                <m:r>
-                                  <a:rPr lang="it-IT" b="0" i="1" smtClean="0">
-                                    <a:solidFill>
-                                      <a:schemeClr val="tx1"/>
-                                    </a:solidFill>
-                                    <a:latin typeface="Cambria Math" panose="02040503050406030204" pitchFamily="18" charset="0"/>
-                                  </a:rPr>
-                                  <m:t>𝑥</m:t>
-                                </m:r>
-                                <m:r>
-                                  <a:rPr lang="it-IT" b="0" i="1" smtClean="0">
-                                    <a:solidFill>
-                                      <a:schemeClr val="tx1"/>
-                                    </a:solidFill>
-                                    <a:latin typeface="Cambria Math" panose="02040503050406030204" pitchFamily="18" charset="0"/>
-                                  </a:rPr>
-                                  <m:t>−4</m:t>
-                                </m:r>
-                                <m:r>
-                                  <a:rPr lang="it-IT" b="0" i="1" smtClean="0">
-                                    <a:solidFill>
-                                      <a:schemeClr val="tx1"/>
-                                    </a:solidFill>
-                                    <a:latin typeface="Cambria Math" panose="02040503050406030204" pitchFamily="18" charset="0"/>
-                                  </a:rPr>
-                                  <m:t>𝑦</m:t>
-                                </m:r>
-                                <m:r>
-                                  <a:rPr lang="it-IT" b="0" i="1" smtClean="0">
-                                    <a:solidFill>
-                                      <a:schemeClr val="tx1"/>
-                                    </a:solidFill>
-                                    <a:latin typeface="Cambria Math" panose="02040503050406030204" pitchFamily="18" charset="0"/>
-                                  </a:rPr>
-                                  <m:t>+2</m:t>
-                                </m:r>
-                                <m:r>
-                                  <a:rPr lang="it-IT" b="0" i="1" smtClean="0">
-                                    <a:solidFill>
-                                      <a:schemeClr val="tx1"/>
-                                    </a:solidFill>
-                                    <a:latin typeface="Cambria Math" panose="02040503050406030204" pitchFamily="18" charset="0"/>
-                                  </a:rPr>
-                                  <m:t>𝑧</m:t>
-                                </m:r>
-                                <m:r>
-                                  <a:rPr lang="it-IT" b="0" i="1" smtClean="0">
-                                    <a:solidFill>
-                                      <a:schemeClr val="tx1"/>
-                                    </a:solidFill>
-                                    <a:latin typeface="Cambria Math" panose="02040503050406030204" pitchFamily="18" charset="0"/>
-                                  </a:rPr>
-                                  <m:t>=1</m:t>
-                                </m:r>
-                              </m:e>
-                            </m:mr>
-                            <m:mr>
-                              <m:e>
-                                <m:r>
-                                  <a:rPr lang="it-IT" b="0" i="1" smtClean="0">
-                                    <a:solidFill>
-                                      <a:schemeClr val="tx1"/>
-                                    </a:solidFill>
-                                    <a:latin typeface="Cambria Math" panose="02040503050406030204" pitchFamily="18" charset="0"/>
-                                  </a:rPr>
-                                  <m:t>−5</m:t>
-                                </m:r>
-                                <m:r>
-                                  <a:rPr lang="it-IT" b="0" i="1" smtClean="0">
-                                    <a:solidFill>
-                                      <a:schemeClr val="tx1"/>
-                                    </a:solidFill>
-                                    <a:latin typeface="Cambria Math" panose="02040503050406030204" pitchFamily="18" charset="0"/>
-                                  </a:rPr>
-                                  <m:t>𝑥</m:t>
-                                </m:r>
-                                <m:r>
-                                  <a:rPr lang="it-IT" b="0" i="1" smtClean="0">
-                                    <a:solidFill>
-                                      <a:schemeClr val="tx1"/>
-                                    </a:solidFill>
-                                    <a:latin typeface="Cambria Math" panose="02040503050406030204" pitchFamily="18" charset="0"/>
-                                  </a:rPr>
-                                  <m:t>+6</m:t>
-                                </m:r>
-                                <m:r>
-                                  <a:rPr lang="it-IT" b="0" i="1" smtClean="0">
-                                    <a:solidFill>
-                                      <a:schemeClr val="tx1"/>
-                                    </a:solidFill>
-                                    <a:latin typeface="Cambria Math" panose="02040503050406030204" pitchFamily="18" charset="0"/>
-                                  </a:rPr>
-                                  <m:t>𝑦</m:t>
-                                </m:r>
-                                <m:r>
-                                  <a:rPr lang="it-IT" b="0" i="1" smtClean="0">
-                                    <a:solidFill>
-                                      <a:schemeClr val="tx1"/>
-                                    </a:solidFill>
-                                    <a:latin typeface="Cambria Math" panose="02040503050406030204" pitchFamily="18" charset="0"/>
-                                  </a:rPr>
-                                  <m:t>−4</m:t>
-                                </m:r>
-                                <m:r>
-                                  <a:rPr lang="it-IT" b="0" i="1" smtClean="0">
-                                    <a:solidFill>
-                                      <a:schemeClr val="tx1"/>
-                                    </a:solidFill>
-                                    <a:latin typeface="Cambria Math" panose="02040503050406030204" pitchFamily="18" charset="0"/>
-                                  </a:rPr>
-                                  <m:t>𝑧</m:t>
-                                </m:r>
-                                <m:r>
-                                  <a:rPr lang="it-IT" b="0" i="1" smtClean="0">
-                                    <a:solidFill>
-                                      <a:schemeClr val="tx1"/>
-                                    </a:solidFill>
-                                    <a:latin typeface="Cambria Math" panose="02040503050406030204" pitchFamily="18" charset="0"/>
-                                  </a:rPr>
-                                  <m:t>=1</m:t>
-                                </m:r>
-                              </m:e>
-                            </m:mr>
-                          </m:m>
-                        </m:e>
-                      </m:d>
-                    </m:oMath>
-                  </m:oMathPara>
-                </a14:m>
-                <a:endParaRPr lang="it-IT" dirty="0"/>
-              </a:p>
-            </p:txBody>
-          </p:sp>
-        </mc:Choice>
-        <mc:Fallback>
-          <p:sp>
-            <p:nvSpPr>
-              <p:cNvPr id="40" name="CasellaDiTesto 39">
-                <a:extLst>
-                  <a:ext uri="{FF2B5EF4-FFF2-40B4-BE49-F238E27FC236}">
-                    <a16:creationId xmlns:a16="http://schemas.microsoft.com/office/drawing/2014/main" id="{C2615B6E-A09E-4F2E-AE77-D541D708075B}"/>
-                  </a:ext>
-                </a:extLst>
-              </p:cNvPr>
-              <p:cNvSpPr txBox="1">
-                <a:spLocks noRot="1" noChangeAspect="1" noMove="1" noResize="1" noEditPoints="1" noAdjustHandles="1" noChangeArrowheads="1" noChangeShapeType="1" noTextEdit="1"/>
-              </p:cNvSpPr>
-              <p:nvPr/>
-            </p:nvSpPr>
-            <p:spPr>
-              <a:xfrm>
-                <a:off x="1506911" y="3665876"/>
-                <a:ext cx="2109488" cy="884281"/>
-              </a:xfrm>
-              <a:prstGeom prst="rect">
-                <a:avLst/>
-              </a:prstGeom>
-              <a:blipFill>
-                <a:blip r:embed="rId5"/>
-                <a:stretch>
-                  <a:fillRect/>
-                </a:stretch>
-              </a:blipFill>
-            </p:spPr>
-            <p:txBody>
-              <a:bodyPr/>
-              <a:lstStyle/>
-              <a:p>
-                <a:r>
-                  <a:rPr lang="it-IT">
-                    <a:noFill/>
-                  </a:rPr>
-                  <a:t> </a:t>
-                </a:r>
-              </a:p>
-            </p:txBody>
-          </p:sp>
-        </mc:Fallback>
-      </mc:AlternateContent>
-      <mc:AlternateContent xmlns:mc="http://schemas.openxmlformats.org/markup-compatibility/2006">
-        <mc:Choice xmlns:a14="http://schemas.microsoft.com/office/drawing/2010/main" Requires="a14">
-          <p:sp>
-            <p:nvSpPr>
-              <p:cNvPr id="41" name="CasellaDiTesto 40">
-                <a:extLst>
-                  <a:ext uri="{FF2B5EF4-FFF2-40B4-BE49-F238E27FC236}">
-                    <a16:creationId xmlns:a16="http://schemas.microsoft.com/office/drawing/2014/main" id="{6641B9DA-8D89-442E-BF7F-40C5C81F0C74}"/>
-                  </a:ext>
-                </a:extLst>
-              </p:cNvPr>
-              <p:cNvSpPr txBox="1"/>
-              <p:nvPr/>
-            </p:nvSpPr>
-            <p:spPr>
-              <a:xfrm>
-                <a:off x="4736273" y="3851215"/>
-                <a:ext cx="2135008" cy="738215"/>
-              </a:xfrm>
-              <a:prstGeom prst="rect">
-                <a:avLst/>
-              </a:prstGeom>
-              <a:noFill/>
-            </p:spPr>
-            <p:txBody>
-              <a:bodyPr wrap="none" lIns="0" tIns="0" rIns="0" bIns="0" rtlCol="0">
-                <a:spAutoFit/>
-              </a:bodyPr>
-              <a:lstStyle/>
-              <a:p>
+                <a:pPr/>
                 <a14:m>
                   <m:oMathPara xmlns:m="http://schemas.openxmlformats.org/officeDocument/2006/math">
                     <m:oMathParaPr>
@@ -10860,7 +11812,7 @@
                                   <a:rPr lang="it-IT" b="0" i="1" smtClean="0">
                                     <a:latin typeface="Cambria Math" panose="02040503050406030204" pitchFamily="18" charset="0"/>
                                   </a:rPr>
-                                  <m:t>−5</m:t>
+                                  <m:t>0</m:t>
                                 </m:r>
                               </m:e>
                             </m:mr>
@@ -10870,7 +11822,7 @@
                                   <a:rPr lang="it-IT" b="0" i="1" smtClean="0">
                                     <a:latin typeface="Cambria Math" panose="02040503050406030204" pitchFamily="18" charset="0"/>
                                   </a:rPr>
-                                  <m:t>3</m:t>
+                                  <m:t>0</m:t>
                                 </m:r>
                               </m:e>
                               <m:e>
@@ -10904,7 +11856,7 @@
                                   <a:rPr lang="it-IT" b="0" i="1" smtClean="0">
                                     <a:latin typeface="Cambria Math" panose="02040503050406030204" pitchFamily="18" charset="0"/>
                                   </a:rPr>
-                                  <m:t>−5</m:t>
+                                  <m:t>5</m:t>
                                 </m:r>
                               </m:e>
                               <m:e>
@@ -10912,7 +11864,7 @@
                                   <a:rPr lang="it-IT" b="0" i="1" smtClean="0">
                                     <a:latin typeface="Cambria Math" panose="02040503050406030204" pitchFamily="18" charset="0"/>
                                   </a:rPr>
-                                  <m:t>6</m:t>
+                                  <m:t>7</m:t>
                                 </m:r>
                               </m:e>
                               <m:e>
@@ -10920,7 +11872,7 @@
                                   <a:rPr lang="it-IT" b="0" i="1" smtClean="0">
                                     <a:latin typeface="Cambria Math" panose="02040503050406030204" pitchFamily="18" charset="0"/>
                                   </a:rPr>
-                                  <m:t>−4</m:t>
+                                  <m:t>0</m:t>
                                 </m:r>
                               </m:e>
                               <m:e>
@@ -10943,13 +11895,13 @@
             </p:txBody>
           </p:sp>
         </mc:Choice>
-        <mc:Fallback>
+        <mc:Fallback xmlns="">
           <p:sp>
             <p:nvSpPr>
-              <p:cNvPr id="41" name="CasellaDiTesto 40">
+              <p:cNvPr id="5" name="CasellaDiTesto 4">
                 <a:extLst>
                   <a:ext uri="{FF2B5EF4-FFF2-40B4-BE49-F238E27FC236}">
-                    <a16:creationId xmlns:a16="http://schemas.microsoft.com/office/drawing/2014/main" id="{6641B9DA-8D89-442E-BF7F-40C5C81F0C74}"/>
+                    <a16:creationId xmlns:a16="http://schemas.microsoft.com/office/drawing/2014/main" id="{617C67D5-6B42-43B9-84A8-9666F0931420}"/>
                   </a:ext>
                 </a:extLst>
               </p:cNvPr>
@@ -10960,14 +11912,14 @@
             </p:nvSpPr>
             <p:spPr>
               <a:xfrm>
-                <a:off x="4736273" y="3851215"/>
-                <a:ext cx="2135008" cy="738215"/>
+                <a:off x="5114800" y="3392084"/>
+                <a:ext cx="1615635" cy="738215"/>
               </a:xfrm>
               <a:prstGeom prst="rect">
                 <a:avLst/>
               </a:prstGeom>
               <a:blipFill>
-                <a:blip r:embed="rId6"/>
+                <a:blip r:embed="rId2"/>
                 <a:stretch>
                   <a:fillRect/>
                 </a:stretch>
@@ -10990,10 +11942,10 @@
       </mc:AlternateContent>
       <p:sp>
         <p:nvSpPr>
-          <p:cNvPr id="42" name="Rettangolo ad angolo ripiegato 41">
+          <p:cNvPr id="7" name="Rettangolo 6">
             <a:extLst>
               <a:ext uri="{FF2B5EF4-FFF2-40B4-BE49-F238E27FC236}">
-                <a16:creationId xmlns:a16="http://schemas.microsoft.com/office/drawing/2014/main" id="{AA6B798D-138D-4808-A2E1-0AFB89FE1F4F}"/>
+                <a16:creationId xmlns:a16="http://schemas.microsoft.com/office/drawing/2014/main" id="{CF9EB621-B1C0-40BD-9CEC-61421B3939D9}"/>
               </a:ext>
             </a:extLst>
           </p:cNvPr>
@@ -11001,13 +11953,21 @@
           <p:nvPr/>
         </p:nvSpPr>
         <p:spPr>
-          <a:xfrm>
-            <a:off x="9581240" y="194443"/>
-            <a:ext cx="2367953" cy="6469828"/>
+          <a:xfrm rot="5400000">
+            <a:off x="5796098" y="3308623"/>
+            <a:ext cx="209992" cy="1433363"/>
           </a:xfrm>
-          <a:prstGeom prst="foldedCorner">
+          <a:prstGeom prst="rect">
             <a:avLst/>
           </a:prstGeom>
+          <a:solidFill>
+            <a:srgbClr val="FF0000">
+              <a:alpha val="43000"/>
+            </a:srgbClr>
+          </a:solidFill>
+          <a:ln>
+            <a:noFill/>
+          </a:ln>
         </p:spPr>
         <p:style>
           <a:lnRef idx="2">
@@ -11029,51 +11989,17 @@
           <a:bodyPr rtlCol="0" anchor="ctr"/>
           <a:lstStyle/>
           <a:p>
-            <a:r>
-              <a:rPr lang="it-IT" dirty="0"/>
-              <a:t>Note:</a:t>
-            </a:r>
-          </a:p>
-          <a:p>
-            <a:r>
-              <a:rPr lang="it-IT" dirty="0"/>
-              <a:t>L’idea è di generare un sistema random e lasciare una matrice vuota da completare con un check per verificare la correttezza.</a:t>
-            </a:r>
-          </a:p>
-          <a:p>
-            <a:r>
-              <a:rPr lang="it-IT" dirty="0"/>
-              <a:t>Caso 1: sistema ordinato</a:t>
-            </a:r>
-          </a:p>
-          <a:p>
-            <a:r>
-              <a:rPr lang="it-IT" dirty="0"/>
-              <a:t>Caso 2: sistema disordinato con un «</a:t>
-            </a:r>
-            <a:r>
-              <a:rPr lang="it-IT" dirty="0" err="1"/>
-              <a:t>hint</a:t>
-            </a:r>
-            <a:r>
-              <a:rPr lang="it-IT" dirty="0"/>
-              <a:t>» nascosto che lo studente può cliccare nel caso non capisca come risolvere l’esercizio.</a:t>
-            </a:r>
-          </a:p>
-          <a:p>
-            <a:r>
-              <a:rPr lang="it-IT" dirty="0"/>
-              <a:t>Se si può fare bene, altrimenti ripensiamo qualcosa.</a:t>
-            </a:r>
+            <a:pPr algn="ctr"/>
+            <a:endParaRPr lang="it-IT" dirty="0"/>
           </a:p>
         </p:txBody>
       </p:sp>
       <p:sp>
         <p:nvSpPr>
-          <p:cNvPr id="43" name="Rettangolo con angoli arrotondati 42">
+          <p:cNvPr id="8" name="Rettangolo 7">
             <a:extLst>
               <a:ext uri="{FF2B5EF4-FFF2-40B4-BE49-F238E27FC236}">
-                <a16:creationId xmlns:a16="http://schemas.microsoft.com/office/drawing/2014/main" id="{BACC595E-2CB6-4694-9E33-D9C1B1F88290}"/>
+                <a16:creationId xmlns:a16="http://schemas.microsoft.com/office/drawing/2014/main" id="{CABC097B-ABDC-48F8-BF1D-234FD58ADFE0}"/>
               </a:ext>
             </a:extLst>
           </p:cNvPr>
@@ -11082,27 +12008,27 @@
         </p:nvSpPr>
         <p:spPr>
           <a:xfrm>
-            <a:off x="7096206" y="2183626"/>
-            <a:ext cx="2094290" cy="384725"/>
+            <a:off x="5650634" y="3920308"/>
+            <a:ext cx="209991" cy="246896"/>
           </a:xfrm>
-          <a:prstGeom prst="roundRect">
+          <a:prstGeom prst="rect">
             <a:avLst/>
           </a:prstGeom>
+          <a:noFill/>
+          <a:ln w="19050"/>
         </p:spPr>
         <p:style>
           <a:lnRef idx="2">
-            <a:schemeClr val="accent3">
-              <a:shade val="50000"/>
-            </a:schemeClr>
+            <a:schemeClr val="dk1"/>
           </a:lnRef>
           <a:fillRef idx="1">
-            <a:schemeClr val="accent3"/>
+            <a:schemeClr val="lt1"/>
           </a:fillRef>
           <a:effectRef idx="0">
-            <a:schemeClr val="accent3"/>
+            <a:schemeClr val="dk1"/>
           </a:effectRef>
           <a:fontRef idx="minor">
-            <a:schemeClr val="lt1"/>
+            <a:schemeClr val="dk1"/>
           </a:fontRef>
         </p:style>
         <p:txBody>
@@ -11110,172 +12036,390 @@
           <a:lstStyle/>
           <a:p>
             <a:pPr algn="ctr"/>
-            <a:r>
-              <a:rPr lang="it-IT" sz="2800" dirty="0">
-                <a:solidFill>
-                  <a:schemeClr val="tx1"/>
-                </a:solidFill>
-              </a:rPr>
-              <a:t>Verifica</a:t>
-            </a:r>
+            <a:endParaRPr lang="it-IT"/>
           </a:p>
         </p:txBody>
       </p:sp>
       <p:sp>
         <p:nvSpPr>
-          <p:cNvPr id="44" name="Rettangolo con angoli arrotondati 43">
+          <p:cNvPr id="9" name="Segnaposto contenuto 2">
             <a:extLst>
               <a:ext uri="{FF2B5EF4-FFF2-40B4-BE49-F238E27FC236}">
-                <a16:creationId xmlns:a16="http://schemas.microsoft.com/office/drawing/2014/main" id="{6E073523-679B-4E5B-B5D5-156A13227351}"/>
+                <a16:creationId xmlns:a16="http://schemas.microsoft.com/office/drawing/2014/main" id="{D21931A6-6C14-43A7-B742-B4B3BDFADEED}"/>
               </a:ext>
             </a:extLst>
           </p:cNvPr>
-          <p:cNvSpPr/>
+          <p:cNvSpPr txBox="1">
+            <a:spLocks/>
+          </p:cNvSpPr>
           <p:nvPr/>
         </p:nvSpPr>
         <p:spPr>
           <a:xfrm>
-            <a:off x="7096206" y="4185945"/>
-            <a:ext cx="2094290" cy="384725"/>
+            <a:off x="5388263" y="4846881"/>
+            <a:ext cx="4290658" cy="902077"/>
           </a:xfrm>
-          <a:prstGeom prst="roundRect">
+          <a:prstGeom prst="rect">
             <a:avLst/>
           </a:prstGeom>
         </p:spPr>
-        <p:style>
-          <a:lnRef idx="2">
-            <a:schemeClr val="accent3">
-              <a:shade val="50000"/>
-            </a:schemeClr>
-          </a:lnRef>
-          <a:fillRef idx="1">
-            <a:schemeClr val="accent3"/>
-          </a:fillRef>
-          <a:effectRef idx="0">
-            <a:schemeClr val="accent3"/>
-          </a:effectRef>
-          <a:fontRef idx="minor">
-            <a:schemeClr val="lt1"/>
-          </a:fontRef>
-        </p:style>
         <p:txBody>
-          <a:bodyPr rtlCol="0" anchor="ctr"/>
-          <a:lstStyle/>
-          <a:p>
-            <a:pPr algn="ctr"/>
-            <a:r>
-              <a:rPr lang="it-IT" sz="2800" dirty="0">
+          <a:bodyPr vert="horz" lIns="91440" tIns="45720" rIns="91440" bIns="45720" rtlCol="0">
+            <a:normAutofit/>
+          </a:bodyPr>
+          <a:lstStyle>
+            <a:lvl1pPr marL="228600" indent="-228600" algn="l" defTabSz="914400" rtl="0" eaLnBrk="1" latinLnBrk="0" hangingPunct="1">
+              <a:lnSpc>
+                <a:spcPct val="90000"/>
+              </a:lnSpc>
+              <a:spcBef>
+                <a:spcPts val="1000"/>
+              </a:spcBef>
+              <a:buFont typeface="Arial" panose="020B0604020202020204" pitchFamily="34" charset="0"/>
+              <a:buChar char="•"/>
+              <a:defRPr sz="2800" kern="1200">
                 <a:solidFill>
                   <a:schemeClr val="tx1"/>
                 </a:solidFill>
+                <a:latin typeface="+mn-lt"/>
+                <a:ea typeface="+mn-ea"/>
+                <a:cs typeface="+mn-cs"/>
+              </a:defRPr>
+            </a:lvl1pPr>
+            <a:lvl2pPr marL="685800" indent="-228600" algn="l" defTabSz="914400" rtl="0" eaLnBrk="1" latinLnBrk="0" hangingPunct="1">
+              <a:lnSpc>
+                <a:spcPct val="90000"/>
+              </a:lnSpc>
+              <a:spcBef>
+                <a:spcPts val="500"/>
+              </a:spcBef>
+              <a:buFont typeface="Arial" panose="020B0604020202020204" pitchFamily="34" charset="0"/>
+              <a:buChar char="•"/>
+              <a:defRPr sz="2400" kern="1200">
+                <a:solidFill>
+                  <a:schemeClr val="tx1"/>
+                </a:solidFill>
+                <a:latin typeface="+mn-lt"/>
+                <a:ea typeface="+mn-ea"/>
+                <a:cs typeface="+mn-cs"/>
+              </a:defRPr>
+            </a:lvl2pPr>
+            <a:lvl3pPr marL="1143000" indent="-228600" algn="l" defTabSz="914400" rtl="0" eaLnBrk="1" latinLnBrk="0" hangingPunct="1">
+              <a:lnSpc>
+                <a:spcPct val="90000"/>
+              </a:lnSpc>
+              <a:spcBef>
+                <a:spcPts val="500"/>
+              </a:spcBef>
+              <a:buFont typeface="Arial" panose="020B0604020202020204" pitchFamily="34" charset="0"/>
+              <a:buChar char="•"/>
+              <a:defRPr sz="2000" kern="1200">
+                <a:solidFill>
+                  <a:schemeClr val="tx1"/>
+                </a:solidFill>
+                <a:latin typeface="+mn-lt"/>
+                <a:ea typeface="+mn-ea"/>
+                <a:cs typeface="+mn-cs"/>
+              </a:defRPr>
+            </a:lvl3pPr>
+            <a:lvl4pPr marL="1600200" indent="-228600" algn="l" defTabSz="914400" rtl="0" eaLnBrk="1" latinLnBrk="0" hangingPunct="1">
+              <a:lnSpc>
+                <a:spcPct val="90000"/>
+              </a:lnSpc>
+              <a:spcBef>
+                <a:spcPts val="500"/>
+              </a:spcBef>
+              <a:buFont typeface="Arial" panose="020B0604020202020204" pitchFamily="34" charset="0"/>
+              <a:buChar char="•"/>
+              <a:defRPr sz="1800" kern="1200">
+                <a:solidFill>
+                  <a:schemeClr val="tx1"/>
+                </a:solidFill>
+                <a:latin typeface="+mn-lt"/>
+                <a:ea typeface="+mn-ea"/>
+                <a:cs typeface="+mn-cs"/>
+              </a:defRPr>
+            </a:lvl4pPr>
+            <a:lvl5pPr marL="2057400" indent="-228600" algn="l" defTabSz="914400" rtl="0" eaLnBrk="1" latinLnBrk="0" hangingPunct="1">
+              <a:lnSpc>
+                <a:spcPct val="90000"/>
+              </a:lnSpc>
+              <a:spcBef>
+                <a:spcPts val="500"/>
+              </a:spcBef>
+              <a:buFont typeface="Arial" panose="020B0604020202020204" pitchFamily="34" charset="0"/>
+              <a:buChar char="•"/>
+              <a:defRPr sz="1800" kern="1200">
+                <a:solidFill>
+                  <a:schemeClr val="tx1"/>
+                </a:solidFill>
+                <a:latin typeface="+mn-lt"/>
+                <a:ea typeface="+mn-ea"/>
+                <a:cs typeface="+mn-cs"/>
+              </a:defRPr>
+            </a:lvl5pPr>
+            <a:lvl6pPr marL="2514600" indent="-228600" algn="l" defTabSz="914400" rtl="0" eaLnBrk="1" latinLnBrk="0" hangingPunct="1">
+              <a:lnSpc>
+                <a:spcPct val="90000"/>
+              </a:lnSpc>
+              <a:spcBef>
+                <a:spcPts val="500"/>
+              </a:spcBef>
+              <a:buFont typeface="Arial" panose="020B0604020202020204" pitchFamily="34" charset="0"/>
+              <a:buChar char="•"/>
+              <a:defRPr sz="1800" kern="1200">
+                <a:solidFill>
+                  <a:schemeClr val="tx1"/>
+                </a:solidFill>
+                <a:latin typeface="+mn-lt"/>
+                <a:ea typeface="+mn-ea"/>
+                <a:cs typeface="+mn-cs"/>
+              </a:defRPr>
+            </a:lvl6pPr>
+            <a:lvl7pPr marL="2971800" indent="-228600" algn="l" defTabSz="914400" rtl="0" eaLnBrk="1" latinLnBrk="0" hangingPunct="1">
+              <a:lnSpc>
+                <a:spcPct val="90000"/>
+              </a:lnSpc>
+              <a:spcBef>
+                <a:spcPts val="500"/>
+              </a:spcBef>
+              <a:buFont typeface="Arial" panose="020B0604020202020204" pitchFamily="34" charset="0"/>
+              <a:buChar char="•"/>
+              <a:defRPr sz="1800" kern="1200">
+                <a:solidFill>
+                  <a:schemeClr val="tx1"/>
+                </a:solidFill>
+                <a:latin typeface="+mn-lt"/>
+                <a:ea typeface="+mn-ea"/>
+                <a:cs typeface="+mn-cs"/>
+              </a:defRPr>
+            </a:lvl7pPr>
+            <a:lvl8pPr marL="3429000" indent="-228600" algn="l" defTabSz="914400" rtl="0" eaLnBrk="1" latinLnBrk="0" hangingPunct="1">
+              <a:lnSpc>
+                <a:spcPct val="90000"/>
+              </a:lnSpc>
+              <a:spcBef>
+                <a:spcPts val="500"/>
+              </a:spcBef>
+              <a:buFont typeface="Arial" panose="020B0604020202020204" pitchFamily="34" charset="0"/>
+              <a:buChar char="•"/>
+              <a:defRPr sz="1800" kern="1200">
+                <a:solidFill>
+                  <a:schemeClr val="tx1"/>
+                </a:solidFill>
+                <a:latin typeface="+mn-lt"/>
+                <a:ea typeface="+mn-ea"/>
+                <a:cs typeface="+mn-cs"/>
+              </a:defRPr>
+            </a:lvl8pPr>
+            <a:lvl9pPr marL="3886200" indent="-228600" algn="l" defTabSz="914400" rtl="0" eaLnBrk="1" latinLnBrk="0" hangingPunct="1">
+              <a:lnSpc>
+                <a:spcPct val="90000"/>
+              </a:lnSpc>
+              <a:spcBef>
+                <a:spcPts val="500"/>
+              </a:spcBef>
+              <a:buFont typeface="Arial" panose="020B0604020202020204" pitchFamily="34" charset="0"/>
+              <a:buChar char="•"/>
+              <a:defRPr sz="1800" kern="1200">
+                <a:solidFill>
+                  <a:schemeClr val="tx1"/>
+                </a:solidFill>
+                <a:latin typeface="+mn-lt"/>
+                <a:ea typeface="+mn-ea"/>
+                <a:cs typeface="+mn-cs"/>
+              </a:defRPr>
+            </a:lvl9pPr>
+          </a:lstStyle>
+          <a:p>
+            <a:pPr marL="0" indent="0">
+              <a:buFont typeface="Arial" panose="020B0604020202020204" pitchFamily="34" charset="0"/>
+              <a:buNone/>
+            </a:pPr>
+            <a:r>
+              <a:rPr lang="it-IT" dirty="0"/>
+              <a:t>a</a:t>
+            </a:r>
+            <a:r>
+              <a:rPr lang="it-IT" baseline="-25000" dirty="0">
+                <a:solidFill>
+                  <a:srgbClr val="FF0000"/>
+                </a:solidFill>
               </a:rPr>
-              <a:t>Verifica</a:t>
+              <a:t>3</a:t>
+            </a:r>
+            <a:r>
+              <a:rPr lang="it-IT" baseline="-25000" dirty="0">
+                <a:solidFill>
+                  <a:schemeClr val="accent1"/>
+                </a:solidFill>
+              </a:rPr>
+              <a:t>2</a:t>
+            </a:r>
+            <a:r>
+              <a:rPr lang="it-IT" dirty="0"/>
+              <a:t>=7</a:t>
             </a:r>
           </a:p>
         </p:txBody>
       </p:sp>
-      <p:sp>
-        <p:nvSpPr>
-          <p:cNvPr id="45" name="Rettangolo con angoli arrotondati 44">
+      <p:cxnSp>
+        <p:nvCxnSpPr>
+          <p:cNvPr id="11" name="Connettore 2 10">
             <a:extLst>
               <a:ext uri="{FF2B5EF4-FFF2-40B4-BE49-F238E27FC236}">
-                <a16:creationId xmlns:a16="http://schemas.microsoft.com/office/drawing/2014/main" id="{C405F399-810B-49D7-9E63-61BFE4975DA5}"/>
+                <a16:creationId xmlns:a16="http://schemas.microsoft.com/office/drawing/2014/main" id="{628E94C4-7B52-421D-A8F3-BA7A4724DC03}"/>
               </a:ext>
             </a:extLst>
           </p:cNvPr>
-          <p:cNvSpPr/>
+          <p:cNvCxnSpPr/>
+          <p:nvPr/>
+        </p:nvCxnSpPr>
+        <p:spPr>
+          <a:xfrm flipH="1">
+            <a:off x="4467005" y="5297919"/>
+            <a:ext cx="1183629" cy="451039"/>
+          </a:xfrm>
+          <a:prstGeom prst="straightConnector1">
+            <a:avLst/>
+          </a:prstGeom>
+          <a:ln>
+            <a:solidFill>
+              <a:srgbClr val="FF0000"/>
+            </a:solidFill>
+            <a:tailEnd type="triangle"/>
+          </a:ln>
+        </p:spPr>
+        <p:style>
+          <a:lnRef idx="1">
+            <a:schemeClr val="accent1"/>
+          </a:lnRef>
+          <a:fillRef idx="0">
+            <a:schemeClr val="accent1"/>
+          </a:fillRef>
+          <a:effectRef idx="0">
+            <a:schemeClr val="accent1"/>
+          </a:effectRef>
+          <a:fontRef idx="minor">
+            <a:schemeClr val="tx1"/>
+          </a:fontRef>
+        </p:style>
+      </p:cxnSp>
+      <p:sp>
+        <p:nvSpPr>
+          <p:cNvPr id="12" name="CasellaDiTesto 11">
+            <a:extLst>
+              <a:ext uri="{FF2B5EF4-FFF2-40B4-BE49-F238E27FC236}">
+                <a16:creationId xmlns:a16="http://schemas.microsoft.com/office/drawing/2014/main" id="{7E2527FF-A51A-402B-A3BA-C9D5511DA265}"/>
+              </a:ext>
+            </a:extLst>
+          </p:cNvPr>
+          <p:cNvSpPr txBox="1"/>
           <p:nvPr/>
         </p:nvSpPr>
         <p:spPr>
           <a:xfrm>
-            <a:off x="7089348" y="3723291"/>
-            <a:ext cx="2094290" cy="384725"/>
+            <a:off x="3843854" y="5687324"/>
+            <a:ext cx="2030278" cy="369332"/>
           </a:xfrm>
-          <a:prstGeom prst="roundRect">
+          <a:prstGeom prst="rect">
             <a:avLst/>
           </a:prstGeom>
+          <a:noFill/>
         </p:spPr>
-        <p:style>
-          <a:lnRef idx="2">
-            <a:schemeClr val="accent3">
-              <a:shade val="50000"/>
-            </a:schemeClr>
-          </a:lnRef>
-          <a:fillRef idx="1">
-            <a:schemeClr val="accent3"/>
-          </a:fillRef>
-          <a:effectRef idx="0">
-            <a:schemeClr val="accent3"/>
-          </a:effectRef>
-          <a:fontRef idx="minor">
-            <a:schemeClr val="lt1"/>
-          </a:fontRef>
-        </p:style>
         <p:txBody>
-          <a:bodyPr rtlCol="0" anchor="ctr"/>
+          <a:bodyPr wrap="square" rtlCol="0">
+            <a:spAutoFit/>
+          </a:bodyPr>
           <a:lstStyle/>
           <a:p>
-            <a:pPr algn="ctr"/>
-            <a:r>
-              <a:rPr lang="it-IT" sz="2800" dirty="0">
+            <a:r>
+              <a:rPr lang="it-IT" dirty="0">
                 <a:solidFill>
-                  <a:schemeClr val="tx1"/>
+                  <a:srgbClr val="FF0000"/>
                 </a:solidFill>
               </a:rPr>
-              <a:t>Aiuto</a:t>
+              <a:t>Terza riga</a:t>
             </a:r>
           </a:p>
         </p:txBody>
       </p:sp>
-      <p:sp>
-        <p:nvSpPr>
-          <p:cNvPr id="46" name="Rettangolo con angoli arrotondati 45">
+      <p:cxnSp>
+        <p:nvCxnSpPr>
+          <p:cNvPr id="13" name="Connettore 2 12">
             <a:extLst>
               <a:ext uri="{FF2B5EF4-FFF2-40B4-BE49-F238E27FC236}">
-                <a16:creationId xmlns:a16="http://schemas.microsoft.com/office/drawing/2014/main" id="{ABEE7711-A715-4258-8CC2-1E79F7F6DD39}"/>
+                <a16:creationId xmlns:a16="http://schemas.microsoft.com/office/drawing/2014/main" id="{C040D302-995F-4403-8220-801DBE95CEBE}"/>
               </a:ext>
             </a:extLst>
           </p:cNvPr>
-          <p:cNvSpPr/>
+          <p:cNvCxnSpPr>
+            <a:cxnSpLocks/>
+          </p:cNvCxnSpPr>
+          <p:nvPr/>
+        </p:nvCxnSpPr>
+        <p:spPr>
+          <a:xfrm>
+            <a:off x="5860625" y="5297919"/>
+            <a:ext cx="596326" cy="576298"/>
+          </a:xfrm>
+          <a:prstGeom prst="straightConnector1">
+            <a:avLst/>
+          </a:prstGeom>
+          <a:ln>
+            <a:tailEnd type="triangle"/>
+          </a:ln>
+        </p:spPr>
+        <p:style>
+          <a:lnRef idx="1">
+            <a:schemeClr val="accent1"/>
+          </a:lnRef>
+          <a:fillRef idx="0">
+            <a:schemeClr val="accent1"/>
+          </a:fillRef>
+          <a:effectRef idx="0">
+            <a:schemeClr val="accent1"/>
+          </a:effectRef>
+          <a:fontRef idx="minor">
+            <a:schemeClr val="tx1"/>
+          </a:fontRef>
+        </p:style>
+      </p:cxnSp>
+      <p:sp>
+        <p:nvSpPr>
+          <p:cNvPr id="14" name="CasellaDiTesto 13">
+            <a:extLst>
+              <a:ext uri="{FF2B5EF4-FFF2-40B4-BE49-F238E27FC236}">
+                <a16:creationId xmlns:a16="http://schemas.microsoft.com/office/drawing/2014/main" id="{A6EA2D77-57C9-4502-BCC8-8B4F78B78F89}"/>
+              </a:ext>
+            </a:extLst>
+          </p:cNvPr>
+          <p:cNvSpPr txBox="1"/>
           <p:nvPr/>
         </p:nvSpPr>
         <p:spPr>
           <a:xfrm>
-            <a:off x="1266260" y="5792148"/>
-            <a:ext cx="3104262" cy="384725"/>
+            <a:off x="6402546" y="5830664"/>
+            <a:ext cx="2030278" cy="369332"/>
           </a:xfrm>
-          <a:prstGeom prst="roundRect">
+          <a:prstGeom prst="rect">
             <a:avLst/>
           </a:prstGeom>
+          <a:noFill/>
         </p:spPr>
-        <p:style>
-          <a:lnRef idx="2">
-            <a:schemeClr val="accent3">
-              <a:shade val="50000"/>
-            </a:schemeClr>
-          </a:lnRef>
-          <a:fillRef idx="1">
-            <a:schemeClr val="accent3"/>
-          </a:fillRef>
-          <a:effectRef idx="0">
-            <a:schemeClr val="accent3"/>
-          </a:effectRef>
-          <a:fontRef idx="minor">
-            <a:schemeClr val="lt1"/>
-          </a:fontRef>
-        </p:style>
         <p:txBody>
-          <a:bodyPr rtlCol="0" anchor="ctr"/>
+          <a:bodyPr wrap="square" rtlCol="0">
+            <a:spAutoFit/>
+          </a:bodyPr>
           <a:lstStyle/>
           <a:p>
-            <a:pPr algn="ctr"/>
-            <a:r>
-              <a:rPr lang="it-IT" sz="2800" dirty="0">
+            <a:r>
+              <a:rPr lang="it-IT" dirty="0">
                 <a:solidFill>
-                  <a:schemeClr val="tx1"/>
+                  <a:schemeClr val="accent1"/>
                 </a:solidFill>
               </a:rPr>
-              <a:t>Torna alla teoria</a:t>
+              <a:t>Seconda colonna</a:t>
             </a:r>
           </a:p>
         </p:txBody>
@@ -11283,7 +12427,7 @@
     </p:spTree>
     <p:extLst>
       <p:ext uri="{BB962C8B-B14F-4D97-AF65-F5344CB8AC3E}">
-        <p14:creationId xmlns:p14="http://schemas.microsoft.com/office/powerpoint/2010/main" val="1921842211"/>
+        <p14:creationId xmlns:p14="http://schemas.microsoft.com/office/powerpoint/2010/main" val="2994627447"/>
       </p:ext>
     </p:extLst>
   </p:cSld>

--- a/Presentazione.pptx
+++ b/Presentazione.pptx
@@ -5,7 +5,7 @@
     <p:sldMasterId id="2147483648" r:id="rId1"/>
   </p:sldMasterIdLst>
   <p:notesMasterIdLst>
-    <p:notesMasterId r:id="rId15"/>
+    <p:notesMasterId r:id="rId16"/>
   </p:notesMasterIdLst>
   <p:sldIdLst>
     <p:sldId id="256" r:id="rId2"/>
@@ -17,10 +17,11 @@
     <p:sldId id="260" r:id="rId8"/>
     <p:sldId id="264" r:id="rId9"/>
     <p:sldId id="265" r:id="rId10"/>
-    <p:sldId id="266" r:id="rId11"/>
-    <p:sldId id="267" r:id="rId12"/>
-    <p:sldId id="263" r:id="rId13"/>
-    <p:sldId id="262" r:id="rId14"/>
+    <p:sldId id="272" r:id="rId11"/>
+    <p:sldId id="266" r:id="rId12"/>
+    <p:sldId id="267" r:id="rId13"/>
+    <p:sldId id="263" r:id="rId14"/>
+    <p:sldId id="262" r:id="rId15"/>
   </p:sldIdLst>
   <p:sldSz cx="12192000" cy="6858000"/>
   <p:notesSz cx="6858000" cy="9144000"/>
@@ -625,7 +626,7 @@
           <a:p>
             <a:fld id="{F0BCF025-A966-45CF-903B-391187988970}" type="slidenum">
               <a:rPr lang="it-IT" smtClean="0"/>
-              <a:t>13</a:t>
+              <a:t>14</a:t>
             </a:fld>
             <a:endParaRPr lang="it-IT"/>
           </a:p>
@@ -4222,221 +4223,6 @@
           </a:p>
         </p:txBody>
       </p:sp>
-      <p:sp>
-        <p:nvSpPr>
-          <p:cNvPr id="4" name="Segnaposto contenuto 2">
-            <a:extLst>
-              <a:ext uri="{FF2B5EF4-FFF2-40B4-BE49-F238E27FC236}">
-                <a16:creationId xmlns:a16="http://schemas.microsoft.com/office/drawing/2014/main" id="{91689680-E88A-4CA0-9C49-3684A0AB466F}"/>
-              </a:ext>
-            </a:extLst>
-          </p:cNvPr>
-          <p:cNvSpPr txBox="1">
-            <a:spLocks noGrp="1"/>
-          </p:cNvSpPr>
-          <p:nvPr>
-            <p:ph idx="1"/>
-          </p:nvPr>
-        </p:nvSpPr>
-        <p:spPr>
-          <a:xfrm>
-            <a:off x="481739" y="1884443"/>
-            <a:ext cx="5257800" cy="902077"/>
-          </a:xfrm>
-          <a:prstGeom prst="rect">
-            <a:avLst/>
-          </a:prstGeom>
-        </p:spPr>
-        <p:txBody>
-          <a:bodyPr vert="horz" lIns="91440" tIns="45720" rIns="91440" bIns="45720" rtlCol="0">
-            <a:normAutofit fontScale="92500" lnSpcReduction="10000"/>
-          </a:bodyPr>
-          <a:lstStyle>
-            <a:lvl1pPr marL="228600" indent="-228600" algn="l" defTabSz="914400" rtl="0" eaLnBrk="1" latinLnBrk="0" hangingPunct="1">
-              <a:lnSpc>
-                <a:spcPct val="90000"/>
-              </a:lnSpc>
-              <a:spcBef>
-                <a:spcPts val="1000"/>
-              </a:spcBef>
-              <a:buFont typeface="Arial" panose="020B0604020202020204" pitchFamily="34" charset="0"/>
-              <a:buChar char="•"/>
-              <a:defRPr sz="2800" kern="1200">
-                <a:solidFill>
-                  <a:schemeClr val="tx1"/>
-                </a:solidFill>
-                <a:latin typeface="+mn-lt"/>
-                <a:ea typeface="+mn-ea"/>
-                <a:cs typeface="+mn-cs"/>
-              </a:defRPr>
-            </a:lvl1pPr>
-            <a:lvl2pPr marL="685800" indent="-228600" algn="l" defTabSz="914400" rtl="0" eaLnBrk="1" latinLnBrk="0" hangingPunct="1">
-              <a:lnSpc>
-                <a:spcPct val="90000"/>
-              </a:lnSpc>
-              <a:spcBef>
-                <a:spcPts val="500"/>
-              </a:spcBef>
-              <a:buFont typeface="Arial" panose="020B0604020202020204" pitchFamily="34" charset="0"/>
-              <a:buChar char="•"/>
-              <a:defRPr sz="2400" kern="1200">
-                <a:solidFill>
-                  <a:schemeClr val="tx1"/>
-                </a:solidFill>
-                <a:latin typeface="+mn-lt"/>
-                <a:ea typeface="+mn-ea"/>
-                <a:cs typeface="+mn-cs"/>
-              </a:defRPr>
-            </a:lvl2pPr>
-            <a:lvl3pPr marL="1143000" indent="-228600" algn="l" defTabSz="914400" rtl="0" eaLnBrk="1" latinLnBrk="0" hangingPunct="1">
-              <a:lnSpc>
-                <a:spcPct val="90000"/>
-              </a:lnSpc>
-              <a:spcBef>
-                <a:spcPts val="500"/>
-              </a:spcBef>
-              <a:buFont typeface="Arial" panose="020B0604020202020204" pitchFamily="34" charset="0"/>
-              <a:buChar char="•"/>
-              <a:defRPr sz="2000" kern="1200">
-                <a:solidFill>
-                  <a:schemeClr val="tx1"/>
-                </a:solidFill>
-                <a:latin typeface="+mn-lt"/>
-                <a:ea typeface="+mn-ea"/>
-                <a:cs typeface="+mn-cs"/>
-              </a:defRPr>
-            </a:lvl3pPr>
-            <a:lvl4pPr marL="1600200" indent="-228600" algn="l" defTabSz="914400" rtl="0" eaLnBrk="1" latinLnBrk="0" hangingPunct="1">
-              <a:lnSpc>
-                <a:spcPct val="90000"/>
-              </a:lnSpc>
-              <a:spcBef>
-                <a:spcPts val="500"/>
-              </a:spcBef>
-              <a:buFont typeface="Arial" panose="020B0604020202020204" pitchFamily="34" charset="0"/>
-              <a:buChar char="•"/>
-              <a:defRPr sz="1800" kern="1200">
-                <a:solidFill>
-                  <a:schemeClr val="tx1"/>
-                </a:solidFill>
-                <a:latin typeface="+mn-lt"/>
-                <a:ea typeface="+mn-ea"/>
-                <a:cs typeface="+mn-cs"/>
-              </a:defRPr>
-            </a:lvl4pPr>
-            <a:lvl5pPr marL="2057400" indent="-228600" algn="l" defTabSz="914400" rtl="0" eaLnBrk="1" latinLnBrk="0" hangingPunct="1">
-              <a:lnSpc>
-                <a:spcPct val="90000"/>
-              </a:lnSpc>
-              <a:spcBef>
-                <a:spcPts val="500"/>
-              </a:spcBef>
-              <a:buFont typeface="Arial" panose="020B0604020202020204" pitchFamily="34" charset="0"/>
-              <a:buChar char="•"/>
-              <a:defRPr sz="1800" kern="1200">
-                <a:solidFill>
-                  <a:schemeClr val="tx1"/>
-                </a:solidFill>
-                <a:latin typeface="+mn-lt"/>
-                <a:ea typeface="+mn-ea"/>
-                <a:cs typeface="+mn-cs"/>
-              </a:defRPr>
-            </a:lvl5pPr>
-            <a:lvl6pPr marL="2514600" indent="-228600" algn="l" defTabSz="914400" rtl="0" eaLnBrk="1" latinLnBrk="0" hangingPunct="1">
-              <a:lnSpc>
-                <a:spcPct val="90000"/>
-              </a:lnSpc>
-              <a:spcBef>
-                <a:spcPts val="500"/>
-              </a:spcBef>
-              <a:buFont typeface="Arial" panose="020B0604020202020204" pitchFamily="34" charset="0"/>
-              <a:buChar char="•"/>
-              <a:defRPr sz="1800" kern="1200">
-                <a:solidFill>
-                  <a:schemeClr val="tx1"/>
-                </a:solidFill>
-                <a:latin typeface="+mn-lt"/>
-                <a:ea typeface="+mn-ea"/>
-                <a:cs typeface="+mn-cs"/>
-              </a:defRPr>
-            </a:lvl6pPr>
-            <a:lvl7pPr marL="2971800" indent="-228600" algn="l" defTabSz="914400" rtl="0" eaLnBrk="1" latinLnBrk="0" hangingPunct="1">
-              <a:lnSpc>
-                <a:spcPct val="90000"/>
-              </a:lnSpc>
-              <a:spcBef>
-                <a:spcPts val="500"/>
-              </a:spcBef>
-              <a:buFont typeface="Arial" panose="020B0604020202020204" pitchFamily="34" charset="0"/>
-              <a:buChar char="•"/>
-              <a:defRPr sz="1800" kern="1200">
-                <a:solidFill>
-                  <a:schemeClr val="tx1"/>
-                </a:solidFill>
-                <a:latin typeface="+mn-lt"/>
-                <a:ea typeface="+mn-ea"/>
-                <a:cs typeface="+mn-cs"/>
-              </a:defRPr>
-            </a:lvl7pPr>
-            <a:lvl8pPr marL="3429000" indent="-228600" algn="l" defTabSz="914400" rtl="0" eaLnBrk="1" latinLnBrk="0" hangingPunct="1">
-              <a:lnSpc>
-                <a:spcPct val="90000"/>
-              </a:lnSpc>
-              <a:spcBef>
-                <a:spcPts val="500"/>
-              </a:spcBef>
-              <a:buFont typeface="Arial" panose="020B0604020202020204" pitchFamily="34" charset="0"/>
-              <a:buChar char="•"/>
-              <a:defRPr sz="1800" kern="1200">
-                <a:solidFill>
-                  <a:schemeClr val="tx1"/>
-                </a:solidFill>
-                <a:latin typeface="+mn-lt"/>
-                <a:ea typeface="+mn-ea"/>
-                <a:cs typeface="+mn-cs"/>
-              </a:defRPr>
-            </a:lvl8pPr>
-            <a:lvl9pPr marL="3886200" indent="-228600" algn="l" defTabSz="914400" rtl="0" eaLnBrk="1" latinLnBrk="0" hangingPunct="1">
-              <a:lnSpc>
-                <a:spcPct val="90000"/>
-              </a:lnSpc>
-              <a:spcBef>
-                <a:spcPts val="500"/>
-              </a:spcBef>
-              <a:buFont typeface="Arial" panose="020B0604020202020204" pitchFamily="34" charset="0"/>
-              <a:buChar char="•"/>
-              <a:defRPr sz="1800" kern="1200">
-                <a:solidFill>
-                  <a:schemeClr val="tx1"/>
-                </a:solidFill>
-                <a:latin typeface="+mn-lt"/>
-                <a:ea typeface="+mn-ea"/>
-                <a:cs typeface="+mn-cs"/>
-              </a:defRPr>
-            </a:lvl9pPr>
-          </a:lstStyle>
-          <a:p>
-            <a:pPr marL="0" indent="0" algn="ctr">
-              <a:buFont typeface="Arial" panose="020B0604020202020204" pitchFamily="34" charset="0"/>
-              <a:buNone/>
-            </a:pPr>
-            <a:r>
-              <a:rPr lang="it-IT" b="1" dirty="0"/>
-              <a:t>Matrice quadrata</a:t>
-            </a:r>
-          </a:p>
-          <a:p>
-            <a:pPr marL="0" indent="0">
-              <a:buFont typeface="Arial" panose="020B0604020202020204" pitchFamily="34" charset="0"/>
-              <a:buNone/>
-            </a:pPr>
-            <a:r>
-              <a:rPr lang="it-IT" dirty="0"/>
-              <a:t>numero di righe = numero di colonne</a:t>
-            </a:r>
-          </a:p>
-        </p:txBody>
-      </p:sp>
       <mc:AlternateContent xmlns:mc="http://schemas.openxmlformats.org/markup-compatibility/2006" xmlns:a14="http://schemas.microsoft.com/office/drawing/2010/main">
         <mc:Choice Requires="a14">
           <p:sp>
@@ -5158,88 +4944,55 @@
           </a:p>
         </p:txBody>
       </p:sp>
-    </p:spTree>
-    <p:extLst>
-      <p:ext uri="{BB962C8B-B14F-4D97-AF65-F5344CB8AC3E}">
-        <p14:creationId xmlns:p14="http://schemas.microsoft.com/office/powerpoint/2010/main" val="387438836"/>
-      </p:ext>
-    </p:extLst>
-  </p:cSld>
-  <p:clrMapOvr>
-    <a:masterClrMapping/>
-  </p:clrMapOvr>
-</p:sld>
-</file>
-
-<file path=ppt/slides/slide11.xml><?xml version="1.0" encoding="utf-8"?>
-<p:sld xmlns:a="http://schemas.openxmlformats.org/drawingml/2006/main" xmlns:r="http://schemas.openxmlformats.org/officeDocument/2006/relationships" xmlns:p="http://schemas.openxmlformats.org/presentationml/2006/main">
-  <p:cSld>
-    <p:spTree>
-      <p:nvGrpSpPr>
-        <p:cNvPr id="1" name=""/>
-        <p:cNvGrpSpPr/>
-        <p:nvPr/>
-      </p:nvGrpSpPr>
-      <p:grpSpPr>
-        <a:xfrm>
-          <a:off x="0" y="0"/>
-          <a:ext cx="0" cy="0"/>
-          <a:chOff x="0" y="0"/>
-          <a:chExt cx="0" cy="0"/>
-        </a:xfrm>
-      </p:grpSpPr>
       <p:sp>
         <p:nvSpPr>
-          <p:cNvPr id="2" name="Titolo 1">
+          <p:cNvPr id="8" name="CasellaDiTesto 7">
             <a:extLst>
               <a:ext uri="{FF2B5EF4-FFF2-40B4-BE49-F238E27FC236}">
-                <a16:creationId xmlns:a16="http://schemas.microsoft.com/office/drawing/2014/main" id="{18A32D1E-57F0-4194-A6FC-D6AE6672E338}"/>
+                <a16:creationId xmlns:a16="http://schemas.microsoft.com/office/drawing/2014/main" id="{713462D9-1795-4114-81D0-C55C7E551323}"/>
               </a:ext>
             </a:extLst>
           </p:cNvPr>
-          <p:cNvSpPr>
-            <a:spLocks noGrp="1"/>
-          </p:cNvSpPr>
-          <p:nvPr>
-            <p:ph type="title"/>
-          </p:nvPr>
+          <p:cNvSpPr txBox="1"/>
+          <p:nvPr/>
         </p:nvSpPr>
         <p:spPr>
           <a:xfrm>
-            <a:off x="838200" y="365125"/>
-            <a:ext cx="10515600" cy="1325563"/>
+            <a:off x="5486400" y="4432515"/>
+            <a:ext cx="184731" cy="369332"/>
           </a:xfrm>
+          <a:prstGeom prst="rect">
+            <a:avLst/>
+          </a:prstGeom>
+          <a:noFill/>
         </p:spPr>
         <p:txBody>
-          <a:bodyPr/>
+          <a:bodyPr wrap="none" rtlCol="0">
+            <a:spAutoFit/>
+          </a:bodyPr>
           <a:lstStyle/>
           <a:p>
-            <a:r>
-              <a:rPr lang="it-IT" dirty="0"/>
-              <a:t>Matrici</a:t>
-            </a:r>
+            <a:endParaRPr lang="it-IT" dirty="0"/>
           </a:p>
         </p:txBody>
       </p:sp>
       <p:sp>
         <p:nvSpPr>
-          <p:cNvPr id="4" name="Segnaposto contenuto 2">
+          <p:cNvPr id="12" name="Segnaposto contenuto 2">
             <a:extLst>
               <a:ext uri="{FF2B5EF4-FFF2-40B4-BE49-F238E27FC236}">
-                <a16:creationId xmlns:a16="http://schemas.microsoft.com/office/drawing/2014/main" id="{91689680-E88A-4CA0-9C49-3684A0AB466F}"/>
+                <a16:creationId xmlns:a16="http://schemas.microsoft.com/office/drawing/2014/main" id="{B08BF741-C91C-4DC0-947D-ABAE32651375}"/>
               </a:ext>
             </a:extLst>
           </p:cNvPr>
           <p:cNvSpPr txBox="1">
-            <a:spLocks noGrp="1"/>
+            <a:spLocks/>
           </p:cNvSpPr>
-          <p:nvPr>
-            <p:ph idx="1"/>
-          </p:nvPr>
+          <p:nvPr/>
         </p:nvSpPr>
         <p:spPr>
           <a:xfrm>
-            <a:off x="838200" y="1825625"/>
+            <a:off x="838200" y="1862531"/>
             <a:ext cx="5257800" cy="902077"/>
           </a:xfrm>
           <a:prstGeom prst="rect">
@@ -5415,35 +5168,154 @@
             </a:lvl9pPr>
           </a:lstStyle>
           <a:p>
+            <a:pPr marL="0" indent="0" algn="ctr">
+              <a:buFont typeface="Arial" panose="020B0604020202020204" pitchFamily="34" charset="0"/>
+              <a:buNone/>
+            </a:pPr>
+            <a:r>
+              <a:rPr lang="it-IT" b="1" dirty="0"/>
+              <a:t>Matrice quadrata </a:t>
+            </a:r>
+          </a:p>
+          <a:p>
             <a:pPr marL="0" indent="0">
               <a:buFont typeface="Arial" panose="020B0604020202020204" pitchFamily="34" charset="0"/>
               <a:buNone/>
             </a:pPr>
             <a:r>
               <a:rPr lang="it-IT" dirty="0"/>
-              <a:t>Matrice quadrata: </a:t>
-            </a:r>
-          </a:p>
+              <a:t>numero di righe </a:t>
+            </a:r>
+            <a:r>
+              <a:rPr lang="it-IT" dirty="0">
+                <a:sym typeface="Symbol" panose="05050102010706020507" pitchFamily="18" charset="2"/>
+              </a:rPr>
+              <a:t>=</a:t>
+            </a:r>
+            <a:r>
+              <a:rPr lang="it-IT" dirty="0"/>
+              <a:t> numero di colonne</a:t>
+            </a:r>
+          </a:p>
+        </p:txBody>
+      </p:sp>
+    </p:spTree>
+    <p:extLst>
+      <p:ext uri="{BB962C8B-B14F-4D97-AF65-F5344CB8AC3E}">
+        <p14:creationId xmlns:p14="http://schemas.microsoft.com/office/powerpoint/2010/main" val="2135680727"/>
+      </p:ext>
+    </p:extLst>
+  </p:cSld>
+  <p:clrMapOvr>
+    <a:masterClrMapping/>
+  </p:clrMapOvr>
+</p:sld>
+</file>
+
+<file path=ppt/slides/slide11.xml><?xml version="1.0" encoding="utf-8"?>
+<p:sld xmlns:a="http://schemas.openxmlformats.org/drawingml/2006/main" xmlns:r="http://schemas.openxmlformats.org/officeDocument/2006/relationships" xmlns:p="http://schemas.openxmlformats.org/presentationml/2006/main">
+  <p:cSld>
+    <p:spTree>
+      <p:nvGrpSpPr>
+        <p:cNvPr id="1" name=""/>
+        <p:cNvGrpSpPr/>
+        <p:nvPr/>
+      </p:nvGrpSpPr>
+      <p:grpSpPr>
+        <a:xfrm>
+          <a:off x="0" y="0"/>
+          <a:ext cx="0" cy="0"/>
+          <a:chOff x="0" y="0"/>
+          <a:chExt cx="0" cy="0"/>
+        </a:xfrm>
+      </p:grpSpPr>
+      <p:sp>
+        <p:nvSpPr>
+          <p:cNvPr id="2" name="Titolo 1">
+            <a:extLst>
+              <a:ext uri="{FF2B5EF4-FFF2-40B4-BE49-F238E27FC236}">
+                <a16:creationId xmlns:a16="http://schemas.microsoft.com/office/drawing/2014/main" id="{18A32D1E-57F0-4194-A6FC-D6AE6672E338}"/>
+              </a:ext>
+            </a:extLst>
+          </p:cNvPr>
+          <p:cNvSpPr>
+            <a:spLocks noGrp="1"/>
+          </p:cNvSpPr>
+          <p:nvPr>
+            <p:ph type="title"/>
+          </p:nvPr>
+        </p:nvSpPr>
+        <p:spPr>
+          <a:xfrm>
+            <a:off x="838200" y="365125"/>
+            <a:ext cx="10515600" cy="1325563"/>
+          </a:xfrm>
+        </p:spPr>
+        <p:txBody>
+          <a:bodyPr/>
+          <a:lstStyle/>
+          <a:p>
+            <a:r>
+              <a:rPr lang="it-IT" dirty="0"/>
+              <a:t>Matrici</a:t>
+            </a:r>
+            <a:br>
+              <a:rPr lang="it-IT" dirty="0"/>
+            </a:br>
+            <a:r>
+              <a:rPr lang="it-IT" sz="2400" dirty="0"/>
+              <a:t>La diagonale</a:t>
+            </a:r>
+            <a:endParaRPr lang="it-IT" dirty="0"/>
+          </a:p>
+        </p:txBody>
+      </p:sp>
+      <p:sp>
+        <p:nvSpPr>
+          <p:cNvPr id="7" name="Segnaposto contenuto 6">
+            <a:extLst>
+              <a:ext uri="{FF2B5EF4-FFF2-40B4-BE49-F238E27FC236}">
+                <a16:creationId xmlns:a16="http://schemas.microsoft.com/office/drawing/2014/main" id="{6D046C0B-93C6-40F8-9187-CDBF0B88C3BA}"/>
+              </a:ext>
+            </a:extLst>
+          </p:cNvPr>
+          <p:cNvSpPr>
+            <a:spLocks noGrp="1"/>
+          </p:cNvSpPr>
+          <p:nvPr>
+            <p:ph idx="1"/>
+          </p:nvPr>
+        </p:nvSpPr>
+        <p:spPr>
+          <a:xfrm>
+            <a:off x="838200" y="1860003"/>
+            <a:ext cx="10227590" cy="898696"/>
+          </a:xfrm>
+        </p:spPr>
+        <p:txBody>
+          <a:bodyPr>
+            <a:normAutofit fontScale="92500"/>
+          </a:bodyPr>
+          <a:lstStyle/>
           <a:p>
             <a:pPr marL="0" indent="0">
-              <a:buFont typeface="Arial" panose="020B0604020202020204" pitchFamily="34" charset="0"/>
               <a:buNone/>
             </a:pPr>
             <a:r>
               <a:rPr lang="it-IT" dirty="0"/>
-              <a:t>numero di righe = numero di colonne</a:t>
+              <a:t>La diagonale di una matrice quadrata è composta dai numeri che hanno indice di riga uguale a indice di colonna. Sono quelli evidenziati in rosso.</a:t>
             </a:r>
           </a:p>
         </p:txBody>
       </p:sp>
-      <mc:AlternateContent xmlns:mc="http://schemas.openxmlformats.org/markup-compatibility/2006" xmlns:a14="http://schemas.microsoft.com/office/drawing/2010/main">
-        <mc:Choice Requires="a14">
+      <mc:AlternateContent xmlns:mc="http://schemas.openxmlformats.org/markup-compatibility/2006">
+        <mc:Choice xmlns:a14="http://schemas.microsoft.com/office/drawing/2010/main" Requires="a14">
           <p:sp>
             <p:nvSpPr>
-              <p:cNvPr id="5" name="CasellaDiTesto 4">
+              <p:cNvPr id="11" name="CasellaDiTesto 10">
                 <a:extLst>
                   <a:ext uri="{FF2B5EF4-FFF2-40B4-BE49-F238E27FC236}">
-                    <a16:creationId xmlns:a16="http://schemas.microsoft.com/office/drawing/2014/main" id="{617C67D5-6B42-43B9-84A8-9666F0931420}"/>
+                    <a16:creationId xmlns:a16="http://schemas.microsoft.com/office/drawing/2014/main" id="{EE1D12A9-B88E-40E8-9B00-DD3632BFC466}"/>
                   </a:ext>
                 </a:extLst>
               </p:cNvPr>
@@ -5452,8 +5324,8 @@
             </p:nvSpPr>
             <p:spPr>
               <a:xfrm>
-                <a:off x="8417112" y="3286749"/>
-                <a:ext cx="1615635" cy="738215"/>
+                <a:off x="4695434" y="3361087"/>
+                <a:ext cx="1256561" cy="738215"/>
               </a:xfrm>
               <a:prstGeom prst="rect">
                 <a:avLst/>
@@ -5489,7 +5361,7 @@
                               <m:mcs>
                                 <m:mc>
                                   <m:mcPr>
-                                    <m:count m:val="4"/>
+                                    <m:count m:val="3"/>
                                     <m:mcJc m:val="center"/>
                                   </m:mcPr>
                                 </m:mc>
@@ -5507,6 +5379,9 @@
                                     <m:brk m:alnAt="7"/>
                                   </m:rPr>
                                   <a:rPr lang="it-IT" b="0" i="1" smtClean="0">
+                                    <a:solidFill>
+                                      <a:srgbClr val="FF0000"/>
+                                    </a:solidFill>
                                     <a:latin typeface="Cambria Math" panose="02040503050406030204" pitchFamily="18" charset="0"/>
                                   </a:rPr>
                                   <m:t>7</m:t>
@@ -5526,14 +5401,6 @@
                                     <a:latin typeface="Cambria Math" panose="02040503050406030204" pitchFamily="18" charset="0"/>
                                   </a:rPr>
                                   <m:t>5</m:t>
-                                </m:r>
-                              </m:e>
-                              <m:e>
-                                <m:r>
-                                  <a:rPr lang="it-IT" b="0" i="1" smtClean="0">
-                                    <a:latin typeface="Cambria Math" panose="02040503050406030204" pitchFamily="18" charset="0"/>
-                                  </a:rPr>
-                                  <m:t>0</m:t>
                                 </m:r>
                               </m:e>
                             </m:mr>
@@ -5549,6 +5416,9 @@
                               <m:e>
                                 <m:r>
                                   <a:rPr lang="it-IT" b="0" i="1" smtClean="0">
+                                    <a:solidFill>
+                                      <a:srgbClr val="FF0000"/>
+                                    </a:solidFill>
                                     <a:latin typeface="Cambria Math" panose="02040503050406030204" pitchFamily="18" charset="0"/>
                                   </a:rPr>
                                   <m:t>−4</m:t>
@@ -5560,14 +5430,6 @@
                                     <a:latin typeface="Cambria Math" panose="02040503050406030204" pitchFamily="18" charset="0"/>
                                   </a:rPr>
                                   <m:t>2</m:t>
-                                </m:r>
-                              </m:e>
-                              <m:e>
-                                <m:r>
-                                  <a:rPr lang="it-IT" b="0" i="1" smtClean="0">
-                                    <a:latin typeface="Cambria Math" panose="02040503050406030204" pitchFamily="18" charset="0"/>
-                                  </a:rPr>
-                                  <m:t>1</m:t>
                                 </m:r>
                               </m:e>
                             </m:mr>
@@ -5591,17 +5453,12 @@
                               <m:e>
                                 <m:r>
                                   <a:rPr lang="it-IT" b="0" i="1" smtClean="0">
+                                    <a:solidFill>
+                                      <a:srgbClr val="FF0000"/>
+                                    </a:solidFill>
                                     <a:latin typeface="Cambria Math" panose="02040503050406030204" pitchFamily="18" charset="0"/>
                                   </a:rPr>
                                   <m:t>0</m:t>
-                                </m:r>
-                              </m:e>
-                              <m:e>
-                                <m:r>
-                                  <a:rPr lang="it-IT" b="0" i="1" smtClean="0">
-                                    <a:latin typeface="Cambria Math" panose="02040503050406030204" pitchFamily="18" charset="0"/>
-                                  </a:rPr>
-                                  <m:t>1</m:t>
                                 </m:r>
                               </m:e>
                             </m:mr>
@@ -5616,13 +5473,13 @@
             </p:txBody>
           </p:sp>
         </mc:Choice>
-        <mc:Fallback xmlns="">
+        <mc:Fallback>
           <p:sp>
             <p:nvSpPr>
-              <p:cNvPr id="5" name="CasellaDiTesto 4">
+              <p:cNvPr id="11" name="CasellaDiTesto 10">
                 <a:extLst>
                   <a:ext uri="{FF2B5EF4-FFF2-40B4-BE49-F238E27FC236}">
-                    <a16:creationId xmlns:a16="http://schemas.microsoft.com/office/drawing/2014/main" id="{617C67D5-6B42-43B9-84A8-9666F0931420}"/>
+                    <a16:creationId xmlns:a16="http://schemas.microsoft.com/office/drawing/2014/main" id="{EE1D12A9-B88E-40E8-9B00-DD3632BFC466}"/>
                   </a:ext>
                 </a:extLst>
               </p:cNvPr>
@@ -5633,8 +5490,8 @@
             </p:nvSpPr>
             <p:spPr>
               <a:xfrm>
-                <a:off x="8417112" y="3286749"/>
-                <a:ext cx="1615635" cy="738215"/>
+                <a:off x="4695434" y="3361087"/>
+                <a:ext cx="1256561" cy="738215"/>
               </a:xfrm>
               <a:prstGeom prst="rect">
                 <a:avLst/>
@@ -5663,10 +5520,10 @@
       </mc:AlternateContent>
       <p:sp>
         <p:nvSpPr>
-          <p:cNvPr id="15" name="Segnaposto contenuto 2">
+          <p:cNvPr id="12" name="Segnaposto contenuto 6">
             <a:extLst>
               <a:ext uri="{FF2B5EF4-FFF2-40B4-BE49-F238E27FC236}">
-                <a16:creationId xmlns:a16="http://schemas.microsoft.com/office/drawing/2014/main" id="{8453BC0F-D4A1-4D08-9519-B85025BA33F0}"/>
+                <a16:creationId xmlns:a16="http://schemas.microsoft.com/office/drawing/2014/main" id="{22952EF8-E9B8-4881-870B-EF5A5CC22D3E}"/>
               </a:ext>
             </a:extLst>
           </p:cNvPr>
@@ -5677,8 +5534,8 @@
         </p:nvSpPr>
         <p:spPr>
           <a:xfrm>
-            <a:off x="6596030" y="1767873"/>
-            <a:ext cx="5257800" cy="902077"/>
+            <a:off x="838200" y="4972580"/>
+            <a:ext cx="10227590" cy="898696"/>
           </a:xfrm>
           <a:prstGeom prst="rect">
             <a:avLst/>
@@ -5686,7 +5543,7 @@
         </p:spPr>
         <p:txBody>
           <a:bodyPr vert="horz" lIns="91440" tIns="45720" rIns="91440" bIns="45720" rtlCol="0">
-            <a:normAutofit fontScale="92500" lnSpcReduction="10000"/>
+            <a:normAutofit/>
           </a:bodyPr>
           <a:lstStyle>
             <a:lvl1pPr marL="228600" indent="-228600" algn="l" defTabSz="914400" rtl="0" eaLnBrk="1" latinLnBrk="0" hangingPunct="1">
@@ -5859,39 +5716,147 @@
             </a:pPr>
             <a:r>
               <a:rPr lang="it-IT" dirty="0"/>
-              <a:t>Matrice rettangolare: </a:t>
-            </a:r>
-          </a:p>
-          <a:p>
-            <a:pPr marL="0" indent="0">
-              <a:buFont typeface="Arial" panose="020B0604020202020204" pitchFamily="34" charset="0"/>
-              <a:buNone/>
-            </a:pPr>
-            <a:r>
-              <a:rPr lang="it-IT" dirty="0"/>
-              <a:t>numero di righe </a:t>
-            </a:r>
-            <a:r>
-              <a:rPr lang="it-IT" dirty="0">
-                <a:sym typeface="Symbol" panose="05050102010706020507" pitchFamily="18" charset="2"/>
-              </a:rPr>
-              <a:t></a:t>
-            </a:r>
-            <a:r>
-              <a:rPr lang="it-IT" dirty="0"/>
-              <a:t> numero di colonne</a:t>
+              <a:t>Attenzione! Non esiste la diagonale di una matrice rettangolare, tuttavia dobbiamo </a:t>
             </a:r>
           </a:p>
         </p:txBody>
       </p:sp>
-      <mc:AlternateContent xmlns:mc="http://schemas.openxmlformats.org/markup-compatibility/2006" xmlns:a14="http://schemas.microsoft.com/office/drawing/2010/main">
-        <mc:Choice Requires="a14">
+    </p:spTree>
+    <p:extLst>
+      <p:ext uri="{BB962C8B-B14F-4D97-AF65-F5344CB8AC3E}">
+        <p14:creationId xmlns:p14="http://schemas.microsoft.com/office/powerpoint/2010/main" val="387438836"/>
+      </p:ext>
+    </p:extLst>
+  </p:cSld>
+  <p:clrMapOvr>
+    <a:masterClrMapping/>
+  </p:clrMapOvr>
+</p:sld>
+</file>
+
+<file path=ppt/slides/slide12.xml><?xml version="1.0" encoding="utf-8"?>
+<p:sld xmlns:a="http://schemas.openxmlformats.org/drawingml/2006/main" xmlns:r="http://schemas.openxmlformats.org/officeDocument/2006/relationships" xmlns:p="http://schemas.openxmlformats.org/presentationml/2006/main">
+  <p:cSld>
+    <p:spTree>
+      <p:nvGrpSpPr>
+        <p:cNvPr id="1" name=""/>
+        <p:cNvGrpSpPr/>
+        <p:nvPr/>
+      </p:nvGrpSpPr>
+      <p:grpSpPr>
+        <a:xfrm>
+          <a:off x="0" y="0"/>
+          <a:ext cx="0" cy="0"/>
+          <a:chOff x="0" y="0"/>
+          <a:chExt cx="0" cy="0"/>
+        </a:xfrm>
+      </p:grpSpPr>
+      <p:sp>
+        <p:nvSpPr>
+          <p:cNvPr id="2" name="Titolo 1">
+            <a:extLst>
+              <a:ext uri="{FF2B5EF4-FFF2-40B4-BE49-F238E27FC236}">
+                <a16:creationId xmlns:a16="http://schemas.microsoft.com/office/drawing/2014/main" id="{18A32D1E-57F0-4194-A6FC-D6AE6672E338}"/>
+              </a:ext>
+            </a:extLst>
+          </p:cNvPr>
+          <p:cNvSpPr>
+            <a:spLocks noGrp="1"/>
+          </p:cNvSpPr>
+          <p:nvPr>
+            <p:ph type="title"/>
+          </p:nvPr>
+        </p:nvSpPr>
+        <p:spPr>
+          <a:xfrm>
+            <a:off x="838200" y="365125"/>
+            <a:ext cx="10515600" cy="1325563"/>
+          </a:xfrm>
+        </p:spPr>
+        <p:txBody>
+          <a:bodyPr/>
+          <a:lstStyle/>
+          <a:p>
+            <a:r>
+              <a:rPr lang="it-IT" dirty="0"/>
+              <a:t>Metodo di Gauss</a:t>
+            </a:r>
+          </a:p>
+        </p:txBody>
+      </p:sp>
+      <p:sp>
+        <p:nvSpPr>
+          <p:cNvPr id="8" name="CasellaDiTesto 7">
+            <a:extLst>
+              <a:ext uri="{FF2B5EF4-FFF2-40B4-BE49-F238E27FC236}">
+                <a16:creationId xmlns:a16="http://schemas.microsoft.com/office/drawing/2014/main" id="{5096C81B-5B07-4268-ADCF-C6DBD20E73EC}"/>
+              </a:ext>
+            </a:extLst>
+          </p:cNvPr>
+          <p:cNvSpPr txBox="1"/>
+          <p:nvPr/>
+        </p:nvSpPr>
+        <p:spPr>
+          <a:xfrm>
+            <a:off x="946688" y="1600200"/>
+            <a:ext cx="9049719" cy="1754326"/>
+          </a:xfrm>
+          <a:prstGeom prst="rect">
+            <a:avLst/>
+          </a:prstGeom>
+          <a:noFill/>
+        </p:spPr>
+        <p:txBody>
+          <a:bodyPr wrap="square" rtlCol="0">
+            <a:spAutoFit/>
+          </a:bodyPr>
+          <a:lstStyle/>
+          <a:p>
+            <a:r>
+              <a:rPr lang="it-IT" dirty="0"/>
+              <a:t>Il nostro obiettivo è quello di rendere a gradini la matrice completa associata al sistema lineare. Per farlo possiamo utilizzare tre mosse:</a:t>
+            </a:r>
+          </a:p>
+          <a:p>
+            <a:pPr marL="620713" indent="-285750">
+              <a:buFont typeface="Arial" panose="020B0604020202020204" pitchFamily="34" charset="0"/>
+              <a:buChar char="•"/>
+            </a:pPr>
+            <a:r>
+              <a:rPr lang="it-IT" dirty="0"/>
+              <a:t>Scambio di due righe</a:t>
+            </a:r>
+          </a:p>
+          <a:p>
+            <a:pPr marL="620713" indent="-285750">
+              <a:buFont typeface="Arial" panose="020B0604020202020204" pitchFamily="34" charset="0"/>
+              <a:buChar char="•"/>
+            </a:pPr>
+            <a:r>
+              <a:rPr lang="it-IT" dirty="0"/>
+              <a:t>Moltiplicare una riga della matrice per un numero diverso da zero</a:t>
+            </a:r>
+          </a:p>
+          <a:p>
+            <a:pPr marL="620713" indent="-285750">
+              <a:buFont typeface="Arial" panose="020B0604020202020204" pitchFamily="34" charset="0"/>
+              <a:buChar char="•"/>
+            </a:pPr>
+            <a:r>
+              <a:rPr lang="it-IT" dirty="0"/>
+              <a:t>Sostituire una riga della matrice con un’altra ottenuta sommando ad essa un multiplo di un’altra riga</a:t>
+            </a:r>
+          </a:p>
+        </p:txBody>
+      </p:sp>
+      <mc:AlternateContent xmlns:mc="http://schemas.openxmlformats.org/markup-compatibility/2006">
+        <mc:Choice xmlns:a14="http://schemas.microsoft.com/office/drawing/2010/main" Requires="a14">
           <p:sp>
             <p:nvSpPr>
-              <p:cNvPr id="16" name="CasellaDiTesto 15">
+              <p:cNvPr id="12" name="CasellaDiTesto 11">
                 <a:extLst>
                   <a:ext uri="{FF2B5EF4-FFF2-40B4-BE49-F238E27FC236}">
-                    <a16:creationId xmlns:a16="http://schemas.microsoft.com/office/drawing/2014/main" id="{17501F4B-E4B5-4368-97D4-A089C13260E3}"/>
+                    <a16:creationId xmlns:a16="http://schemas.microsoft.com/office/drawing/2014/main" id="{3EB25061-93F0-4F2F-B935-F4EC8E939BD7}"/>
                   </a:ext>
                 </a:extLst>
               </p:cNvPr>
@@ -5900,8 +5865,8 @@
             </p:nvSpPr>
             <p:spPr>
               <a:xfrm>
-                <a:off x="2159253" y="3228264"/>
-                <a:ext cx="1256561" cy="738215"/>
+                <a:off x="4596171" y="4480526"/>
+                <a:ext cx="1788758" cy="732636"/>
               </a:xfrm>
               <a:prstGeom prst="rect">
                 <a:avLst/>
@@ -5937,7 +5902,7 @@
                               <m:mcs>
                                 <m:mc>
                                   <m:mcPr>
-                                    <m:count m:val="3"/>
+                                    <m:count m:val="4"/>
                                     <m:mcJc m:val="center"/>
                                   </m:mcPr>
                                 </m:mc>
@@ -5957,7 +5922,7 @@
                                   <a:rPr lang="it-IT" b="0" i="1" smtClean="0">
                                     <a:latin typeface="Cambria Math" panose="02040503050406030204" pitchFamily="18" charset="0"/>
                                   </a:rPr>
-                                  <m:t>7</m:t>
+                                  <m:t>1</m:t>
                                 </m:r>
                               </m:e>
                               <m:e>
@@ -5965,7 +5930,7 @@
                                   <a:rPr lang="it-IT" b="0" i="1" smtClean="0">
                                     <a:latin typeface="Cambria Math" panose="02040503050406030204" pitchFamily="18" charset="0"/>
                                   </a:rPr>
-                                  <m:t>6</m:t>
+                                  <m:t>1</m:t>
                                 </m:r>
                               </m:e>
                               <m:e>
@@ -5973,7 +5938,15 @@
                                   <a:rPr lang="it-IT" b="0" i="1" smtClean="0">
                                     <a:latin typeface="Cambria Math" panose="02040503050406030204" pitchFamily="18" charset="0"/>
                                   </a:rPr>
-                                  <m:t>5</m:t>
+                                  <m:t>1</m:t>
+                                </m:r>
+                              </m:e>
+                              <m:e>
+                                <m:r>
+                                  <a:rPr lang="it-IT" b="0" i="1" smtClean="0">
+                                    <a:latin typeface="Cambria Math" panose="02040503050406030204" pitchFamily="18" charset="0"/>
+                                  </a:rPr>
+                                  <m:t>12</m:t>
                                 </m:r>
                               </m:e>
                             </m:mr>
@@ -5983,7 +5956,7 @@
                                   <a:rPr lang="it-IT" b="0" i="1" smtClean="0">
                                     <a:latin typeface="Cambria Math" panose="02040503050406030204" pitchFamily="18" charset="0"/>
                                   </a:rPr>
-                                  <m:t>0</m:t>
+                                  <m:t>1</m:t>
                                 </m:r>
                               </m:e>
                               <m:e>
@@ -5991,7 +5964,7 @@
                                   <a:rPr lang="it-IT" b="0" i="1" smtClean="0">
                                     <a:latin typeface="Cambria Math" panose="02040503050406030204" pitchFamily="18" charset="0"/>
                                   </a:rPr>
-                                  <m:t>−4</m:t>
+                                  <m:t>2</m:t>
                                 </m:r>
                               </m:e>
                               <m:e>
@@ -5999,7 +5972,21 @@
                                   <a:rPr lang="it-IT" b="0" i="1" smtClean="0">
                                     <a:latin typeface="Cambria Math" panose="02040503050406030204" pitchFamily="18" charset="0"/>
                                   </a:rPr>
+                                  <m:t>−</m:t>
+                                </m:r>
+                                <m:r>
+                                  <a:rPr lang="it-IT" b="0" i="1" smtClean="0">
+                                    <a:latin typeface="Cambria Math" panose="02040503050406030204" pitchFamily="18" charset="0"/>
+                                  </a:rPr>
                                   <m:t>2</m:t>
+                                </m:r>
+                              </m:e>
+                              <m:e>
+                                <m:r>
+                                  <a:rPr lang="it-IT" b="0" i="1" smtClean="0">
+                                    <a:latin typeface="Cambria Math" panose="02040503050406030204" pitchFamily="18" charset="0"/>
+                                  </a:rPr>
+                                  <m:t>1</m:t>
                                 </m:r>
                               </m:e>
                             </m:mr>
@@ -6009,7 +5996,7 @@
                                   <a:rPr lang="it-IT" b="0" i="1" smtClean="0">
                                     <a:latin typeface="Cambria Math" panose="02040503050406030204" pitchFamily="18" charset="0"/>
                                   </a:rPr>
-                                  <m:t>5</m:t>
+                                  <m:t>2</m:t>
                                 </m:r>
                               </m:e>
                               <m:e>
@@ -6017,7 +6004,7 @@
                                   <a:rPr lang="it-IT" b="0" i="1" smtClean="0">
                                     <a:latin typeface="Cambria Math" panose="02040503050406030204" pitchFamily="18" charset="0"/>
                                   </a:rPr>
-                                  <m:t>7</m:t>
+                                  <m:t>1</m:t>
                                 </m:r>
                               </m:e>
                               <m:e>
@@ -6025,7 +6012,21 @@
                                   <a:rPr lang="it-IT" b="0" i="1" smtClean="0">
                                     <a:latin typeface="Cambria Math" panose="02040503050406030204" pitchFamily="18" charset="0"/>
                                   </a:rPr>
-                                  <m:t>0</m:t>
+                                  <m:t>−</m:t>
+                                </m:r>
+                                <m:r>
+                                  <a:rPr lang="it-IT" b="0" i="1" smtClean="0">
+                                    <a:latin typeface="Cambria Math" panose="02040503050406030204" pitchFamily="18" charset="0"/>
+                                  </a:rPr>
+                                  <m:t>3</m:t>
+                                </m:r>
+                              </m:e>
+                              <m:e>
+                                <m:r>
+                                  <a:rPr lang="it-IT" b="0" i="1" smtClean="0">
+                                    <a:latin typeface="Cambria Math" panose="02040503050406030204" pitchFamily="18" charset="0"/>
+                                  </a:rPr>
+                                  <m:t>−5</m:t>
                                 </m:r>
                               </m:e>
                             </m:mr>
@@ -6040,13 +6041,13 @@
             </p:txBody>
           </p:sp>
         </mc:Choice>
-        <mc:Fallback xmlns="">
+        <mc:Fallback>
           <p:sp>
             <p:nvSpPr>
-              <p:cNvPr id="16" name="CasellaDiTesto 15">
+              <p:cNvPr id="12" name="CasellaDiTesto 11">
                 <a:extLst>
                   <a:ext uri="{FF2B5EF4-FFF2-40B4-BE49-F238E27FC236}">
-                    <a16:creationId xmlns:a16="http://schemas.microsoft.com/office/drawing/2014/main" id="{17501F4B-E4B5-4368-97D4-A089C13260E3}"/>
+                    <a16:creationId xmlns:a16="http://schemas.microsoft.com/office/drawing/2014/main" id="{3EB25061-93F0-4F2F-B935-F4EC8E939BD7}"/>
                   </a:ext>
                 </a:extLst>
               </p:cNvPr>
@@ -6057,8 +6058,245 @@
             </p:nvSpPr>
             <p:spPr>
               <a:xfrm>
-                <a:off x="2159253" y="3228264"/>
-                <a:ext cx="1256561" cy="738215"/>
+                <a:off x="4596171" y="4480526"/>
+                <a:ext cx="1788758" cy="732636"/>
+              </a:xfrm>
+              <a:prstGeom prst="rect">
+                <a:avLst/>
+              </a:prstGeom>
+              <a:blipFill>
+                <a:blip r:embed="rId2"/>
+                <a:stretch>
+                  <a:fillRect/>
+                </a:stretch>
+              </a:blipFill>
+            </p:spPr>
+            <p:txBody>
+              <a:bodyPr/>
+              <a:lstStyle/>
+              <a:p>
+                <a:r>
+                  <a:rPr lang="it-IT">
+                    <a:noFill/>
+                  </a:rPr>
+                  <a:t> </a:t>
+                </a:r>
+              </a:p>
+            </p:txBody>
+          </p:sp>
+        </mc:Fallback>
+      </mc:AlternateContent>
+      <mc:AlternateContent xmlns:mc="http://schemas.openxmlformats.org/markup-compatibility/2006">
+        <mc:Choice xmlns:a14="http://schemas.microsoft.com/office/drawing/2010/main" Requires="a14">
+          <p:sp>
+            <p:nvSpPr>
+              <p:cNvPr id="13" name="CasellaDiTesto 12">
+                <a:extLst>
+                  <a:ext uri="{FF2B5EF4-FFF2-40B4-BE49-F238E27FC236}">
+                    <a16:creationId xmlns:a16="http://schemas.microsoft.com/office/drawing/2014/main" id="{4945145A-084B-4369-BE57-7C1FAF79C4B1}"/>
+                  </a:ext>
+                </a:extLst>
+              </p:cNvPr>
+              <p:cNvSpPr txBox="1"/>
+              <p:nvPr/>
+            </p:nvSpPr>
+            <p:spPr>
+              <a:xfrm>
+                <a:off x="7926035" y="4480526"/>
+                <a:ext cx="1917000" cy="732573"/>
+              </a:xfrm>
+              <a:prstGeom prst="rect">
+                <a:avLst/>
+              </a:prstGeom>
+              <a:noFill/>
+            </p:spPr>
+            <p:txBody>
+              <a:bodyPr wrap="none" lIns="0" tIns="0" rIns="0" bIns="0" rtlCol="0">
+                <a:spAutoFit/>
+              </a:bodyPr>
+              <a:lstStyle/>
+              <a:p>
+                <a:pPr/>
+                <a14:m>
+                  <m:oMathPara xmlns:m="http://schemas.openxmlformats.org/officeDocument/2006/math">
+                    <m:oMathParaPr>
+                      <m:jc m:val="centerGroup"/>
+                    </m:oMathParaPr>
+                    <m:oMath xmlns:m="http://schemas.openxmlformats.org/officeDocument/2006/math">
+                      <m:d>
+                        <m:dPr>
+                          <m:begChr m:val="["/>
+                          <m:endChr m:val="]"/>
+                          <m:ctrlPr>
+                            <a:rPr lang="it-IT" i="1" smtClean="0">
+                              <a:latin typeface="Cambria Math" panose="02040503050406030204" pitchFamily="18" charset="0"/>
+                            </a:rPr>
+                          </m:ctrlPr>
+                        </m:dPr>
+                        <m:e>
+                          <m:m>
+                            <m:mPr>
+                              <m:mcs>
+                                <m:mc>
+                                  <m:mcPr>
+                                    <m:count m:val="4"/>
+                                    <m:mcJc m:val="center"/>
+                                  </m:mcPr>
+                                </m:mc>
+                              </m:mcs>
+                              <m:ctrlPr>
+                                <a:rPr lang="it-IT" b="0" i="1" smtClean="0">
+                                  <a:latin typeface="Cambria Math" panose="02040503050406030204" pitchFamily="18" charset="0"/>
+                                </a:rPr>
+                              </m:ctrlPr>
+                            </m:mPr>
+                            <m:mr>
+                              <m:e>
+                                <m:r>
+                                  <m:rPr>
+                                    <m:brk m:alnAt="7"/>
+                                  </m:rPr>
+                                  <a:rPr lang="it-IT" b="0" i="1" smtClean="0">
+                                    <a:latin typeface="Cambria Math" panose="02040503050406030204" pitchFamily="18" charset="0"/>
+                                  </a:rPr>
+                                  <m:t>1</m:t>
+                                </m:r>
+                              </m:e>
+                              <m:e>
+                                <m:r>
+                                  <a:rPr lang="it-IT" b="0" i="1" smtClean="0">
+                                    <a:latin typeface="Cambria Math" panose="02040503050406030204" pitchFamily="18" charset="0"/>
+                                  </a:rPr>
+                                  <m:t>1</m:t>
+                                </m:r>
+                              </m:e>
+                              <m:e>
+                                <m:r>
+                                  <a:rPr lang="it-IT" b="0" i="1" smtClean="0">
+                                    <a:latin typeface="Cambria Math" panose="02040503050406030204" pitchFamily="18" charset="0"/>
+                                  </a:rPr>
+                                  <m:t>1</m:t>
+                                </m:r>
+                              </m:e>
+                              <m:e>
+                                <m:r>
+                                  <a:rPr lang="it-IT" b="0" i="1" smtClean="0">
+                                    <a:latin typeface="Cambria Math" panose="02040503050406030204" pitchFamily="18" charset="0"/>
+                                  </a:rPr>
+                                  <m:t>12</m:t>
+                                </m:r>
+                              </m:e>
+                            </m:mr>
+                            <m:mr>
+                              <m:e>
+                                <m:r>
+                                  <a:rPr lang="it-IT" b="0" i="1" smtClean="0">
+                                    <a:latin typeface="Cambria Math" panose="02040503050406030204" pitchFamily="18" charset="0"/>
+                                  </a:rPr>
+                                  <m:t>0</m:t>
+                                </m:r>
+                              </m:e>
+                              <m:e>
+                                <m:r>
+                                  <a:rPr lang="it-IT" b="0" i="1" smtClean="0">
+                                    <a:latin typeface="Cambria Math" panose="02040503050406030204" pitchFamily="18" charset="0"/>
+                                  </a:rPr>
+                                  <m:t>1</m:t>
+                                </m:r>
+                              </m:e>
+                              <m:e>
+                                <m:r>
+                                  <a:rPr lang="it-IT" b="0" i="1" smtClean="0">
+                                    <a:latin typeface="Cambria Math" panose="02040503050406030204" pitchFamily="18" charset="0"/>
+                                  </a:rPr>
+                                  <m:t>−3</m:t>
+                                </m:r>
+                              </m:e>
+                              <m:e>
+                                <m:r>
+                                  <a:rPr lang="it-IT" b="0" i="1" smtClean="0">
+                                    <a:latin typeface="Cambria Math" panose="02040503050406030204" pitchFamily="18" charset="0"/>
+                                  </a:rPr>
+                                  <m:t>−1</m:t>
+                                </m:r>
+                                <m:r>
+                                  <a:rPr lang="it-IT" b="0" i="1" smtClean="0">
+                                    <a:latin typeface="Cambria Math" panose="02040503050406030204" pitchFamily="18" charset="0"/>
+                                  </a:rPr>
+                                  <m:t>1</m:t>
+                                </m:r>
+                              </m:e>
+                            </m:mr>
+                            <m:mr>
+                              <m:e>
+                                <m:r>
+                                  <a:rPr lang="it-IT" b="0" i="1" smtClean="0">
+                                    <a:latin typeface="Cambria Math" panose="02040503050406030204" pitchFamily="18" charset="0"/>
+                                  </a:rPr>
+                                  <m:t>0</m:t>
+                                </m:r>
+                              </m:e>
+                              <m:e>
+                                <m:r>
+                                  <a:rPr lang="it-IT" b="0" i="1" smtClean="0">
+                                    <a:latin typeface="Cambria Math" panose="02040503050406030204" pitchFamily="18" charset="0"/>
+                                  </a:rPr>
+                                  <m:t>0</m:t>
+                                </m:r>
+                              </m:e>
+                              <m:e>
+                                <m:r>
+                                  <a:rPr lang="it-IT" b="0" i="1" smtClean="0">
+                                    <a:latin typeface="Cambria Math" panose="02040503050406030204" pitchFamily="18" charset="0"/>
+                                  </a:rPr>
+                                  <m:t>−</m:t>
+                                </m:r>
+                                <m:r>
+                                  <a:rPr lang="it-IT" b="0" i="1" smtClean="0">
+                                    <a:latin typeface="Cambria Math" panose="02040503050406030204" pitchFamily="18" charset="0"/>
+                                  </a:rPr>
+                                  <m:t>8</m:t>
+                                </m:r>
+                              </m:e>
+                              <m:e>
+                                <m:r>
+                                  <a:rPr lang="it-IT" b="0" i="1" smtClean="0">
+                                    <a:latin typeface="Cambria Math" panose="02040503050406030204" pitchFamily="18" charset="0"/>
+                                  </a:rPr>
+                                  <m:t>−40</m:t>
+                                </m:r>
+                              </m:e>
+                            </m:mr>
+                          </m:m>
+                        </m:e>
+                      </m:d>
+                    </m:oMath>
+                  </m:oMathPara>
+                </a14:m>
+                <a:endParaRPr lang="it-IT" dirty="0"/>
+              </a:p>
+            </p:txBody>
+          </p:sp>
+        </mc:Choice>
+        <mc:Fallback>
+          <p:sp>
+            <p:nvSpPr>
+              <p:cNvPr id="13" name="CasellaDiTesto 12">
+                <a:extLst>
+                  <a:ext uri="{FF2B5EF4-FFF2-40B4-BE49-F238E27FC236}">
+                    <a16:creationId xmlns:a16="http://schemas.microsoft.com/office/drawing/2014/main" id="{4945145A-084B-4369-BE57-7C1FAF79C4B1}"/>
+                  </a:ext>
+                </a:extLst>
+              </p:cNvPr>
+              <p:cNvSpPr txBox="1">
+                <a:spLocks noRot="1" noChangeAspect="1" noMove="1" noResize="1" noEditPoints="1" noAdjustHandles="1" noChangeArrowheads="1" noChangeShapeType="1" noTextEdit="1"/>
+              </p:cNvSpPr>
+              <p:nvPr/>
+            </p:nvSpPr>
+            <p:spPr>
+              <a:xfrm>
+                <a:off x="7926035" y="4480526"/>
+                <a:ext cx="1917000" cy="732573"/>
               </a:xfrm>
               <a:prstGeom prst="rect">
                 <a:avLst/>
@@ -6085,76 +6323,343 @@
           </p:sp>
         </mc:Fallback>
       </mc:AlternateContent>
-      <p:sp>
-        <p:nvSpPr>
-          <p:cNvPr id="3" name="CasellaDiTesto 2">
+      <mc:AlternateContent xmlns:mc="http://schemas.openxmlformats.org/markup-compatibility/2006">
+        <mc:Choice xmlns:a14="http://schemas.microsoft.com/office/drawing/2010/main" Requires="a14">
+          <p:sp>
+            <p:nvSpPr>
+              <p:cNvPr id="14" name="CasellaDiTesto 13">
+                <a:extLst>
+                  <a:ext uri="{FF2B5EF4-FFF2-40B4-BE49-F238E27FC236}">
+                    <a16:creationId xmlns:a16="http://schemas.microsoft.com/office/drawing/2014/main" id="{CA5A7C94-49AA-4482-80DF-31971186D645}"/>
+                  </a:ext>
+                </a:extLst>
+              </p:cNvPr>
+              <p:cNvSpPr txBox="1"/>
+              <p:nvPr/>
+            </p:nvSpPr>
+            <p:spPr>
+              <a:xfrm>
+                <a:off x="1138816" y="4423888"/>
+                <a:ext cx="1981247" cy="884281"/>
+              </a:xfrm>
+              <a:prstGeom prst="rect">
+                <a:avLst/>
+              </a:prstGeom>
+              <a:noFill/>
+            </p:spPr>
+            <p:txBody>
+              <a:bodyPr wrap="none" lIns="0" tIns="0" rIns="0" bIns="0" rtlCol="0">
+                <a:spAutoFit/>
+              </a:bodyPr>
+              <a:lstStyle/>
+              <a:p>
+                <a:pPr/>
+                <a14:m>
+                  <m:oMathPara xmlns:m="http://schemas.openxmlformats.org/officeDocument/2006/math">
+                    <m:oMathParaPr>
+                      <m:jc m:val="centerGroup"/>
+                    </m:oMathParaPr>
+                    <m:oMath xmlns:m="http://schemas.openxmlformats.org/officeDocument/2006/math">
+                      <m:d>
+                        <m:dPr>
+                          <m:begChr m:val="{"/>
+                          <m:endChr m:val=""/>
+                          <m:ctrlPr>
+                            <a:rPr lang="it-IT" i="1" smtClean="0">
+                              <a:latin typeface="Cambria Math" panose="02040503050406030204" pitchFamily="18" charset="0"/>
+                            </a:rPr>
+                          </m:ctrlPr>
+                        </m:dPr>
+                        <m:e>
+                          <m:m>
+                            <m:mPr>
+                              <m:mcs>
+                                <m:mc>
+                                  <m:mcPr>
+                                    <m:count m:val="1"/>
+                                    <m:mcJc m:val="center"/>
+                                  </m:mcPr>
+                                </m:mc>
+                              </m:mcs>
+                              <m:ctrlPr>
+                                <a:rPr lang="it-IT" i="1" smtClean="0">
+                                  <a:latin typeface="Cambria Math" panose="02040503050406030204" pitchFamily="18" charset="0"/>
+                                </a:rPr>
+                              </m:ctrlPr>
+                            </m:mPr>
+                            <m:mr>
+                              <m:e>
+                                <m:r>
+                                  <a:rPr lang="it-IT" b="0" i="1" smtClean="0">
+                                    <a:solidFill>
+                                      <a:srgbClr val="FF0000"/>
+                                    </a:solidFill>
+                                    <a:latin typeface="Cambria Math" panose="02040503050406030204" pitchFamily="18" charset="0"/>
+                                  </a:rPr>
+                                  <m:t>𝑥</m:t>
+                                </m:r>
+                                <m:r>
+                                  <a:rPr lang="it-IT" b="0" i="1" smtClean="0">
+                                    <a:latin typeface="Cambria Math" panose="02040503050406030204" pitchFamily="18" charset="0"/>
+                                  </a:rPr>
+                                  <m:t>+</m:t>
+                                </m:r>
+                                <m:r>
+                                  <a:rPr lang="it-IT" b="0" i="1" smtClean="0">
+                                    <a:latin typeface="Cambria Math" panose="02040503050406030204" pitchFamily="18" charset="0"/>
+                                  </a:rPr>
+                                  <m:t>𝑦</m:t>
+                                </m:r>
+                                <m:r>
+                                  <a:rPr lang="it-IT" b="0" i="1" smtClean="0">
+                                    <a:latin typeface="Cambria Math" panose="02040503050406030204" pitchFamily="18" charset="0"/>
+                                  </a:rPr>
+                                  <m:t>+</m:t>
+                                </m:r>
+                                <m:r>
+                                  <a:rPr lang="it-IT" b="0" i="1" smtClean="0">
+                                    <a:latin typeface="Cambria Math" panose="02040503050406030204" pitchFamily="18" charset="0"/>
+                                  </a:rPr>
+                                  <m:t>𝑧</m:t>
+                                </m:r>
+                                <m:r>
+                                  <a:rPr lang="it-IT" b="0" i="1" smtClean="0">
+                                    <a:latin typeface="Cambria Math" panose="02040503050406030204" pitchFamily="18" charset="0"/>
+                                  </a:rPr>
+                                  <m:t>=12</m:t>
+                                </m:r>
+                              </m:e>
+                            </m:mr>
+                            <m:mr>
+                              <m:e>
+                                <m:r>
+                                  <a:rPr lang="it-IT" b="0" i="1" smtClean="0">
+                                    <a:latin typeface="Cambria Math" panose="02040503050406030204" pitchFamily="18" charset="0"/>
+                                  </a:rPr>
+                                  <m:t>𝑥</m:t>
+                                </m:r>
+                                <m:r>
+                                  <a:rPr lang="it-IT" b="0" i="1" smtClean="0">
+                                    <a:latin typeface="Cambria Math" panose="02040503050406030204" pitchFamily="18" charset="0"/>
+                                  </a:rPr>
+                                  <m:t>+2</m:t>
+                                </m:r>
+                                <m:r>
+                                  <a:rPr lang="it-IT" b="0" i="1" smtClean="0">
+                                    <a:latin typeface="Cambria Math" panose="02040503050406030204" pitchFamily="18" charset="0"/>
+                                  </a:rPr>
+                                  <m:t>𝑦</m:t>
+                                </m:r>
+                                <m:r>
+                                  <a:rPr lang="it-IT" b="0" i="1" smtClean="0">
+                                    <a:latin typeface="Cambria Math" panose="02040503050406030204" pitchFamily="18" charset="0"/>
+                                  </a:rPr>
+                                  <m:t>−</m:t>
+                                </m:r>
+                                <m:r>
+                                  <a:rPr lang="it-IT" b="0" i="1" smtClean="0">
+                                    <a:latin typeface="Cambria Math" panose="02040503050406030204" pitchFamily="18" charset="0"/>
+                                  </a:rPr>
+                                  <m:t>2</m:t>
+                                </m:r>
+                                <m:r>
+                                  <a:rPr lang="it-IT" b="0" i="1" smtClean="0">
+                                    <a:latin typeface="Cambria Math" panose="02040503050406030204" pitchFamily="18" charset="0"/>
+                                  </a:rPr>
+                                  <m:t>𝑧</m:t>
+                                </m:r>
+                                <m:r>
+                                  <a:rPr lang="it-IT" b="0" i="1" smtClean="0">
+                                    <a:latin typeface="Cambria Math" panose="02040503050406030204" pitchFamily="18" charset="0"/>
+                                  </a:rPr>
+                                  <m:t>=1</m:t>
+                                </m:r>
+                              </m:e>
+                            </m:mr>
+                            <m:mr>
+                              <m:e>
+                                <m:r>
+                                  <a:rPr lang="it-IT" b="0" i="1" smtClean="0">
+                                    <a:latin typeface="Cambria Math" panose="02040503050406030204" pitchFamily="18" charset="0"/>
+                                  </a:rPr>
+                                  <m:t>2</m:t>
+                                </m:r>
+                                <m:r>
+                                  <a:rPr lang="it-IT" b="0" i="1" smtClean="0">
+                                    <a:latin typeface="Cambria Math" panose="02040503050406030204" pitchFamily="18" charset="0"/>
+                                  </a:rPr>
+                                  <m:t>𝑥</m:t>
+                                </m:r>
+                                <m:r>
+                                  <a:rPr lang="it-IT" b="0" i="1" smtClean="0">
+                                    <a:latin typeface="Cambria Math" panose="02040503050406030204" pitchFamily="18" charset="0"/>
+                                  </a:rPr>
+                                  <m:t>+</m:t>
+                                </m:r>
+                                <m:r>
+                                  <a:rPr lang="it-IT" b="0" i="1" smtClean="0">
+                                    <a:latin typeface="Cambria Math" panose="02040503050406030204" pitchFamily="18" charset="0"/>
+                                  </a:rPr>
+                                  <m:t>𝑦</m:t>
+                                </m:r>
+                                <m:r>
+                                  <a:rPr lang="it-IT" b="0" i="1" smtClean="0">
+                                    <a:latin typeface="Cambria Math" panose="02040503050406030204" pitchFamily="18" charset="0"/>
+                                  </a:rPr>
+                                  <m:t>−3</m:t>
+                                </m:r>
+                                <m:r>
+                                  <a:rPr lang="it-IT" b="0" i="1" smtClean="0">
+                                    <a:latin typeface="Cambria Math" panose="02040503050406030204" pitchFamily="18" charset="0"/>
+                                  </a:rPr>
+                                  <m:t>𝑧</m:t>
+                                </m:r>
+                                <m:r>
+                                  <a:rPr lang="it-IT" b="0" i="1" smtClean="0">
+                                    <a:latin typeface="Cambria Math" panose="02040503050406030204" pitchFamily="18" charset="0"/>
+                                  </a:rPr>
+                                  <m:t>=−5</m:t>
+                                </m:r>
+                              </m:e>
+                            </m:mr>
+                          </m:m>
+                        </m:e>
+                      </m:d>
+                    </m:oMath>
+                  </m:oMathPara>
+                </a14:m>
+                <a:endParaRPr lang="it-IT" dirty="0"/>
+              </a:p>
+            </p:txBody>
+          </p:sp>
+        </mc:Choice>
+        <mc:Fallback>
+          <p:sp>
+            <p:nvSpPr>
+              <p:cNvPr id="14" name="CasellaDiTesto 13">
+                <a:extLst>
+                  <a:ext uri="{FF2B5EF4-FFF2-40B4-BE49-F238E27FC236}">
+                    <a16:creationId xmlns:a16="http://schemas.microsoft.com/office/drawing/2014/main" id="{CA5A7C94-49AA-4482-80DF-31971186D645}"/>
+                  </a:ext>
+                </a:extLst>
+              </p:cNvPr>
+              <p:cNvSpPr txBox="1">
+                <a:spLocks noRot="1" noChangeAspect="1" noMove="1" noResize="1" noEditPoints="1" noAdjustHandles="1" noChangeArrowheads="1" noChangeShapeType="1" noTextEdit="1"/>
+              </p:cNvSpPr>
+              <p:nvPr/>
+            </p:nvSpPr>
+            <p:spPr>
+              <a:xfrm>
+                <a:off x="1138816" y="4423888"/>
+                <a:ext cx="1981247" cy="884281"/>
+              </a:xfrm>
+              <a:prstGeom prst="rect">
+                <a:avLst/>
+              </a:prstGeom>
+              <a:blipFill>
+                <a:blip r:embed="rId4"/>
+                <a:stretch>
+                  <a:fillRect/>
+                </a:stretch>
+              </a:blipFill>
+            </p:spPr>
+            <p:txBody>
+              <a:bodyPr/>
+              <a:lstStyle/>
+              <a:p>
+                <a:r>
+                  <a:rPr lang="it-IT">
+                    <a:noFill/>
+                  </a:rPr>
+                  <a:t> </a:t>
+                </a:r>
+              </a:p>
+            </p:txBody>
+          </p:sp>
+        </mc:Fallback>
+      </mc:AlternateContent>
+      <p:cxnSp>
+        <p:nvCxnSpPr>
+          <p:cNvPr id="18" name="Connettore 2 17">
             <a:extLst>
               <a:ext uri="{FF2B5EF4-FFF2-40B4-BE49-F238E27FC236}">
-                <a16:creationId xmlns:a16="http://schemas.microsoft.com/office/drawing/2014/main" id="{317251CE-6BF7-42E9-B37B-86179E7C6251}"/>
+                <a16:creationId xmlns:a16="http://schemas.microsoft.com/office/drawing/2014/main" id="{82851849-F56B-4B98-8777-293AA5306717}"/>
               </a:ext>
             </a:extLst>
           </p:cNvPr>
-          <p:cNvSpPr txBox="1"/>
+          <p:cNvCxnSpPr>
+            <a:cxnSpLocks/>
+          </p:cNvCxnSpPr>
           <p:nvPr/>
-        </p:nvSpPr>
+        </p:nvCxnSpPr>
         <p:spPr>
           <a:xfrm>
-            <a:off x="2159253" y="4282374"/>
-            <a:ext cx="1591337" cy="369332"/>
+            <a:off x="3411152" y="4866028"/>
+            <a:ext cx="1012013" cy="0"/>
           </a:xfrm>
-          <a:prstGeom prst="rect">
+          <a:prstGeom prst="straightConnector1">
             <a:avLst/>
           </a:prstGeom>
-          <a:noFill/>
+          <a:ln>
+            <a:tailEnd type="triangle"/>
+          </a:ln>
         </p:spPr>
-        <p:txBody>
-          <a:bodyPr wrap="square" rtlCol="0">
-            <a:spAutoFit/>
-          </a:bodyPr>
-          <a:lstStyle/>
-          <a:p>
-            <a:r>
-              <a:rPr lang="it-IT" i="1" dirty="0"/>
-              <a:t>Matrice 3 x 3</a:t>
-            </a:r>
-          </a:p>
-        </p:txBody>
-      </p:sp>
-      <p:sp>
-        <p:nvSpPr>
-          <p:cNvPr id="17" name="CasellaDiTesto 16">
+        <p:style>
+          <a:lnRef idx="1">
+            <a:schemeClr val="accent1"/>
+          </a:lnRef>
+          <a:fillRef idx="0">
+            <a:schemeClr val="accent1"/>
+          </a:fillRef>
+          <a:effectRef idx="0">
+            <a:schemeClr val="accent1"/>
+          </a:effectRef>
+          <a:fontRef idx="minor">
+            <a:schemeClr val="tx1"/>
+          </a:fontRef>
+        </p:style>
+      </p:cxnSp>
+      <p:cxnSp>
+        <p:nvCxnSpPr>
+          <p:cNvPr id="19" name="Connettore 2 18">
             <a:extLst>
               <a:ext uri="{FF2B5EF4-FFF2-40B4-BE49-F238E27FC236}">
-                <a16:creationId xmlns:a16="http://schemas.microsoft.com/office/drawing/2014/main" id="{D6933B05-071A-4900-9116-6FC344E92A00}"/>
+                <a16:creationId xmlns:a16="http://schemas.microsoft.com/office/drawing/2014/main" id="{36349375-29BC-4FE0-B9F8-BAB8A9C01422}"/>
               </a:ext>
             </a:extLst>
           </p:cNvPr>
-          <p:cNvSpPr txBox="1"/>
+          <p:cNvCxnSpPr>
+            <a:cxnSpLocks/>
+          </p:cNvCxnSpPr>
           <p:nvPr/>
-        </p:nvSpPr>
+        </p:nvCxnSpPr>
         <p:spPr>
           <a:xfrm>
-            <a:off x="8441412" y="4282374"/>
-            <a:ext cx="1591337" cy="369332"/>
+            <a:off x="6852030" y="4866028"/>
+            <a:ext cx="1012013" cy="0"/>
           </a:xfrm>
-          <a:prstGeom prst="rect">
+          <a:prstGeom prst="straightConnector1">
             <a:avLst/>
           </a:prstGeom>
-          <a:noFill/>
+          <a:ln>
+            <a:tailEnd type="triangle"/>
+          </a:ln>
         </p:spPr>
-        <p:txBody>
-          <a:bodyPr wrap="square" rtlCol="0">
-            <a:spAutoFit/>
-          </a:bodyPr>
-          <a:lstStyle/>
-          <a:p>
-            <a:r>
-              <a:rPr lang="it-IT" i="1" dirty="0"/>
-              <a:t>Matrice 3 x 4</a:t>
-            </a:r>
-          </a:p>
-        </p:txBody>
-      </p:sp>
+        <p:style>
+          <a:lnRef idx="1">
+            <a:schemeClr val="accent1"/>
+          </a:lnRef>
+          <a:fillRef idx="0">
+            <a:schemeClr val="accent1"/>
+          </a:fillRef>
+          <a:effectRef idx="0">
+            <a:schemeClr val="accent1"/>
+          </a:effectRef>
+          <a:fontRef idx="minor">
+            <a:schemeClr val="tx1"/>
+          </a:fontRef>
+        </p:style>
+      </p:cxnSp>
     </p:spTree>
     <p:extLst>
       <p:ext uri="{BB962C8B-B14F-4D97-AF65-F5344CB8AC3E}">
@@ -6168,7 +6673,7 @@
 </p:sld>
 </file>
 
-<file path=ppt/slides/slide12.xml><?xml version="1.0" encoding="utf-8"?>
+<file path=ppt/slides/slide13.xml><?xml version="1.0" encoding="utf-8"?>
 <p:sld xmlns:a="http://schemas.openxmlformats.org/drawingml/2006/main" xmlns:r="http://schemas.openxmlformats.org/officeDocument/2006/relationships" xmlns:p="http://schemas.openxmlformats.org/presentationml/2006/main">
   <p:cSld>
     <p:spTree>
@@ -6291,7 +6796,7 @@
 </p:sld>
 </file>
 
-<file path=ppt/slides/slide13.xml><?xml version="1.0" encoding="utf-8"?>
+<file path=ppt/slides/slide14.xml><?xml version="1.0" encoding="utf-8"?>
 <p:sld xmlns:a="http://schemas.openxmlformats.org/drawingml/2006/main" xmlns:r="http://schemas.openxmlformats.org/officeDocument/2006/relationships" xmlns:p="http://schemas.openxmlformats.org/presentationml/2006/main">
   <p:cSld>
     <p:spTree>
@@ -8181,8 +8686,8 @@
           </a:p>
         </p:txBody>
       </p:sp>
-      <mc:AlternateContent xmlns:mc="http://schemas.openxmlformats.org/markup-compatibility/2006">
-        <mc:Choice xmlns:a14="http://schemas.microsoft.com/office/drawing/2010/main" Requires="a14">
+      <mc:AlternateContent xmlns:mc="http://schemas.openxmlformats.org/markup-compatibility/2006" xmlns:a14="http://schemas.microsoft.com/office/drawing/2010/main">
+        <mc:Choice Requires="a14">
           <p:sp>
             <p:nvSpPr>
               <p:cNvPr id="11" name="CasellaDiTesto 10">
@@ -8536,7 +9041,7 @@
             </p:txBody>
           </p:sp>
         </mc:Choice>
-        <mc:Fallback>
+        <mc:Fallback xmlns="">
           <p:sp>
             <p:nvSpPr>
               <p:cNvPr id="11" name="CasellaDiTesto 10">
@@ -9010,8 +9515,8 @@
         </p:nvSpPr>
         <p:spPr>
           <a:xfrm>
-            <a:off x="681925" y="1690688"/>
-            <a:ext cx="9593451" cy="1477328"/>
+            <a:off x="697423" y="1287433"/>
+            <a:ext cx="10848814" cy="2215991"/>
           </a:xfrm>
           <a:prstGeom prst="rect">
             <a:avLst/>
@@ -9043,6 +9548,38 @@
             <a:r>
               <a:rPr lang="it-IT" sz="2400" dirty="0"/>
               <a:t>i cui elementi sono i coefficienti e i termini noti del sistema.</a:t>
+            </a:r>
+          </a:p>
+          <a:p>
+            <a:r>
+              <a:rPr lang="it-IT" sz="2400" dirty="0"/>
+              <a:t>Questa è detta </a:t>
+            </a:r>
+            <a:r>
+              <a:rPr lang="it-IT" sz="2400" b="1" dirty="0">
+                <a:solidFill>
+                  <a:srgbClr val="FF0000"/>
+                </a:solidFill>
+              </a:rPr>
+              <a:t>MATRICE COMPLETA</a:t>
+            </a:r>
+            <a:r>
+              <a:rPr lang="it-IT" sz="2400" dirty="0"/>
+              <a:t>. </a:t>
+            </a:r>
+          </a:p>
+          <a:p>
+            <a:r>
+              <a:rPr lang="it-IT" sz="2400" dirty="0"/>
+              <a:t>I </a:t>
+            </a:r>
+            <a:r>
+              <a:rPr lang="it-IT" sz="2400" b="1" u="sng" dirty="0"/>
+              <a:t>coefficienti devono essere ordinati</a:t>
+            </a:r>
+            <a:r>
+              <a:rPr lang="it-IT" sz="2400" dirty="0"/>
+              <a:t>. Guarda i colori per comprendere il posizionamento dei numeri. </a:t>
             </a:r>
           </a:p>
           <a:p>
@@ -9064,7 +9601,7 @@
         </p:nvGrpSpPr>
         <p:grpSpPr>
           <a:xfrm>
-            <a:off x="2157840" y="3227051"/>
+            <a:off x="2141925" y="3316544"/>
             <a:ext cx="7334117" cy="925867"/>
             <a:chOff x="1828608" y="2614018"/>
             <a:chExt cx="7334117" cy="925867"/>
@@ -10062,8 +10599,8 @@
         </p:nvSpPr>
         <p:spPr>
           <a:xfrm>
-            <a:off x="9581240" y="194443"/>
-            <a:ext cx="2367953" cy="1563713"/>
+            <a:off x="9722485" y="0"/>
+            <a:ext cx="2367953" cy="1325563"/>
           </a:xfrm>
           <a:prstGeom prst="foldedCorner">
             <a:avLst/>
@@ -11090,8 +11627,8 @@
         </p:nvSpPr>
         <p:spPr>
           <a:xfrm>
-            <a:off x="9177107" y="4326644"/>
-            <a:ext cx="2688984" cy="2384796"/>
+            <a:off x="9428535" y="4141336"/>
+            <a:ext cx="2688984" cy="1965727"/>
           </a:xfrm>
           <a:prstGeom prst="foldedCorner">
             <a:avLst/>
@@ -11125,7 +11662,7 @@
           <a:p>
             <a:r>
               <a:rPr lang="it-IT" dirty="0"/>
-              <a:t>I coefficienti devono essere ordinati. Se nel sistema non compare un’incognita, nella matrice al posto corrispondente bisogna inserire uno 0</a:t>
+              <a:t>Se nel sistema non compare un’incognita, nella matrice al posto corrispondente bisogna inserire uno 0.</a:t>
             </a:r>
           </a:p>
         </p:txBody>
@@ -11297,7 +11834,7 @@
             </a:pPr>
             <a:r>
               <a:rPr lang="it-IT" dirty="0"/>
-              <a:t>Una matrice è una tabella ordinata di elementi disposti su n righe e m colonne.</a:t>
+              <a:t>Una matrice è una tabella ordinata di elementi disposti su n righe e m colonne. </a:t>
             </a:r>
           </a:p>
         </p:txBody>
@@ -11396,6 +11933,40 @@
           </a:prstGeom>
         </p:spPr>
       </p:pic>
+      <p:sp>
+        <p:nvSpPr>
+          <p:cNvPr id="2" name="Rettangolo 1">
+            <a:extLst>
+              <a:ext uri="{FF2B5EF4-FFF2-40B4-BE49-F238E27FC236}">
+                <a16:creationId xmlns:a16="http://schemas.microsoft.com/office/drawing/2014/main" id="{BC664FA9-B8CE-4002-BF6B-F3B113C0A972}"/>
+              </a:ext>
+            </a:extLst>
+          </p:cNvPr>
+          <p:cNvSpPr/>
+          <p:nvPr/>
+        </p:nvSpPr>
+        <p:spPr>
+          <a:xfrm>
+            <a:off x="1150114" y="5615575"/>
+            <a:ext cx="7947391" cy="369332"/>
+          </a:xfrm>
+          <a:prstGeom prst="rect">
+            <a:avLst/>
+          </a:prstGeom>
+        </p:spPr>
+        <p:txBody>
+          <a:bodyPr wrap="square">
+            <a:spAutoFit/>
+          </a:bodyPr>
+          <a:lstStyle/>
+          <a:p>
+            <a:r>
+              <a:rPr lang="it-IT" dirty="0"/>
+              <a:t>Al suo interno possono comparire numeri positivi, negativi o anche zeri. </a:t>
+            </a:r>
+          </a:p>
+        </p:txBody>
+      </p:sp>
     </p:spTree>
     <p:extLst>
       <p:ext uri="{BB962C8B-B14F-4D97-AF65-F5344CB8AC3E}">

--- a/Presentazione.pptx
+++ b/Presentazione.pptx
@@ -5,7 +5,7 @@
     <p:sldMasterId id="2147483648" r:id="rId1"/>
   </p:sldMasterIdLst>
   <p:notesMasterIdLst>
-    <p:notesMasterId r:id="rId41"/>
+    <p:notesMasterId r:id="rId46"/>
   </p:notesMasterIdLst>
   <p:sldIdLst>
     <p:sldId id="256" r:id="rId2"/>
@@ -45,8 +45,13 @@
     <p:sldId id="300" r:id="rId36"/>
     <p:sldId id="301" r:id="rId37"/>
     <p:sldId id="302" r:id="rId38"/>
-    <p:sldId id="263" r:id="rId39"/>
-    <p:sldId id="262" r:id="rId40"/>
+    <p:sldId id="303" r:id="rId39"/>
+    <p:sldId id="304" r:id="rId40"/>
+    <p:sldId id="305" r:id="rId41"/>
+    <p:sldId id="306" r:id="rId42"/>
+    <p:sldId id="307" r:id="rId43"/>
+    <p:sldId id="263" r:id="rId44"/>
+    <p:sldId id="262" r:id="rId45"/>
   </p:sldIdLst>
   <p:sldSz cx="12192000" cy="6858000"/>
   <p:notesSz cx="6858000" cy="9144000"/>
@@ -651,7 +656,7 @@
           <a:p>
             <a:fld id="{F0BCF025-A966-45CF-903B-391187988970}" type="slidenum">
               <a:rPr lang="it-IT" smtClean="0"/>
-              <a:t>21</a:t>
+              <a:t>8</a:t>
             </a:fld>
             <a:endParaRPr lang="it-IT"/>
           </a:p>
@@ -660,7 +665,7 @@
     </p:spTree>
     <p:extLst>
       <p:ext uri="{BB962C8B-B14F-4D97-AF65-F5344CB8AC3E}">
-        <p14:creationId xmlns:p14="http://schemas.microsoft.com/office/powerpoint/2010/main" val="3863964076"/>
+        <p14:creationId xmlns:p14="http://schemas.microsoft.com/office/powerpoint/2010/main" val="2252390842"/>
       </p:ext>
     </p:extLst>
   </p:cSld>
@@ -714,34 +719,6 @@
           <a:bodyPr/>
           <a:lstStyle/>
           <a:p>
-            <a:r>
-              <a:rPr lang="it-IT" dirty="0"/>
-              <a:t>Da esempio a generalizzazione</a:t>
-            </a:r>
-          </a:p>
-          <a:p>
-            <a:r>
-              <a:rPr lang="it-IT" dirty="0"/>
-              <a:t>Slide con i casi in cui non funziona il metodo di Gauss</a:t>
-            </a:r>
-          </a:p>
-          <a:p>
-            <a:r>
-              <a:rPr lang="it-IT" dirty="0"/>
-              <a:t>Sistemare la slide con l’ordine delle variabili</a:t>
-            </a:r>
-          </a:p>
-          <a:p>
-            <a:r>
-              <a:rPr lang="it-IT" dirty="0"/>
-              <a:t>Operazioni matrici</a:t>
-            </a:r>
-          </a:p>
-          <a:p>
-            <a:r>
-              <a:rPr lang="it-IT"/>
-              <a:t>Esercizi</a:t>
-            </a:r>
             <a:endParaRPr lang="it-IT" dirty="0"/>
           </a:p>
         </p:txBody>
@@ -763,7 +740,7 @@
           <a:p>
             <a:fld id="{F0BCF025-A966-45CF-903B-391187988970}" type="slidenum">
               <a:rPr lang="it-IT" smtClean="0"/>
-              <a:t>38</a:t>
+              <a:t>21</a:t>
             </a:fld>
             <a:endParaRPr lang="it-IT"/>
           </a:p>
@@ -772,7 +749,7 @@
     </p:spTree>
     <p:extLst>
       <p:ext uri="{BB962C8B-B14F-4D97-AF65-F5344CB8AC3E}">
-        <p14:creationId xmlns:p14="http://schemas.microsoft.com/office/powerpoint/2010/main" val="3841129319"/>
+        <p14:creationId xmlns:p14="http://schemas.microsoft.com/office/powerpoint/2010/main" val="3863964076"/>
       </p:ext>
     </p:extLst>
   </p:cSld>
@@ -826,7 +803,16 @@
           <a:bodyPr/>
           <a:lstStyle/>
           <a:p>
-            <a:endParaRPr lang="it-IT" dirty="0"/>
+            <a:r>
+              <a:rPr lang="it-IT" dirty="0"/>
+              <a:t>Operazioni matrici</a:t>
+            </a:r>
+          </a:p>
+          <a:p>
+            <a:r>
+              <a:rPr lang="it-IT" dirty="0"/>
+              <a:t>Esercizi</a:t>
+            </a:r>
           </a:p>
         </p:txBody>
       </p:sp>
@@ -847,7 +833,91 @@
           <a:p>
             <a:fld id="{F0BCF025-A966-45CF-903B-391187988970}" type="slidenum">
               <a:rPr lang="it-IT" smtClean="0"/>
-              <a:t>39</a:t>
+              <a:t>43</a:t>
+            </a:fld>
+            <a:endParaRPr lang="it-IT"/>
+          </a:p>
+        </p:txBody>
+      </p:sp>
+    </p:spTree>
+    <p:extLst>
+      <p:ext uri="{BB962C8B-B14F-4D97-AF65-F5344CB8AC3E}">
+        <p14:creationId xmlns:p14="http://schemas.microsoft.com/office/powerpoint/2010/main" val="3841129319"/>
+      </p:ext>
+    </p:extLst>
+  </p:cSld>
+  <p:clrMapOvr>
+    <a:masterClrMapping/>
+  </p:clrMapOvr>
+</p:notes>
+</file>
+
+<file path=ppt/notesSlides/notesSlide5.xml><?xml version="1.0" encoding="utf-8"?>
+<p:notes xmlns:a="http://schemas.openxmlformats.org/drawingml/2006/main" xmlns:r="http://schemas.openxmlformats.org/officeDocument/2006/relationships" xmlns:p="http://schemas.openxmlformats.org/presentationml/2006/main">
+  <p:cSld>
+    <p:spTree>
+      <p:nvGrpSpPr>
+        <p:cNvPr id="1" name=""/>
+        <p:cNvGrpSpPr/>
+        <p:nvPr/>
+      </p:nvGrpSpPr>
+      <p:grpSpPr>
+        <a:xfrm>
+          <a:off x="0" y="0"/>
+          <a:ext cx="0" cy="0"/>
+          <a:chOff x="0" y="0"/>
+          <a:chExt cx="0" cy="0"/>
+        </a:xfrm>
+      </p:grpSpPr>
+      <p:sp>
+        <p:nvSpPr>
+          <p:cNvPr id="2" name="Segnaposto immagine diapositiva 1"/>
+          <p:cNvSpPr>
+            <a:spLocks noGrp="1" noRot="1" noChangeAspect="1"/>
+          </p:cNvSpPr>
+          <p:nvPr>
+            <p:ph type="sldImg"/>
+          </p:nvPr>
+        </p:nvSpPr>
+        <p:spPr/>
+      </p:sp>
+      <p:sp>
+        <p:nvSpPr>
+          <p:cNvPr id="3" name="Segnaposto note 2"/>
+          <p:cNvSpPr>
+            <a:spLocks noGrp="1"/>
+          </p:cNvSpPr>
+          <p:nvPr>
+            <p:ph type="body" idx="1"/>
+          </p:nvPr>
+        </p:nvSpPr>
+        <p:spPr/>
+        <p:txBody>
+          <a:bodyPr/>
+          <a:lstStyle/>
+          <a:p>
+            <a:endParaRPr lang="it-IT" dirty="0"/>
+          </a:p>
+        </p:txBody>
+      </p:sp>
+      <p:sp>
+        <p:nvSpPr>
+          <p:cNvPr id="4" name="Segnaposto numero diapositiva 3"/>
+          <p:cNvSpPr>
+            <a:spLocks noGrp="1"/>
+          </p:cNvSpPr>
+          <p:nvPr>
+            <p:ph type="sldNum" sz="quarter" idx="10"/>
+          </p:nvPr>
+        </p:nvSpPr>
+        <p:spPr/>
+        <p:txBody>
+          <a:bodyPr/>
+          <a:lstStyle/>
+          <a:p>
+            <a:fld id="{F0BCF025-A966-45CF-903B-391187988970}" type="slidenum">
+              <a:rPr lang="it-IT" smtClean="0"/>
+              <a:t>44</a:t>
             </a:fld>
             <a:endParaRPr lang="it-IT"/>
           </a:p>
@@ -8340,8 +8410,8 @@
           </p:sp>
         </mc:Fallback>
       </mc:AlternateContent>
-      <mc:AlternateContent xmlns:mc="http://schemas.openxmlformats.org/markup-compatibility/2006">
-        <mc:Choice xmlns:a14="http://schemas.microsoft.com/office/drawing/2010/main" Requires="a14">
+      <mc:AlternateContent xmlns:mc="http://schemas.openxmlformats.org/markup-compatibility/2006" xmlns:a14="http://schemas.microsoft.com/office/drawing/2010/main">
+        <mc:Choice Requires="a14">
           <p:sp>
             <p:nvSpPr>
               <p:cNvPr id="14" name="CasellaDiTesto 13">
@@ -8544,7 +8614,7 @@
             </p:txBody>
           </p:sp>
         </mc:Choice>
-        <mc:Fallback>
+        <mc:Fallback xmlns="">
           <p:sp>
             <p:nvSpPr>
               <p:cNvPr id="14" name="CasellaDiTesto 13">
@@ -10356,8 +10426,8 @@
           </a:p>
         </p:txBody>
       </p:sp>
-      <mc:AlternateContent xmlns:mc="http://schemas.openxmlformats.org/markup-compatibility/2006">
-        <mc:Choice xmlns:a14="http://schemas.microsoft.com/office/drawing/2010/main" Requires="a14">
+      <mc:AlternateContent xmlns:mc="http://schemas.openxmlformats.org/markup-compatibility/2006" xmlns:a14="http://schemas.microsoft.com/office/drawing/2010/main">
+        <mc:Choice Requires="a14">
           <p:sp>
             <p:nvSpPr>
               <p:cNvPr id="14" name="CasellaDiTesto 13">
@@ -10569,7 +10639,7 @@
             </p:txBody>
           </p:sp>
         </mc:Choice>
-        <mc:Fallback>
+        <mc:Fallback xmlns="">
           <p:sp>
             <p:nvSpPr>
               <p:cNvPr id="14" name="CasellaDiTesto 13">
@@ -11014,8 +11084,8 @@
           </a:p>
         </p:txBody>
       </p:sp>
-      <mc:AlternateContent xmlns:mc="http://schemas.openxmlformats.org/markup-compatibility/2006">
-        <mc:Choice xmlns:a14="http://schemas.microsoft.com/office/drawing/2010/main" Requires="a14">
+      <mc:AlternateContent xmlns:mc="http://schemas.openxmlformats.org/markup-compatibility/2006" xmlns:a14="http://schemas.microsoft.com/office/drawing/2010/main">
+        <mc:Choice Requires="a14">
           <p:sp>
             <p:nvSpPr>
               <p:cNvPr id="10" name="CasellaDiTesto 9">
@@ -11230,7 +11300,7 @@
             </p:txBody>
           </p:sp>
         </mc:Choice>
-        <mc:Fallback>
+        <mc:Fallback xmlns="">
           <p:sp>
             <p:nvSpPr>
               <p:cNvPr id="10" name="CasellaDiTesto 9">
@@ -12559,8 +12629,8 @@
           </a:p>
         </p:txBody>
       </p:sp>
-      <mc:AlternateContent xmlns:mc="http://schemas.openxmlformats.org/markup-compatibility/2006">
-        <mc:Choice xmlns:a14="http://schemas.microsoft.com/office/drawing/2010/main" Requires="a14">
+      <mc:AlternateContent xmlns:mc="http://schemas.openxmlformats.org/markup-compatibility/2006" xmlns:a14="http://schemas.microsoft.com/office/drawing/2010/main">
+        <mc:Choice Requires="a14">
           <p:sp>
             <p:nvSpPr>
               <p:cNvPr id="12" name="CasellaDiTesto 11">
@@ -12708,16 +12778,7 @@
                                     </a:solidFill>
                                     <a:latin typeface="Cambria Math" panose="02040503050406030204" pitchFamily="18" charset="0"/>
                                   </a:rPr>
-                                  <m:t>−</m:t>
-                                </m:r>
-                                <m:r>
-                                  <a:rPr lang="it-IT" sz="2400" b="0" i="1" smtClean="0">
-                                    <a:solidFill>
-                                      <a:srgbClr val="0070C0"/>
-                                    </a:solidFill>
-                                    <a:latin typeface="Cambria Math" panose="02040503050406030204" pitchFamily="18" charset="0"/>
-                                  </a:rPr>
-                                  <m:t>3</m:t>
+                                  <m:t>−3</m:t>
                                 </m:r>
                               </m:e>
                               <m:e>
@@ -12789,7 +12850,7 @@
             </p:txBody>
           </p:sp>
         </mc:Choice>
-        <mc:Fallback>
+        <mc:Fallback xmlns="">
           <p:sp>
             <p:nvSpPr>
               <p:cNvPr id="12" name="CasellaDiTesto 11">
@@ -13460,8 +13521,8 @@
           </a:p>
         </p:txBody>
       </p:sp>
-      <mc:AlternateContent xmlns:mc="http://schemas.openxmlformats.org/markup-compatibility/2006">
-        <mc:Choice xmlns:a14="http://schemas.microsoft.com/office/drawing/2010/main" Requires="a14">
+      <mc:AlternateContent xmlns:mc="http://schemas.openxmlformats.org/markup-compatibility/2006" xmlns:a14="http://schemas.microsoft.com/office/drawing/2010/main">
+        <mc:Choice Requires="a14">
           <p:sp>
             <p:nvSpPr>
               <p:cNvPr id="11" name="CasellaDiTesto 10">
@@ -13586,13 +13647,7 @@
                                   <a:rPr lang="it-IT" sz="2400" b="0" i="1" smtClean="0">
                                     <a:latin typeface="Cambria Math" panose="02040503050406030204" pitchFamily="18" charset="0"/>
                                   </a:rPr>
-                                  <m:t>−</m:t>
-                                </m:r>
-                                <m:r>
-                                  <a:rPr lang="it-IT" sz="2400" b="0" i="1" smtClean="0">
-                                    <a:latin typeface="Cambria Math" panose="02040503050406030204" pitchFamily="18" charset="0"/>
-                                  </a:rPr>
-                                  <m:t>3</m:t>
+                                  <m:t>−3</m:t>
                                 </m:r>
                               </m:e>
                               <m:e>
@@ -13649,7 +13704,7 @@
             </p:txBody>
           </p:sp>
         </mc:Choice>
-        <mc:Fallback>
+        <mc:Fallback xmlns="">
           <p:sp>
             <p:nvSpPr>
               <p:cNvPr id="11" name="CasellaDiTesto 10">
@@ -13958,8 +14013,8 @@
           </a:p>
         </p:txBody>
       </p:sp>
-      <mc:AlternateContent xmlns:mc="http://schemas.openxmlformats.org/markup-compatibility/2006">
-        <mc:Choice xmlns:a14="http://schemas.microsoft.com/office/drawing/2010/main" Requires="a14">
+      <mc:AlternateContent xmlns:mc="http://schemas.openxmlformats.org/markup-compatibility/2006" xmlns:a14="http://schemas.microsoft.com/office/drawing/2010/main">
+        <mc:Choice Requires="a14">
           <p:sp>
             <p:nvSpPr>
               <p:cNvPr id="11" name="CasellaDiTesto 10">
@@ -14209,7 +14264,7 @@
             </p:txBody>
           </p:sp>
         </mc:Choice>
-        <mc:Fallback>
+        <mc:Fallback xmlns="">
           <p:sp>
             <p:nvSpPr>
               <p:cNvPr id="11" name="CasellaDiTesto 10">
@@ -14730,8 +14785,8 @@
           </a:p>
         </p:txBody>
       </p:sp>
-      <mc:AlternateContent xmlns:mc="http://schemas.openxmlformats.org/markup-compatibility/2006">
-        <mc:Choice xmlns:a14="http://schemas.microsoft.com/office/drawing/2010/main" Requires="a14">
+      <mc:AlternateContent xmlns:mc="http://schemas.openxmlformats.org/markup-compatibility/2006" xmlns:a14="http://schemas.microsoft.com/office/drawing/2010/main">
+        <mc:Choice Requires="a14">
           <p:sp>
             <p:nvSpPr>
               <p:cNvPr id="10" name="CasellaDiTesto 9">
@@ -14981,7 +15036,7 @@
             </p:txBody>
           </p:sp>
         </mc:Choice>
-        <mc:Fallback>
+        <mc:Fallback xmlns="">
           <p:sp>
             <p:nvSpPr>
               <p:cNvPr id="10" name="CasellaDiTesto 9">
@@ -15426,8 +15481,8 @@
           </a:p>
         </p:txBody>
       </p:sp>
-      <mc:AlternateContent xmlns:mc="http://schemas.openxmlformats.org/markup-compatibility/2006">
-        <mc:Choice xmlns:a14="http://schemas.microsoft.com/office/drawing/2010/main" Requires="a14">
+      <mc:AlternateContent xmlns:mc="http://schemas.openxmlformats.org/markup-compatibility/2006" xmlns:a14="http://schemas.microsoft.com/office/drawing/2010/main">
+        <mc:Choice Requires="a14">
           <p:sp>
             <p:nvSpPr>
               <p:cNvPr id="10" name="CasellaDiTesto 9">
@@ -15677,7 +15732,7 @@
             </p:txBody>
           </p:sp>
         </mc:Choice>
-        <mc:Fallback>
+        <mc:Fallback xmlns="">
           <p:sp>
             <p:nvSpPr>
               <p:cNvPr id="10" name="CasellaDiTesto 9">
@@ -15752,8 +15807,8 @@
           <a:chExt cx="0" cy="0"/>
         </a:xfrm>
       </p:grpSpPr>
-      <mc:AlternateContent xmlns:mc="http://schemas.openxmlformats.org/markup-compatibility/2006">
-        <mc:Choice xmlns:a14="http://schemas.microsoft.com/office/drawing/2010/main" Requires="a14">
+      <mc:AlternateContent xmlns:mc="http://schemas.openxmlformats.org/markup-compatibility/2006" xmlns:a14="http://schemas.microsoft.com/office/drawing/2010/main">
+        <mc:Choice Requires="a14">
           <p:sp>
             <p:nvSpPr>
               <p:cNvPr id="12" name="CasellaDiTesto 11">
@@ -15979,7 +16034,7 @@
             </p:txBody>
           </p:sp>
         </mc:Choice>
-        <mc:Fallback>
+        <mc:Fallback xmlns="">
           <p:sp>
             <p:nvSpPr>
               <p:cNvPr id="12" name="CasellaDiTesto 11">
@@ -16627,8 +16682,8 @@
           <a:chExt cx="0" cy="0"/>
         </a:xfrm>
       </p:grpSpPr>
-      <mc:AlternateContent xmlns:mc="http://schemas.openxmlformats.org/markup-compatibility/2006">
-        <mc:Choice xmlns:a14="http://schemas.microsoft.com/office/drawing/2010/main" Requires="a14">
+      <mc:AlternateContent xmlns:mc="http://schemas.openxmlformats.org/markup-compatibility/2006" xmlns:a14="http://schemas.microsoft.com/office/drawing/2010/main">
+        <mc:Choice Requires="a14">
           <p:sp>
             <p:nvSpPr>
               <p:cNvPr id="12" name="CasellaDiTesto 11">
@@ -16854,7 +16909,7 @@
             </p:txBody>
           </p:sp>
         </mc:Choice>
-        <mc:Fallback>
+        <mc:Fallback xmlns="">
           <p:sp>
             <p:nvSpPr>
               <p:cNvPr id="12" name="CasellaDiTesto 11">
@@ -17508,8 +17563,8 @@
           </a:p>
         </p:txBody>
       </p:sp>
-      <mc:AlternateContent xmlns:mc="http://schemas.openxmlformats.org/markup-compatibility/2006">
-        <mc:Choice xmlns:a14="http://schemas.microsoft.com/office/drawing/2010/main" Requires="a14">
+      <mc:AlternateContent xmlns:mc="http://schemas.openxmlformats.org/markup-compatibility/2006" xmlns:a14="http://schemas.microsoft.com/office/drawing/2010/main">
+        <mc:Choice Requires="a14">
           <p:sp>
             <p:nvSpPr>
               <p:cNvPr id="11" name="CasellaDiTesto 10">
@@ -17637,13 +17692,7 @@
                                   <a:rPr lang="it-IT" sz="2400" b="0" i="1" smtClean="0">
                                     <a:latin typeface="Cambria Math" panose="02040503050406030204" pitchFamily="18" charset="0"/>
                                   </a:rPr>
-                                  <m:t>−</m:t>
-                                </m:r>
-                                <m:r>
-                                  <a:rPr lang="it-IT" sz="2400" b="0" i="1" smtClean="0">
-                                    <a:latin typeface="Cambria Math" panose="02040503050406030204" pitchFamily="18" charset="0"/>
-                                  </a:rPr>
-                                  <m:t>3</m:t>
+                                  <m:t>−3</m:t>
                                 </m:r>
                               </m:e>
                               <m:e>
@@ -17669,13 +17718,15 @@
                                   <a:rPr lang="it-IT" sz="2400" b="0" i="1" smtClean="0">
                                     <a:latin typeface="Cambria Math" panose="02040503050406030204" pitchFamily="18" charset="0"/>
                                   </a:rPr>
-                                  <m:t>−</m:t>
-                                </m:r>
+                                  <m:t>−1</m:t>
+                                </m:r>
+                              </m:e>
+                              <m:e>
                                 <m:r>
                                   <a:rPr lang="it-IT" sz="2400" b="0" i="1" smtClean="0">
                                     <a:latin typeface="Cambria Math" panose="02040503050406030204" pitchFamily="18" charset="0"/>
                                   </a:rPr>
-                                  <m:t>1</m:t>
+                                  <m:t>−5</m:t>
                                 </m:r>
                               </m:e>
                               <m:e>
@@ -17683,27 +17734,7 @@
                                   <a:rPr lang="it-IT" sz="2400" b="0" i="1" smtClean="0">
                                     <a:latin typeface="Cambria Math" panose="02040503050406030204" pitchFamily="18" charset="0"/>
                                   </a:rPr>
-                                  <m:t>−</m:t>
-                                </m:r>
-                                <m:r>
-                                  <a:rPr lang="it-IT" sz="2400" b="0" i="1" smtClean="0">
-                                    <a:latin typeface="Cambria Math" panose="02040503050406030204" pitchFamily="18" charset="0"/>
-                                  </a:rPr>
-                                  <m:t>5</m:t>
-                                </m:r>
-                              </m:e>
-                              <m:e>
-                                <m:r>
-                                  <a:rPr lang="it-IT" sz="2400" b="0" i="1" smtClean="0">
-                                    <a:latin typeface="Cambria Math" panose="02040503050406030204" pitchFamily="18" charset="0"/>
-                                  </a:rPr>
-                                  <m:t>−</m:t>
-                                </m:r>
-                                <m:r>
-                                  <a:rPr lang="it-IT" sz="2400" b="0" i="1" smtClean="0">
-                                    <a:latin typeface="Cambria Math" panose="02040503050406030204" pitchFamily="18" charset="0"/>
-                                  </a:rPr>
-                                  <m:t>29</m:t>
+                                  <m:t>−29</m:t>
                                 </m:r>
                               </m:e>
                             </m:mr>
@@ -17718,7 +17749,7 @@
             </p:txBody>
           </p:sp>
         </mc:Choice>
-        <mc:Fallback>
+        <mc:Fallback xmlns="">
           <p:sp>
             <p:nvSpPr>
               <p:cNvPr id="11" name="CasellaDiTesto 10">
@@ -17923,8 +17954,8 @@
           <a:chExt cx="0" cy="0"/>
         </a:xfrm>
       </p:grpSpPr>
-      <mc:AlternateContent xmlns:mc="http://schemas.openxmlformats.org/markup-compatibility/2006">
-        <mc:Choice xmlns:a14="http://schemas.microsoft.com/office/drawing/2010/main" Requires="a14">
+      <mc:AlternateContent xmlns:mc="http://schemas.openxmlformats.org/markup-compatibility/2006" xmlns:a14="http://schemas.microsoft.com/office/drawing/2010/main">
+        <mc:Choice Requires="a14">
           <p:sp>
             <p:nvSpPr>
               <p:cNvPr id="8" name="CasellaDiTesto 7">
@@ -18084,8 +18115,10 @@
                                     </a:solidFill>
                                     <a:latin typeface="Cambria Math" panose="02040503050406030204" pitchFamily="18" charset="0"/>
                                   </a:rPr>
-                                  <m:t>−</m:t>
-                                </m:r>
+                                  <m:t>−3</m:t>
+                                </m:r>
+                              </m:e>
+                              <m:e>
                                 <m:r>
                                   <a:rPr lang="it-IT" sz="2400" b="0" i="1" smtClean="0">
                                     <a:solidFill>
@@ -18095,9 +18128,11 @@
                                     </a:solidFill>
                                     <a:latin typeface="Cambria Math" panose="02040503050406030204" pitchFamily="18" charset="0"/>
                                   </a:rPr>
-                                  <m:t>3</m:t>
-                                </m:r>
-                              </m:e>
+                                  <m:t>−11</m:t>
+                                </m:r>
+                              </m:e>
+                            </m:mr>
+                            <m:mr>
                               <m:e>
                                 <m:r>
                                   <a:rPr lang="it-IT" sz="2400" b="0" i="1" smtClean="0">
@@ -18108,11 +18143,20 @@
                                     </a:solidFill>
                                     <a:latin typeface="Cambria Math" panose="02040503050406030204" pitchFamily="18" charset="0"/>
                                   </a:rPr>
-                                  <m:t>−11</m:t>
-                                </m:r>
-                              </m:e>
-                            </m:mr>
-                            <m:mr>
+                                  <m:t>0</m:t>
+                                </m:r>
+                              </m:e>
+                              <m:e>
+                                <m:r>
+                                  <a:rPr lang="it-IT" sz="2400" b="0" i="1" smtClean="0">
+                                    <a:solidFill>
+                                      <a:schemeClr val="tx1"/>
+                                    </a:solidFill>
+                                    <a:latin typeface="Cambria Math" panose="02040503050406030204" pitchFamily="18" charset="0"/>
+                                  </a:rPr>
+                                  <m:t>−1</m:t>
+                                </m:r>
+                              </m:e>
                               <m:e>
                                 <m:r>
                                   <a:rPr lang="it-IT" sz="2400" b="0" i="1" smtClean="0">
@@ -18123,18 +18167,7 @@
                                     </a:solidFill>
                                     <a:latin typeface="Cambria Math" panose="02040503050406030204" pitchFamily="18" charset="0"/>
                                   </a:rPr>
-                                  <m:t>0</m:t>
-                                </m:r>
-                              </m:e>
-                              <m:e>
-                                <m:r>
-                                  <a:rPr lang="it-IT" sz="2400" b="0" i="1" smtClean="0">
-                                    <a:solidFill>
-                                      <a:schemeClr val="tx1"/>
-                                    </a:solidFill>
-                                    <a:latin typeface="Cambria Math" panose="02040503050406030204" pitchFamily="18" charset="0"/>
-                                  </a:rPr>
-                                  <m:t>−1</m:t>
+                                  <m:t>−5</m:t>
                                 </m:r>
                               </m:e>
                               <m:e>
@@ -18147,42 +18180,7 @@
                                     </a:solidFill>
                                     <a:latin typeface="Cambria Math" panose="02040503050406030204" pitchFamily="18" charset="0"/>
                                   </a:rPr>
-                                  <m:t>−</m:t>
-                                </m:r>
-                                <m:r>
-                                  <a:rPr lang="it-IT" sz="2400" b="0" i="1" smtClean="0">
-                                    <a:solidFill>
-                                      <a:schemeClr val="bg1">
-                                        <a:lumMod val="75000"/>
-                                      </a:schemeClr>
-                                    </a:solidFill>
-                                    <a:latin typeface="Cambria Math" panose="02040503050406030204" pitchFamily="18" charset="0"/>
-                                  </a:rPr>
-                                  <m:t>5</m:t>
-                                </m:r>
-                              </m:e>
-                              <m:e>
-                                <m:r>
-                                  <a:rPr lang="it-IT" sz="2400" b="0" i="1" smtClean="0">
-                                    <a:solidFill>
-                                      <a:schemeClr val="bg1">
-                                        <a:lumMod val="75000"/>
-                                      </a:schemeClr>
-                                    </a:solidFill>
-                                    <a:latin typeface="Cambria Math" panose="02040503050406030204" pitchFamily="18" charset="0"/>
-                                  </a:rPr>
-                                  <m:t>−</m:t>
-                                </m:r>
-                                <m:r>
-                                  <a:rPr lang="it-IT" sz="2400" b="0" i="1" smtClean="0">
-                                    <a:solidFill>
-                                      <a:schemeClr val="bg1">
-                                        <a:lumMod val="75000"/>
-                                      </a:schemeClr>
-                                    </a:solidFill>
-                                    <a:latin typeface="Cambria Math" panose="02040503050406030204" pitchFamily="18" charset="0"/>
-                                  </a:rPr>
-                                  <m:t>29</m:t>
+                                  <m:t>−29</m:t>
                                 </m:r>
                               </m:e>
                             </m:mr>
@@ -18197,7 +18195,7 @@
             </p:txBody>
           </p:sp>
         </mc:Choice>
-        <mc:Fallback>
+        <mc:Fallback xmlns="">
           <p:sp>
             <p:nvSpPr>
               <p:cNvPr id="8" name="CasellaDiTesto 7">
@@ -18923,8 +18921,8 @@
           </a:p>
         </p:txBody>
       </p:sp>
-      <mc:AlternateContent xmlns:mc="http://schemas.openxmlformats.org/markup-compatibility/2006">
-        <mc:Choice xmlns:a14="http://schemas.microsoft.com/office/drawing/2010/main" Requires="a14">
+      <mc:AlternateContent xmlns:mc="http://schemas.openxmlformats.org/markup-compatibility/2006" xmlns:a14="http://schemas.microsoft.com/office/drawing/2010/main">
+        <mc:Choice Requires="a14">
           <p:sp>
             <p:nvSpPr>
               <p:cNvPr id="14" name="CasellaDiTesto 13">
@@ -19084,8 +19082,10 @@
                                     </a:solidFill>
                                     <a:latin typeface="Cambria Math" panose="02040503050406030204" pitchFamily="18" charset="0"/>
                                   </a:rPr>
-                                  <m:t>−</m:t>
-                                </m:r>
+                                  <m:t>−3</m:t>
+                                </m:r>
+                              </m:e>
+                              <m:e>
                                 <m:r>
                                   <a:rPr lang="it-IT" sz="2400" b="0" i="1" smtClean="0">
                                     <a:solidFill>
@@ -19095,9 +19095,11 @@
                                     </a:solidFill>
                                     <a:latin typeface="Cambria Math" panose="02040503050406030204" pitchFamily="18" charset="0"/>
                                   </a:rPr>
-                                  <m:t>3</m:t>
-                                </m:r>
-                              </m:e>
+                                  <m:t>−11</m:t>
+                                </m:r>
+                              </m:e>
+                            </m:mr>
+                            <m:mr>
                               <m:e>
                                 <m:r>
                                   <a:rPr lang="it-IT" sz="2400" b="0" i="1" smtClean="0">
@@ -19108,11 +19110,20 @@
                                     </a:solidFill>
                                     <a:latin typeface="Cambria Math" panose="02040503050406030204" pitchFamily="18" charset="0"/>
                                   </a:rPr>
-                                  <m:t>−11</m:t>
-                                </m:r>
-                              </m:e>
-                            </m:mr>
-                            <m:mr>
+                                  <m:t>0</m:t>
+                                </m:r>
+                              </m:e>
+                              <m:e>
+                                <m:r>
+                                  <a:rPr lang="it-IT" sz="2400" b="0" i="1" smtClean="0">
+                                    <a:solidFill>
+                                      <a:schemeClr val="tx1"/>
+                                    </a:solidFill>
+                                    <a:latin typeface="Cambria Math" panose="02040503050406030204" pitchFamily="18" charset="0"/>
+                                  </a:rPr>
+                                  <m:t>−1</m:t>
+                                </m:r>
+                              </m:e>
                               <m:e>
                                 <m:r>
                                   <a:rPr lang="it-IT" sz="2400" b="0" i="1" smtClean="0">
@@ -19123,18 +19134,7 @@
                                     </a:solidFill>
                                     <a:latin typeface="Cambria Math" panose="02040503050406030204" pitchFamily="18" charset="0"/>
                                   </a:rPr>
-                                  <m:t>0</m:t>
-                                </m:r>
-                              </m:e>
-                              <m:e>
-                                <m:r>
-                                  <a:rPr lang="it-IT" sz="2400" b="0" i="1" smtClean="0">
-                                    <a:solidFill>
-                                      <a:schemeClr val="tx1"/>
-                                    </a:solidFill>
-                                    <a:latin typeface="Cambria Math" panose="02040503050406030204" pitchFamily="18" charset="0"/>
-                                  </a:rPr>
-                                  <m:t>−1</m:t>
+                                  <m:t>−5</m:t>
                                 </m:r>
                               </m:e>
                               <m:e>
@@ -19147,42 +19147,7 @@
                                     </a:solidFill>
                                     <a:latin typeface="Cambria Math" panose="02040503050406030204" pitchFamily="18" charset="0"/>
                                   </a:rPr>
-                                  <m:t>−</m:t>
-                                </m:r>
-                                <m:r>
-                                  <a:rPr lang="it-IT" sz="2400" b="0" i="1" smtClean="0">
-                                    <a:solidFill>
-                                      <a:schemeClr val="bg1">
-                                        <a:lumMod val="75000"/>
-                                      </a:schemeClr>
-                                    </a:solidFill>
-                                    <a:latin typeface="Cambria Math" panose="02040503050406030204" pitchFamily="18" charset="0"/>
-                                  </a:rPr>
-                                  <m:t>5</m:t>
-                                </m:r>
-                              </m:e>
-                              <m:e>
-                                <m:r>
-                                  <a:rPr lang="it-IT" sz="2400" b="0" i="1" smtClean="0">
-                                    <a:solidFill>
-                                      <a:schemeClr val="bg1">
-                                        <a:lumMod val="75000"/>
-                                      </a:schemeClr>
-                                    </a:solidFill>
-                                    <a:latin typeface="Cambria Math" panose="02040503050406030204" pitchFamily="18" charset="0"/>
-                                  </a:rPr>
-                                  <m:t>−</m:t>
-                                </m:r>
-                                <m:r>
-                                  <a:rPr lang="it-IT" sz="2400" b="0" i="1" smtClean="0">
-                                    <a:solidFill>
-                                      <a:schemeClr val="bg1">
-                                        <a:lumMod val="75000"/>
-                                      </a:schemeClr>
-                                    </a:solidFill>
-                                    <a:latin typeface="Cambria Math" panose="02040503050406030204" pitchFamily="18" charset="0"/>
-                                  </a:rPr>
-                                  <m:t>29</m:t>
+                                  <m:t>−29</m:t>
                                 </m:r>
                               </m:e>
                             </m:mr>
@@ -19197,7 +19162,7 @@
             </p:txBody>
           </p:sp>
         </mc:Choice>
-        <mc:Fallback>
+        <mc:Fallback xmlns="">
           <p:sp>
             <p:nvSpPr>
               <p:cNvPr id="14" name="CasellaDiTesto 13">
@@ -19642,8 +19607,8 @@
           </a:p>
         </p:txBody>
       </p:sp>
-      <mc:AlternateContent xmlns:mc="http://schemas.openxmlformats.org/markup-compatibility/2006">
-        <mc:Choice xmlns:a14="http://schemas.microsoft.com/office/drawing/2010/main" Requires="a14">
+      <mc:AlternateContent xmlns:mc="http://schemas.openxmlformats.org/markup-compatibility/2006" xmlns:a14="http://schemas.microsoft.com/office/drawing/2010/main">
+        <mc:Choice Requires="a14">
           <p:sp>
             <p:nvSpPr>
               <p:cNvPr id="14" name="CasellaDiTesto 13">
@@ -19803,8 +19768,10 @@
                                     </a:solidFill>
                                     <a:latin typeface="Cambria Math" panose="02040503050406030204" pitchFamily="18" charset="0"/>
                                   </a:rPr>
-                                  <m:t>−</m:t>
-                                </m:r>
+                                  <m:t>−3</m:t>
+                                </m:r>
+                              </m:e>
+                              <m:e>
                                 <m:r>
                                   <a:rPr lang="it-IT" sz="2400" b="0" i="1" smtClean="0">
                                     <a:solidFill>
@@ -19814,9 +19781,11 @@
                                     </a:solidFill>
                                     <a:latin typeface="Cambria Math" panose="02040503050406030204" pitchFamily="18" charset="0"/>
                                   </a:rPr>
-                                  <m:t>3</m:t>
-                                </m:r>
-                              </m:e>
+                                  <m:t>−11</m:t>
+                                </m:r>
+                              </m:e>
+                            </m:mr>
+                            <m:mr>
                               <m:e>
                                 <m:r>
                                   <a:rPr lang="it-IT" sz="2400" b="0" i="1" smtClean="0">
@@ -19827,11 +19796,20 @@
                                     </a:solidFill>
                                     <a:latin typeface="Cambria Math" panose="02040503050406030204" pitchFamily="18" charset="0"/>
                                   </a:rPr>
-                                  <m:t>−11</m:t>
-                                </m:r>
-                              </m:e>
-                            </m:mr>
-                            <m:mr>
+                                  <m:t>0</m:t>
+                                </m:r>
+                              </m:e>
+                              <m:e>
+                                <m:r>
+                                  <a:rPr lang="it-IT" sz="2400" b="0" i="1" smtClean="0">
+                                    <a:solidFill>
+                                      <a:schemeClr val="tx1"/>
+                                    </a:solidFill>
+                                    <a:latin typeface="Cambria Math" panose="02040503050406030204" pitchFamily="18" charset="0"/>
+                                  </a:rPr>
+                                  <m:t>0</m:t>
+                                </m:r>
+                              </m:e>
                               <m:e>
                                 <m:r>
                                   <a:rPr lang="it-IT" sz="2400" b="0" i="1" smtClean="0">
@@ -19842,18 +19820,7 @@
                                     </a:solidFill>
                                     <a:latin typeface="Cambria Math" panose="02040503050406030204" pitchFamily="18" charset="0"/>
                                   </a:rPr>
-                                  <m:t>0</m:t>
-                                </m:r>
-                              </m:e>
-                              <m:e>
-                                <m:r>
-                                  <a:rPr lang="it-IT" sz="2400" b="0" i="1" smtClean="0">
-                                    <a:solidFill>
-                                      <a:schemeClr val="tx1"/>
-                                    </a:solidFill>
-                                    <a:latin typeface="Cambria Math" panose="02040503050406030204" pitchFamily="18" charset="0"/>
-                                  </a:rPr>
-                                  <m:t>0</m:t>
+                                  <m:t>−5</m:t>
                                 </m:r>
                               </m:e>
                               <m:e>
@@ -19866,42 +19833,7 @@
                                     </a:solidFill>
                                     <a:latin typeface="Cambria Math" panose="02040503050406030204" pitchFamily="18" charset="0"/>
                                   </a:rPr>
-                                  <m:t>−</m:t>
-                                </m:r>
-                                <m:r>
-                                  <a:rPr lang="it-IT" sz="2400" b="0" i="1" smtClean="0">
-                                    <a:solidFill>
-                                      <a:schemeClr val="bg1">
-                                        <a:lumMod val="75000"/>
-                                      </a:schemeClr>
-                                    </a:solidFill>
-                                    <a:latin typeface="Cambria Math" panose="02040503050406030204" pitchFamily="18" charset="0"/>
-                                  </a:rPr>
-                                  <m:t>5</m:t>
-                                </m:r>
-                              </m:e>
-                              <m:e>
-                                <m:r>
-                                  <a:rPr lang="it-IT" sz="2400" b="0" i="1" smtClean="0">
-                                    <a:solidFill>
-                                      <a:schemeClr val="bg1">
-                                        <a:lumMod val="75000"/>
-                                      </a:schemeClr>
-                                    </a:solidFill>
-                                    <a:latin typeface="Cambria Math" panose="02040503050406030204" pitchFamily="18" charset="0"/>
-                                  </a:rPr>
-                                  <m:t>−</m:t>
-                                </m:r>
-                                <m:r>
-                                  <a:rPr lang="it-IT" sz="2400" b="0" i="1" smtClean="0">
-                                    <a:solidFill>
-                                      <a:schemeClr val="bg1">
-                                        <a:lumMod val="75000"/>
-                                      </a:schemeClr>
-                                    </a:solidFill>
-                                    <a:latin typeface="Cambria Math" panose="02040503050406030204" pitchFamily="18" charset="0"/>
-                                  </a:rPr>
-                                  <m:t>29</m:t>
+                                  <m:t>−29</m:t>
                                 </m:r>
                               </m:e>
                             </m:mr>
@@ -19916,7 +19848,7 @@
             </p:txBody>
           </p:sp>
         </mc:Choice>
-        <mc:Fallback>
+        <mc:Fallback xmlns="">
           <p:sp>
             <p:nvSpPr>
               <p:cNvPr id="14" name="CasellaDiTesto 13">
@@ -20045,8 +19977,8 @@
           <a:chExt cx="0" cy="0"/>
         </a:xfrm>
       </p:grpSpPr>
-      <mc:AlternateContent xmlns:mc="http://schemas.openxmlformats.org/markup-compatibility/2006">
-        <mc:Choice xmlns:a14="http://schemas.microsoft.com/office/drawing/2010/main" Requires="a14">
+      <mc:AlternateContent xmlns:mc="http://schemas.openxmlformats.org/markup-compatibility/2006" xmlns:a14="http://schemas.microsoft.com/office/drawing/2010/main">
+        <mc:Choice Requires="a14">
           <p:sp>
             <p:nvSpPr>
               <p:cNvPr id="20" name="CasellaDiTesto 19">
@@ -20282,7 +20214,7 @@
             </p:txBody>
           </p:sp>
         </mc:Choice>
-        <mc:Fallback>
+        <mc:Fallback xmlns="">
           <p:sp>
             <p:nvSpPr>
               <p:cNvPr id="20" name="CasellaDiTesto 19">
@@ -20851,8 +20783,8 @@
           <a:chExt cx="0" cy="0"/>
         </a:xfrm>
       </p:grpSpPr>
-      <mc:AlternateContent xmlns:mc="http://schemas.openxmlformats.org/markup-compatibility/2006">
-        <mc:Choice xmlns:a14="http://schemas.microsoft.com/office/drawing/2010/main" Requires="a14">
+      <mc:AlternateContent xmlns:mc="http://schemas.openxmlformats.org/markup-compatibility/2006" xmlns:a14="http://schemas.microsoft.com/office/drawing/2010/main">
+        <mc:Choice Requires="a14">
           <p:sp>
             <p:nvSpPr>
               <p:cNvPr id="20" name="CasellaDiTesto 19">
@@ -21088,7 +21020,7 @@
             </p:txBody>
           </p:sp>
         </mc:Choice>
-        <mc:Fallback>
+        <mc:Fallback xmlns="">
           <p:sp>
             <p:nvSpPr>
               <p:cNvPr id="20" name="CasellaDiTesto 19">
@@ -21751,8 +21683,8 @@
             </a:p>
           </p:txBody>
         </p:sp>
-        <mc:AlternateContent xmlns:mc="http://schemas.openxmlformats.org/markup-compatibility/2006">
-          <mc:Choice xmlns:a14="http://schemas.microsoft.com/office/drawing/2010/main" Requires="a14">
+        <mc:AlternateContent xmlns:mc="http://schemas.openxmlformats.org/markup-compatibility/2006" xmlns:a14="http://schemas.microsoft.com/office/drawing/2010/main">
+          <mc:Choice Requires="a14">
             <p:sp>
               <p:nvSpPr>
                 <p:cNvPr id="4" name="CasellaDiTesto 3">
@@ -21970,7 +21902,7 @@
               </p:txBody>
             </p:sp>
           </mc:Choice>
-          <mc:Fallback>
+          <mc:Fallback xmlns="">
             <p:sp>
               <p:nvSpPr>
                 <p:cNvPr id="4" name="CasellaDiTesto 3">
@@ -22056,8 +21988,8 @@
             </a:fontRef>
           </p:style>
         </p:cxnSp>
-        <mc:AlternateContent xmlns:mc="http://schemas.openxmlformats.org/markup-compatibility/2006">
-          <mc:Choice xmlns:a14="http://schemas.microsoft.com/office/drawing/2010/main" Requires="a14">
+        <mc:AlternateContent xmlns:mc="http://schemas.openxmlformats.org/markup-compatibility/2006" xmlns:a14="http://schemas.microsoft.com/office/drawing/2010/main">
+          <mc:Choice Requires="a14">
             <p:sp>
               <p:nvSpPr>
                 <p:cNvPr id="12" name="CasellaDiTesto 11">
@@ -22230,7 +22162,7 @@
               </p:txBody>
             </p:sp>
           </mc:Choice>
-          <mc:Fallback>
+          <mc:Fallback xmlns="">
             <p:sp>
               <p:nvSpPr>
                 <p:cNvPr id="12" name="CasellaDiTesto 11">
@@ -22387,8 +22319,8 @@
           </a:p>
         </p:txBody>
       </p:sp>
-      <mc:AlternateContent xmlns:mc="http://schemas.openxmlformats.org/markup-compatibility/2006">
-        <mc:Choice xmlns:a14="http://schemas.microsoft.com/office/drawing/2010/main" Requires="a14">
+      <mc:AlternateContent xmlns:mc="http://schemas.openxmlformats.org/markup-compatibility/2006" xmlns:a14="http://schemas.microsoft.com/office/drawing/2010/main">
+        <mc:Choice Requires="a14">
           <p:sp>
             <p:nvSpPr>
               <p:cNvPr id="12" name="CasellaDiTesto 11">
@@ -22561,7 +22493,7 @@
             </p:txBody>
           </p:sp>
         </mc:Choice>
-        <mc:Fallback>
+        <mc:Fallback xmlns="">
           <p:sp>
             <p:nvSpPr>
               <p:cNvPr id="12" name="CasellaDiTesto 11">
@@ -22647,8 +22579,8 @@
           </a:fontRef>
         </p:style>
       </p:cxnSp>
-      <mc:AlternateContent xmlns:mc="http://schemas.openxmlformats.org/markup-compatibility/2006">
-        <mc:Choice xmlns:a14="http://schemas.microsoft.com/office/drawing/2010/main" Requires="a14">
+      <mc:AlternateContent xmlns:mc="http://schemas.openxmlformats.org/markup-compatibility/2006" xmlns:a14="http://schemas.microsoft.com/office/drawing/2010/main">
+        <mc:Choice Requires="a14">
           <p:sp>
             <p:nvSpPr>
               <p:cNvPr id="11" name="CasellaDiTesto 10">
@@ -22840,7 +22772,7 @@
             </p:txBody>
           </p:sp>
         </mc:Choice>
-        <mc:Fallback>
+        <mc:Fallback xmlns="">
           <p:sp>
             <p:nvSpPr>
               <p:cNvPr id="11" name="CasellaDiTesto 10">
@@ -22926,8 +22858,8 @@
           </a:fontRef>
         </p:style>
       </p:cxnSp>
-      <mc:AlternateContent xmlns:mc="http://schemas.openxmlformats.org/markup-compatibility/2006">
-        <mc:Choice xmlns:a14="http://schemas.microsoft.com/office/drawing/2010/main" Requires="a14">
+      <mc:AlternateContent xmlns:mc="http://schemas.openxmlformats.org/markup-compatibility/2006" xmlns:a14="http://schemas.microsoft.com/office/drawing/2010/main">
+        <mc:Choice Requires="a14">
           <p:sp>
             <p:nvSpPr>
               <p:cNvPr id="14" name="CasellaDiTesto 13">
@@ -23100,7 +23032,7 @@
             </p:txBody>
           </p:sp>
         </mc:Choice>
-        <mc:Fallback>
+        <mc:Fallback xmlns="">
           <p:sp>
             <p:nvSpPr>
               <p:cNvPr id="14" name="CasellaDiTesto 13">
@@ -23145,8 +23077,8 @@
           </p:sp>
         </mc:Fallback>
       </mc:AlternateContent>
-      <mc:AlternateContent xmlns:mc="http://schemas.openxmlformats.org/markup-compatibility/2006">
-        <mc:Choice xmlns:a14="http://schemas.microsoft.com/office/drawing/2010/main" Requires="a14">
+      <mc:AlternateContent xmlns:mc="http://schemas.openxmlformats.org/markup-compatibility/2006" xmlns:a14="http://schemas.microsoft.com/office/drawing/2010/main">
+        <mc:Choice Requires="a14">
           <p:sp>
             <p:nvSpPr>
               <p:cNvPr id="16" name="CasellaDiTesto 15">
@@ -23270,19 +23202,7 @@
                                   <a:rPr lang="it-IT" sz="2000" b="0" i="1" smtClean="0">
                                     <a:latin typeface="Cambria Math" panose="02040503050406030204" pitchFamily="18" charset="0"/>
                                   </a:rPr>
-                                  <m:t>−3∗5=</m:t>
-                                </m:r>
-                                <m:r>
-                                  <a:rPr lang="it-IT" sz="2000" b="0" i="1" smtClean="0">
-                                    <a:latin typeface="Cambria Math" panose="02040503050406030204" pitchFamily="18" charset="0"/>
-                                  </a:rPr>
-                                  <m:t>−1</m:t>
-                                </m:r>
-                                <m:r>
-                                  <a:rPr lang="it-IT" sz="2000" b="0" i="1" smtClean="0">
-                                    <a:latin typeface="Cambria Math" panose="02040503050406030204" pitchFamily="18" charset="0"/>
-                                  </a:rPr>
-                                  <m:t>1</m:t>
+                                  <m:t>−3∗5=−11</m:t>
                                 </m:r>
                               </m:e>
                             </m:mr>
@@ -23319,7 +23239,7 @@
             </p:txBody>
           </p:sp>
         </mc:Choice>
-        <mc:Fallback>
+        <mc:Fallback xmlns="">
           <p:sp>
             <p:nvSpPr>
               <p:cNvPr id="16" name="CasellaDiTesto 15">
@@ -23557,8 +23477,8 @@
           </a:fontRef>
         </p:style>
       </p:cxnSp>
-      <mc:AlternateContent xmlns:mc="http://schemas.openxmlformats.org/markup-compatibility/2006">
-        <mc:Choice xmlns:a14="http://schemas.microsoft.com/office/drawing/2010/main" Requires="a14">
+      <mc:AlternateContent xmlns:mc="http://schemas.openxmlformats.org/markup-compatibility/2006" xmlns:a14="http://schemas.microsoft.com/office/drawing/2010/main">
+        <mc:Choice Requires="a14">
           <p:sp>
             <p:nvSpPr>
               <p:cNvPr id="11" name="CasellaDiTesto 10">
@@ -23682,13 +23602,7 @@
                                   <a:rPr lang="it-IT" sz="2000" b="0" i="1" smtClean="0">
                                     <a:latin typeface="Cambria Math" panose="02040503050406030204" pitchFamily="18" charset="0"/>
                                   </a:rPr>
-                                  <m:t>−15=−</m:t>
-                                </m:r>
-                                <m:r>
-                                  <a:rPr lang="it-IT" sz="2000" b="0" i="1" smtClean="0">
-                                    <a:latin typeface="Cambria Math" panose="02040503050406030204" pitchFamily="18" charset="0"/>
-                                  </a:rPr>
-                                  <m:t>11</m:t>
+                                  <m:t>−15=−11</m:t>
                                 </m:r>
                               </m:e>
                             </m:mr>
@@ -23719,7 +23633,7 @@
             </p:txBody>
           </p:sp>
         </mc:Choice>
-        <mc:Fallback>
+        <mc:Fallback xmlns="">
           <p:sp>
             <p:nvSpPr>
               <p:cNvPr id="11" name="CasellaDiTesto 10">
@@ -23805,8 +23719,8 @@
           </a:fontRef>
         </p:style>
       </p:cxnSp>
-      <mc:AlternateContent xmlns:mc="http://schemas.openxmlformats.org/markup-compatibility/2006">
-        <mc:Choice xmlns:a14="http://schemas.microsoft.com/office/drawing/2010/main" Requires="a14">
+      <mc:AlternateContent xmlns:mc="http://schemas.openxmlformats.org/markup-compatibility/2006" xmlns:a14="http://schemas.microsoft.com/office/drawing/2010/main">
+        <mc:Choice Requires="a14">
           <p:sp>
             <p:nvSpPr>
               <p:cNvPr id="14" name="CasellaDiTesto 13">
@@ -23930,19 +23844,7 @@
                                   <a:rPr lang="it-IT" sz="2000" b="0" i="1" smtClean="0">
                                     <a:latin typeface="Cambria Math" panose="02040503050406030204" pitchFamily="18" charset="0"/>
                                   </a:rPr>
-                                  <m:t>−3∗5=</m:t>
-                                </m:r>
-                                <m:r>
-                                  <a:rPr lang="it-IT" sz="2000" b="0" i="1" smtClean="0">
-                                    <a:latin typeface="Cambria Math" panose="02040503050406030204" pitchFamily="18" charset="0"/>
-                                  </a:rPr>
-                                  <m:t>−1</m:t>
-                                </m:r>
-                                <m:r>
-                                  <a:rPr lang="it-IT" sz="2000" b="0" i="1" smtClean="0">
-                                    <a:latin typeface="Cambria Math" panose="02040503050406030204" pitchFamily="18" charset="0"/>
-                                  </a:rPr>
-                                  <m:t>1</m:t>
+                                  <m:t>−3∗5=−11</m:t>
                                 </m:r>
                               </m:e>
                             </m:mr>
@@ -23979,7 +23881,7 @@
             </p:txBody>
           </p:sp>
         </mc:Choice>
-        <mc:Fallback>
+        <mc:Fallback xmlns="">
           <p:sp>
             <p:nvSpPr>
               <p:cNvPr id="14" name="CasellaDiTesto 13">
@@ -24024,8 +23926,8 @@
           </p:sp>
         </mc:Fallback>
       </mc:AlternateContent>
-      <mc:AlternateContent xmlns:mc="http://schemas.openxmlformats.org/markup-compatibility/2006">
-        <mc:Choice xmlns:a14="http://schemas.microsoft.com/office/drawing/2010/main" Requires="a14">
+      <mc:AlternateContent xmlns:mc="http://schemas.openxmlformats.org/markup-compatibility/2006" xmlns:a14="http://schemas.microsoft.com/office/drawing/2010/main">
+        <mc:Choice Requires="a14">
           <p:sp>
             <p:nvSpPr>
               <p:cNvPr id="9" name="CasellaDiTesto 8">
@@ -24149,13 +24051,7 @@
                                   <a:rPr lang="it-IT" sz="2000" b="0" i="1" smtClean="0">
                                     <a:latin typeface="Cambria Math" panose="02040503050406030204" pitchFamily="18" charset="0"/>
                                   </a:rPr>
-                                  <m:t>=−11+</m:t>
-                                </m:r>
-                                <m:r>
-                                  <a:rPr lang="it-IT" sz="2000" b="0" i="1" smtClean="0">
-                                    <a:latin typeface="Cambria Math" panose="02040503050406030204" pitchFamily="18" charset="0"/>
-                                  </a:rPr>
-                                  <m:t>15</m:t>
+                                  <m:t>=−11+15</m:t>
                                 </m:r>
                               </m:e>
                             </m:mr>
@@ -24186,7 +24082,7 @@
             </p:txBody>
           </p:sp>
         </mc:Choice>
-        <mc:Fallback>
+        <mc:Fallback xmlns="">
           <p:sp>
             <p:nvSpPr>
               <p:cNvPr id="9" name="CasellaDiTesto 8">
@@ -24272,8 +24168,8 @@
           </a:fontRef>
         </p:style>
       </p:cxnSp>
-      <mc:AlternateContent xmlns:mc="http://schemas.openxmlformats.org/markup-compatibility/2006">
-        <mc:Choice xmlns:a14="http://schemas.microsoft.com/office/drawing/2010/main" Requires="a14">
+      <mc:AlternateContent xmlns:mc="http://schemas.openxmlformats.org/markup-compatibility/2006" xmlns:a14="http://schemas.microsoft.com/office/drawing/2010/main">
+        <mc:Choice Requires="a14">
           <p:sp>
             <p:nvSpPr>
               <p:cNvPr id="16" name="CasellaDiTesto 15">
@@ -24440,7 +24336,7 @@
             </p:txBody>
           </p:sp>
         </mc:Choice>
-        <mc:Fallback>
+        <mc:Fallback xmlns="">
           <p:sp>
             <p:nvSpPr>
               <p:cNvPr id="16" name="CasellaDiTesto 15">
@@ -24638,8 +24534,8 @@
           </a:fontRef>
         </p:style>
       </p:cxnSp>
-      <mc:AlternateContent xmlns:mc="http://schemas.openxmlformats.org/markup-compatibility/2006">
-        <mc:Choice xmlns:a14="http://schemas.microsoft.com/office/drawing/2010/main" Requires="a14">
+      <mc:AlternateContent xmlns:mc="http://schemas.openxmlformats.org/markup-compatibility/2006" xmlns:a14="http://schemas.microsoft.com/office/drawing/2010/main">
+        <mc:Choice Requires="a14">
           <p:sp>
             <p:nvSpPr>
               <p:cNvPr id="16" name="CasellaDiTesto 15">
@@ -24812,7 +24708,7 @@
             </p:txBody>
           </p:sp>
         </mc:Choice>
-        <mc:Fallback>
+        <mc:Fallback xmlns="">
           <p:sp>
             <p:nvSpPr>
               <p:cNvPr id="16" name="CasellaDiTesto 15">
@@ -24857,8 +24753,8 @@
           </p:sp>
         </mc:Fallback>
       </mc:AlternateContent>
-      <mc:AlternateContent xmlns:mc="http://schemas.openxmlformats.org/markup-compatibility/2006">
-        <mc:Choice xmlns:a14="http://schemas.microsoft.com/office/drawing/2010/main" Requires="a14">
+      <mc:AlternateContent xmlns:mc="http://schemas.openxmlformats.org/markup-compatibility/2006" xmlns:a14="http://schemas.microsoft.com/office/drawing/2010/main">
+        <mc:Choice Requires="a14">
           <p:sp>
             <p:nvSpPr>
               <p:cNvPr id="12" name="CasellaDiTesto 11">
@@ -24936,13 +24832,7 @@
                                   <a:rPr lang="it-IT" sz="2000" b="0" i="1" smtClean="0">
                                     <a:latin typeface="Cambria Math" panose="02040503050406030204" pitchFamily="18" charset="0"/>
                                   </a:rPr>
-                                  <m:t>=12</m:t>
-                                </m:r>
-                                <m:r>
-                                  <a:rPr lang="it-IT" sz="2000" b="0" i="1" smtClean="0">
-                                    <a:latin typeface="Cambria Math" panose="02040503050406030204" pitchFamily="18" charset="0"/>
-                                  </a:rPr>
-                                  <m:t>−4−5</m:t>
+                                  <m:t>=12−4−5</m:t>
                                 </m:r>
                               </m:e>
                             </m:mr>
@@ -25007,7 +24897,7 @@
             </p:txBody>
           </p:sp>
         </mc:Choice>
-        <mc:Fallback>
+        <mc:Fallback xmlns="">
           <p:sp>
             <p:nvSpPr>
               <p:cNvPr id="12" name="CasellaDiTesto 11">
@@ -25052,8 +24942,8 @@
           </p:sp>
         </mc:Fallback>
       </mc:AlternateContent>
-      <mc:AlternateContent xmlns:mc="http://schemas.openxmlformats.org/markup-compatibility/2006">
-        <mc:Choice xmlns:a14="http://schemas.microsoft.com/office/drawing/2010/main" Requires="a14">
+      <mc:AlternateContent xmlns:mc="http://schemas.openxmlformats.org/markup-compatibility/2006" xmlns:a14="http://schemas.microsoft.com/office/drawing/2010/main">
+        <mc:Choice Requires="a14">
           <p:sp>
             <p:nvSpPr>
               <p:cNvPr id="17" name="CasellaDiTesto 16">
@@ -25131,13 +25021,7 @@
                                   <a:rPr lang="it-IT" sz="2000" b="0" i="1" smtClean="0">
                                     <a:latin typeface="Cambria Math" panose="02040503050406030204" pitchFamily="18" charset="0"/>
                                   </a:rPr>
-                                  <m:t>=</m:t>
-                                </m:r>
-                                <m:r>
-                                  <a:rPr lang="it-IT" sz="2000" b="0" i="1" smtClean="0">
-                                    <a:latin typeface="Cambria Math" panose="02040503050406030204" pitchFamily="18" charset="0"/>
-                                  </a:rPr>
-                                  <m:t>3</m:t>
+                                  <m:t>=3</m:t>
                                 </m:r>
                               </m:e>
                             </m:mr>
@@ -25202,7 +25086,7 @@
             </p:txBody>
           </p:sp>
         </mc:Choice>
-        <mc:Fallback>
+        <mc:Fallback xmlns="">
           <p:sp>
             <p:nvSpPr>
               <p:cNvPr id="17" name="CasellaDiTesto 16">
@@ -25247,8 +25131,8 @@
           </p:sp>
         </mc:Fallback>
       </mc:AlternateContent>
-      <mc:AlternateContent xmlns:mc="http://schemas.openxmlformats.org/markup-compatibility/2006">
-        <mc:Choice xmlns:a14="http://schemas.microsoft.com/office/drawing/2010/main" Requires="a14">
+      <mc:AlternateContent xmlns:mc="http://schemas.openxmlformats.org/markup-compatibility/2006" xmlns:a14="http://schemas.microsoft.com/office/drawing/2010/main">
+        <mc:Choice Requires="a14">
           <p:sp>
             <p:nvSpPr>
               <p:cNvPr id="18" name="CasellaDiTesto 17">
@@ -25415,7 +25299,7 @@
             </p:txBody>
           </p:sp>
         </mc:Choice>
-        <mc:Fallback>
+        <mc:Fallback xmlns="">
           <p:sp>
             <p:nvSpPr>
               <p:cNvPr id="18" name="CasellaDiTesto 17">
@@ -25576,6 +25460,5207 @@
           <p:cNvPr id="4" name="Titolo 1">
             <a:extLst>
               <a:ext uri="{FF2B5EF4-FFF2-40B4-BE49-F238E27FC236}">
+                <a16:creationId xmlns:a16="http://schemas.microsoft.com/office/drawing/2014/main" id="{DC43C243-EB51-401A-B9C2-5398A930926C}"/>
+              </a:ext>
+            </a:extLst>
+          </p:cNvPr>
+          <p:cNvSpPr>
+            <a:spLocks noGrp="1"/>
+          </p:cNvSpPr>
+          <p:nvPr>
+            <p:ph type="title"/>
+          </p:nvPr>
+        </p:nvSpPr>
+        <p:spPr>
+          <a:xfrm>
+            <a:off x="838200" y="365125"/>
+            <a:ext cx="10515600" cy="1325563"/>
+          </a:xfrm>
+        </p:spPr>
+        <p:txBody>
+          <a:bodyPr/>
+          <a:lstStyle/>
+          <a:p>
+            <a:r>
+              <a:rPr lang="it-IT" dirty="0"/>
+              <a:t>Metodo di Gauss</a:t>
+            </a:r>
+            <a:br>
+              <a:rPr lang="it-IT" dirty="0"/>
+            </a:br>
+            <a:r>
+              <a:rPr lang="it-IT" sz="2800" dirty="0"/>
+              <a:t>Sistemi impossibili</a:t>
+            </a:r>
+            <a:endParaRPr lang="it-IT" dirty="0"/>
+          </a:p>
+        </p:txBody>
+      </p:sp>
+      <p:grpSp>
+        <p:nvGrpSpPr>
+          <p:cNvPr id="19" name="Gruppo 18">
+            <a:extLst>
+              <a:ext uri="{FF2B5EF4-FFF2-40B4-BE49-F238E27FC236}">
+                <a16:creationId xmlns:a16="http://schemas.microsoft.com/office/drawing/2014/main" id="{F4211DE7-F4D7-4FA4-A93A-9D973DCD39E6}"/>
+              </a:ext>
+            </a:extLst>
+          </p:cNvPr>
+          <p:cNvGrpSpPr/>
+          <p:nvPr/>
+        </p:nvGrpSpPr>
+        <p:grpSpPr>
+          <a:xfrm>
+            <a:off x="3232510" y="1869002"/>
+            <a:ext cx="10680290" cy="4520634"/>
+            <a:chOff x="2510181" y="2111223"/>
+            <a:chExt cx="10680290" cy="4520634"/>
+          </a:xfrm>
+        </p:grpSpPr>
+        <p:sp>
+          <p:nvSpPr>
+            <p:cNvPr id="5" name="CasellaDiTesto 4">
+              <a:extLst>
+                <a:ext uri="{FF2B5EF4-FFF2-40B4-BE49-F238E27FC236}">
+                  <a16:creationId xmlns:a16="http://schemas.microsoft.com/office/drawing/2014/main" id="{8601B404-2933-404C-851F-461CAFA4166D}"/>
+                </a:ext>
+              </a:extLst>
+            </p:cNvPr>
+            <p:cNvSpPr txBox="1"/>
+            <p:nvPr/>
+          </p:nvSpPr>
+          <p:spPr>
+            <a:xfrm>
+              <a:off x="2510181" y="2111223"/>
+              <a:ext cx="10680290" cy="369332"/>
+            </a:xfrm>
+            <a:prstGeom prst="rect">
+              <a:avLst/>
+            </a:prstGeom>
+            <a:noFill/>
+          </p:spPr>
+          <p:txBody>
+            <a:bodyPr wrap="square" rtlCol="0">
+              <a:spAutoFit/>
+            </a:bodyPr>
+            <a:lstStyle/>
+            <a:p>
+              <a:r>
+                <a:rPr lang="it-IT" dirty="0"/>
+                <a:t>Non tutti i sistemi hanno soluzione. Vediamo un esempio in cui accade questa cosa.</a:t>
+              </a:r>
+            </a:p>
+          </p:txBody>
+        </p:sp>
+        <p:grpSp>
+          <p:nvGrpSpPr>
+            <p:cNvPr id="14" name="Gruppo 13">
+              <a:extLst>
+                <a:ext uri="{FF2B5EF4-FFF2-40B4-BE49-F238E27FC236}">
+                  <a16:creationId xmlns:a16="http://schemas.microsoft.com/office/drawing/2014/main" id="{E0F8B761-38F4-4B9B-8841-4B04AE0AAEB8}"/>
+                </a:ext>
+              </a:extLst>
+            </p:cNvPr>
+            <p:cNvGrpSpPr/>
+            <p:nvPr/>
+          </p:nvGrpSpPr>
+          <p:grpSpPr>
+            <a:xfrm>
+              <a:off x="2863378" y="2643549"/>
+              <a:ext cx="4986948" cy="982577"/>
+              <a:chOff x="1109052" y="2446423"/>
+              <a:chExt cx="4986948" cy="982577"/>
+            </a:xfrm>
+          </p:grpSpPr>
+          <mc:AlternateContent xmlns:mc="http://schemas.openxmlformats.org/markup-compatibility/2006">
+            <mc:Choice xmlns:a14="http://schemas.microsoft.com/office/drawing/2010/main" Requires="a14">
+              <p:sp>
+                <p:nvSpPr>
+                  <p:cNvPr id="6" name="CasellaDiTesto 5">
+                    <a:extLst>
+                      <a:ext uri="{FF2B5EF4-FFF2-40B4-BE49-F238E27FC236}">
+                        <a16:creationId xmlns:a16="http://schemas.microsoft.com/office/drawing/2014/main" id="{85714899-73C4-409C-AAEA-E9794A91992E}"/>
+                      </a:ext>
+                    </a:extLst>
+                  </p:cNvPr>
+                  <p:cNvSpPr txBox="1"/>
+                  <p:nvPr/>
+                </p:nvSpPr>
+                <p:spPr>
+                  <a:xfrm>
+                    <a:off x="1109052" y="2446423"/>
+                    <a:ext cx="1919693" cy="982577"/>
+                  </a:xfrm>
+                  <a:prstGeom prst="rect">
+                    <a:avLst/>
+                  </a:prstGeom>
+                  <a:noFill/>
+                </p:spPr>
+                <p:txBody>
+                  <a:bodyPr wrap="none" lIns="0" tIns="0" rIns="0" bIns="0" rtlCol="0">
+                    <a:spAutoFit/>
+                  </a:bodyPr>
+                  <a:lstStyle/>
+                  <a:p>
+                    <a:pPr algn="just"/>
+                    <a14:m>
+                      <m:oMathPara xmlns:m="http://schemas.openxmlformats.org/officeDocument/2006/math">
+                        <m:oMathParaPr>
+                          <m:jc m:val="right"/>
+                        </m:oMathParaPr>
+                        <m:oMath xmlns:m="http://schemas.openxmlformats.org/officeDocument/2006/math">
+                          <m:d>
+                            <m:dPr>
+                              <m:begChr m:val="{"/>
+                              <m:endChr m:val=""/>
+                              <m:ctrlPr>
+                                <a:rPr lang="it-IT" sz="2000" i="1" smtClean="0">
+                                  <a:latin typeface="Cambria Math" panose="02040503050406030204" pitchFamily="18" charset="0"/>
+                                </a:rPr>
+                              </m:ctrlPr>
+                            </m:dPr>
+                            <m:e>
+                              <m:m>
+                                <m:mPr>
+                                  <m:mcs>
+                                    <m:mc>
+                                      <m:mcPr>
+                                        <m:count m:val="1"/>
+                                        <m:mcJc m:val="center"/>
+                                      </m:mcPr>
+                                    </m:mc>
+                                  </m:mcs>
+                                  <m:ctrlPr>
+                                    <a:rPr lang="it-IT" sz="2000" i="1" smtClean="0">
+                                      <a:latin typeface="Cambria Math" panose="02040503050406030204" pitchFamily="18" charset="0"/>
+                                    </a:rPr>
+                                  </m:ctrlPr>
+                                </m:mPr>
+                                <m:mr>
+                                  <m:e>
+                                    <m:r>
+                                      <a:rPr lang="it-IT" sz="2000" b="0" i="1" smtClean="0">
+                                        <a:solidFill>
+                                          <a:schemeClr val="tx1"/>
+                                        </a:solidFill>
+                                        <a:latin typeface="Cambria Math" panose="02040503050406030204" pitchFamily="18" charset="0"/>
+                                      </a:rPr>
+                                      <m:t>3</m:t>
+                                    </m:r>
+                                    <m:r>
+                                      <a:rPr lang="it-IT" sz="2000" b="0" i="1" smtClean="0">
+                                        <a:latin typeface="Cambria Math" panose="02040503050406030204" pitchFamily="18" charset="0"/>
+                                      </a:rPr>
+                                      <m:t>𝑦</m:t>
+                                    </m:r>
+                                    <m:r>
+                                      <a:rPr lang="it-IT" sz="2000" b="0" i="1" smtClean="0">
+                                        <a:latin typeface="Cambria Math" panose="02040503050406030204" pitchFamily="18" charset="0"/>
+                                      </a:rPr>
+                                      <m:t>−</m:t>
+                                    </m:r>
+                                    <m:r>
+                                      <a:rPr lang="it-IT" sz="2000" b="0" i="1" smtClean="0">
+                                        <a:latin typeface="Cambria Math" panose="02040503050406030204" pitchFamily="18" charset="0"/>
+                                      </a:rPr>
+                                      <m:t>𝑧</m:t>
+                                    </m:r>
+                                    <m:r>
+                                      <a:rPr lang="it-IT" sz="2000" b="0" i="1" smtClean="0">
+                                        <a:latin typeface="Cambria Math" panose="02040503050406030204" pitchFamily="18" charset="0"/>
+                                      </a:rPr>
+                                      <m:t>=1</m:t>
+                                    </m:r>
+                                  </m:e>
+                                </m:mr>
+                                <m:mr>
+                                  <m:e>
+                                    <m:r>
+                                      <a:rPr lang="it-IT" sz="2000" b="0" i="1" smtClean="0">
+                                        <a:latin typeface="Cambria Math" panose="02040503050406030204" pitchFamily="18" charset="0"/>
+                                      </a:rPr>
+                                      <m:t> </m:t>
+                                    </m:r>
+                                    <m:r>
+                                      <a:rPr lang="it-IT" sz="2000" b="0" i="1" smtClean="0">
+                                        <a:latin typeface="Cambria Math" panose="02040503050406030204" pitchFamily="18" charset="0"/>
+                                      </a:rPr>
+                                      <m:t>𝑥</m:t>
+                                    </m:r>
+                                    <m:r>
+                                      <a:rPr lang="it-IT" sz="2000" b="0" i="1" smtClean="0">
+                                        <a:latin typeface="Cambria Math" panose="02040503050406030204" pitchFamily="18" charset="0"/>
+                                      </a:rPr>
+                                      <m:t>+</m:t>
+                                    </m:r>
+                                    <m:r>
+                                      <a:rPr lang="it-IT" sz="2000" b="0" i="1" smtClean="0">
+                                        <a:latin typeface="Cambria Math" panose="02040503050406030204" pitchFamily="18" charset="0"/>
+                                      </a:rPr>
+                                      <m:t>𝑦</m:t>
+                                    </m:r>
+                                    <m:r>
+                                      <a:rPr lang="it-IT" sz="2000" b="0" i="1" smtClean="0">
+                                        <a:latin typeface="Cambria Math" panose="02040503050406030204" pitchFamily="18" charset="0"/>
+                                      </a:rPr>
+                                      <m:t>+2</m:t>
+                                    </m:r>
+                                    <m:r>
+                                      <a:rPr lang="it-IT" sz="2000" b="0" i="1" smtClean="0">
+                                        <a:latin typeface="Cambria Math" panose="02040503050406030204" pitchFamily="18" charset="0"/>
+                                      </a:rPr>
+                                      <m:t>𝑧</m:t>
+                                    </m:r>
+                                    <m:r>
+                                      <a:rPr lang="it-IT" sz="2000" b="0" i="1" smtClean="0">
+                                        <a:latin typeface="Cambria Math" panose="02040503050406030204" pitchFamily="18" charset="0"/>
+                                      </a:rPr>
+                                      <m:t>=2</m:t>
+                                    </m:r>
+                                  </m:e>
+                                </m:mr>
+                                <m:mr>
+                                  <m:e>
+                                    <m:r>
+                                      <a:rPr lang="it-IT" sz="2000" b="0" i="1" smtClean="0">
+                                        <a:latin typeface="Cambria Math" panose="02040503050406030204" pitchFamily="18" charset="0"/>
+                                      </a:rPr>
+                                      <m:t>𝑥</m:t>
+                                    </m:r>
+                                    <m:r>
+                                      <a:rPr lang="it-IT" sz="2000" b="0" i="1" smtClean="0">
+                                        <a:latin typeface="Cambria Math" panose="02040503050406030204" pitchFamily="18" charset="0"/>
+                                      </a:rPr>
+                                      <m:t>+4</m:t>
+                                    </m:r>
+                                    <m:r>
+                                      <a:rPr lang="it-IT" sz="2000" b="0" i="1" smtClean="0">
+                                        <a:latin typeface="Cambria Math" panose="02040503050406030204" pitchFamily="18" charset="0"/>
+                                      </a:rPr>
+                                      <m:t>𝑦</m:t>
+                                    </m:r>
+                                    <m:r>
+                                      <a:rPr lang="it-IT" sz="2000" b="0" i="1" smtClean="0">
+                                        <a:latin typeface="Cambria Math" panose="02040503050406030204" pitchFamily="18" charset="0"/>
+                                      </a:rPr>
+                                      <m:t>+</m:t>
+                                    </m:r>
+                                    <m:r>
+                                      <a:rPr lang="it-IT" sz="2000" b="0" i="1" smtClean="0">
+                                        <a:latin typeface="Cambria Math" panose="02040503050406030204" pitchFamily="18" charset="0"/>
+                                      </a:rPr>
+                                      <m:t>𝑧</m:t>
+                                    </m:r>
+                                    <m:r>
+                                      <a:rPr lang="it-IT" sz="2000" b="0" i="1" smtClean="0">
+                                        <a:latin typeface="Cambria Math" panose="02040503050406030204" pitchFamily="18" charset="0"/>
+                                      </a:rPr>
+                                      <m:t>=0</m:t>
+                                    </m:r>
+                                  </m:e>
+                                </m:mr>
+                              </m:m>
+                            </m:e>
+                          </m:d>
+                        </m:oMath>
+                      </m:oMathPara>
+                    </a14:m>
+                    <a:endParaRPr lang="it-IT" sz="2000" dirty="0"/>
+                  </a:p>
+                </p:txBody>
+              </p:sp>
+            </mc:Choice>
+            <mc:Fallback>
+              <p:sp>
+                <p:nvSpPr>
+                  <p:cNvPr id="6" name="CasellaDiTesto 5">
+                    <a:extLst>
+                      <a:ext uri="{FF2B5EF4-FFF2-40B4-BE49-F238E27FC236}">
+                        <a16:creationId xmlns:a16="http://schemas.microsoft.com/office/drawing/2014/main" id="{85714899-73C4-409C-AAEA-E9794A91992E}"/>
+                      </a:ext>
+                    </a:extLst>
+                  </p:cNvPr>
+                  <p:cNvSpPr txBox="1">
+                    <a:spLocks noRot="1" noChangeAspect="1" noMove="1" noResize="1" noEditPoints="1" noAdjustHandles="1" noChangeArrowheads="1" noChangeShapeType="1" noTextEdit="1"/>
+                  </p:cNvSpPr>
+                  <p:nvPr/>
+                </p:nvSpPr>
+                <p:spPr>
+                  <a:xfrm>
+                    <a:off x="1109052" y="2446423"/>
+                    <a:ext cx="1919693" cy="982577"/>
+                  </a:xfrm>
+                  <a:prstGeom prst="rect">
+                    <a:avLst/>
+                  </a:prstGeom>
+                  <a:blipFill>
+                    <a:blip r:embed="rId2"/>
+                    <a:stretch>
+                      <a:fillRect/>
+                    </a:stretch>
+                  </a:blipFill>
+                </p:spPr>
+                <p:txBody>
+                  <a:bodyPr/>
+                  <a:lstStyle/>
+                  <a:p>
+                    <a:r>
+                      <a:rPr lang="it-IT">
+                        <a:noFill/>
+                      </a:rPr>
+                      <a:t> </a:t>
+                    </a:r>
+                  </a:p>
+                </p:txBody>
+              </p:sp>
+            </mc:Fallback>
+          </mc:AlternateContent>
+          <mc:AlternateContent xmlns:mc="http://schemas.openxmlformats.org/markup-compatibility/2006">
+            <mc:Choice xmlns:a14="http://schemas.microsoft.com/office/drawing/2010/main" Requires="a14">
+              <p:sp>
+                <p:nvSpPr>
+                  <p:cNvPr id="7" name="CasellaDiTesto 6">
+                    <a:extLst>
+                      <a:ext uri="{FF2B5EF4-FFF2-40B4-BE49-F238E27FC236}">
+                        <a16:creationId xmlns:a16="http://schemas.microsoft.com/office/drawing/2014/main" id="{E54D7675-837A-477D-A4F5-4532BABC9D53}"/>
+                      </a:ext>
+                    </a:extLst>
+                  </p:cNvPr>
+                  <p:cNvSpPr txBox="1"/>
+                  <p:nvPr/>
+                </p:nvSpPr>
+                <p:spPr>
+                  <a:xfrm>
+                    <a:off x="4480366" y="2568602"/>
+                    <a:ext cx="1615634" cy="732573"/>
+                  </a:xfrm>
+                  <a:prstGeom prst="rect">
+                    <a:avLst/>
+                  </a:prstGeom>
+                  <a:noFill/>
+                </p:spPr>
+                <p:txBody>
+                  <a:bodyPr wrap="none" lIns="0" tIns="0" rIns="0" bIns="0" rtlCol="0">
+                    <a:spAutoFit/>
+                  </a:bodyPr>
+                  <a:lstStyle/>
+                  <a:p>
+                    <a:pPr/>
+                    <a14:m>
+                      <m:oMathPara xmlns:m="http://schemas.openxmlformats.org/officeDocument/2006/math">
+                        <m:oMathParaPr>
+                          <m:jc m:val="centerGroup"/>
+                        </m:oMathParaPr>
+                        <m:oMath xmlns:m="http://schemas.openxmlformats.org/officeDocument/2006/math">
+                          <m:d>
+                            <m:dPr>
+                              <m:begChr m:val="["/>
+                              <m:endChr m:val="]"/>
+                              <m:ctrlPr>
+                                <a:rPr lang="it-IT" i="1" smtClean="0">
+                                  <a:latin typeface="Cambria Math" panose="02040503050406030204" pitchFamily="18" charset="0"/>
+                                </a:rPr>
+                              </m:ctrlPr>
+                            </m:dPr>
+                            <m:e>
+                              <m:m>
+                                <m:mPr>
+                                  <m:mcs>
+                                    <m:mc>
+                                      <m:mcPr>
+                                        <m:count m:val="4"/>
+                                        <m:mcJc m:val="center"/>
+                                      </m:mcPr>
+                                    </m:mc>
+                                  </m:mcs>
+                                  <m:ctrlPr>
+                                    <a:rPr lang="it-IT" b="0" i="1" smtClean="0">
+                                      <a:latin typeface="Cambria Math" panose="02040503050406030204" pitchFamily="18" charset="0"/>
+                                    </a:rPr>
+                                  </m:ctrlPr>
+                                </m:mPr>
+                                <m:mr>
+                                  <m:e>
+                                    <m:r>
+                                      <m:rPr>
+                                        <m:brk m:alnAt="7"/>
+                                      </m:rPr>
+                                      <a:rPr lang="it-IT" b="0" i="1" smtClean="0">
+                                        <a:latin typeface="Cambria Math" panose="02040503050406030204" pitchFamily="18" charset="0"/>
+                                      </a:rPr>
+                                      <m:t>0</m:t>
+                                    </m:r>
+                                  </m:e>
+                                  <m:e>
+                                    <m:r>
+                                      <a:rPr lang="it-IT" b="0" i="1" smtClean="0">
+                                        <a:latin typeface="Cambria Math" panose="02040503050406030204" pitchFamily="18" charset="0"/>
+                                      </a:rPr>
+                                      <m:t>3</m:t>
+                                    </m:r>
+                                  </m:e>
+                                  <m:e>
+                                    <m:r>
+                                      <a:rPr lang="it-IT" b="0" i="1" smtClean="0">
+                                        <a:latin typeface="Cambria Math" panose="02040503050406030204" pitchFamily="18" charset="0"/>
+                                      </a:rPr>
+                                      <m:t>−1</m:t>
+                                    </m:r>
+                                  </m:e>
+                                  <m:e>
+                                    <m:r>
+                                      <a:rPr lang="it-IT" b="0" i="1" smtClean="0">
+                                        <a:latin typeface="Cambria Math" panose="02040503050406030204" pitchFamily="18" charset="0"/>
+                                      </a:rPr>
+                                      <m:t>1</m:t>
+                                    </m:r>
+                                  </m:e>
+                                </m:mr>
+                                <m:mr>
+                                  <m:e>
+                                    <m:r>
+                                      <a:rPr lang="it-IT" b="0" i="1" smtClean="0">
+                                        <a:latin typeface="Cambria Math" panose="02040503050406030204" pitchFamily="18" charset="0"/>
+                                      </a:rPr>
+                                      <m:t>1</m:t>
+                                    </m:r>
+                                  </m:e>
+                                  <m:e>
+                                    <m:r>
+                                      <a:rPr lang="it-IT" b="0" i="1" smtClean="0">
+                                        <a:latin typeface="Cambria Math" panose="02040503050406030204" pitchFamily="18" charset="0"/>
+                                      </a:rPr>
+                                      <m:t>1</m:t>
+                                    </m:r>
+                                  </m:e>
+                                  <m:e>
+                                    <m:r>
+                                      <a:rPr lang="it-IT" b="0" i="1" smtClean="0">
+                                        <a:latin typeface="Cambria Math" panose="02040503050406030204" pitchFamily="18" charset="0"/>
+                                      </a:rPr>
+                                      <m:t>2</m:t>
+                                    </m:r>
+                                  </m:e>
+                                  <m:e>
+                                    <m:r>
+                                      <a:rPr lang="it-IT" b="0" i="1" smtClean="0">
+                                        <a:latin typeface="Cambria Math" panose="02040503050406030204" pitchFamily="18" charset="0"/>
+                                      </a:rPr>
+                                      <m:t>2</m:t>
+                                    </m:r>
+                                  </m:e>
+                                </m:mr>
+                                <m:mr>
+                                  <m:e>
+                                    <m:r>
+                                      <a:rPr lang="it-IT" b="0" i="1" smtClean="0">
+                                        <a:latin typeface="Cambria Math" panose="02040503050406030204" pitchFamily="18" charset="0"/>
+                                      </a:rPr>
+                                      <m:t>1</m:t>
+                                    </m:r>
+                                  </m:e>
+                                  <m:e>
+                                    <m:r>
+                                      <a:rPr lang="it-IT" b="0" i="1" smtClean="0">
+                                        <a:latin typeface="Cambria Math" panose="02040503050406030204" pitchFamily="18" charset="0"/>
+                                      </a:rPr>
+                                      <m:t>4</m:t>
+                                    </m:r>
+                                  </m:e>
+                                  <m:e>
+                                    <m:r>
+                                      <a:rPr lang="it-IT" b="0" i="1" smtClean="0">
+                                        <a:latin typeface="Cambria Math" panose="02040503050406030204" pitchFamily="18" charset="0"/>
+                                      </a:rPr>
+                                      <m:t>1</m:t>
+                                    </m:r>
+                                  </m:e>
+                                  <m:e>
+                                    <m:r>
+                                      <a:rPr lang="it-IT" b="0" i="1" smtClean="0">
+                                        <a:latin typeface="Cambria Math" panose="02040503050406030204" pitchFamily="18" charset="0"/>
+                                      </a:rPr>
+                                      <m:t>0</m:t>
+                                    </m:r>
+                                  </m:e>
+                                </m:mr>
+                              </m:m>
+                            </m:e>
+                          </m:d>
+                        </m:oMath>
+                      </m:oMathPara>
+                    </a14:m>
+                    <a:endParaRPr lang="it-IT" dirty="0"/>
+                  </a:p>
+                </p:txBody>
+              </p:sp>
+            </mc:Choice>
+            <mc:Fallback>
+              <p:sp>
+                <p:nvSpPr>
+                  <p:cNvPr id="7" name="CasellaDiTesto 6">
+                    <a:extLst>
+                      <a:ext uri="{FF2B5EF4-FFF2-40B4-BE49-F238E27FC236}">
+                        <a16:creationId xmlns:a16="http://schemas.microsoft.com/office/drawing/2014/main" id="{E54D7675-837A-477D-A4F5-4532BABC9D53}"/>
+                      </a:ext>
+                    </a:extLst>
+                  </p:cNvPr>
+                  <p:cNvSpPr txBox="1">
+                    <a:spLocks noRot="1" noChangeAspect="1" noMove="1" noResize="1" noEditPoints="1" noAdjustHandles="1" noChangeArrowheads="1" noChangeShapeType="1" noTextEdit="1"/>
+                  </p:cNvSpPr>
+                  <p:nvPr/>
+                </p:nvSpPr>
+                <p:spPr>
+                  <a:xfrm>
+                    <a:off x="4480366" y="2568602"/>
+                    <a:ext cx="1615634" cy="732573"/>
+                  </a:xfrm>
+                  <a:prstGeom prst="rect">
+                    <a:avLst/>
+                  </a:prstGeom>
+                  <a:blipFill>
+                    <a:blip r:embed="rId3"/>
+                    <a:stretch>
+                      <a:fillRect/>
+                    </a:stretch>
+                  </a:blipFill>
+                </p:spPr>
+                <p:txBody>
+                  <a:bodyPr/>
+                  <a:lstStyle/>
+                  <a:p>
+                    <a:r>
+                      <a:rPr lang="it-IT">
+                        <a:noFill/>
+                      </a:rPr>
+                      <a:t> </a:t>
+                    </a:r>
+                  </a:p>
+                </p:txBody>
+              </p:sp>
+            </mc:Fallback>
+          </mc:AlternateContent>
+          <p:cxnSp>
+            <p:nvCxnSpPr>
+              <p:cNvPr id="9" name="Connettore 2 8">
+                <a:extLst>
+                  <a:ext uri="{FF2B5EF4-FFF2-40B4-BE49-F238E27FC236}">
+                    <a16:creationId xmlns:a16="http://schemas.microsoft.com/office/drawing/2014/main" id="{F8F70AF4-32D4-47AC-B811-BE3D73F303AC}"/>
+                  </a:ext>
+                </a:extLst>
+              </p:cNvPr>
+              <p:cNvCxnSpPr/>
+              <p:nvPr/>
+            </p:nvCxnSpPr>
+            <p:spPr>
+              <a:xfrm>
+                <a:off x="3288890" y="2949596"/>
+                <a:ext cx="929149" cy="0"/>
+              </a:xfrm>
+              <a:prstGeom prst="straightConnector1">
+                <a:avLst/>
+              </a:prstGeom>
+              <a:ln>
+                <a:tailEnd type="triangle"/>
+              </a:ln>
+            </p:spPr>
+            <p:style>
+              <a:lnRef idx="1">
+                <a:schemeClr val="accent1"/>
+              </a:lnRef>
+              <a:fillRef idx="0">
+                <a:schemeClr val="accent1"/>
+              </a:fillRef>
+              <a:effectRef idx="0">
+                <a:schemeClr val="accent1"/>
+              </a:effectRef>
+              <a:fontRef idx="minor">
+                <a:schemeClr val="tx1"/>
+              </a:fontRef>
+            </p:style>
+          </p:cxnSp>
+        </p:grpSp>
+        <p:sp>
+          <p:nvSpPr>
+            <p:cNvPr id="10" name="CasellaDiTesto 9">
+              <a:extLst>
+                <a:ext uri="{FF2B5EF4-FFF2-40B4-BE49-F238E27FC236}">
+                  <a16:creationId xmlns:a16="http://schemas.microsoft.com/office/drawing/2014/main" id="{66B31184-18A1-44A5-84B4-F4CC3E1B980C}"/>
+                </a:ext>
+              </a:extLst>
+            </p:cNvPr>
+            <p:cNvSpPr txBox="1"/>
+            <p:nvPr/>
+          </p:nvSpPr>
+          <p:spPr>
+            <a:xfrm>
+              <a:off x="3225257" y="3843529"/>
+              <a:ext cx="4424737" cy="646331"/>
+            </a:xfrm>
+            <a:prstGeom prst="rect">
+              <a:avLst/>
+            </a:prstGeom>
+            <a:noFill/>
+          </p:spPr>
+          <p:txBody>
+            <a:bodyPr wrap="square" rtlCol="0">
+              <a:spAutoFit/>
+            </a:bodyPr>
+            <a:lstStyle/>
+            <a:p>
+              <a:pPr marL="285750" indent="-285750">
+                <a:buFont typeface="Arial" panose="020B0604020202020204" pitchFamily="34" charset="0"/>
+                <a:buChar char="•"/>
+              </a:pPr>
+              <a:r>
+                <a:rPr lang="it-IT" dirty="0"/>
+                <a:t>Scambiare prima e seconda riga in modo da avere già 0 sotto l’elemento a11 </a:t>
+              </a:r>
+            </a:p>
+          </p:txBody>
+        </p:sp>
+        <p:sp>
+          <p:nvSpPr>
+            <p:cNvPr id="17" name="Rettangolo 16">
+              <a:extLst>
+                <a:ext uri="{FF2B5EF4-FFF2-40B4-BE49-F238E27FC236}">
+                  <a16:creationId xmlns:a16="http://schemas.microsoft.com/office/drawing/2014/main" id="{A56956FC-9336-4E79-9A82-ADB265C3210F}"/>
+                </a:ext>
+              </a:extLst>
+            </p:cNvPr>
+            <p:cNvSpPr/>
+            <p:nvPr/>
+          </p:nvSpPr>
+          <p:spPr>
+            <a:xfrm rot="5400000">
+              <a:off x="9567282" y="5731857"/>
+              <a:ext cx="216000" cy="1584000"/>
+            </a:xfrm>
+            <a:prstGeom prst="rect">
+              <a:avLst/>
+            </a:prstGeom>
+            <a:solidFill>
+              <a:srgbClr val="FF0000">
+                <a:alpha val="43000"/>
+              </a:srgbClr>
+            </a:solidFill>
+            <a:ln>
+              <a:noFill/>
+            </a:ln>
+          </p:spPr>
+          <p:style>
+            <a:lnRef idx="2">
+              <a:schemeClr val="accent1">
+                <a:shade val="50000"/>
+              </a:schemeClr>
+            </a:lnRef>
+            <a:fillRef idx="1">
+              <a:schemeClr val="accent1"/>
+            </a:fillRef>
+            <a:effectRef idx="0">
+              <a:schemeClr val="accent1"/>
+            </a:effectRef>
+            <a:fontRef idx="minor">
+              <a:schemeClr val="lt1"/>
+            </a:fontRef>
+          </p:style>
+          <p:txBody>
+            <a:bodyPr rtlCol="0" anchor="ctr"/>
+            <a:lstStyle/>
+            <a:p>
+              <a:pPr algn="ctr"/>
+              <a:endParaRPr lang="it-IT" dirty="0"/>
+            </a:p>
+          </p:txBody>
+        </p:sp>
+        <mc:AlternateContent xmlns:mc="http://schemas.openxmlformats.org/markup-compatibility/2006">
+          <mc:Choice xmlns:a14="http://schemas.microsoft.com/office/drawing/2010/main" Requires="a14">
+            <p:sp>
+              <p:nvSpPr>
+                <p:cNvPr id="11" name="CasellaDiTesto 10">
+                  <a:extLst>
+                    <a:ext uri="{FF2B5EF4-FFF2-40B4-BE49-F238E27FC236}">
+                      <a16:creationId xmlns:a16="http://schemas.microsoft.com/office/drawing/2014/main" id="{6F6A00F7-C84E-4DA2-89CA-4632F73778A3}"/>
+                    </a:ext>
+                  </a:extLst>
+                </p:cNvPr>
+                <p:cNvSpPr txBox="1"/>
+                <p:nvPr/>
+              </p:nvSpPr>
+              <p:spPr>
+                <a:xfrm>
+                  <a:off x="8780903" y="3843251"/>
+                  <a:ext cx="1615634" cy="732573"/>
+                </a:xfrm>
+                <a:prstGeom prst="rect">
+                  <a:avLst/>
+                </a:prstGeom>
+                <a:noFill/>
+              </p:spPr>
+              <p:txBody>
+                <a:bodyPr wrap="none" lIns="0" tIns="0" rIns="0" bIns="0" rtlCol="0">
+                  <a:spAutoFit/>
+                </a:bodyPr>
+                <a:lstStyle/>
+                <a:p>
+                  <a:pPr/>
+                  <a14:m>
+                    <m:oMathPara xmlns:m="http://schemas.openxmlformats.org/officeDocument/2006/math">
+                      <m:oMathParaPr>
+                        <m:jc m:val="centerGroup"/>
+                      </m:oMathParaPr>
+                      <m:oMath xmlns:m="http://schemas.openxmlformats.org/officeDocument/2006/math">
+                        <m:d>
+                          <m:dPr>
+                            <m:begChr m:val="["/>
+                            <m:endChr m:val="]"/>
+                            <m:ctrlPr>
+                              <a:rPr lang="it-IT" i="1" smtClean="0">
+                                <a:latin typeface="Cambria Math" panose="02040503050406030204" pitchFamily="18" charset="0"/>
+                              </a:rPr>
+                            </m:ctrlPr>
+                          </m:dPr>
+                          <m:e>
+                            <m:m>
+                              <m:mPr>
+                                <m:mcs>
+                                  <m:mc>
+                                    <m:mcPr>
+                                      <m:count m:val="4"/>
+                                      <m:mcJc m:val="center"/>
+                                    </m:mcPr>
+                                  </m:mc>
+                                </m:mcs>
+                                <m:ctrlPr>
+                                  <a:rPr lang="it-IT" b="0" i="1" smtClean="0">
+                                    <a:latin typeface="Cambria Math" panose="02040503050406030204" pitchFamily="18" charset="0"/>
+                                  </a:rPr>
+                                </m:ctrlPr>
+                              </m:mPr>
+                              <m:mr>
+                                <m:e>
+                                  <m:r>
+                                    <m:rPr>
+                                      <m:brk m:alnAt="7"/>
+                                    </m:rPr>
+                                    <a:rPr lang="it-IT" b="0" i="1" smtClean="0">
+                                      <a:latin typeface="Cambria Math" panose="02040503050406030204" pitchFamily="18" charset="0"/>
+                                    </a:rPr>
+                                    <m:t>1</m:t>
+                                  </m:r>
+                                </m:e>
+                                <m:e>
+                                  <m:r>
+                                    <a:rPr lang="it-IT" b="0" i="1" smtClean="0">
+                                      <a:latin typeface="Cambria Math" panose="02040503050406030204" pitchFamily="18" charset="0"/>
+                                    </a:rPr>
+                                    <m:t>1</m:t>
+                                  </m:r>
+                                </m:e>
+                                <m:e>
+                                  <m:r>
+                                    <a:rPr lang="it-IT" b="0" i="1" smtClean="0">
+                                      <a:latin typeface="Cambria Math" panose="02040503050406030204" pitchFamily="18" charset="0"/>
+                                    </a:rPr>
+                                    <m:t>2</m:t>
+                                  </m:r>
+                                </m:e>
+                                <m:e>
+                                  <m:r>
+                                    <a:rPr lang="it-IT" b="0" i="1" smtClean="0">
+                                      <a:latin typeface="Cambria Math" panose="02040503050406030204" pitchFamily="18" charset="0"/>
+                                    </a:rPr>
+                                    <m:t>2</m:t>
+                                  </m:r>
+                                </m:e>
+                              </m:mr>
+                              <m:mr>
+                                <m:e>
+                                  <m:r>
+                                    <a:rPr lang="it-IT" b="0" i="1" smtClean="0">
+                                      <a:latin typeface="Cambria Math" panose="02040503050406030204" pitchFamily="18" charset="0"/>
+                                    </a:rPr>
+                                    <m:t>0</m:t>
+                                  </m:r>
+                                </m:e>
+                                <m:e>
+                                  <m:r>
+                                    <a:rPr lang="it-IT" b="0" i="1" smtClean="0">
+                                      <a:latin typeface="Cambria Math" panose="02040503050406030204" pitchFamily="18" charset="0"/>
+                                    </a:rPr>
+                                    <m:t>3</m:t>
+                                  </m:r>
+                                </m:e>
+                                <m:e>
+                                  <m:r>
+                                    <a:rPr lang="it-IT" b="0" i="1" smtClean="0">
+                                      <a:latin typeface="Cambria Math" panose="02040503050406030204" pitchFamily="18" charset="0"/>
+                                    </a:rPr>
+                                    <m:t>−1</m:t>
+                                  </m:r>
+                                </m:e>
+                                <m:e>
+                                  <m:r>
+                                    <a:rPr lang="it-IT" b="0" i="1" smtClean="0">
+                                      <a:latin typeface="Cambria Math" panose="02040503050406030204" pitchFamily="18" charset="0"/>
+                                    </a:rPr>
+                                    <m:t>1</m:t>
+                                  </m:r>
+                                </m:e>
+                              </m:mr>
+                              <m:mr>
+                                <m:e>
+                                  <m:r>
+                                    <a:rPr lang="it-IT" b="0" i="1" smtClean="0">
+                                      <a:latin typeface="Cambria Math" panose="02040503050406030204" pitchFamily="18" charset="0"/>
+                                    </a:rPr>
+                                    <m:t>1</m:t>
+                                  </m:r>
+                                </m:e>
+                                <m:e>
+                                  <m:r>
+                                    <a:rPr lang="it-IT" b="0" i="1" smtClean="0">
+                                      <a:latin typeface="Cambria Math" panose="02040503050406030204" pitchFamily="18" charset="0"/>
+                                    </a:rPr>
+                                    <m:t>4</m:t>
+                                  </m:r>
+                                </m:e>
+                                <m:e>
+                                  <m:r>
+                                    <a:rPr lang="it-IT" b="0" i="1" smtClean="0">
+                                      <a:latin typeface="Cambria Math" panose="02040503050406030204" pitchFamily="18" charset="0"/>
+                                    </a:rPr>
+                                    <m:t>1</m:t>
+                                  </m:r>
+                                </m:e>
+                                <m:e>
+                                  <m:r>
+                                    <a:rPr lang="it-IT" b="0" i="1" smtClean="0">
+                                      <a:latin typeface="Cambria Math" panose="02040503050406030204" pitchFamily="18" charset="0"/>
+                                    </a:rPr>
+                                    <m:t>0</m:t>
+                                  </m:r>
+                                </m:e>
+                              </m:mr>
+                            </m:m>
+                          </m:e>
+                        </m:d>
+                      </m:oMath>
+                    </m:oMathPara>
+                  </a14:m>
+                  <a:endParaRPr lang="it-IT" dirty="0"/>
+                </a:p>
+              </p:txBody>
+            </p:sp>
+          </mc:Choice>
+          <mc:Fallback>
+            <p:sp>
+              <p:nvSpPr>
+                <p:cNvPr id="11" name="CasellaDiTesto 10">
+                  <a:extLst>
+                    <a:ext uri="{FF2B5EF4-FFF2-40B4-BE49-F238E27FC236}">
+                      <a16:creationId xmlns:a16="http://schemas.microsoft.com/office/drawing/2014/main" id="{6F6A00F7-C84E-4DA2-89CA-4632F73778A3}"/>
+                    </a:ext>
+                  </a:extLst>
+                </p:cNvPr>
+                <p:cNvSpPr txBox="1">
+                  <a:spLocks noRot="1" noChangeAspect="1" noMove="1" noResize="1" noEditPoints="1" noAdjustHandles="1" noChangeArrowheads="1" noChangeShapeType="1" noTextEdit="1"/>
+                </p:cNvSpPr>
+                <p:nvPr/>
+              </p:nvSpPr>
+              <p:spPr>
+                <a:xfrm>
+                  <a:off x="8780903" y="3843251"/>
+                  <a:ext cx="1615634" cy="732573"/>
+                </a:xfrm>
+                <a:prstGeom prst="rect">
+                  <a:avLst/>
+                </a:prstGeom>
+                <a:blipFill>
+                  <a:blip r:embed="rId4"/>
+                  <a:stretch>
+                    <a:fillRect/>
+                  </a:stretch>
+                </a:blipFill>
+              </p:spPr>
+              <p:txBody>
+                <a:bodyPr/>
+                <a:lstStyle/>
+                <a:p>
+                  <a:r>
+                    <a:rPr lang="it-IT">
+                      <a:noFill/>
+                    </a:rPr>
+                    <a:t> </a:t>
+                  </a:r>
+                </a:p>
+              </p:txBody>
+            </p:sp>
+          </mc:Fallback>
+        </mc:AlternateContent>
+        <p:sp>
+          <p:nvSpPr>
+            <p:cNvPr id="12" name="CasellaDiTesto 11">
+              <a:extLst>
+                <a:ext uri="{FF2B5EF4-FFF2-40B4-BE49-F238E27FC236}">
+                  <a16:creationId xmlns:a16="http://schemas.microsoft.com/office/drawing/2014/main" id="{B55BC588-EAE6-452F-A8A7-8BCCB2EA32B0}"/>
+                </a:ext>
+              </a:extLst>
+            </p:cNvPr>
+            <p:cNvSpPr txBox="1"/>
+            <p:nvPr/>
+          </p:nvSpPr>
+          <p:spPr>
+            <a:xfrm>
+              <a:off x="3225257" y="4864765"/>
+              <a:ext cx="3741198" cy="369332"/>
+            </a:xfrm>
+            <a:prstGeom prst="rect">
+              <a:avLst/>
+            </a:prstGeom>
+            <a:noFill/>
+          </p:spPr>
+          <p:txBody>
+            <a:bodyPr wrap="square" rtlCol="0">
+              <a:spAutoFit/>
+            </a:bodyPr>
+            <a:lstStyle/>
+            <a:p>
+              <a:pPr marL="285750" indent="-285750">
+                <a:buFont typeface="Arial" panose="020B0604020202020204" pitchFamily="34" charset="0"/>
+                <a:buChar char="•"/>
+              </a:pPr>
+              <a:r>
+                <a:rPr lang="it-IT" dirty="0"/>
+                <a:t>Sostituire: R3 </a:t>
+              </a:r>
+              <a:r>
+                <a:rPr lang="it-IT" dirty="0">
+                  <a:sym typeface="Wingdings" panose="05000000000000000000" pitchFamily="2" charset="2"/>
+                </a:rPr>
+                <a:t> R3 – R1</a:t>
+              </a:r>
+              <a:endParaRPr lang="it-IT" dirty="0"/>
+            </a:p>
+          </p:txBody>
+        </p:sp>
+        <mc:AlternateContent xmlns:mc="http://schemas.openxmlformats.org/markup-compatibility/2006">
+          <mc:Choice xmlns:a14="http://schemas.microsoft.com/office/drawing/2010/main" Requires="a14">
+            <p:sp>
+              <p:nvSpPr>
+                <p:cNvPr id="13" name="CasellaDiTesto 12">
+                  <a:extLst>
+                    <a:ext uri="{FF2B5EF4-FFF2-40B4-BE49-F238E27FC236}">
+                      <a16:creationId xmlns:a16="http://schemas.microsoft.com/office/drawing/2014/main" id="{3D210763-2480-4957-A533-07952B06CCBD}"/>
+                    </a:ext>
+                  </a:extLst>
+                </p:cNvPr>
+                <p:cNvSpPr txBox="1"/>
+                <p:nvPr/>
+              </p:nvSpPr>
+              <p:spPr>
+                <a:xfrm>
+                  <a:off x="8780903" y="4867811"/>
+                  <a:ext cx="1788759" cy="732573"/>
+                </a:xfrm>
+                <a:prstGeom prst="rect">
+                  <a:avLst/>
+                </a:prstGeom>
+                <a:noFill/>
+              </p:spPr>
+              <p:txBody>
+                <a:bodyPr wrap="none" lIns="0" tIns="0" rIns="0" bIns="0" rtlCol="0">
+                  <a:spAutoFit/>
+                </a:bodyPr>
+                <a:lstStyle/>
+                <a:p>
+                  <a:pPr/>
+                  <a14:m>
+                    <m:oMathPara xmlns:m="http://schemas.openxmlformats.org/officeDocument/2006/math">
+                      <m:oMathParaPr>
+                        <m:jc m:val="centerGroup"/>
+                      </m:oMathParaPr>
+                      <m:oMath xmlns:m="http://schemas.openxmlformats.org/officeDocument/2006/math">
+                        <m:d>
+                          <m:dPr>
+                            <m:begChr m:val="["/>
+                            <m:endChr m:val="]"/>
+                            <m:ctrlPr>
+                              <a:rPr lang="it-IT" i="1" smtClean="0">
+                                <a:latin typeface="Cambria Math" panose="02040503050406030204" pitchFamily="18" charset="0"/>
+                              </a:rPr>
+                            </m:ctrlPr>
+                          </m:dPr>
+                          <m:e>
+                            <m:m>
+                              <m:mPr>
+                                <m:mcs>
+                                  <m:mc>
+                                    <m:mcPr>
+                                      <m:count m:val="4"/>
+                                      <m:mcJc m:val="center"/>
+                                    </m:mcPr>
+                                  </m:mc>
+                                </m:mcs>
+                                <m:ctrlPr>
+                                  <a:rPr lang="it-IT" b="0" i="1" smtClean="0">
+                                    <a:latin typeface="Cambria Math" panose="02040503050406030204" pitchFamily="18" charset="0"/>
+                                  </a:rPr>
+                                </m:ctrlPr>
+                              </m:mPr>
+                              <m:mr>
+                                <m:e>
+                                  <m:r>
+                                    <m:rPr>
+                                      <m:brk m:alnAt="7"/>
+                                    </m:rPr>
+                                    <a:rPr lang="it-IT" b="0" i="1" smtClean="0">
+                                      <a:latin typeface="Cambria Math" panose="02040503050406030204" pitchFamily="18" charset="0"/>
+                                    </a:rPr>
+                                    <m:t>1</m:t>
+                                  </m:r>
+                                </m:e>
+                                <m:e>
+                                  <m:r>
+                                    <a:rPr lang="it-IT" b="0" i="1" smtClean="0">
+                                      <a:latin typeface="Cambria Math" panose="02040503050406030204" pitchFamily="18" charset="0"/>
+                                    </a:rPr>
+                                    <m:t>1</m:t>
+                                  </m:r>
+                                </m:e>
+                                <m:e>
+                                  <m:r>
+                                    <a:rPr lang="it-IT" b="0" i="1" smtClean="0">
+                                      <a:latin typeface="Cambria Math" panose="02040503050406030204" pitchFamily="18" charset="0"/>
+                                    </a:rPr>
+                                    <m:t>2</m:t>
+                                  </m:r>
+                                </m:e>
+                                <m:e>
+                                  <m:r>
+                                    <a:rPr lang="it-IT" b="0" i="1" smtClean="0">
+                                      <a:latin typeface="Cambria Math" panose="02040503050406030204" pitchFamily="18" charset="0"/>
+                                    </a:rPr>
+                                    <m:t>2</m:t>
+                                  </m:r>
+                                </m:e>
+                              </m:mr>
+                              <m:mr>
+                                <m:e>
+                                  <m:r>
+                                    <a:rPr lang="it-IT" b="0" i="1" smtClean="0">
+                                      <a:latin typeface="Cambria Math" panose="02040503050406030204" pitchFamily="18" charset="0"/>
+                                    </a:rPr>
+                                    <m:t>0</m:t>
+                                  </m:r>
+                                </m:e>
+                                <m:e>
+                                  <m:r>
+                                    <a:rPr lang="it-IT" b="0" i="1" smtClean="0">
+                                      <a:latin typeface="Cambria Math" panose="02040503050406030204" pitchFamily="18" charset="0"/>
+                                    </a:rPr>
+                                    <m:t>3</m:t>
+                                  </m:r>
+                                </m:e>
+                                <m:e>
+                                  <m:r>
+                                    <a:rPr lang="it-IT" b="0" i="1" smtClean="0">
+                                      <a:latin typeface="Cambria Math" panose="02040503050406030204" pitchFamily="18" charset="0"/>
+                                    </a:rPr>
+                                    <m:t>−1</m:t>
+                                  </m:r>
+                                </m:e>
+                                <m:e>
+                                  <m:r>
+                                    <a:rPr lang="it-IT" b="0" i="1" smtClean="0">
+                                      <a:latin typeface="Cambria Math" panose="02040503050406030204" pitchFamily="18" charset="0"/>
+                                    </a:rPr>
+                                    <m:t>1</m:t>
+                                  </m:r>
+                                </m:e>
+                              </m:mr>
+                              <m:mr>
+                                <m:e>
+                                  <m:r>
+                                    <a:rPr lang="it-IT" b="0" i="1" smtClean="0">
+                                      <a:latin typeface="Cambria Math" panose="02040503050406030204" pitchFamily="18" charset="0"/>
+                                    </a:rPr>
+                                    <m:t>0</m:t>
+                                  </m:r>
+                                </m:e>
+                                <m:e>
+                                  <m:r>
+                                    <a:rPr lang="it-IT" b="0" i="1" smtClean="0">
+                                      <a:latin typeface="Cambria Math" panose="02040503050406030204" pitchFamily="18" charset="0"/>
+                                    </a:rPr>
+                                    <m:t>3</m:t>
+                                  </m:r>
+                                </m:e>
+                                <m:e>
+                                  <m:r>
+                                    <a:rPr lang="it-IT" b="0" i="1" smtClean="0">
+                                      <a:latin typeface="Cambria Math" panose="02040503050406030204" pitchFamily="18" charset="0"/>
+                                    </a:rPr>
+                                    <m:t>−1</m:t>
+                                  </m:r>
+                                </m:e>
+                                <m:e>
+                                  <m:r>
+                                    <a:rPr lang="it-IT" b="0" i="1" smtClean="0">
+                                      <a:latin typeface="Cambria Math" panose="02040503050406030204" pitchFamily="18" charset="0"/>
+                                    </a:rPr>
+                                    <m:t>−2</m:t>
+                                  </m:r>
+                                </m:e>
+                              </m:mr>
+                            </m:m>
+                          </m:e>
+                        </m:d>
+                      </m:oMath>
+                    </m:oMathPara>
+                  </a14:m>
+                  <a:endParaRPr lang="it-IT" dirty="0"/>
+                </a:p>
+              </p:txBody>
+            </p:sp>
+          </mc:Choice>
+          <mc:Fallback>
+            <p:sp>
+              <p:nvSpPr>
+                <p:cNvPr id="13" name="CasellaDiTesto 12">
+                  <a:extLst>
+                    <a:ext uri="{FF2B5EF4-FFF2-40B4-BE49-F238E27FC236}">
+                      <a16:creationId xmlns:a16="http://schemas.microsoft.com/office/drawing/2014/main" id="{3D210763-2480-4957-A533-07952B06CCBD}"/>
+                    </a:ext>
+                  </a:extLst>
+                </p:cNvPr>
+                <p:cNvSpPr txBox="1">
+                  <a:spLocks noRot="1" noChangeAspect="1" noMove="1" noResize="1" noEditPoints="1" noAdjustHandles="1" noChangeArrowheads="1" noChangeShapeType="1" noTextEdit="1"/>
+                </p:cNvSpPr>
+                <p:nvPr/>
+              </p:nvSpPr>
+              <p:spPr>
+                <a:xfrm>
+                  <a:off x="8780903" y="4867811"/>
+                  <a:ext cx="1788759" cy="732573"/>
+                </a:xfrm>
+                <a:prstGeom prst="rect">
+                  <a:avLst/>
+                </a:prstGeom>
+                <a:blipFill>
+                  <a:blip r:embed="rId5"/>
+                  <a:stretch>
+                    <a:fillRect/>
+                  </a:stretch>
+                </a:blipFill>
+              </p:spPr>
+              <p:txBody>
+                <a:bodyPr/>
+                <a:lstStyle/>
+                <a:p>
+                  <a:r>
+                    <a:rPr lang="it-IT">
+                      <a:noFill/>
+                    </a:rPr>
+                    <a:t> </a:t>
+                  </a:r>
+                </a:p>
+              </p:txBody>
+            </p:sp>
+          </mc:Fallback>
+        </mc:AlternateContent>
+        <p:sp>
+          <p:nvSpPr>
+            <p:cNvPr id="15" name="CasellaDiTesto 14">
+              <a:extLst>
+                <a:ext uri="{FF2B5EF4-FFF2-40B4-BE49-F238E27FC236}">
+                  <a16:creationId xmlns:a16="http://schemas.microsoft.com/office/drawing/2014/main" id="{FD2DAFCF-6810-4FD8-B6AA-72A170DBD0D4}"/>
+                </a:ext>
+              </a:extLst>
+            </p:cNvPr>
+            <p:cNvSpPr txBox="1"/>
+            <p:nvPr/>
+          </p:nvSpPr>
+          <p:spPr>
+            <a:xfrm>
+              <a:off x="3225257" y="5896238"/>
+              <a:ext cx="3741198" cy="369332"/>
+            </a:xfrm>
+            <a:prstGeom prst="rect">
+              <a:avLst/>
+            </a:prstGeom>
+            <a:noFill/>
+          </p:spPr>
+          <p:txBody>
+            <a:bodyPr wrap="square" rtlCol="0">
+              <a:spAutoFit/>
+            </a:bodyPr>
+            <a:lstStyle/>
+            <a:p>
+              <a:pPr marL="285750" indent="-285750">
+                <a:buFont typeface="Arial" panose="020B0604020202020204" pitchFamily="34" charset="0"/>
+                <a:buChar char="•"/>
+              </a:pPr>
+              <a:r>
+                <a:rPr lang="it-IT" dirty="0"/>
+                <a:t>Sostituire: R3 </a:t>
+              </a:r>
+              <a:r>
+                <a:rPr lang="it-IT" dirty="0">
+                  <a:sym typeface="Wingdings" panose="05000000000000000000" pitchFamily="2" charset="2"/>
+                </a:rPr>
+                <a:t> R3 – R2</a:t>
+              </a:r>
+              <a:endParaRPr lang="it-IT" dirty="0"/>
+            </a:p>
+          </p:txBody>
+        </p:sp>
+        <mc:AlternateContent xmlns:mc="http://schemas.openxmlformats.org/markup-compatibility/2006">
+          <mc:Choice xmlns:a14="http://schemas.microsoft.com/office/drawing/2010/main" Requires="a14">
+            <p:sp>
+              <p:nvSpPr>
+                <p:cNvPr id="16" name="CasellaDiTesto 15">
+                  <a:extLst>
+                    <a:ext uri="{FF2B5EF4-FFF2-40B4-BE49-F238E27FC236}">
+                      <a16:creationId xmlns:a16="http://schemas.microsoft.com/office/drawing/2014/main" id="{38B93B90-1BC6-42D8-8ACD-8E248DF3B087}"/>
+                    </a:ext>
+                  </a:extLst>
+                </p:cNvPr>
+                <p:cNvSpPr txBox="1"/>
+                <p:nvPr/>
+              </p:nvSpPr>
+              <p:spPr>
+                <a:xfrm>
+                  <a:off x="8780903" y="5899284"/>
+                  <a:ext cx="1788759" cy="732573"/>
+                </a:xfrm>
+                <a:prstGeom prst="rect">
+                  <a:avLst/>
+                </a:prstGeom>
+                <a:noFill/>
+              </p:spPr>
+              <p:txBody>
+                <a:bodyPr wrap="none" lIns="0" tIns="0" rIns="0" bIns="0" rtlCol="0">
+                  <a:spAutoFit/>
+                </a:bodyPr>
+                <a:lstStyle/>
+                <a:p>
+                  <a:pPr/>
+                  <a14:m>
+                    <m:oMathPara xmlns:m="http://schemas.openxmlformats.org/officeDocument/2006/math">
+                      <m:oMathParaPr>
+                        <m:jc m:val="centerGroup"/>
+                      </m:oMathParaPr>
+                      <m:oMath xmlns:m="http://schemas.openxmlformats.org/officeDocument/2006/math">
+                        <m:d>
+                          <m:dPr>
+                            <m:begChr m:val="["/>
+                            <m:endChr m:val="]"/>
+                            <m:ctrlPr>
+                              <a:rPr lang="it-IT" i="1" smtClean="0">
+                                <a:latin typeface="Cambria Math" panose="02040503050406030204" pitchFamily="18" charset="0"/>
+                              </a:rPr>
+                            </m:ctrlPr>
+                          </m:dPr>
+                          <m:e>
+                            <m:m>
+                              <m:mPr>
+                                <m:mcs>
+                                  <m:mc>
+                                    <m:mcPr>
+                                      <m:count m:val="4"/>
+                                      <m:mcJc m:val="center"/>
+                                    </m:mcPr>
+                                  </m:mc>
+                                </m:mcs>
+                                <m:ctrlPr>
+                                  <a:rPr lang="it-IT" b="0" i="1" smtClean="0">
+                                    <a:latin typeface="Cambria Math" panose="02040503050406030204" pitchFamily="18" charset="0"/>
+                                  </a:rPr>
+                                </m:ctrlPr>
+                              </m:mPr>
+                              <m:mr>
+                                <m:e>
+                                  <m:r>
+                                    <m:rPr>
+                                      <m:brk m:alnAt="7"/>
+                                    </m:rPr>
+                                    <a:rPr lang="it-IT" b="0" i="1" smtClean="0">
+                                      <a:latin typeface="Cambria Math" panose="02040503050406030204" pitchFamily="18" charset="0"/>
+                                    </a:rPr>
+                                    <m:t>1</m:t>
+                                  </m:r>
+                                </m:e>
+                                <m:e>
+                                  <m:r>
+                                    <a:rPr lang="it-IT" b="0" i="1" smtClean="0">
+                                      <a:latin typeface="Cambria Math" panose="02040503050406030204" pitchFamily="18" charset="0"/>
+                                    </a:rPr>
+                                    <m:t>1</m:t>
+                                  </m:r>
+                                </m:e>
+                                <m:e>
+                                  <m:r>
+                                    <a:rPr lang="it-IT" b="0" i="1" smtClean="0">
+                                      <a:latin typeface="Cambria Math" panose="02040503050406030204" pitchFamily="18" charset="0"/>
+                                    </a:rPr>
+                                    <m:t>2</m:t>
+                                  </m:r>
+                                </m:e>
+                                <m:e>
+                                  <m:r>
+                                    <a:rPr lang="it-IT" b="0" i="1" smtClean="0">
+                                      <a:latin typeface="Cambria Math" panose="02040503050406030204" pitchFamily="18" charset="0"/>
+                                    </a:rPr>
+                                    <m:t>2</m:t>
+                                  </m:r>
+                                </m:e>
+                              </m:mr>
+                              <m:mr>
+                                <m:e>
+                                  <m:r>
+                                    <a:rPr lang="it-IT" b="0" i="1" smtClean="0">
+                                      <a:latin typeface="Cambria Math" panose="02040503050406030204" pitchFamily="18" charset="0"/>
+                                    </a:rPr>
+                                    <m:t>0</m:t>
+                                  </m:r>
+                                </m:e>
+                                <m:e>
+                                  <m:r>
+                                    <a:rPr lang="it-IT" b="0" i="1" smtClean="0">
+                                      <a:latin typeface="Cambria Math" panose="02040503050406030204" pitchFamily="18" charset="0"/>
+                                    </a:rPr>
+                                    <m:t>3</m:t>
+                                  </m:r>
+                                </m:e>
+                                <m:e>
+                                  <m:r>
+                                    <a:rPr lang="it-IT" b="0" i="1" smtClean="0">
+                                      <a:latin typeface="Cambria Math" panose="02040503050406030204" pitchFamily="18" charset="0"/>
+                                    </a:rPr>
+                                    <m:t>−1</m:t>
+                                  </m:r>
+                                </m:e>
+                                <m:e>
+                                  <m:r>
+                                    <a:rPr lang="it-IT" b="0" i="1" smtClean="0">
+                                      <a:latin typeface="Cambria Math" panose="02040503050406030204" pitchFamily="18" charset="0"/>
+                                    </a:rPr>
+                                    <m:t>1</m:t>
+                                  </m:r>
+                                </m:e>
+                              </m:mr>
+                              <m:mr>
+                                <m:e>
+                                  <m:r>
+                                    <a:rPr lang="it-IT" b="0" i="1" smtClean="0">
+                                      <a:latin typeface="Cambria Math" panose="02040503050406030204" pitchFamily="18" charset="0"/>
+                                    </a:rPr>
+                                    <m:t>0</m:t>
+                                  </m:r>
+                                </m:e>
+                                <m:e>
+                                  <m:r>
+                                    <a:rPr lang="it-IT" b="0" i="1" smtClean="0">
+                                      <a:latin typeface="Cambria Math" panose="02040503050406030204" pitchFamily="18" charset="0"/>
+                                    </a:rPr>
+                                    <m:t>0</m:t>
+                                  </m:r>
+                                </m:e>
+                                <m:e>
+                                  <m:r>
+                                    <a:rPr lang="it-IT" b="0" i="1" smtClean="0">
+                                      <a:latin typeface="Cambria Math" panose="02040503050406030204" pitchFamily="18" charset="0"/>
+                                    </a:rPr>
+                                    <m:t>0</m:t>
+                                  </m:r>
+                                </m:e>
+                                <m:e>
+                                  <m:r>
+                                    <a:rPr lang="it-IT" b="0" i="1" smtClean="0">
+                                      <a:latin typeface="Cambria Math" panose="02040503050406030204" pitchFamily="18" charset="0"/>
+                                    </a:rPr>
+                                    <m:t>−3</m:t>
+                                  </m:r>
+                                </m:e>
+                              </m:mr>
+                            </m:m>
+                          </m:e>
+                        </m:d>
+                      </m:oMath>
+                    </m:oMathPara>
+                  </a14:m>
+                  <a:endParaRPr lang="it-IT" dirty="0"/>
+                </a:p>
+              </p:txBody>
+            </p:sp>
+          </mc:Choice>
+          <mc:Fallback>
+            <p:sp>
+              <p:nvSpPr>
+                <p:cNvPr id="16" name="CasellaDiTesto 15">
+                  <a:extLst>
+                    <a:ext uri="{FF2B5EF4-FFF2-40B4-BE49-F238E27FC236}">
+                      <a16:creationId xmlns:a16="http://schemas.microsoft.com/office/drawing/2014/main" id="{38B93B90-1BC6-42D8-8ACD-8E248DF3B087}"/>
+                    </a:ext>
+                  </a:extLst>
+                </p:cNvPr>
+                <p:cNvSpPr txBox="1">
+                  <a:spLocks noRot="1" noChangeAspect="1" noMove="1" noResize="1" noEditPoints="1" noAdjustHandles="1" noChangeArrowheads="1" noChangeShapeType="1" noTextEdit="1"/>
+                </p:cNvSpPr>
+                <p:nvPr/>
+              </p:nvSpPr>
+              <p:spPr>
+                <a:xfrm>
+                  <a:off x="8780903" y="5899284"/>
+                  <a:ext cx="1788759" cy="732573"/>
+                </a:xfrm>
+                <a:prstGeom prst="rect">
+                  <a:avLst/>
+                </a:prstGeom>
+                <a:blipFill>
+                  <a:blip r:embed="rId6"/>
+                  <a:stretch>
+                    <a:fillRect/>
+                  </a:stretch>
+                </a:blipFill>
+              </p:spPr>
+              <p:txBody>
+                <a:bodyPr/>
+                <a:lstStyle/>
+                <a:p>
+                  <a:r>
+                    <a:rPr lang="it-IT">
+                      <a:noFill/>
+                    </a:rPr>
+                    <a:t> </a:t>
+                  </a:r>
+                </a:p>
+              </p:txBody>
+            </p:sp>
+          </mc:Fallback>
+        </mc:AlternateContent>
+      </p:grpSp>
+      <p:sp>
+        <p:nvSpPr>
+          <p:cNvPr id="21" name="Cerchio vuoto 20">
+            <a:extLst>
+              <a:ext uri="{FF2B5EF4-FFF2-40B4-BE49-F238E27FC236}">
+                <a16:creationId xmlns:a16="http://schemas.microsoft.com/office/drawing/2014/main" id="{E28B7BBB-E790-42C2-A8E5-66F87664DA97}"/>
+              </a:ext>
+            </a:extLst>
+          </p:cNvPr>
+          <p:cNvSpPr/>
+          <p:nvPr/>
+        </p:nvSpPr>
+        <p:spPr>
+          <a:xfrm>
+            <a:off x="479878" y="2040322"/>
+            <a:ext cx="2187177" cy="2082349"/>
+          </a:xfrm>
+          <a:prstGeom prst="donut">
+            <a:avLst>
+              <a:gd name="adj" fmla="val 10996"/>
+            </a:avLst>
+          </a:prstGeom>
+          <a:solidFill>
+            <a:srgbClr val="FF0000"/>
+          </a:solidFill>
+          <a:ln>
+            <a:solidFill>
+              <a:srgbClr val="FF0000"/>
+            </a:solidFill>
+          </a:ln>
+        </p:spPr>
+        <p:style>
+          <a:lnRef idx="2">
+            <a:schemeClr val="accent1">
+              <a:shade val="50000"/>
+            </a:schemeClr>
+          </a:lnRef>
+          <a:fillRef idx="1">
+            <a:schemeClr val="accent1"/>
+          </a:fillRef>
+          <a:effectRef idx="0">
+            <a:schemeClr val="accent1"/>
+          </a:effectRef>
+          <a:fontRef idx="minor">
+            <a:schemeClr val="lt1"/>
+          </a:fontRef>
+        </p:style>
+        <p:txBody>
+          <a:bodyPr rtlCol="0" anchor="ctr"/>
+          <a:lstStyle/>
+          <a:p>
+            <a:pPr algn="ctr"/>
+            <a:r>
+              <a:rPr lang="it-IT" dirty="0">
+                <a:solidFill>
+                  <a:schemeClr val="tx1"/>
+                </a:solidFill>
+              </a:rPr>
+              <a:t>ATTENZIONE!</a:t>
+            </a:r>
+          </a:p>
+        </p:txBody>
+      </p:sp>
+    </p:spTree>
+    <p:extLst>
+      <p:ext uri="{BB962C8B-B14F-4D97-AF65-F5344CB8AC3E}">
+        <p14:creationId xmlns:p14="http://schemas.microsoft.com/office/powerpoint/2010/main" val="1291954484"/>
+      </p:ext>
+    </p:extLst>
+  </p:cSld>
+  <p:clrMapOvr>
+    <a:masterClrMapping/>
+  </p:clrMapOvr>
+</p:sld>
+</file>
+
+<file path=ppt/slides/slide39.xml><?xml version="1.0" encoding="utf-8"?>
+<p:sld xmlns:a="http://schemas.openxmlformats.org/drawingml/2006/main" xmlns:r="http://schemas.openxmlformats.org/officeDocument/2006/relationships" xmlns:p="http://schemas.openxmlformats.org/presentationml/2006/main">
+  <p:cSld>
+    <p:spTree>
+      <p:nvGrpSpPr>
+        <p:cNvPr id="1" name=""/>
+        <p:cNvGrpSpPr/>
+        <p:nvPr/>
+      </p:nvGrpSpPr>
+      <p:grpSpPr>
+        <a:xfrm>
+          <a:off x="0" y="0"/>
+          <a:ext cx="0" cy="0"/>
+          <a:chOff x="0" y="0"/>
+          <a:chExt cx="0" cy="0"/>
+        </a:xfrm>
+      </p:grpSpPr>
+      <p:sp>
+        <p:nvSpPr>
+          <p:cNvPr id="4" name="Titolo 1">
+            <a:extLst>
+              <a:ext uri="{FF2B5EF4-FFF2-40B4-BE49-F238E27FC236}">
+                <a16:creationId xmlns:a16="http://schemas.microsoft.com/office/drawing/2014/main" id="{DC43C243-EB51-401A-B9C2-5398A930926C}"/>
+              </a:ext>
+            </a:extLst>
+          </p:cNvPr>
+          <p:cNvSpPr>
+            <a:spLocks noGrp="1"/>
+          </p:cNvSpPr>
+          <p:nvPr>
+            <p:ph type="title"/>
+          </p:nvPr>
+        </p:nvSpPr>
+        <p:spPr>
+          <a:xfrm>
+            <a:off x="838200" y="365125"/>
+            <a:ext cx="10515600" cy="1325563"/>
+          </a:xfrm>
+        </p:spPr>
+        <p:txBody>
+          <a:bodyPr/>
+          <a:lstStyle/>
+          <a:p>
+            <a:r>
+              <a:rPr lang="it-IT" dirty="0"/>
+              <a:t>Metodo di Gauss</a:t>
+            </a:r>
+            <a:br>
+              <a:rPr lang="it-IT" dirty="0"/>
+            </a:br>
+            <a:r>
+              <a:rPr lang="it-IT" sz="2800" dirty="0">
+                <a:solidFill>
+                  <a:srgbClr val="FF0000"/>
+                </a:solidFill>
+              </a:rPr>
+              <a:t>Attenzione</a:t>
+            </a:r>
+            <a:endParaRPr lang="it-IT" dirty="0">
+              <a:solidFill>
+                <a:srgbClr val="FF0000"/>
+              </a:solidFill>
+            </a:endParaRPr>
+          </a:p>
+        </p:txBody>
+      </p:sp>
+      <p:sp>
+        <p:nvSpPr>
+          <p:cNvPr id="5" name="CasellaDiTesto 4">
+            <a:extLst>
+              <a:ext uri="{FF2B5EF4-FFF2-40B4-BE49-F238E27FC236}">
+                <a16:creationId xmlns:a16="http://schemas.microsoft.com/office/drawing/2014/main" id="{8601B404-2933-404C-851F-461CAFA4166D}"/>
+              </a:ext>
+            </a:extLst>
+          </p:cNvPr>
+          <p:cNvSpPr txBox="1"/>
+          <p:nvPr/>
+        </p:nvSpPr>
+        <p:spPr>
+          <a:xfrm>
+            <a:off x="838200" y="1698268"/>
+            <a:ext cx="10680290" cy="369332"/>
+          </a:xfrm>
+          <a:prstGeom prst="rect">
+            <a:avLst/>
+          </a:prstGeom>
+          <a:noFill/>
+        </p:spPr>
+        <p:txBody>
+          <a:bodyPr wrap="square" rtlCol="0">
+            <a:spAutoFit/>
+          </a:bodyPr>
+          <a:lstStyle/>
+          <a:p>
+            <a:r>
+              <a:rPr lang="it-IT" dirty="0"/>
+              <a:t>Non tutti i sistemi hanno soluzione. Vediamo un esempio in cui accade questa cosa.</a:t>
+            </a:r>
+          </a:p>
+        </p:txBody>
+      </p:sp>
+      <p:grpSp>
+        <p:nvGrpSpPr>
+          <p:cNvPr id="19" name="Gruppo 18">
+            <a:extLst>
+              <a:ext uri="{FF2B5EF4-FFF2-40B4-BE49-F238E27FC236}">
+                <a16:creationId xmlns:a16="http://schemas.microsoft.com/office/drawing/2014/main" id="{6D3627E2-AA7E-4863-9ADD-218B8694A81E}"/>
+              </a:ext>
+            </a:extLst>
+          </p:cNvPr>
+          <p:cNvGrpSpPr/>
+          <p:nvPr/>
+        </p:nvGrpSpPr>
+        <p:grpSpPr>
+          <a:xfrm>
+            <a:off x="1383223" y="3122078"/>
+            <a:ext cx="4955465" cy="219477"/>
+            <a:chOff x="1383223" y="3122078"/>
+            <a:chExt cx="4955465" cy="219477"/>
+          </a:xfrm>
+        </p:grpSpPr>
+        <p:sp>
+          <p:nvSpPr>
+            <p:cNvPr id="17" name="Rettangolo 16">
+              <a:extLst>
+                <a:ext uri="{FF2B5EF4-FFF2-40B4-BE49-F238E27FC236}">
+                  <a16:creationId xmlns:a16="http://schemas.microsoft.com/office/drawing/2014/main" id="{A56956FC-9336-4E79-9A82-ADB265C3210F}"/>
+                </a:ext>
+              </a:extLst>
+            </p:cNvPr>
+            <p:cNvSpPr/>
+            <p:nvPr/>
+          </p:nvSpPr>
+          <p:spPr>
+            <a:xfrm rot="5400000">
+              <a:off x="2067223" y="2441555"/>
+              <a:ext cx="216000" cy="1584000"/>
+            </a:xfrm>
+            <a:prstGeom prst="rect">
+              <a:avLst/>
+            </a:prstGeom>
+            <a:solidFill>
+              <a:srgbClr val="FF0000">
+                <a:alpha val="43000"/>
+              </a:srgbClr>
+            </a:solidFill>
+            <a:ln>
+              <a:noFill/>
+            </a:ln>
+          </p:spPr>
+          <p:style>
+            <a:lnRef idx="2">
+              <a:schemeClr val="accent1">
+                <a:shade val="50000"/>
+              </a:schemeClr>
+            </a:lnRef>
+            <a:fillRef idx="1">
+              <a:schemeClr val="accent1"/>
+            </a:fillRef>
+            <a:effectRef idx="0">
+              <a:schemeClr val="accent1"/>
+            </a:effectRef>
+            <a:fontRef idx="minor">
+              <a:schemeClr val="lt1"/>
+            </a:fontRef>
+          </p:style>
+          <p:txBody>
+            <a:bodyPr rtlCol="0" anchor="ctr"/>
+            <a:lstStyle/>
+            <a:p>
+              <a:pPr algn="ctr"/>
+              <a:endParaRPr lang="it-IT" dirty="0"/>
+            </a:p>
+          </p:txBody>
+        </p:sp>
+        <p:sp>
+          <p:nvSpPr>
+            <p:cNvPr id="18" name="Rettangolo 17">
+              <a:extLst>
+                <a:ext uri="{FF2B5EF4-FFF2-40B4-BE49-F238E27FC236}">
+                  <a16:creationId xmlns:a16="http://schemas.microsoft.com/office/drawing/2014/main" id="{DE673774-F8B4-4F03-862D-5980246D619F}"/>
+                </a:ext>
+              </a:extLst>
+            </p:cNvPr>
+            <p:cNvSpPr/>
+            <p:nvPr/>
+          </p:nvSpPr>
+          <p:spPr>
+            <a:xfrm rot="5400000">
+              <a:off x="5438688" y="2438078"/>
+              <a:ext cx="216000" cy="1584000"/>
+            </a:xfrm>
+            <a:prstGeom prst="rect">
+              <a:avLst/>
+            </a:prstGeom>
+            <a:solidFill>
+              <a:srgbClr val="FF0000">
+                <a:alpha val="43000"/>
+              </a:srgbClr>
+            </a:solidFill>
+            <a:ln>
+              <a:noFill/>
+            </a:ln>
+          </p:spPr>
+          <p:style>
+            <a:lnRef idx="2">
+              <a:schemeClr val="accent1">
+                <a:shade val="50000"/>
+              </a:schemeClr>
+            </a:lnRef>
+            <a:fillRef idx="1">
+              <a:schemeClr val="accent1"/>
+            </a:fillRef>
+            <a:effectRef idx="0">
+              <a:schemeClr val="accent1"/>
+            </a:effectRef>
+            <a:fontRef idx="minor">
+              <a:schemeClr val="lt1"/>
+            </a:fontRef>
+          </p:style>
+          <p:txBody>
+            <a:bodyPr rtlCol="0" anchor="ctr"/>
+            <a:lstStyle/>
+            <a:p>
+              <a:pPr algn="ctr"/>
+              <a:endParaRPr lang="it-IT" dirty="0"/>
+            </a:p>
+          </p:txBody>
+        </p:sp>
+      </p:grpSp>
+      <p:grpSp>
+        <p:nvGrpSpPr>
+          <p:cNvPr id="8" name="Gruppo 7">
+            <a:extLst>
+              <a:ext uri="{FF2B5EF4-FFF2-40B4-BE49-F238E27FC236}">
+                <a16:creationId xmlns:a16="http://schemas.microsoft.com/office/drawing/2014/main" id="{440E776D-384C-48B8-BB6D-409095B76799}"/>
+              </a:ext>
+            </a:extLst>
+          </p:cNvPr>
+          <p:cNvGrpSpPr/>
+          <p:nvPr/>
+        </p:nvGrpSpPr>
+        <p:grpSpPr>
+          <a:xfrm>
+            <a:off x="1313223" y="2446423"/>
+            <a:ext cx="9565554" cy="982577"/>
+            <a:chOff x="1460707" y="3735241"/>
+            <a:chExt cx="9565554" cy="982577"/>
+          </a:xfrm>
+        </p:grpSpPr>
+        <p:grpSp>
+          <p:nvGrpSpPr>
+            <p:cNvPr id="14" name="Gruppo 13">
+              <a:extLst>
+                <a:ext uri="{FF2B5EF4-FFF2-40B4-BE49-F238E27FC236}">
+                  <a16:creationId xmlns:a16="http://schemas.microsoft.com/office/drawing/2014/main" id="{E0F8B761-38F4-4B9B-8841-4B04AE0AAEB8}"/>
+                </a:ext>
+              </a:extLst>
+            </p:cNvPr>
+            <p:cNvGrpSpPr/>
+            <p:nvPr/>
+          </p:nvGrpSpPr>
+          <p:grpSpPr>
+            <a:xfrm>
+              <a:off x="3473614" y="3735241"/>
+              <a:ext cx="3044937" cy="982577"/>
+              <a:chOff x="3288890" y="2397844"/>
+              <a:chExt cx="3044937" cy="982577"/>
+            </a:xfrm>
+          </p:grpSpPr>
+          <mc:AlternateContent xmlns:mc="http://schemas.openxmlformats.org/markup-compatibility/2006">
+            <mc:Choice xmlns:a14="http://schemas.microsoft.com/office/drawing/2010/main" Requires="a14">
+              <p:sp>
+                <p:nvSpPr>
+                  <p:cNvPr id="6" name="CasellaDiTesto 5">
+                    <a:extLst>
+                      <a:ext uri="{FF2B5EF4-FFF2-40B4-BE49-F238E27FC236}">
+                        <a16:creationId xmlns:a16="http://schemas.microsoft.com/office/drawing/2014/main" id="{85714899-73C4-409C-AAEA-E9794A91992E}"/>
+                      </a:ext>
+                    </a:extLst>
+                  </p:cNvPr>
+                  <p:cNvSpPr txBox="1"/>
+                  <p:nvPr/>
+                </p:nvSpPr>
+                <p:spPr>
+                  <a:xfrm>
+                    <a:off x="4470240" y="2397844"/>
+                    <a:ext cx="1863587" cy="982577"/>
+                  </a:xfrm>
+                  <a:prstGeom prst="rect">
+                    <a:avLst/>
+                  </a:prstGeom>
+                  <a:noFill/>
+                </p:spPr>
+                <p:txBody>
+                  <a:bodyPr wrap="none" lIns="0" tIns="0" rIns="0" bIns="0" rtlCol="0">
+                    <a:spAutoFit/>
+                  </a:bodyPr>
+                  <a:lstStyle/>
+                  <a:p>
+                    <a:pPr algn="just"/>
+                    <a14:m>
+                      <m:oMathPara xmlns:m="http://schemas.openxmlformats.org/officeDocument/2006/math">
+                        <m:oMathParaPr>
+                          <m:jc m:val="right"/>
+                        </m:oMathParaPr>
+                        <m:oMath xmlns:m="http://schemas.openxmlformats.org/officeDocument/2006/math">
+                          <m:d>
+                            <m:dPr>
+                              <m:begChr m:val="{"/>
+                              <m:endChr m:val=""/>
+                              <m:ctrlPr>
+                                <a:rPr lang="it-IT" sz="2000" i="1" smtClean="0">
+                                  <a:latin typeface="Cambria Math" panose="02040503050406030204" pitchFamily="18" charset="0"/>
+                                </a:rPr>
+                              </m:ctrlPr>
+                            </m:dPr>
+                            <m:e>
+                              <m:m>
+                                <m:mPr>
+                                  <m:mcs>
+                                    <m:mc>
+                                      <m:mcPr>
+                                        <m:count m:val="1"/>
+                                        <m:mcJc m:val="center"/>
+                                      </m:mcPr>
+                                    </m:mc>
+                                  </m:mcs>
+                                  <m:ctrlPr>
+                                    <a:rPr lang="it-IT" sz="2000" i="1" smtClean="0">
+                                      <a:latin typeface="Cambria Math" panose="02040503050406030204" pitchFamily="18" charset="0"/>
+                                    </a:rPr>
+                                  </m:ctrlPr>
+                                </m:mPr>
+                                <m:mr>
+                                  <m:e>
+                                    <m:r>
+                                      <m:rPr>
+                                        <m:brk m:alnAt="7"/>
+                                      </m:rPr>
+                                      <a:rPr lang="it-IT" sz="2000" b="0" i="1" smtClean="0">
+                                        <a:latin typeface="Cambria Math" panose="02040503050406030204" pitchFamily="18" charset="0"/>
+                                      </a:rPr>
+                                      <m:t>𝑥</m:t>
+                                    </m:r>
+                                    <m:r>
+                                      <a:rPr lang="it-IT" sz="2000" b="0" i="1" smtClean="0">
+                                        <a:latin typeface="Cambria Math" panose="02040503050406030204" pitchFamily="18" charset="0"/>
+                                      </a:rPr>
+                                      <m:t>+</m:t>
+                                    </m:r>
+                                    <m:r>
+                                      <a:rPr lang="it-IT" sz="2000" b="0" i="1" smtClean="0">
+                                        <a:latin typeface="Cambria Math" panose="02040503050406030204" pitchFamily="18" charset="0"/>
+                                      </a:rPr>
+                                      <m:t>𝑦</m:t>
+                                    </m:r>
+                                    <m:r>
+                                      <a:rPr lang="it-IT" sz="2000" b="0" i="1" smtClean="0">
+                                        <a:latin typeface="Cambria Math" panose="02040503050406030204" pitchFamily="18" charset="0"/>
+                                      </a:rPr>
+                                      <m:t>+2</m:t>
+                                    </m:r>
+                                    <m:r>
+                                      <a:rPr lang="it-IT" sz="2000" b="0" i="1" smtClean="0">
+                                        <a:latin typeface="Cambria Math" panose="02040503050406030204" pitchFamily="18" charset="0"/>
+                                      </a:rPr>
+                                      <m:t>𝑧</m:t>
+                                    </m:r>
+                                    <m:r>
+                                      <a:rPr lang="it-IT" sz="2000" b="0" i="1" smtClean="0">
+                                        <a:latin typeface="Cambria Math" panose="02040503050406030204" pitchFamily="18" charset="0"/>
+                                      </a:rPr>
+                                      <m:t>=</m:t>
+                                    </m:r>
+                                    <m:r>
+                                      <a:rPr lang="it-IT" sz="2000" b="0" i="1" smtClean="0">
+                                        <a:latin typeface="Cambria Math" panose="02040503050406030204" pitchFamily="18" charset="0"/>
+                                      </a:rPr>
+                                      <m:t>2</m:t>
+                                    </m:r>
+                                  </m:e>
+                                </m:mr>
+                                <m:mr>
+                                  <m:e>
+                                    <m:r>
+                                      <a:rPr lang="it-IT" sz="2000" b="0" i="1" smtClean="0">
+                                        <a:latin typeface="Cambria Math" panose="02040503050406030204" pitchFamily="18" charset="0"/>
+                                      </a:rPr>
+                                      <m:t> </m:t>
+                                    </m:r>
+                                    <m:r>
+                                      <a:rPr lang="it-IT" sz="2000" b="0" i="1" smtClean="0">
+                                        <a:latin typeface="Cambria Math" panose="02040503050406030204" pitchFamily="18" charset="0"/>
+                                      </a:rPr>
+                                      <m:t>3</m:t>
+                                    </m:r>
+                                    <m:r>
+                                      <a:rPr lang="it-IT" sz="2000" b="0" i="1" smtClean="0">
+                                        <a:latin typeface="Cambria Math" panose="02040503050406030204" pitchFamily="18" charset="0"/>
+                                      </a:rPr>
+                                      <m:t>𝑦</m:t>
+                                    </m:r>
+                                    <m:r>
+                                      <a:rPr lang="it-IT" sz="2000" b="0" i="1" smtClean="0">
+                                        <a:latin typeface="Cambria Math" panose="02040503050406030204" pitchFamily="18" charset="0"/>
+                                      </a:rPr>
+                                      <m:t>−</m:t>
+                                    </m:r>
+                                    <m:r>
+                                      <a:rPr lang="it-IT" sz="2000" b="0" i="1" smtClean="0">
+                                        <a:latin typeface="Cambria Math" panose="02040503050406030204" pitchFamily="18" charset="0"/>
+                                      </a:rPr>
+                                      <m:t>𝑧</m:t>
+                                    </m:r>
+                                    <m:r>
+                                      <a:rPr lang="it-IT" sz="2000" b="0" i="1" smtClean="0">
+                                        <a:latin typeface="Cambria Math" panose="02040503050406030204" pitchFamily="18" charset="0"/>
+                                      </a:rPr>
+                                      <m:t>=1</m:t>
+                                    </m:r>
+                                  </m:e>
+                                </m:mr>
+                                <m:mr>
+                                  <m:e>
+                                    <m:r>
+                                      <a:rPr lang="it-IT" sz="2000" b="0" i="1" smtClean="0">
+                                        <a:latin typeface="Cambria Math" panose="02040503050406030204" pitchFamily="18" charset="0"/>
+                                      </a:rPr>
+                                      <m:t>0=−3</m:t>
+                                    </m:r>
+                                  </m:e>
+                                </m:mr>
+                              </m:m>
+                            </m:e>
+                          </m:d>
+                        </m:oMath>
+                      </m:oMathPara>
+                    </a14:m>
+                    <a:endParaRPr lang="it-IT" sz="2000" dirty="0"/>
+                  </a:p>
+                </p:txBody>
+              </p:sp>
+            </mc:Choice>
+            <mc:Fallback>
+              <p:sp>
+                <p:nvSpPr>
+                  <p:cNvPr id="6" name="CasellaDiTesto 5">
+                    <a:extLst>
+                      <a:ext uri="{FF2B5EF4-FFF2-40B4-BE49-F238E27FC236}">
+                        <a16:creationId xmlns:a16="http://schemas.microsoft.com/office/drawing/2014/main" id="{85714899-73C4-409C-AAEA-E9794A91992E}"/>
+                      </a:ext>
+                    </a:extLst>
+                  </p:cNvPr>
+                  <p:cNvSpPr txBox="1">
+                    <a:spLocks noRot="1" noChangeAspect="1" noMove="1" noResize="1" noEditPoints="1" noAdjustHandles="1" noChangeArrowheads="1" noChangeShapeType="1" noTextEdit="1"/>
+                  </p:cNvSpPr>
+                  <p:nvPr/>
+                </p:nvSpPr>
+                <p:spPr>
+                  <a:xfrm>
+                    <a:off x="4470240" y="2397844"/>
+                    <a:ext cx="1863587" cy="982577"/>
+                  </a:xfrm>
+                  <a:prstGeom prst="rect">
+                    <a:avLst/>
+                  </a:prstGeom>
+                  <a:blipFill>
+                    <a:blip r:embed="rId2"/>
+                    <a:stretch>
+                      <a:fillRect/>
+                    </a:stretch>
+                  </a:blipFill>
+                </p:spPr>
+                <p:txBody>
+                  <a:bodyPr/>
+                  <a:lstStyle/>
+                  <a:p>
+                    <a:r>
+                      <a:rPr lang="it-IT">
+                        <a:noFill/>
+                      </a:rPr>
+                      <a:t> </a:t>
+                    </a:r>
+                  </a:p>
+                </p:txBody>
+              </p:sp>
+            </mc:Fallback>
+          </mc:AlternateContent>
+          <p:cxnSp>
+            <p:nvCxnSpPr>
+              <p:cNvPr id="9" name="Connettore 2 8">
+                <a:extLst>
+                  <a:ext uri="{FF2B5EF4-FFF2-40B4-BE49-F238E27FC236}">
+                    <a16:creationId xmlns:a16="http://schemas.microsoft.com/office/drawing/2014/main" id="{F8F70AF4-32D4-47AC-B811-BE3D73F303AC}"/>
+                  </a:ext>
+                </a:extLst>
+              </p:cNvPr>
+              <p:cNvCxnSpPr/>
+              <p:nvPr/>
+            </p:nvCxnSpPr>
+            <p:spPr>
+              <a:xfrm>
+                <a:off x="3288890" y="2949596"/>
+                <a:ext cx="929149" cy="0"/>
+              </a:xfrm>
+              <a:prstGeom prst="straightConnector1">
+                <a:avLst/>
+              </a:prstGeom>
+              <a:ln>
+                <a:tailEnd type="triangle"/>
+              </a:ln>
+            </p:spPr>
+            <p:style>
+              <a:lnRef idx="1">
+                <a:schemeClr val="accent1"/>
+              </a:lnRef>
+              <a:fillRef idx="0">
+                <a:schemeClr val="accent1"/>
+              </a:fillRef>
+              <a:effectRef idx="0">
+                <a:schemeClr val="accent1"/>
+              </a:effectRef>
+              <a:fontRef idx="minor">
+                <a:schemeClr val="tx1"/>
+              </a:fontRef>
+            </p:style>
+          </p:cxnSp>
+        </p:grpSp>
+        <mc:AlternateContent xmlns:mc="http://schemas.openxmlformats.org/markup-compatibility/2006">
+          <mc:Choice xmlns:a14="http://schemas.microsoft.com/office/drawing/2010/main" Requires="a14">
+            <p:sp>
+              <p:nvSpPr>
+                <p:cNvPr id="16" name="CasellaDiTesto 15">
+                  <a:extLst>
+                    <a:ext uri="{FF2B5EF4-FFF2-40B4-BE49-F238E27FC236}">
+                      <a16:creationId xmlns:a16="http://schemas.microsoft.com/office/drawing/2014/main" id="{38B93B90-1BC6-42D8-8ACD-8E248DF3B087}"/>
+                    </a:ext>
+                  </a:extLst>
+                </p:cNvPr>
+                <p:cNvSpPr txBox="1"/>
+                <p:nvPr/>
+              </p:nvSpPr>
+              <p:spPr>
+                <a:xfrm>
+                  <a:off x="1460707" y="3916680"/>
+                  <a:ext cx="1788759" cy="732573"/>
+                </a:xfrm>
+                <a:prstGeom prst="rect">
+                  <a:avLst/>
+                </a:prstGeom>
+                <a:noFill/>
+              </p:spPr>
+              <p:txBody>
+                <a:bodyPr wrap="none" lIns="0" tIns="0" rIns="0" bIns="0" rtlCol="0">
+                  <a:spAutoFit/>
+                </a:bodyPr>
+                <a:lstStyle/>
+                <a:p>
+                  <a:pPr/>
+                  <a14:m>
+                    <m:oMathPara xmlns:m="http://schemas.openxmlformats.org/officeDocument/2006/math">
+                      <m:oMathParaPr>
+                        <m:jc m:val="centerGroup"/>
+                      </m:oMathParaPr>
+                      <m:oMath xmlns:m="http://schemas.openxmlformats.org/officeDocument/2006/math">
+                        <m:d>
+                          <m:dPr>
+                            <m:begChr m:val="["/>
+                            <m:endChr m:val="]"/>
+                            <m:ctrlPr>
+                              <a:rPr lang="it-IT" i="1" smtClean="0">
+                                <a:latin typeface="Cambria Math" panose="02040503050406030204" pitchFamily="18" charset="0"/>
+                              </a:rPr>
+                            </m:ctrlPr>
+                          </m:dPr>
+                          <m:e>
+                            <m:m>
+                              <m:mPr>
+                                <m:mcs>
+                                  <m:mc>
+                                    <m:mcPr>
+                                      <m:count m:val="4"/>
+                                      <m:mcJc m:val="center"/>
+                                    </m:mcPr>
+                                  </m:mc>
+                                </m:mcs>
+                                <m:ctrlPr>
+                                  <a:rPr lang="it-IT" b="0" i="1" smtClean="0">
+                                    <a:latin typeface="Cambria Math" panose="02040503050406030204" pitchFamily="18" charset="0"/>
+                                  </a:rPr>
+                                </m:ctrlPr>
+                              </m:mPr>
+                              <m:mr>
+                                <m:e>
+                                  <m:r>
+                                    <m:rPr>
+                                      <m:brk m:alnAt="7"/>
+                                    </m:rPr>
+                                    <a:rPr lang="it-IT" b="0" i="1" smtClean="0">
+                                      <a:latin typeface="Cambria Math" panose="02040503050406030204" pitchFamily="18" charset="0"/>
+                                    </a:rPr>
+                                    <m:t>1</m:t>
+                                  </m:r>
+                                </m:e>
+                                <m:e>
+                                  <m:r>
+                                    <a:rPr lang="it-IT" b="0" i="1" smtClean="0">
+                                      <a:latin typeface="Cambria Math" panose="02040503050406030204" pitchFamily="18" charset="0"/>
+                                    </a:rPr>
+                                    <m:t>1</m:t>
+                                  </m:r>
+                                </m:e>
+                                <m:e>
+                                  <m:r>
+                                    <a:rPr lang="it-IT" b="0" i="1" smtClean="0">
+                                      <a:latin typeface="Cambria Math" panose="02040503050406030204" pitchFamily="18" charset="0"/>
+                                    </a:rPr>
+                                    <m:t>2</m:t>
+                                  </m:r>
+                                </m:e>
+                                <m:e>
+                                  <m:r>
+                                    <a:rPr lang="it-IT" b="0" i="1" smtClean="0">
+                                      <a:latin typeface="Cambria Math" panose="02040503050406030204" pitchFamily="18" charset="0"/>
+                                    </a:rPr>
+                                    <m:t>2</m:t>
+                                  </m:r>
+                                </m:e>
+                              </m:mr>
+                              <m:mr>
+                                <m:e>
+                                  <m:r>
+                                    <a:rPr lang="it-IT" b="0" i="1" smtClean="0">
+                                      <a:latin typeface="Cambria Math" panose="02040503050406030204" pitchFamily="18" charset="0"/>
+                                    </a:rPr>
+                                    <m:t>0</m:t>
+                                  </m:r>
+                                </m:e>
+                                <m:e>
+                                  <m:r>
+                                    <a:rPr lang="it-IT" b="0" i="1" smtClean="0">
+                                      <a:latin typeface="Cambria Math" panose="02040503050406030204" pitchFamily="18" charset="0"/>
+                                    </a:rPr>
+                                    <m:t>3</m:t>
+                                  </m:r>
+                                </m:e>
+                                <m:e>
+                                  <m:r>
+                                    <a:rPr lang="it-IT" b="0" i="1" smtClean="0">
+                                      <a:latin typeface="Cambria Math" panose="02040503050406030204" pitchFamily="18" charset="0"/>
+                                    </a:rPr>
+                                    <m:t>−1</m:t>
+                                  </m:r>
+                                </m:e>
+                                <m:e>
+                                  <m:r>
+                                    <a:rPr lang="it-IT" b="0" i="1" smtClean="0">
+                                      <a:latin typeface="Cambria Math" panose="02040503050406030204" pitchFamily="18" charset="0"/>
+                                    </a:rPr>
+                                    <m:t>1</m:t>
+                                  </m:r>
+                                </m:e>
+                              </m:mr>
+                              <m:mr>
+                                <m:e>
+                                  <m:r>
+                                    <a:rPr lang="it-IT" b="0" i="1" smtClean="0">
+                                      <a:latin typeface="Cambria Math" panose="02040503050406030204" pitchFamily="18" charset="0"/>
+                                    </a:rPr>
+                                    <m:t>0</m:t>
+                                  </m:r>
+                                </m:e>
+                                <m:e>
+                                  <m:r>
+                                    <a:rPr lang="it-IT" b="0" i="1" smtClean="0">
+                                      <a:latin typeface="Cambria Math" panose="02040503050406030204" pitchFamily="18" charset="0"/>
+                                    </a:rPr>
+                                    <m:t>0</m:t>
+                                  </m:r>
+                                </m:e>
+                                <m:e>
+                                  <m:r>
+                                    <a:rPr lang="it-IT" b="0" i="1" smtClean="0">
+                                      <a:latin typeface="Cambria Math" panose="02040503050406030204" pitchFamily="18" charset="0"/>
+                                    </a:rPr>
+                                    <m:t>0</m:t>
+                                  </m:r>
+                                </m:e>
+                                <m:e>
+                                  <m:r>
+                                    <a:rPr lang="it-IT" b="0" i="1" smtClean="0">
+                                      <a:latin typeface="Cambria Math" panose="02040503050406030204" pitchFamily="18" charset="0"/>
+                                    </a:rPr>
+                                    <m:t>−3</m:t>
+                                  </m:r>
+                                </m:e>
+                              </m:mr>
+                            </m:m>
+                          </m:e>
+                        </m:d>
+                      </m:oMath>
+                    </m:oMathPara>
+                  </a14:m>
+                  <a:endParaRPr lang="it-IT" dirty="0"/>
+                </a:p>
+              </p:txBody>
+            </p:sp>
+          </mc:Choice>
+          <mc:Fallback>
+            <p:sp>
+              <p:nvSpPr>
+                <p:cNvPr id="16" name="CasellaDiTesto 15">
+                  <a:extLst>
+                    <a:ext uri="{FF2B5EF4-FFF2-40B4-BE49-F238E27FC236}">
+                      <a16:creationId xmlns:a16="http://schemas.microsoft.com/office/drawing/2014/main" id="{38B93B90-1BC6-42D8-8ACD-8E248DF3B087}"/>
+                    </a:ext>
+                  </a:extLst>
+                </p:cNvPr>
+                <p:cNvSpPr txBox="1">
+                  <a:spLocks noRot="1" noChangeAspect="1" noMove="1" noResize="1" noEditPoints="1" noAdjustHandles="1" noChangeArrowheads="1" noChangeShapeType="1" noTextEdit="1"/>
+                </p:cNvSpPr>
+                <p:nvPr/>
+              </p:nvSpPr>
+              <p:spPr>
+                <a:xfrm>
+                  <a:off x="1460707" y="3916680"/>
+                  <a:ext cx="1788759" cy="732573"/>
+                </a:xfrm>
+                <a:prstGeom prst="rect">
+                  <a:avLst/>
+                </a:prstGeom>
+                <a:blipFill>
+                  <a:blip r:embed="rId3"/>
+                  <a:stretch>
+                    <a:fillRect/>
+                  </a:stretch>
+                </a:blipFill>
+              </p:spPr>
+              <p:txBody>
+                <a:bodyPr/>
+                <a:lstStyle/>
+                <a:p>
+                  <a:r>
+                    <a:rPr lang="it-IT">
+                      <a:noFill/>
+                    </a:rPr>
+                    <a:t> </a:t>
+                  </a:r>
+                </a:p>
+              </p:txBody>
+            </p:sp>
+          </mc:Fallback>
+        </mc:AlternateContent>
+        <p:sp>
+          <p:nvSpPr>
+            <p:cNvPr id="2" name="Freccia a destra 1">
+              <a:extLst>
+                <a:ext uri="{FF2B5EF4-FFF2-40B4-BE49-F238E27FC236}">
+                  <a16:creationId xmlns:a16="http://schemas.microsoft.com/office/drawing/2014/main" id="{21E5F594-5B0E-43FF-A9EB-C143EDAF989B}"/>
+                </a:ext>
+              </a:extLst>
+            </p:cNvPr>
+            <p:cNvSpPr/>
+            <p:nvPr/>
+          </p:nvSpPr>
+          <p:spPr>
+            <a:xfrm>
+              <a:off x="7241458" y="3916680"/>
+              <a:ext cx="784971" cy="729096"/>
+            </a:xfrm>
+            <a:prstGeom prst="rightArrow">
+              <a:avLst/>
+            </a:prstGeom>
+            <a:solidFill>
+              <a:srgbClr val="FF0000"/>
+            </a:solidFill>
+          </p:spPr>
+          <p:style>
+            <a:lnRef idx="2">
+              <a:schemeClr val="accent1">
+                <a:shade val="50000"/>
+              </a:schemeClr>
+            </a:lnRef>
+            <a:fillRef idx="1">
+              <a:schemeClr val="accent1"/>
+            </a:fillRef>
+            <a:effectRef idx="0">
+              <a:schemeClr val="accent1"/>
+            </a:effectRef>
+            <a:fontRef idx="minor">
+              <a:schemeClr val="lt1"/>
+            </a:fontRef>
+          </p:style>
+          <p:txBody>
+            <a:bodyPr rtlCol="0" anchor="ctr"/>
+            <a:lstStyle/>
+            <a:p>
+              <a:pPr algn="ctr"/>
+              <a:endParaRPr lang="it-IT">
+                <a:solidFill>
+                  <a:srgbClr val="FF0000"/>
+                </a:solidFill>
+              </a:endParaRPr>
+            </a:p>
+          </p:txBody>
+        </p:sp>
+        <p:sp>
+          <p:nvSpPr>
+            <p:cNvPr id="3" name="CasellaDiTesto 2">
+              <a:extLst>
+                <a:ext uri="{FF2B5EF4-FFF2-40B4-BE49-F238E27FC236}">
+                  <a16:creationId xmlns:a16="http://schemas.microsoft.com/office/drawing/2014/main" id="{CF9DCC90-E303-4C31-858B-F65DE1F41DE9}"/>
+                </a:ext>
+              </a:extLst>
+            </p:cNvPr>
+            <p:cNvSpPr txBox="1"/>
+            <p:nvPr/>
+          </p:nvSpPr>
+          <p:spPr>
+            <a:xfrm>
+              <a:off x="8450826" y="3794488"/>
+              <a:ext cx="2575435" cy="923330"/>
+            </a:xfrm>
+            <a:prstGeom prst="rect">
+              <a:avLst/>
+            </a:prstGeom>
+            <a:noFill/>
+          </p:spPr>
+          <p:txBody>
+            <a:bodyPr wrap="square" rtlCol="0">
+              <a:spAutoFit/>
+            </a:bodyPr>
+            <a:lstStyle/>
+            <a:p>
+              <a:r>
+                <a:rPr lang="it-IT" dirty="0"/>
+                <a:t>Questo sistema è impossibile e non ammette soluzioni</a:t>
+              </a:r>
+            </a:p>
+          </p:txBody>
+        </p:sp>
+      </p:grpSp>
+      <p:sp>
+        <p:nvSpPr>
+          <p:cNvPr id="20" name="CasellaDiTesto 19">
+            <a:extLst>
+              <a:ext uri="{FF2B5EF4-FFF2-40B4-BE49-F238E27FC236}">
+                <a16:creationId xmlns:a16="http://schemas.microsoft.com/office/drawing/2014/main" id="{2AB474E3-5E0E-4637-B57D-F720EEE1AAFD}"/>
+              </a:ext>
+            </a:extLst>
+          </p:cNvPr>
+          <p:cNvSpPr txBox="1"/>
+          <p:nvPr/>
+        </p:nvSpPr>
+        <p:spPr>
+          <a:xfrm>
+            <a:off x="1538749" y="4328736"/>
+            <a:ext cx="9340028" cy="830997"/>
+          </a:xfrm>
+          <a:prstGeom prst="rect">
+            <a:avLst/>
+          </a:prstGeom>
+          <a:noFill/>
+          <a:ln>
+            <a:solidFill>
+              <a:srgbClr val="FF0000"/>
+            </a:solidFill>
+          </a:ln>
+        </p:spPr>
+        <p:txBody>
+          <a:bodyPr wrap="square" rtlCol="0">
+            <a:spAutoFit/>
+          </a:bodyPr>
+          <a:lstStyle/>
+          <a:p>
+            <a:pPr algn="ctr"/>
+            <a:r>
+              <a:rPr lang="it-IT" sz="2400" dirty="0"/>
+              <a:t>Quando i primi tre elementi di una riga sono 0 e l’ultimo è diverso da 0, il sistema è impossibile.</a:t>
+            </a:r>
+          </a:p>
+        </p:txBody>
+      </p:sp>
+    </p:spTree>
+    <p:extLst>
+      <p:ext uri="{BB962C8B-B14F-4D97-AF65-F5344CB8AC3E}">
+        <p14:creationId xmlns:p14="http://schemas.microsoft.com/office/powerpoint/2010/main" val="1680758109"/>
+      </p:ext>
+    </p:extLst>
+  </p:cSld>
+  <p:clrMapOvr>
+    <a:masterClrMapping/>
+  </p:clrMapOvr>
+</p:sld>
+</file>
+
+<file path=ppt/slides/slide4.xml><?xml version="1.0" encoding="utf-8"?>
+<p:sld xmlns:a="http://schemas.openxmlformats.org/drawingml/2006/main" xmlns:r="http://schemas.openxmlformats.org/officeDocument/2006/relationships" xmlns:p="http://schemas.openxmlformats.org/presentationml/2006/main">
+  <p:cSld>
+    <p:spTree>
+      <p:nvGrpSpPr>
+        <p:cNvPr id="1" name=""/>
+        <p:cNvGrpSpPr/>
+        <p:nvPr/>
+      </p:nvGrpSpPr>
+      <p:grpSpPr>
+        <a:xfrm>
+          <a:off x="0" y="0"/>
+          <a:ext cx="0" cy="0"/>
+          <a:chOff x="0" y="0"/>
+          <a:chExt cx="0" cy="0"/>
+        </a:xfrm>
+      </p:grpSpPr>
+      <p:pic>
+        <p:nvPicPr>
+          <p:cNvPr id="5" name="Immagine 4">
+            <a:extLst>
+              <a:ext uri="{FF2B5EF4-FFF2-40B4-BE49-F238E27FC236}">
+                <a16:creationId xmlns:a16="http://schemas.microsoft.com/office/drawing/2014/main" id="{9234A203-F684-4DF6-80AC-177C84A3C8CA}"/>
+              </a:ext>
+            </a:extLst>
+          </p:cNvPr>
+          <p:cNvPicPr>
+            <a:picLocks noChangeAspect="1"/>
+          </p:cNvPicPr>
+          <p:nvPr/>
+        </p:nvPicPr>
+        <p:blipFill>
+          <a:blip r:embed="rId2">
+            <a:extLst>
+              <a:ext uri="{28A0092B-C50C-407E-A947-70E740481C1C}">
+                <a14:useLocalDpi xmlns:a14="http://schemas.microsoft.com/office/drawing/2010/main" val="0"/>
+              </a:ext>
+            </a:extLst>
+          </a:blip>
+          <a:stretch>
+            <a:fillRect/>
+          </a:stretch>
+        </p:blipFill>
+        <p:spPr>
+          <a:xfrm>
+            <a:off x="0" y="0"/>
+            <a:ext cx="12192000" cy="6689558"/>
+          </a:xfrm>
+          <a:prstGeom prst="rect">
+            <a:avLst/>
+          </a:prstGeom>
+        </p:spPr>
+      </p:pic>
+      <p:sp>
+        <p:nvSpPr>
+          <p:cNvPr id="6" name="CasellaDiTesto 5">
+            <a:extLst>
+              <a:ext uri="{FF2B5EF4-FFF2-40B4-BE49-F238E27FC236}">
+                <a16:creationId xmlns:a16="http://schemas.microsoft.com/office/drawing/2014/main" id="{B825BDB0-1D3D-4695-9334-E7E91B86145D}"/>
+              </a:ext>
+            </a:extLst>
+          </p:cNvPr>
+          <p:cNvSpPr txBox="1"/>
+          <p:nvPr/>
+        </p:nvSpPr>
+        <p:spPr>
+          <a:xfrm>
+            <a:off x="175647" y="1099066"/>
+            <a:ext cx="11561736" cy="369332"/>
+          </a:xfrm>
+          <a:prstGeom prst="rect">
+            <a:avLst/>
+          </a:prstGeom>
+          <a:noFill/>
+        </p:spPr>
+        <p:txBody>
+          <a:bodyPr wrap="square" rtlCol="0">
+            <a:spAutoFit/>
+          </a:bodyPr>
+          <a:lstStyle/>
+          <a:p>
+            <a:r>
+              <a:rPr lang="it-IT" dirty="0"/>
+              <a:t>Risolto per via grafica. Questo metodo …</a:t>
+            </a:r>
+          </a:p>
+        </p:txBody>
+      </p:sp>
+      <p:sp>
+        <p:nvSpPr>
+          <p:cNvPr id="2" name="CasellaDiTesto 1">
+            <a:extLst>
+              <a:ext uri="{FF2B5EF4-FFF2-40B4-BE49-F238E27FC236}">
+                <a16:creationId xmlns:a16="http://schemas.microsoft.com/office/drawing/2014/main" id="{872CBE70-9815-4C31-B0DB-5F79881DB73D}"/>
+              </a:ext>
+            </a:extLst>
+          </p:cNvPr>
+          <p:cNvSpPr txBox="1"/>
+          <p:nvPr/>
+        </p:nvSpPr>
+        <p:spPr>
+          <a:xfrm>
+            <a:off x="7516678" y="729734"/>
+            <a:ext cx="542441" cy="369332"/>
+          </a:xfrm>
+          <a:prstGeom prst="rect">
+            <a:avLst/>
+          </a:prstGeom>
+          <a:solidFill>
+            <a:schemeClr val="bg2"/>
+          </a:solidFill>
+        </p:spPr>
+        <p:txBody>
+          <a:bodyPr wrap="square" rtlCol="0">
+            <a:spAutoFit/>
+          </a:bodyPr>
+          <a:lstStyle/>
+          <a:p>
+            <a:r>
+              <a:rPr lang="it-IT" dirty="0"/>
+              <a:t>tre</a:t>
+            </a:r>
+          </a:p>
+        </p:txBody>
+      </p:sp>
+      <p:sp>
+        <p:nvSpPr>
+          <p:cNvPr id="7" name="CasellaDiTesto 6">
+            <a:extLst>
+              <a:ext uri="{FF2B5EF4-FFF2-40B4-BE49-F238E27FC236}">
+                <a16:creationId xmlns:a16="http://schemas.microsoft.com/office/drawing/2014/main" id="{8A1BFAB4-8378-44BE-80F6-CEFDBE5EB8EA}"/>
+              </a:ext>
+            </a:extLst>
+          </p:cNvPr>
+          <p:cNvSpPr txBox="1"/>
+          <p:nvPr/>
+        </p:nvSpPr>
+        <p:spPr>
+          <a:xfrm>
+            <a:off x="9583118" y="729734"/>
+            <a:ext cx="542441" cy="369332"/>
+          </a:xfrm>
+          <a:prstGeom prst="rect">
+            <a:avLst/>
+          </a:prstGeom>
+          <a:solidFill>
+            <a:schemeClr val="bg2"/>
+          </a:solidFill>
+        </p:spPr>
+        <p:txBody>
+          <a:bodyPr wrap="square" rtlCol="0">
+            <a:spAutoFit/>
+          </a:bodyPr>
+          <a:lstStyle/>
+          <a:p>
+            <a:r>
+              <a:rPr lang="it-IT" dirty="0"/>
+              <a:t>tre</a:t>
+            </a:r>
+          </a:p>
+        </p:txBody>
+      </p:sp>
+    </p:spTree>
+    <p:extLst>
+      <p:ext uri="{BB962C8B-B14F-4D97-AF65-F5344CB8AC3E}">
+        <p14:creationId xmlns:p14="http://schemas.microsoft.com/office/powerpoint/2010/main" val="1506991266"/>
+      </p:ext>
+    </p:extLst>
+  </p:cSld>
+  <p:clrMapOvr>
+    <a:masterClrMapping/>
+  </p:clrMapOvr>
+</p:sld>
+</file>
+
+<file path=ppt/slides/slide40.xml><?xml version="1.0" encoding="utf-8"?>
+<p:sld xmlns:a="http://schemas.openxmlformats.org/drawingml/2006/main" xmlns:r="http://schemas.openxmlformats.org/officeDocument/2006/relationships" xmlns:p="http://schemas.openxmlformats.org/presentationml/2006/main">
+  <p:cSld>
+    <p:spTree>
+      <p:nvGrpSpPr>
+        <p:cNvPr id="1" name=""/>
+        <p:cNvGrpSpPr/>
+        <p:nvPr/>
+      </p:nvGrpSpPr>
+      <p:grpSpPr>
+        <a:xfrm>
+          <a:off x="0" y="0"/>
+          <a:ext cx="0" cy="0"/>
+          <a:chOff x="0" y="0"/>
+          <a:chExt cx="0" cy="0"/>
+        </a:xfrm>
+      </p:grpSpPr>
+      <p:sp>
+        <p:nvSpPr>
+          <p:cNvPr id="4" name="Titolo 1">
+            <a:extLst>
+              <a:ext uri="{FF2B5EF4-FFF2-40B4-BE49-F238E27FC236}">
+                <a16:creationId xmlns:a16="http://schemas.microsoft.com/office/drawing/2014/main" id="{DC43C243-EB51-401A-B9C2-5398A930926C}"/>
+              </a:ext>
+            </a:extLst>
+          </p:cNvPr>
+          <p:cNvSpPr>
+            <a:spLocks noGrp="1"/>
+          </p:cNvSpPr>
+          <p:nvPr>
+            <p:ph type="title"/>
+          </p:nvPr>
+        </p:nvSpPr>
+        <p:spPr>
+          <a:xfrm>
+            <a:off x="838200" y="365125"/>
+            <a:ext cx="10515600" cy="1325563"/>
+          </a:xfrm>
+        </p:spPr>
+        <p:txBody>
+          <a:bodyPr/>
+          <a:lstStyle/>
+          <a:p>
+            <a:r>
+              <a:rPr lang="it-IT" dirty="0"/>
+              <a:t>Metodo di Gauss</a:t>
+            </a:r>
+            <a:br>
+              <a:rPr lang="it-IT" dirty="0"/>
+            </a:br>
+            <a:r>
+              <a:rPr lang="it-IT" sz="2800" dirty="0"/>
+              <a:t>Sistemi indeterminati</a:t>
+            </a:r>
+            <a:endParaRPr lang="it-IT" dirty="0"/>
+          </a:p>
+        </p:txBody>
+      </p:sp>
+      <p:grpSp>
+        <p:nvGrpSpPr>
+          <p:cNvPr id="19" name="Gruppo 18">
+            <a:extLst>
+              <a:ext uri="{FF2B5EF4-FFF2-40B4-BE49-F238E27FC236}">
+                <a16:creationId xmlns:a16="http://schemas.microsoft.com/office/drawing/2014/main" id="{F4211DE7-F4D7-4FA4-A93A-9D973DCD39E6}"/>
+              </a:ext>
+            </a:extLst>
+          </p:cNvPr>
+          <p:cNvGrpSpPr/>
+          <p:nvPr/>
+        </p:nvGrpSpPr>
+        <p:grpSpPr>
+          <a:xfrm>
+            <a:off x="3232510" y="1869002"/>
+            <a:ext cx="10680290" cy="4520634"/>
+            <a:chOff x="2510181" y="2111223"/>
+            <a:chExt cx="10680290" cy="4520634"/>
+          </a:xfrm>
+        </p:grpSpPr>
+        <p:sp>
+          <p:nvSpPr>
+            <p:cNvPr id="5" name="CasellaDiTesto 4">
+              <a:extLst>
+                <a:ext uri="{FF2B5EF4-FFF2-40B4-BE49-F238E27FC236}">
+                  <a16:creationId xmlns:a16="http://schemas.microsoft.com/office/drawing/2014/main" id="{8601B404-2933-404C-851F-461CAFA4166D}"/>
+                </a:ext>
+              </a:extLst>
+            </p:cNvPr>
+            <p:cNvSpPr txBox="1"/>
+            <p:nvPr/>
+          </p:nvSpPr>
+          <p:spPr>
+            <a:xfrm>
+              <a:off x="2510181" y="2111223"/>
+              <a:ext cx="10680290" cy="369332"/>
+            </a:xfrm>
+            <a:prstGeom prst="rect">
+              <a:avLst/>
+            </a:prstGeom>
+            <a:noFill/>
+          </p:spPr>
+          <p:txBody>
+            <a:bodyPr wrap="square" rtlCol="0">
+              <a:spAutoFit/>
+            </a:bodyPr>
+            <a:lstStyle/>
+            <a:p>
+              <a:r>
+                <a:rPr lang="it-IT" dirty="0"/>
+                <a:t>Vediamo un esempio in cui il sistema non ha solo una soluzione.</a:t>
+              </a:r>
+            </a:p>
+          </p:txBody>
+        </p:sp>
+        <p:grpSp>
+          <p:nvGrpSpPr>
+            <p:cNvPr id="14" name="Gruppo 13">
+              <a:extLst>
+                <a:ext uri="{FF2B5EF4-FFF2-40B4-BE49-F238E27FC236}">
+                  <a16:creationId xmlns:a16="http://schemas.microsoft.com/office/drawing/2014/main" id="{E0F8B761-38F4-4B9B-8841-4B04AE0AAEB8}"/>
+                </a:ext>
+              </a:extLst>
+            </p:cNvPr>
+            <p:cNvGrpSpPr/>
+            <p:nvPr/>
+          </p:nvGrpSpPr>
+          <p:grpSpPr>
+            <a:xfrm>
+              <a:off x="2863378" y="2643549"/>
+              <a:ext cx="4986948" cy="982577"/>
+              <a:chOff x="1109052" y="2446423"/>
+              <a:chExt cx="4986948" cy="982577"/>
+            </a:xfrm>
+          </p:grpSpPr>
+          <mc:AlternateContent xmlns:mc="http://schemas.openxmlformats.org/markup-compatibility/2006">
+            <mc:Choice xmlns:a14="http://schemas.microsoft.com/office/drawing/2010/main" Requires="a14">
+              <p:sp>
+                <p:nvSpPr>
+                  <p:cNvPr id="6" name="CasellaDiTesto 5">
+                    <a:extLst>
+                      <a:ext uri="{FF2B5EF4-FFF2-40B4-BE49-F238E27FC236}">
+                        <a16:creationId xmlns:a16="http://schemas.microsoft.com/office/drawing/2014/main" id="{85714899-73C4-409C-AAEA-E9794A91992E}"/>
+                      </a:ext>
+                    </a:extLst>
+                  </p:cNvPr>
+                  <p:cNvSpPr txBox="1"/>
+                  <p:nvPr/>
+                </p:nvSpPr>
+                <p:spPr>
+                  <a:xfrm>
+                    <a:off x="1109052" y="2446423"/>
+                    <a:ext cx="1919693" cy="982577"/>
+                  </a:xfrm>
+                  <a:prstGeom prst="rect">
+                    <a:avLst/>
+                  </a:prstGeom>
+                  <a:noFill/>
+                </p:spPr>
+                <p:txBody>
+                  <a:bodyPr wrap="none" lIns="0" tIns="0" rIns="0" bIns="0" rtlCol="0">
+                    <a:spAutoFit/>
+                  </a:bodyPr>
+                  <a:lstStyle/>
+                  <a:p>
+                    <a:pPr algn="just"/>
+                    <a14:m>
+                      <m:oMathPara xmlns:m="http://schemas.openxmlformats.org/officeDocument/2006/math">
+                        <m:oMathParaPr>
+                          <m:jc m:val="right"/>
+                        </m:oMathParaPr>
+                        <m:oMath xmlns:m="http://schemas.openxmlformats.org/officeDocument/2006/math">
+                          <m:d>
+                            <m:dPr>
+                              <m:begChr m:val="{"/>
+                              <m:endChr m:val=""/>
+                              <m:ctrlPr>
+                                <a:rPr lang="it-IT" sz="2000" i="1" smtClean="0">
+                                  <a:latin typeface="Cambria Math" panose="02040503050406030204" pitchFamily="18" charset="0"/>
+                                </a:rPr>
+                              </m:ctrlPr>
+                            </m:dPr>
+                            <m:e>
+                              <m:m>
+                                <m:mPr>
+                                  <m:mcs>
+                                    <m:mc>
+                                      <m:mcPr>
+                                        <m:count m:val="1"/>
+                                        <m:mcJc m:val="center"/>
+                                      </m:mcPr>
+                                    </m:mc>
+                                  </m:mcs>
+                                  <m:ctrlPr>
+                                    <a:rPr lang="it-IT" sz="2000" i="1" smtClean="0">
+                                      <a:latin typeface="Cambria Math" panose="02040503050406030204" pitchFamily="18" charset="0"/>
+                                    </a:rPr>
+                                  </m:ctrlPr>
+                                </m:mPr>
+                                <m:mr>
+                                  <m:e>
+                                    <m:r>
+                                      <a:rPr lang="it-IT" sz="2000" b="0" i="1" smtClean="0">
+                                        <a:solidFill>
+                                          <a:schemeClr val="tx1"/>
+                                        </a:solidFill>
+                                        <a:latin typeface="Cambria Math" panose="02040503050406030204" pitchFamily="18" charset="0"/>
+                                      </a:rPr>
+                                      <m:t>3</m:t>
+                                    </m:r>
+                                    <m:r>
+                                      <a:rPr lang="it-IT" sz="2000" b="0" i="1" smtClean="0">
+                                        <a:latin typeface="Cambria Math" panose="02040503050406030204" pitchFamily="18" charset="0"/>
+                                      </a:rPr>
+                                      <m:t>𝑦</m:t>
+                                    </m:r>
+                                    <m:r>
+                                      <a:rPr lang="it-IT" sz="2000" b="0" i="1" smtClean="0">
+                                        <a:latin typeface="Cambria Math" panose="02040503050406030204" pitchFamily="18" charset="0"/>
+                                      </a:rPr>
+                                      <m:t>−</m:t>
+                                    </m:r>
+                                    <m:r>
+                                      <a:rPr lang="it-IT" sz="2000" b="0" i="1" smtClean="0">
+                                        <a:latin typeface="Cambria Math" panose="02040503050406030204" pitchFamily="18" charset="0"/>
+                                      </a:rPr>
+                                      <m:t>𝑧</m:t>
+                                    </m:r>
+                                    <m:r>
+                                      <a:rPr lang="it-IT" sz="2000" b="0" i="1" smtClean="0">
+                                        <a:latin typeface="Cambria Math" panose="02040503050406030204" pitchFamily="18" charset="0"/>
+                                      </a:rPr>
+                                      <m:t>=1</m:t>
+                                    </m:r>
+                                  </m:e>
+                                </m:mr>
+                                <m:mr>
+                                  <m:e>
+                                    <m:r>
+                                      <a:rPr lang="it-IT" sz="2000" b="0" i="1" smtClean="0">
+                                        <a:latin typeface="Cambria Math" panose="02040503050406030204" pitchFamily="18" charset="0"/>
+                                      </a:rPr>
+                                      <m:t> </m:t>
+                                    </m:r>
+                                    <m:r>
+                                      <a:rPr lang="it-IT" sz="2000" b="0" i="1" smtClean="0">
+                                        <a:latin typeface="Cambria Math" panose="02040503050406030204" pitchFamily="18" charset="0"/>
+                                      </a:rPr>
+                                      <m:t>𝑥</m:t>
+                                    </m:r>
+                                    <m:r>
+                                      <a:rPr lang="it-IT" sz="2000" b="0" i="1" smtClean="0">
+                                        <a:latin typeface="Cambria Math" panose="02040503050406030204" pitchFamily="18" charset="0"/>
+                                      </a:rPr>
+                                      <m:t>+</m:t>
+                                    </m:r>
+                                    <m:r>
+                                      <a:rPr lang="it-IT" sz="2000" b="0" i="1" smtClean="0">
+                                        <a:latin typeface="Cambria Math" panose="02040503050406030204" pitchFamily="18" charset="0"/>
+                                      </a:rPr>
+                                      <m:t>𝑦</m:t>
+                                    </m:r>
+                                    <m:r>
+                                      <a:rPr lang="it-IT" sz="2000" b="0" i="1" smtClean="0">
+                                        <a:latin typeface="Cambria Math" panose="02040503050406030204" pitchFamily="18" charset="0"/>
+                                      </a:rPr>
+                                      <m:t>+2</m:t>
+                                    </m:r>
+                                    <m:r>
+                                      <a:rPr lang="it-IT" sz="2000" b="0" i="1" smtClean="0">
+                                        <a:latin typeface="Cambria Math" panose="02040503050406030204" pitchFamily="18" charset="0"/>
+                                      </a:rPr>
+                                      <m:t>𝑧</m:t>
+                                    </m:r>
+                                    <m:r>
+                                      <a:rPr lang="it-IT" sz="2000" b="0" i="1" smtClean="0">
+                                        <a:latin typeface="Cambria Math" panose="02040503050406030204" pitchFamily="18" charset="0"/>
+                                      </a:rPr>
+                                      <m:t>=2</m:t>
+                                    </m:r>
+                                  </m:e>
+                                </m:mr>
+                                <m:mr>
+                                  <m:e>
+                                    <m:r>
+                                      <a:rPr lang="it-IT" sz="2000" b="0" i="1" smtClean="0">
+                                        <a:latin typeface="Cambria Math" panose="02040503050406030204" pitchFamily="18" charset="0"/>
+                                      </a:rPr>
+                                      <m:t>𝑥</m:t>
+                                    </m:r>
+                                    <m:r>
+                                      <a:rPr lang="it-IT" sz="2000" b="0" i="1" smtClean="0">
+                                        <a:latin typeface="Cambria Math" panose="02040503050406030204" pitchFamily="18" charset="0"/>
+                                      </a:rPr>
+                                      <m:t>+4</m:t>
+                                    </m:r>
+                                    <m:r>
+                                      <a:rPr lang="it-IT" sz="2000" b="0" i="1" smtClean="0">
+                                        <a:latin typeface="Cambria Math" panose="02040503050406030204" pitchFamily="18" charset="0"/>
+                                      </a:rPr>
+                                      <m:t>𝑦</m:t>
+                                    </m:r>
+                                    <m:r>
+                                      <a:rPr lang="it-IT" sz="2000" b="0" i="1" smtClean="0">
+                                        <a:latin typeface="Cambria Math" panose="02040503050406030204" pitchFamily="18" charset="0"/>
+                                      </a:rPr>
+                                      <m:t>+</m:t>
+                                    </m:r>
+                                    <m:r>
+                                      <a:rPr lang="it-IT" sz="2000" b="0" i="1" smtClean="0">
+                                        <a:latin typeface="Cambria Math" panose="02040503050406030204" pitchFamily="18" charset="0"/>
+                                      </a:rPr>
+                                      <m:t>𝑧</m:t>
+                                    </m:r>
+                                    <m:r>
+                                      <a:rPr lang="it-IT" sz="2000" b="0" i="1" smtClean="0">
+                                        <a:latin typeface="Cambria Math" panose="02040503050406030204" pitchFamily="18" charset="0"/>
+                                      </a:rPr>
+                                      <m:t>=3</m:t>
+                                    </m:r>
+                                  </m:e>
+                                </m:mr>
+                              </m:m>
+                            </m:e>
+                          </m:d>
+                        </m:oMath>
+                      </m:oMathPara>
+                    </a14:m>
+                    <a:endParaRPr lang="it-IT" sz="2000" dirty="0"/>
+                  </a:p>
+                </p:txBody>
+              </p:sp>
+            </mc:Choice>
+            <mc:Fallback>
+              <p:sp>
+                <p:nvSpPr>
+                  <p:cNvPr id="6" name="CasellaDiTesto 5">
+                    <a:extLst>
+                      <a:ext uri="{FF2B5EF4-FFF2-40B4-BE49-F238E27FC236}">
+                        <a16:creationId xmlns:a16="http://schemas.microsoft.com/office/drawing/2014/main" id="{85714899-73C4-409C-AAEA-E9794A91992E}"/>
+                      </a:ext>
+                    </a:extLst>
+                  </p:cNvPr>
+                  <p:cNvSpPr txBox="1">
+                    <a:spLocks noRot="1" noChangeAspect="1" noMove="1" noResize="1" noEditPoints="1" noAdjustHandles="1" noChangeArrowheads="1" noChangeShapeType="1" noTextEdit="1"/>
+                  </p:cNvSpPr>
+                  <p:nvPr/>
+                </p:nvSpPr>
+                <p:spPr>
+                  <a:xfrm>
+                    <a:off x="1109052" y="2446423"/>
+                    <a:ext cx="1919693" cy="982577"/>
+                  </a:xfrm>
+                  <a:prstGeom prst="rect">
+                    <a:avLst/>
+                  </a:prstGeom>
+                  <a:blipFill>
+                    <a:blip r:embed="rId2"/>
+                    <a:stretch>
+                      <a:fillRect/>
+                    </a:stretch>
+                  </a:blipFill>
+                </p:spPr>
+                <p:txBody>
+                  <a:bodyPr/>
+                  <a:lstStyle/>
+                  <a:p>
+                    <a:r>
+                      <a:rPr lang="it-IT">
+                        <a:noFill/>
+                      </a:rPr>
+                      <a:t> </a:t>
+                    </a:r>
+                  </a:p>
+                </p:txBody>
+              </p:sp>
+            </mc:Fallback>
+          </mc:AlternateContent>
+          <mc:AlternateContent xmlns:mc="http://schemas.openxmlformats.org/markup-compatibility/2006">
+            <mc:Choice xmlns:a14="http://schemas.microsoft.com/office/drawing/2010/main" Requires="a14">
+              <p:sp>
+                <p:nvSpPr>
+                  <p:cNvPr id="7" name="CasellaDiTesto 6">
+                    <a:extLst>
+                      <a:ext uri="{FF2B5EF4-FFF2-40B4-BE49-F238E27FC236}">
+                        <a16:creationId xmlns:a16="http://schemas.microsoft.com/office/drawing/2014/main" id="{E54D7675-837A-477D-A4F5-4532BABC9D53}"/>
+                      </a:ext>
+                    </a:extLst>
+                  </p:cNvPr>
+                  <p:cNvSpPr txBox="1"/>
+                  <p:nvPr/>
+                </p:nvSpPr>
+                <p:spPr>
+                  <a:xfrm>
+                    <a:off x="4480366" y="2568602"/>
+                    <a:ext cx="1615634" cy="732573"/>
+                  </a:xfrm>
+                  <a:prstGeom prst="rect">
+                    <a:avLst/>
+                  </a:prstGeom>
+                  <a:noFill/>
+                </p:spPr>
+                <p:txBody>
+                  <a:bodyPr wrap="none" lIns="0" tIns="0" rIns="0" bIns="0" rtlCol="0">
+                    <a:spAutoFit/>
+                  </a:bodyPr>
+                  <a:lstStyle/>
+                  <a:p>
+                    <a:pPr/>
+                    <a14:m>
+                      <m:oMathPara xmlns:m="http://schemas.openxmlformats.org/officeDocument/2006/math">
+                        <m:oMathParaPr>
+                          <m:jc m:val="centerGroup"/>
+                        </m:oMathParaPr>
+                        <m:oMath xmlns:m="http://schemas.openxmlformats.org/officeDocument/2006/math">
+                          <m:d>
+                            <m:dPr>
+                              <m:begChr m:val="["/>
+                              <m:endChr m:val="]"/>
+                              <m:ctrlPr>
+                                <a:rPr lang="it-IT" i="1" smtClean="0">
+                                  <a:latin typeface="Cambria Math" panose="02040503050406030204" pitchFamily="18" charset="0"/>
+                                </a:rPr>
+                              </m:ctrlPr>
+                            </m:dPr>
+                            <m:e>
+                              <m:m>
+                                <m:mPr>
+                                  <m:mcs>
+                                    <m:mc>
+                                      <m:mcPr>
+                                        <m:count m:val="4"/>
+                                        <m:mcJc m:val="center"/>
+                                      </m:mcPr>
+                                    </m:mc>
+                                  </m:mcs>
+                                  <m:ctrlPr>
+                                    <a:rPr lang="it-IT" b="0" i="1" smtClean="0">
+                                      <a:latin typeface="Cambria Math" panose="02040503050406030204" pitchFamily="18" charset="0"/>
+                                    </a:rPr>
+                                  </m:ctrlPr>
+                                </m:mPr>
+                                <m:mr>
+                                  <m:e>
+                                    <m:r>
+                                      <m:rPr>
+                                        <m:brk m:alnAt="7"/>
+                                      </m:rPr>
+                                      <a:rPr lang="it-IT" b="0" i="1" smtClean="0">
+                                        <a:latin typeface="Cambria Math" panose="02040503050406030204" pitchFamily="18" charset="0"/>
+                                      </a:rPr>
+                                      <m:t>0</m:t>
+                                    </m:r>
+                                  </m:e>
+                                  <m:e>
+                                    <m:r>
+                                      <a:rPr lang="it-IT" b="0" i="1" smtClean="0">
+                                        <a:latin typeface="Cambria Math" panose="02040503050406030204" pitchFamily="18" charset="0"/>
+                                      </a:rPr>
+                                      <m:t>3</m:t>
+                                    </m:r>
+                                  </m:e>
+                                  <m:e>
+                                    <m:r>
+                                      <a:rPr lang="it-IT" b="0" i="1" smtClean="0">
+                                        <a:latin typeface="Cambria Math" panose="02040503050406030204" pitchFamily="18" charset="0"/>
+                                      </a:rPr>
+                                      <m:t>−1</m:t>
+                                    </m:r>
+                                  </m:e>
+                                  <m:e>
+                                    <m:r>
+                                      <a:rPr lang="it-IT" b="0" i="1" smtClean="0">
+                                        <a:latin typeface="Cambria Math" panose="02040503050406030204" pitchFamily="18" charset="0"/>
+                                      </a:rPr>
+                                      <m:t>1</m:t>
+                                    </m:r>
+                                  </m:e>
+                                </m:mr>
+                                <m:mr>
+                                  <m:e>
+                                    <m:r>
+                                      <a:rPr lang="it-IT" b="0" i="1" smtClean="0">
+                                        <a:latin typeface="Cambria Math" panose="02040503050406030204" pitchFamily="18" charset="0"/>
+                                      </a:rPr>
+                                      <m:t>1</m:t>
+                                    </m:r>
+                                  </m:e>
+                                  <m:e>
+                                    <m:r>
+                                      <a:rPr lang="it-IT" b="0" i="1" smtClean="0">
+                                        <a:latin typeface="Cambria Math" panose="02040503050406030204" pitchFamily="18" charset="0"/>
+                                      </a:rPr>
+                                      <m:t>1</m:t>
+                                    </m:r>
+                                  </m:e>
+                                  <m:e>
+                                    <m:r>
+                                      <a:rPr lang="it-IT" b="0" i="1" smtClean="0">
+                                        <a:latin typeface="Cambria Math" panose="02040503050406030204" pitchFamily="18" charset="0"/>
+                                      </a:rPr>
+                                      <m:t>2</m:t>
+                                    </m:r>
+                                  </m:e>
+                                  <m:e>
+                                    <m:r>
+                                      <a:rPr lang="it-IT" b="0" i="1" smtClean="0">
+                                        <a:latin typeface="Cambria Math" panose="02040503050406030204" pitchFamily="18" charset="0"/>
+                                      </a:rPr>
+                                      <m:t>2</m:t>
+                                    </m:r>
+                                  </m:e>
+                                </m:mr>
+                                <m:mr>
+                                  <m:e>
+                                    <m:r>
+                                      <a:rPr lang="it-IT" b="0" i="1" smtClean="0">
+                                        <a:latin typeface="Cambria Math" panose="02040503050406030204" pitchFamily="18" charset="0"/>
+                                      </a:rPr>
+                                      <m:t>1</m:t>
+                                    </m:r>
+                                  </m:e>
+                                  <m:e>
+                                    <m:r>
+                                      <a:rPr lang="it-IT" b="0" i="1" smtClean="0">
+                                        <a:latin typeface="Cambria Math" panose="02040503050406030204" pitchFamily="18" charset="0"/>
+                                      </a:rPr>
+                                      <m:t>4</m:t>
+                                    </m:r>
+                                  </m:e>
+                                  <m:e>
+                                    <m:r>
+                                      <a:rPr lang="it-IT" b="0" i="1" smtClean="0">
+                                        <a:latin typeface="Cambria Math" panose="02040503050406030204" pitchFamily="18" charset="0"/>
+                                      </a:rPr>
+                                      <m:t>1</m:t>
+                                    </m:r>
+                                  </m:e>
+                                  <m:e>
+                                    <m:r>
+                                      <a:rPr lang="it-IT" b="0" i="1" smtClean="0">
+                                        <a:latin typeface="Cambria Math" panose="02040503050406030204" pitchFamily="18" charset="0"/>
+                                      </a:rPr>
+                                      <m:t>3</m:t>
+                                    </m:r>
+                                  </m:e>
+                                </m:mr>
+                              </m:m>
+                            </m:e>
+                          </m:d>
+                        </m:oMath>
+                      </m:oMathPara>
+                    </a14:m>
+                    <a:endParaRPr lang="it-IT" dirty="0"/>
+                  </a:p>
+                </p:txBody>
+              </p:sp>
+            </mc:Choice>
+            <mc:Fallback>
+              <p:sp>
+                <p:nvSpPr>
+                  <p:cNvPr id="7" name="CasellaDiTesto 6">
+                    <a:extLst>
+                      <a:ext uri="{FF2B5EF4-FFF2-40B4-BE49-F238E27FC236}">
+                        <a16:creationId xmlns:a16="http://schemas.microsoft.com/office/drawing/2014/main" id="{E54D7675-837A-477D-A4F5-4532BABC9D53}"/>
+                      </a:ext>
+                    </a:extLst>
+                  </p:cNvPr>
+                  <p:cNvSpPr txBox="1">
+                    <a:spLocks noRot="1" noChangeAspect="1" noMove="1" noResize="1" noEditPoints="1" noAdjustHandles="1" noChangeArrowheads="1" noChangeShapeType="1" noTextEdit="1"/>
+                  </p:cNvSpPr>
+                  <p:nvPr/>
+                </p:nvSpPr>
+                <p:spPr>
+                  <a:xfrm>
+                    <a:off x="4480366" y="2568602"/>
+                    <a:ext cx="1615634" cy="732573"/>
+                  </a:xfrm>
+                  <a:prstGeom prst="rect">
+                    <a:avLst/>
+                  </a:prstGeom>
+                  <a:blipFill>
+                    <a:blip r:embed="rId3"/>
+                    <a:stretch>
+                      <a:fillRect/>
+                    </a:stretch>
+                  </a:blipFill>
+                </p:spPr>
+                <p:txBody>
+                  <a:bodyPr/>
+                  <a:lstStyle/>
+                  <a:p>
+                    <a:r>
+                      <a:rPr lang="it-IT">
+                        <a:noFill/>
+                      </a:rPr>
+                      <a:t> </a:t>
+                    </a:r>
+                  </a:p>
+                </p:txBody>
+              </p:sp>
+            </mc:Fallback>
+          </mc:AlternateContent>
+          <p:cxnSp>
+            <p:nvCxnSpPr>
+              <p:cNvPr id="9" name="Connettore 2 8">
+                <a:extLst>
+                  <a:ext uri="{FF2B5EF4-FFF2-40B4-BE49-F238E27FC236}">
+                    <a16:creationId xmlns:a16="http://schemas.microsoft.com/office/drawing/2014/main" id="{F8F70AF4-32D4-47AC-B811-BE3D73F303AC}"/>
+                  </a:ext>
+                </a:extLst>
+              </p:cNvPr>
+              <p:cNvCxnSpPr/>
+              <p:nvPr/>
+            </p:nvCxnSpPr>
+            <p:spPr>
+              <a:xfrm>
+                <a:off x="3288890" y="2949596"/>
+                <a:ext cx="929149" cy="0"/>
+              </a:xfrm>
+              <a:prstGeom prst="straightConnector1">
+                <a:avLst/>
+              </a:prstGeom>
+              <a:ln>
+                <a:tailEnd type="triangle"/>
+              </a:ln>
+            </p:spPr>
+            <p:style>
+              <a:lnRef idx="1">
+                <a:schemeClr val="accent1"/>
+              </a:lnRef>
+              <a:fillRef idx="0">
+                <a:schemeClr val="accent1"/>
+              </a:fillRef>
+              <a:effectRef idx="0">
+                <a:schemeClr val="accent1"/>
+              </a:effectRef>
+              <a:fontRef idx="minor">
+                <a:schemeClr val="tx1"/>
+              </a:fontRef>
+            </p:style>
+          </p:cxnSp>
+        </p:grpSp>
+        <p:sp>
+          <p:nvSpPr>
+            <p:cNvPr id="10" name="CasellaDiTesto 9">
+              <a:extLst>
+                <a:ext uri="{FF2B5EF4-FFF2-40B4-BE49-F238E27FC236}">
+                  <a16:creationId xmlns:a16="http://schemas.microsoft.com/office/drawing/2014/main" id="{66B31184-18A1-44A5-84B4-F4CC3E1B980C}"/>
+                </a:ext>
+              </a:extLst>
+            </p:cNvPr>
+            <p:cNvSpPr txBox="1"/>
+            <p:nvPr/>
+          </p:nvSpPr>
+          <p:spPr>
+            <a:xfrm>
+              <a:off x="3225257" y="3843529"/>
+              <a:ext cx="4424737" cy="646331"/>
+            </a:xfrm>
+            <a:prstGeom prst="rect">
+              <a:avLst/>
+            </a:prstGeom>
+            <a:noFill/>
+          </p:spPr>
+          <p:txBody>
+            <a:bodyPr wrap="square" rtlCol="0">
+              <a:spAutoFit/>
+            </a:bodyPr>
+            <a:lstStyle/>
+            <a:p>
+              <a:pPr marL="285750" indent="-285750">
+                <a:buFont typeface="Arial" panose="020B0604020202020204" pitchFamily="34" charset="0"/>
+                <a:buChar char="•"/>
+              </a:pPr>
+              <a:r>
+                <a:rPr lang="it-IT" dirty="0"/>
+                <a:t>Scambiare prima e seconda riga in modo da avere già 0 sotto l’elemento a11 </a:t>
+              </a:r>
+            </a:p>
+          </p:txBody>
+        </p:sp>
+        <p:sp>
+          <p:nvSpPr>
+            <p:cNvPr id="17" name="Rettangolo 16">
+              <a:extLst>
+                <a:ext uri="{FF2B5EF4-FFF2-40B4-BE49-F238E27FC236}">
+                  <a16:creationId xmlns:a16="http://schemas.microsoft.com/office/drawing/2014/main" id="{A56956FC-9336-4E79-9A82-ADB265C3210F}"/>
+                </a:ext>
+              </a:extLst>
+            </p:cNvPr>
+            <p:cNvSpPr/>
+            <p:nvPr/>
+          </p:nvSpPr>
+          <p:spPr>
+            <a:xfrm rot="5400000">
+              <a:off x="9567282" y="5731857"/>
+              <a:ext cx="216000" cy="1584000"/>
+            </a:xfrm>
+            <a:prstGeom prst="rect">
+              <a:avLst/>
+            </a:prstGeom>
+            <a:solidFill>
+              <a:srgbClr val="0070C0">
+                <a:alpha val="43000"/>
+              </a:srgbClr>
+            </a:solidFill>
+            <a:ln>
+              <a:noFill/>
+            </a:ln>
+          </p:spPr>
+          <p:style>
+            <a:lnRef idx="2">
+              <a:schemeClr val="accent1">
+                <a:shade val="50000"/>
+              </a:schemeClr>
+            </a:lnRef>
+            <a:fillRef idx="1">
+              <a:schemeClr val="accent1"/>
+            </a:fillRef>
+            <a:effectRef idx="0">
+              <a:schemeClr val="accent1"/>
+            </a:effectRef>
+            <a:fontRef idx="minor">
+              <a:schemeClr val="lt1"/>
+            </a:fontRef>
+          </p:style>
+          <p:txBody>
+            <a:bodyPr rtlCol="0" anchor="ctr"/>
+            <a:lstStyle/>
+            <a:p>
+              <a:pPr algn="ctr"/>
+              <a:endParaRPr lang="it-IT" dirty="0"/>
+            </a:p>
+          </p:txBody>
+        </p:sp>
+        <mc:AlternateContent xmlns:mc="http://schemas.openxmlformats.org/markup-compatibility/2006">
+          <mc:Choice xmlns:a14="http://schemas.microsoft.com/office/drawing/2010/main" Requires="a14">
+            <p:sp>
+              <p:nvSpPr>
+                <p:cNvPr id="11" name="CasellaDiTesto 10">
+                  <a:extLst>
+                    <a:ext uri="{FF2B5EF4-FFF2-40B4-BE49-F238E27FC236}">
+                      <a16:creationId xmlns:a16="http://schemas.microsoft.com/office/drawing/2014/main" id="{6F6A00F7-C84E-4DA2-89CA-4632F73778A3}"/>
+                    </a:ext>
+                  </a:extLst>
+                </p:cNvPr>
+                <p:cNvSpPr txBox="1"/>
+                <p:nvPr/>
+              </p:nvSpPr>
+              <p:spPr>
+                <a:xfrm>
+                  <a:off x="8780903" y="3843251"/>
+                  <a:ext cx="1615634" cy="732573"/>
+                </a:xfrm>
+                <a:prstGeom prst="rect">
+                  <a:avLst/>
+                </a:prstGeom>
+                <a:noFill/>
+              </p:spPr>
+              <p:txBody>
+                <a:bodyPr wrap="none" lIns="0" tIns="0" rIns="0" bIns="0" rtlCol="0">
+                  <a:spAutoFit/>
+                </a:bodyPr>
+                <a:lstStyle/>
+                <a:p>
+                  <a:pPr/>
+                  <a14:m>
+                    <m:oMathPara xmlns:m="http://schemas.openxmlformats.org/officeDocument/2006/math">
+                      <m:oMathParaPr>
+                        <m:jc m:val="centerGroup"/>
+                      </m:oMathParaPr>
+                      <m:oMath xmlns:m="http://schemas.openxmlformats.org/officeDocument/2006/math">
+                        <m:d>
+                          <m:dPr>
+                            <m:begChr m:val="["/>
+                            <m:endChr m:val="]"/>
+                            <m:ctrlPr>
+                              <a:rPr lang="it-IT" i="1" smtClean="0">
+                                <a:latin typeface="Cambria Math" panose="02040503050406030204" pitchFamily="18" charset="0"/>
+                              </a:rPr>
+                            </m:ctrlPr>
+                          </m:dPr>
+                          <m:e>
+                            <m:m>
+                              <m:mPr>
+                                <m:mcs>
+                                  <m:mc>
+                                    <m:mcPr>
+                                      <m:count m:val="4"/>
+                                      <m:mcJc m:val="center"/>
+                                    </m:mcPr>
+                                  </m:mc>
+                                </m:mcs>
+                                <m:ctrlPr>
+                                  <a:rPr lang="it-IT" b="0" i="1" smtClean="0">
+                                    <a:latin typeface="Cambria Math" panose="02040503050406030204" pitchFamily="18" charset="0"/>
+                                  </a:rPr>
+                                </m:ctrlPr>
+                              </m:mPr>
+                              <m:mr>
+                                <m:e>
+                                  <m:r>
+                                    <m:rPr>
+                                      <m:brk m:alnAt="7"/>
+                                    </m:rPr>
+                                    <a:rPr lang="it-IT" b="0" i="1" smtClean="0">
+                                      <a:latin typeface="Cambria Math" panose="02040503050406030204" pitchFamily="18" charset="0"/>
+                                    </a:rPr>
+                                    <m:t>1</m:t>
+                                  </m:r>
+                                </m:e>
+                                <m:e>
+                                  <m:r>
+                                    <a:rPr lang="it-IT" b="0" i="1" smtClean="0">
+                                      <a:latin typeface="Cambria Math" panose="02040503050406030204" pitchFamily="18" charset="0"/>
+                                    </a:rPr>
+                                    <m:t>1</m:t>
+                                  </m:r>
+                                </m:e>
+                                <m:e>
+                                  <m:r>
+                                    <a:rPr lang="it-IT" b="0" i="1" smtClean="0">
+                                      <a:latin typeface="Cambria Math" panose="02040503050406030204" pitchFamily="18" charset="0"/>
+                                    </a:rPr>
+                                    <m:t>2</m:t>
+                                  </m:r>
+                                </m:e>
+                                <m:e>
+                                  <m:r>
+                                    <a:rPr lang="it-IT" b="0" i="1" smtClean="0">
+                                      <a:latin typeface="Cambria Math" panose="02040503050406030204" pitchFamily="18" charset="0"/>
+                                    </a:rPr>
+                                    <m:t>2</m:t>
+                                  </m:r>
+                                </m:e>
+                              </m:mr>
+                              <m:mr>
+                                <m:e>
+                                  <m:r>
+                                    <a:rPr lang="it-IT" b="0" i="1" smtClean="0">
+                                      <a:latin typeface="Cambria Math" panose="02040503050406030204" pitchFamily="18" charset="0"/>
+                                    </a:rPr>
+                                    <m:t>0</m:t>
+                                  </m:r>
+                                </m:e>
+                                <m:e>
+                                  <m:r>
+                                    <a:rPr lang="it-IT" b="0" i="1" smtClean="0">
+                                      <a:latin typeface="Cambria Math" panose="02040503050406030204" pitchFamily="18" charset="0"/>
+                                    </a:rPr>
+                                    <m:t>3</m:t>
+                                  </m:r>
+                                </m:e>
+                                <m:e>
+                                  <m:r>
+                                    <a:rPr lang="it-IT" b="0" i="1" smtClean="0">
+                                      <a:latin typeface="Cambria Math" panose="02040503050406030204" pitchFamily="18" charset="0"/>
+                                    </a:rPr>
+                                    <m:t>−1</m:t>
+                                  </m:r>
+                                </m:e>
+                                <m:e>
+                                  <m:r>
+                                    <a:rPr lang="it-IT" b="0" i="1" smtClean="0">
+                                      <a:latin typeface="Cambria Math" panose="02040503050406030204" pitchFamily="18" charset="0"/>
+                                    </a:rPr>
+                                    <m:t>1</m:t>
+                                  </m:r>
+                                </m:e>
+                              </m:mr>
+                              <m:mr>
+                                <m:e>
+                                  <m:r>
+                                    <a:rPr lang="it-IT" b="0" i="1" smtClean="0">
+                                      <a:latin typeface="Cambria Math" panose="02040503050406030204" pitchFamily="18" charset="0"/>
+                                    </a:rPr>
+                                    <m:t>1</m:t>
+                                  </m:r>
+                                </m:e>
+                                <m:e>
+                                  <m:r>
+                                    <a:rPr lang="it-IT" b="0" i="1" smtClean="0">
+                                      <a:latin typeface="Cambria Math" panose="02040503050406030204" pitchFamily="18" charset="0"/>
+                                    </a:rPr>
+                                    <m:t>4</m:t>
+                                  </m:r>
+                                </m:e>
+                                <m:e>
+                                  <m:r>
+                                    <a:rPr lang="it-IT" b="0" i="1" smtClean="0">
+                                      <a:latin typeface="Cambria Math" panose="02040503050406030204" pitchFamily="18" charset="0"/>
+                                    </a:rPr>
+                                    <m:t>1</m:t>
+                                  </m:r>
+                                </m:e>
+                                <m:e>
+                                  <m:r>
+                                    <a:rPr lang="it-IT" b="0" i="1" smtClean="0">
+                                      <a:latin typeface="Cambria Math" panose="02040503050406030204" pitchFamily="18" charset="0"/>
+                                    </a:rPr>
+                                    <m:t>3</m:t>
+                                  </m:r>
+                                </m:e>
+                              </m:mr>
+                            </m:m>
+                          </m:e>
+                        </m:d>
+                      </m:oMath>
+                    </m:oMathPara>
+                  </a14:m>
+                  <a:endParaRPr lang="it-IT" dirty="0"/>
+                </a:p>
+              </p:txBody>
+            </p:sp>
+          </mc:Choice>
+          <mc:Fallback>
+            <p:sp>
+              <p:nvSpPr>
+                <p:cNvPr id="11" name="CasellaDiTesto 10">
+                  <a:extLst>
+                    <a:ext uri="{FF2B5EF4-FFF2-40B4-BE49-F238E27FC236}">
+                      <a16:creationId xmlns:a16="http://schemas.microsoft.com/office/drawing/2014/main" id="{6F6A00F7-C84E-4DA2-89CA-4632F73778A3}"/>
+                    </a:ext>
+                  </a:extLst>
+                </p:cNvPr>
+                <p:cNvSpPr txBox="1">
+                  <a:spLocks noRot="1" noChangeAspect="1" noMove="1" noResize="1" noEditPoints="1" noAdjustHandles="1" noChangeArrowheads="1" noChangeShapeType="1" noTextEdit="1"/>
+                </p:cNvSpPr>
+                <p:nvPr/>
+              </p:nvSpPr>
+              <p:spPr>
+                <a:xfrm>
+                  <a:off x="8780903" y="3843251"/>
+                  <a:ext cx="1615634" cy="732573"/>
+                </a:xfrm>
+                <a:prstGeom prst="rect">
+                  <a:avLst/>
+                </a:prstGeom>
+                <a:blipFill>
+                  <a:blip r:embed="rId4"/>
+                  <a:stretch>
+                    <a:fillRect/>
+                  </a:stretch>
+                </a:blipFill>
+              </p:spPr>
+              <p:txBody>
+                <a:bodyPr/>
+                <a:lstStyle/>
+                <a:p>
+                  <a:r>
+                    <a:rPr lang="it-IT">
+                      <a:noFill/>
+                    </a:rPr>
+                    <a:t> </a:t>
+                  </a:r>
+                </a:p>
+              </p:txBody>
+            </p:sp>
+          </mc:Fallback>
+        </mc:AlternateContent>
+        <p:sp>
+          <p:nvSpPr>
+            <p:cNvPr id="12" name="CasellaDiTesto 11">
+              <a:extLst>
+                <a:ext uri="{FF2B5EF4-FFF2-40B4-BE49-F238E27FC236}">
+                  <a16:creationId xmlns:a16="http://schemas.microsoft.com/office/drawing/2014/main" id="{B55BC588-EAE6-452F-A8A7-8BCCB2EA32B0}"/>
+                </a:ext>
+              </a:extLst>
+            </p:cNvPr>
+            <p:cNvSpPr txBox="1"/>
+            <p:nvPr/>
+          </p:nvSpPr>
+          <p:spPr>
+            <a:xfrm>
+              <a:off x="3225257" y="4864765"/>
+              <a:ext cx="3741198" cy="369332"/>
+            </a:xfrm>
+            <a:prstGeom prst="rect">
+              <a:avLst/>
+            </a:prstGeom>
+            <a:noFill/>
+          </p:spPr>
+          <p:txBody>
+            <a:bodyPr wrap="square" rtlCol="0">
+              <a:spAutoFit/>
+            </a:bodyPr>
+            <a:lstStyle/>
+            <a:p>
+              <a:pPr marL="285750" indent="-285750">
+                <a:buFont typeface="Arial" panose="020B0604020202020204" pitchFamily="34" charset="0"/>
+                <a:buChar char="•"/>
+              </a:pPr>
+              <a:r>
+                <a:rPr lang="it-IT" dirty="0"/>
+                <a:t>Sostituire: R3 </a:t>
+              </a:r>
+              <a:r>
+                <a:rPr lang="it-IT" dirty="0">
+                  <a:sym typeface="Wingdings" panose="05000000000000000000" pitchFamily="2" charset="2"/>
+                </a:rPr>
+                <a:t> R3 – R1</a:t>
+              </a:r>
+              <a:endParaRPr lang="it-IT" dirty="0"/>
+            </a:p>
+          </p:txBody>
+        </p:sp>
+        <mc:AlternateContent xmlns:mc="http://schemas.openxmlformats.org/markup-compatibility/2006">
+          <mc:Choice xmlns:a14="http://schemas.microsoft.com/office/drawing/2010/main" Requires="a14">
+            <p:sp>
+              <p:nvSpPr>
+                <p:cNvPr id="13" name="CasellaDiTesto 12">
+                  <a:extLst>
+                    <a:ext uri="{FF2B5EF4-FFF2-40B4-BE49-F238E27FC236}">
+                      <a16:creationId xmlns:a16="http://schemas.microsoft.com/office/drawing/2014/main" id="{3D210763-2480-4957-A533-07952B06CCBD}"/>
+                    </a:ext>
+                  </a:extLst>
+                </p:cNvPr>
+                <p:cNvSpPr txBox="1"/>
+                <p:nvPr/>
+              </p:nvSpPr>
+              <p:spPr>
+                <a:xfrm>
+                  <a:off x="8780903" y="4867811"/>
+                  <a:ext cx="1615634" cy="732573"/>
+                </a:xfrm>
+                <a:prstGeom prst="rect">
+                  <a:avLst/>
+                </a:prstGeom>
+                <a:noFill/>
+              </p:spPr>
+              <p:txBody>
+                <a:bodyPr wrap="none" lIns="0" tIns="0" rIns="0" bIns="0" rtlCol="0">
+                  <a:spAutoFit/>
+                </a:bodyPr>
+                <a:lstStyle/>
+                <a:p>
+                  <a:pPr/>
+                  <a14:m>
+                    <m:oMathPara xmlns:m="http://schemas.openxmlformats.org/officeDocument/2006/math">
+                      <m:oMathParaPr>
+                        <m:jc m:val="centerGroup"/>
+                      </m:oMathParaPr>
+                      <m:oMath xmlns:m="http://schemas.openxmlformats.org/officeDocument/2006/math">
+                        <m:d>
+                          <m:dPr>
+                            <m:begChr m:val="["/>
+                            <m:endChr m:val="]"/>
+                            <m:ctrlPr>
+                              <a:rPr lang="it-IT" i="1" smtClean="0">
+                                <a:latin typeface="Cambria Math" panose="02040503050406030204" pitchFamily="18" charset="0"/>
+                              </a:rPr>
+                            </m:ctrlPr>
+                          </m:dPr>
+                          <m:e>
+                            <m:m>
+                              <m:mPr>
+                                <m:mcs>
+                                  <m:mc>
+                                    <m:mcPr>
+                                      <m:count m:val="4"/>
+                                      <m:mcJc m:val="center"/>
+                                    </m:mcPr>
+                                  </m:mc>
+                                </m:mcs>
+                                <m:ctrlPr>
+                                  <a:rPr lang="it-IT" b="0" i="1" smtClean="0">
+                                    <a:latin typeface="Cambria Math" panose="02040503050406030204" pitchFamily="18" charset="0"/>
+                                  </a:rPr>
+                                </m:ctrlPr>
+                              </m:mPr>
+                              <m:mr>
+                                <m:e>
+                                  <m:r>
+                                    <m:rPr>
+                                      <m:brk m:alnAt="7"/>
+                                    </m:rPr>
+                                    <a:rPr lang="it-IT" b="0" i="1" smtClean="0">
+                                      <a:latin typeface="Cambria Math" panose="02040503050406030204" pitchFamily="18" charset="0"/>
+                                    </a:rPr>
+                                    <m:t>1</m:t>
+                                  </m:r>
+                                </m:e>
+                                <m:e>
+                                  <m:r>
+                                    <a:rPr lang="it-IT" b="0" i="1" smtClean="0">
+                                      <a:latin typeface="Cambria Math" panose="02040503050406030204" pitchFamily="18" charset="0"/>
+                                    </a:rPr>
+                                    <m:t>1</m:t>
+                                  </m:r>
+                                </m:e>
+                                <m:e>
+                                  <m:r>
+                                    <a:rPr lang="it-IT" b="0" i="1" smtClean="0">
+                                      <a:latin typeface="Cambria Math" panose="02040503050406030204" pitchFamily="18" charset="0"/>
+                                    </a:rPr>
+                                    <m:t>2</m:t>
+                                  </m:r>
+                                </m:e>
+                                <m:e>
+                                  <m:r>
+                                    <a:rPr lang="it-IT" b="0" i="1" smtClean="0">
+                                      <a:latin typeface="Cambria Math" panose="02040503050406030204" pitchFamily="18" charset="0"/>
+                                    </a:rPr>
+                                    <m:t>2</m:t>
+                                  </m:r>
+                                </m:e>
+                              </m:mr>
+                              <m:mr>
+                                <m:e>
+                                  <m:r>
+                                    <a:rPr lang="it-IT" b="0" i="1" smtClean="0">
+                                      <a:latin typeface="Cambria Math" panose="02040503050406030204" pitchFamily="18" charset="0"/>
+                                    </a:rPr>
+                                    <m:t>0</m:t>
+                                  </m:r>
+                                </m:e>
+                                <m:e>
+                                  <m:r>
+                                    <a:rPr lang="it-IT" b="0" i="1" smtClean="0">
+                                      <a:latin typeface="Cambria Math" panose="02040503050406030204" pitchFamily="18" charset="0"/>
+                                    </a:rPr>
+                                    <m:t>3</m:t>
+                                  </m:r>
+                                </m:e>
+                                <m:e>
+                                  <m:r>
+                                    <a:rPr lang="it-IT" b="0" i="1" smtClean="0">
+                                      <a:latin typeface="Cambria Math" panose="02040503050406030204" pitchFamily="18" charset="0"/>
+                                    </a:rPr>
+                                    <m:t>−1</m:t>
+                                  </m:r>
+                                </m:e>
+                                <m:e>
+                                  <m:r>
+                                    <a:rPr lang="it-IT" b="0" i="1" smtClean="0">
+                                      <a:latin typeface="Cambria Math" panose="02040503050406030204" pitchFamily="18" charset="0"/>
+                                    </a:rPr>
+                                    <m:t>1</m:t>
+                                  </m:r>
+                                </m:e>
+                              </m:mr>
+                              <m:mr>
+                                <m:e>
+                                  <m:r>
+                                    <a:rPr lang="it-IT" b="0" i="1" smtClean="0">
+                                      <a:latin typeface="Cambria Math" panose="02040503050406030204" pitchFamily="18" charset="0"/>
+                                    </a:rPr>
+                                    <m:t>0</m:t>
+                                  </m:r>
+                                </m:e>
+                                <m:e>
+                                  <m:r>
+                                    <a:rPr lang="it-IT" b="0" i="1" smtClean="0">
+                                      <a:latin typeface="Cambria Math" panose="02040503050406030204" pitchFamily="18" charset="0"/>
+                                    </a:rPr>
+                                    <m:t>3</m:t>
+                                  </m:r>
+                                </m:e>
+                                <m:e>
+                                  <m:r>
+                                    <a:rPr lang="it-IT" b="0" i="1" smtClean="0">
+                                      <a:latin typeface="Cambria Math" panose="02040503050406030204" pitchFamily="18" charset="0"/>
+                                    </a:rPr>
+                                    <m:t>−1</m:t>
+                                  </m:r>
+                                </m:e>
+                                <m:e>
+                                  <m:r>
+                                    <a:rPr lang="it-IT" b="0" i="1" smtClean="0">
+                                      <a:latin typeface="Cambria Math" panose="02040503050406030204" pitchFamily="18" charset="0"/>
+                                    </a:rPr>
+                                    <m:t>1</m:t>
+                                  </m:r>
+                                </m:e>
+                              </m:mr>
+                            </m:m>
+                          </m:e>
+                        </m:d>
+                      </m:oMath>
+                    </m:oMathPara>
+                  </a14:m>
+                  <a:endParaRPr lang="it-IT" dirty="0"/>
+                </a:p>
+              </p:txBody>
+            </p:sp>
+          </mc:Choice>
+          <mc:Fallback>
+            <p:sp>
+              <p:nvSpPr>
+                <p:cNvPr id="13" name="CasellaDiTesto 12">
+                  <a:extLst>
+                    <a:ext uri="{FF2B5EF4-FFF2-40B4-BE49-F238E27FC236}">
+                      <a16:creationId xmlns:a16="http://schemas.microsoft.com/office/drawing/2014/main" id="{3D210763-2480-4957-A533-07952B06CCBD}"/>
+                    </a:ext>
+                  </a:extLst>
+                </p:cNvPr>
+                <p:cNvSpPr txBox="1">
+                  <a:spLocks noRot="1" noChangeAspect="1" noMove="1" noResize="1" noEditPoints="1" noAdjustHandles="1" noChangeArrowheads="1" noChangeShapeType="1" noTextEdit="1"/>
+                </p:cNvSpPr>
+                <p:nvPr/>
+              </p:nvSpPr>
+              <p:spPr>
+                <a:xfrm>
+                  <a:off x="8780903" y="4867811"/>
+                  <a:ext cx="1615634" cy="732573"/>
+                </a:xfrm>
+                <a:prstGeom prst="rect">
+                  <a:avLst/>
+                </a:prstGeom>
+                <a:blipFill>
+                  <a:blip r:embed="rId5"/>
+                  <a:stretch>
+                    <a:fillRect/>
+                  </a:stretch>
+                </a:blipFill>
+              </p:spPr>
+              <p:txBody>
+                <a:bodyPr/>
+                <a:lstStyle/>
+                <a:p>
+                  <a:r>
+                    <a:rPr lang="it-IT">
+                      <a:noFill/>
+                    </a:rPr>
+                    <a:t> </a:t>
+                  </a:r>
+                </a:p>
+              </p:txBody>
+            </p:sp>
+          </mc:Fallback>
+        </mc:AlternateContent>
+        <p:sp>
+          <p:nvSpPr>
+            <p:cNvPr id="15" name="CasellaDiTesto 14">
+              <a:extLst>
+                <a:ext uri="{FF2B5EF4-FFF2-40B4-BE49-F238E27FC236}">
+                  <a16:creationId xmlns:a16="http://schemas.microsoft.com/office/drawing/2014/main" id="{FD2DAFCF-6810-4FD8-B6AA-72A170DBD0D4}"/>
+                </a:ext>
+              </a:extLst>
+            </p:cNvPr>
+            <p:cNvSpPr txBox="1"/>
+            <p:nvPr/>
+          </p:nvSpPr>
+          <p:spPr>
+            <a:xfrm>
+              <a:off x="3225257" y="5896238"/>
+              <a:ext cx="3741198" cy="369332"/>
+            </a:xfrm>
+            <a:prstGeom prst="rect">
+              <a:avLst/>
+            </a:prstGeom>
+            <a:noFill/>
+          </p:spPr>
+          <p:txBody>
+            <a:bodyPr wrap="square" rtlCol="0">
+              <a:spAutoFit/>
+            </a:bodyPr>
+            <a:lstStyle/>
+            <a:p>
+              <a:pPr marL="285750" indent="-285750">
+                <a:buFont typeface="Arial" panose="020B0604020202020204" pitchFamily="34" charset="0"/>
+                <a:buChar char="•"/>
+              </a:pPr>
+              <a:r>
+                <a:rPr lang="it-IT" dirty="0"/>
+                <a:t>Sostituire: R3 </a:t>
+              </a:r>
+              <a:r>
+                <a:rPr lang="it-IT" dirty="0">
+                  <a:sym typeface="Wingdings" panose="05000000000000000000" pitchFamily="2" charset="2"/>
+                </a:rPr>
+                <a:t> R3 – R2</a:t>
+              </a:r>
+              <a:endParaRPr lang="it-IT" dirty="0"/>
+            </a:p>
+          </p:txBody>
+        </p:sp>
+        <mc:AlternateContent xmlns:mc="http://schemas.openxmlformats.org/markup-compatibility/2006">
+          <mc:Choice xmlns:a14="http://schemas.microsoft.com/office/drawing/2010/main" Requires="a14">
+            <p:sp>
+              <p:nvSpPr>
+                <p:cNvPr id="16" name="CasellaDiTesto 15">
+                  <a:extLst>
+                    <a:ext uri="{FF2B5EF4-FFF2-40B4-BE49-F238E27FC236}">
+                      <a16:creationId xmlns:a16="http://schemas.microsoft.com/office/drawing/2014/main" id="{38B93B90-1BC6-42D8-8ACD-8E248DF3B087}"/>
+                    </a:ext>
+                  </a:extLst>
+                </p:cNvPr>
+                <p:cNvSpPr txBox="1"/>
+                <p:nvPr/>
+              </p:nvSpPr>
+              <p:spPr>
+                <a:xfrm>
+                  <a:off x="8780903" y="5899284"/>
+                  <a:ext cx="1615634" cy="732573"/>
+                </a:xfrm>
+                <a:prstGeom prst="rect">
+                  <a:avLst/>
+                </a:prstGeom>
+                <a:noFill/>
+              </p:spPr>
+              <p:txBody>
+                <a:bodyPr wrap="none" lIns="0" tIns="0" rIns="0" bIns="0" rtlCol="0">
+                  <a:spAutoFit/>
+                </a:bodyPr>
+                <a:lstStyle/>
+                <a:p>
+                  <a:pPr/>
+                  <a14:m>
+                    <m:oMathPara xmlns:m="http://schemas.openxmlformats.org/officeDocument/2006/math">
+                      <m:oMathParaPr>
+                        <m:jc m:val="centerGroup"/>
+                      </m:oMathParaPr>
+                      <m:oMath xmlns:m="http://schemas.openxmlformats.org/officeDocument/2006/math">
+                        <m:d>
+                          <m:dPr>
+                            <m:begChr m:val="["/>
+                            <m:endChr m:val="]"/>
+                            <m:ctrlPr>
+                              <a:rPr lang="it-IT" i="1" smtClean="0">
+                                <a:latin typeface="Cambria Math" panose="02040503050406030204" pitchFamily="18" charset="0"/>
+                              </a:rPr>
+                            </m:ctrlPr>
+                          </m:dPr>
+                          <m:e>
+                            <m:m>
+                              <m:mPr>
+                                <m:mcs>
+                                  <m:mc>
+                                    <m:mcPr>
+                                      <m:count m:val="4"/>
+                                      <m:mcJc m:val="center"/>
+                                    </m:mcPr>
+                                  </m:mc>
+                                </m:mcs>
+                                <m:ctrlPr>
+                                  <a:rPr lang="it-IT" b="0" i="1" smtClean="0">
+                                    <a:latin typeface="Cambria Math" panose="02040503050406030204" pitchFamily="18" charset="0"/>
+                                  </a:rPr>
+                                </m:ctrlPr>
+                              </m:mPr>
+                              <m:mr>
+                                <m:e>
+                                  <m:r>
+                                    <m:rPr>
+                                      <m:brk m:alnAt="7"/>
+                                    </m:rPr>
+                                    <a:rPr lang="it-IT" b="0" i="1" smtClean="0">
+                                      <a:latin typeface="Cambria Math" panose="02040503050406030204" pitchFamily="18" charset="0"/>
+                                    </a:rPr>
+                                    <m:t>1</m:t>
+                                  </m:r>
+                                </m:e>
+                                <m:e>
+                                  <m:r>
+                                    <a:rPr lang="it-IT" b="0" i="1" smtClean="0">
+                                      <a:latin typeface="Cambria Math" panose="02040503050406030204" pitchFamily="18" charset="0"/>
+                                    </a:rPr>
+                                    <m:t>1</m:t>
+                                  </m:r>
+                                </m:e>
+                                <m:e>
+                                  <m:r>
+                                    <a:rPr lang="it-IT" b="0" i="1" smtClean="0">
+                                      <a:latin typeface="Cambria Math" panose="02040503050406030204" pitchFamily="18" charset="0"/>
+                                    </a:rPr>
+                                    <m:t>2</m:t>
+                                  </m:r>
+                                </m:e>
+                                <m:e>
+                                  <m:r>
+                                    <a:rPr lang="it-IT" b="0" i="1" smtClean="0">
+                                      <a:latin typeface="Cambria Math" panose="02040503050406030204" pitchFamily="18" charset="0"/>
+                                    </a:rPr>
+                                    <m:t>2</m:t>
+                                  </m:r>
+                                </m:e>
+                              </m:mr>
+                              <m:mr>
+                                <m:e>
+                                  <m:r>
+                                    <a:rPr lang="it-IT" b="0" i="1" smtClean="0">
+                                      <a:latin typeface="Cambria Math" panose="02040503050406030204" pitchFamily="18" charset="0"/>
+                                    </a:rPr>
+                                    <m:t>0</m:t>
+                                  </m:r>
+                                </m:e>
+                                <m:e>
+                                  <m:r>
+                                    <a:rPr lang="it-IT" b="0" i="1" smtClean="0">
+                                      <a:latin typeface="Cambria Math" panose="02040503050406030204" pitchFamily="18" charset="0"/>
+                                    </a:rPr>
+                                    <m:t>3</m:t>
+                                  </m:r>
+                                </m:e>
+                                <m:e>
+                                  <m:r>
+                                    <a:rPr lang="it-IT" b="0" i="1" smtClean="0">
+                                      <a:latin typeface="Cambria Math" panose="02040503050406030204" pitchFamily="18" charset="0"/>
+                                    </a:rPr>
+                                    <m:t>−1</m:t>
+                                  </m:r>
+                                </m:e>
+                                <m:e>
+                                  <m:r>
+                                    <a:rPr lang="it-IT" b="0" i="1" smtClean="0">
+                                      <a:latin typeface="Cambria Math" panose="02040503050406030204" pitchFamily="18" charset="0"/>
+                                    </a:rPr>
+                                    <m:t>1</m:t>
+                                  </m:r>
+                                </m:e>
+                              </m:mr>
+                              <m:mr>
+                                <m:e>
+                                  <m:r>
+                                    <a:rPr lang="it-IT" b="0" i="1" smtClean="0">
+                                      <a:latin typeface="Cambria Math" panose="02040503050406030204" pitchFamily="18" charset="0"/>
+                                    </a:rPr>
+                                    <m:t>0</m:t>
+                                  </m:r>
+                                </m:e>
+                                <m:e>
+                                  <m:r>
+                                    <a:rPr lang="it-IT" b="0" i="1" smtClean="0">
+                                      <a:latin typeface="Cambria Math" panose="02040503050406030204" pitchFamily="18" charset="0"/>
+                                    </a:rPr>
+                                    <m:t>0</m:t>
+                                  </m:r>
+                                </m:e>
+                                <m:e>
+                                  <m:r>
+                                    <a:rPr lang="it-IT" b="0" i="1" smtClean="0">
+                                      <a:latin typeface="Cambria Math" panose="02040503050406030204" pitchFamily="18" charset="0"/>
+                                    </a:rPr>
+                                    <m:t>0</m:t>
+                                  </m:r>
+                                </m:e>
+                                <m:e>
+                                  <m:r>
+                                    <a:rPr lang="it-IT" b="0" i="1" smtClean="0">
+                                      <a:latin typeface="Cambria Math" panose="02040503050406030204" pitchFamily="18" charset="0"/>
+                                    </a:rPr>
+                                    <m:t>0</m:t>
+                                  </m:r>
+                                </m:e>
+                              </m:mr>
+                            </m:m>
+                          </m:e>
+                        </m:d>
+                      </m:oMath>
+                    </m:oMathPara>
+                  </a14:m>
+                  <a:endParaRPr lang="it-IT" dirty="0"/>
+                </a:p>
+              </p:txBody>
+            </p:sp>
+          </mc:Choice>
+          <mc:Fallback>
+            <p:sp>
+              <p:nvSpPr>
+                <p:cNvPr id="16" name="CasellaDiTesto 15">
+                  <a:extLst>
+                    <a:ext uri="{FF2B5EF4-FFF2-40B4-BE49-F238E27FC236}">
+                      <a16:creationId xmlns:a16="http://schemas.microsoft.com/office/drawing/2014/main" id="{38B93B90-1BC6-42D8-8ACD-8E248DF3B087}"/>
+                    </a:ext>
+                  </a:extLst>
+                </p:cNvPr>
+                <p:cNvSpPr txBox="1">
+                  <a:spLocks noRot="1" noChangeAspect="1" noMove="1" noResize="1" noEditPoints="1" noAdjustHandles="1" noChangeArrowheads="1" noChangeShapeType="1" noTextEdit="1"/>
+                </p:cNvSpPr>
+                <p:nvPr/>
+              </p:nvSpPr>
+              <p:spPr>
+                <a:xfrm>
+                  <a:off x="8780903" y="5899284"/>
+                  <a:ext cx="1615634" cy="732573"/>
+                </a:xfrm>
+                <a:prstGeom prst="rect">
+                  <a:avLst/>
+                </a:prstGeom>
+                <a:blipFill>
+                  <a:blip r:embed="rId6"/>
+                  <a:stretch>
+                    <a:fillRect/>
+                  </a:stretch>
+                </a:blipFill>
+              </p:spPr>
+              <p:txBody>
+                <a:bodyPr/>
+                <a:lstStyle/>
+                <a:p>
+                  <a:r>
+                    <a:rPr lang="it-IT">
+                      <a:noFill/>
+                    </a:rPr>
+                    <a:t> </a:t>
+                  </a:r>
+                </a:p>
+              </p:txBody>
+            </p:sp>
+          </mc:Fallback>
+        </mc:AlternateContent>
+      </p:grpSp>
+      <p:sp>
+        <p:nvSpPr>
+          <p:cNvPr id="21" name="Cerchio vuoto 20">
+            <a:extLst>
+              <a:ext uri="{FF2B5EF4-FFF2-40B4-BE49-F238E27FC236}">
+                <a16:creationId xmlns:a16="http://schemas.microsoft.com/office/drawing/2014/main" id="{E28B7BBB-E790-42C2-A8E5-66F87664DA97}"/>
+              </a:ext>
+            </a:extLst>
+          </p:cNvPr>
+          <p:cNvSpPr/>
+          <p:nvPr/>
+        </p:nvSpPr>
+        <p:spPr>
+          <a:xfrm>
+            <a:off x="479878" y="2040322"/>
+            <a:ext cx="2187177" cy="2082349"/>
+          </a:xfrm>
+          <a:prstGeom prst="donut">
+            <a:avLst>
+              <a:gd name="adj" fmla="val 10996"/>
+            </a:avLst>
+          </a:prstGeom>
+          <a:solidFill>
+            <a:srgbClr val="0070C0"/>
+          </a:solidFill>
+          <a:ln>
+            <a:solidFill>
+              <a:srgbClr val="0070C0"/>
+            </a:solidFill>
+          </a:ln>
+        </p:spPr>
+        <p:style>
+          <a:lnRef idx="2">
+            <a:schemeClr val="accent1">
+              <a:shade val="50000"/>
+            </a:schemeClr>
+          </a:lnRef>
+          <a:fillRef idx="1">
+            <a:schemeClr val="accent1"/>
+          </a:fillRef>
+          <a:effectRef idx="0">
+            <a:schemeClr val="accent1"/>
+          </a:effectRef>
+          <a:fontRef idx="minor">
+            <a:schemeClr val="lt1"/>
+          </a:fontRef>
+        </p:style>
+        <p:txBody>
+          <a:bodyPr rtlCol="0" anchor="ctr"/>
+          <a:lstStyle/>
+          <a:p>
+            <a:pPr algn="ctr"/>
+            <a:r>
+              <a:rPr lang="it-IT" dirty="0">
+                <a:solidFill>
+                  <a:schemeClr val="tx1"/>
+                </a:solidFill>
+              </a:rPr>
+              <a:t>TRATTARE CON CAUTELA!</a:t>
+            </a:r>
+          </a:p>
+        </p:txBody>
+      </p:sp>
+    </p:spTree>
+    <p:extLst>
+      <p:ext uri="{BB962C8B-B14F-4D97-AF65-F5344CB8AC3E}">
+        <p14:creationId xmlns:p14="http://schemas.microsoft.com/office/powerpoint/2010/main" val="1006311649"/>
+      </p:ext>
+    </p:extLst>
+  </p:cSld>
+  <p:clrMapOvr>
+    <a:masterClrMapping/>
+  </p:clrMapOvr>
+</p:sld>
+</file>
+
+<file path=ppt/slides/slide41.xml><?xml version="1.0" encoding="utf-8"?>
+<p:sld xmlns:a="http://schemas.openxmlformats.org/drawingml/2006/main" xmlns:r="http://schemas.openxmlformats.org/officeDocument/2006/relationships" xmlns:p="http://schemas.openxmlformats.org/presentationml/2006/main">
+  <p:cSld>
+    <p:spTree>
+      <p:nvGrpSpPr>
+        <p:cNvPr id="1" name=""/>
+        <p:cNvGrpSpPr/>
+        <p:nvPr/>
+      </p:nvGrpSpPr>
+      <p:grpSpPr>
+        <a:xfrm>
+          <a:off x="0" y="0"/>
+          <a:ext cx="0" cy="0"/>
+          <a:chOff x="0" y="0"/>
+          <a:chExt cx="0" cy="0"/>
+        </a:xfrm>
+      </p:grpSpPr>
+      <p:sp>
+        <p:nvSpPr>
+          <p:cNvPr id="4" name="Titolo 1">
+            <a:extLst>
+              <a:ext uri="{FF2B5EF4-FFF2-40B4-BE49-F238E27FC236}">
+                <a16:creationId xmlns:a16="http://schemas.microsoft.com/office/drawing/2014/main" id="{DC43C243-EB51-401A-B9C2-5398A930926C}"/>
+              </a:ext>
+            </a:extLst>
+          </p:cNvPr>
+          <p:cNvSpPr>
+            <a:spLocks noGrp="1"/>
+          </p:cNvSpPr>
+          <p:nvPr>
+            <p:ph type="title"/>
+          </p:nvPr>
+        </p:nvSpPr>
+        <p:spPr>
+          <a:xfrm>
+            <a:off x="838200" y="365125"/>
+            <a:ext cx="10515600" cy="1325563"/>
+          </a:xfrm>
+        </p:spPr>
+        <p:txBody>
+          <a:bodyPr/>
+          <a:lstStyle/>
+          <a:p>
+            <a:r>
+              <a:rPr lang="it-IT" dirty="0"/>
+              <a:t>Metodo di Gauss</a:t>
+            </a:r>
+            <a:br>
+              <a:rPr lang="it-IT" dirty="0"/>
+            </a:br>
+            <a:r>
+              <a:rPr lang="it-IT" sz="2800" dirty="0"/>
+              <a:t>Sistemi indeterminati</a:t>
+            </a:r>
+            <a:endParaRPr lang="it-IT" dirty="0"/>
+          </a:p>
+        </p:txBody>
+      </p:sp>
+      <p:sp>
+        <p:nvSpPr>
+          <p:cNvPr id="5" name="CasellaDiTesto 4">
+            <a:extLst>
+              <a:ext uri="{FF2B5EF4-FFF2-40B4-BE49-F238E27FC236}">
+                <a16:creationId xmlns:a16="http://schemas.microsoft.com/office/drawing/2014/main" id="{8601B404-2933-404C-851F-461CAFA4166D}"/>
+              </a:ext>
+            </a:extLst>
+          </p:cNvPr>
+          <p:cNvSpPr txBox="1"/>
+          <p:nvPr/>
+        </p:nvSpPr>
+        <p:spPr>
+          <a:xfrm>
+            <a:off x="838200" y="1893884"/>
+            <a:ext cx="10680290" cy="369332"/>
+          </a:xfrm>
+          <a:prstGeom prst="rect">
+            <a:avLst/>
+          </a:prstGeom>
+          <a:noFill/>
+        </p:spPr>
+        <p:txBody>
+          <a:bodyPr wrap="square" rtlCol="0">
+            <a:spAutoFit/>
+          </a:bodyPr>
+          <a:lstStyle/>
+          <a:p>
+            <a:r>
+              <a:rPr lang="it-IT" dirty="0"/>
+              <a:t>Vediamo un esempio in cui il sistema non ha solo una soluzione.</a:t>
+            </a:r>
+          </a:p>
+        </p:txBody>
+      </p:sp>
+      <mc:AlternateContent xmlns:mc="http://schemas.openxmlformats.org/markup-compatibility/2006">
+        <mc:Choice xmlns:a14="http://schemas.microsoft.com/office/drawing/2010/main" Requires="a14">
+          <p:sp>
+            <p:nvSpPr>
+              <p:cNvPr id="6" name="CasellaDiTesto 5">
+                <a:extLst>
+                  <a:ext uri="{FF2B5EF4-FFF2-40B4-BE49-F238E27FC236}">
+                    <a16:creationId xmlns:a16="http://schemas.microsoft.com/office/drawing/2014/main" id="{85714899-73C4-409C-AAEA-E9794A91992E}"/>
+                  </a:ext>
+                </a:extLst>
+              </p:cNvPr>
+              <p:cNvSpPr txBox="1"/>
+              <p:nvPr/>
+            </p:nvSpPr>
+            <p:spPr>
+              <a:xfrm>
+                <a:off x="4678059" y="2466412"/>
+                <a:ext cx="1890710" cy="982577"/>
+              </a:xfrm>
+              <a:prstGeom prst="rect">
+                <a:avLst/>
+              </a:prstGeom>
+              <a:noFill/>
+            </p:spPr>
+            <p:txBody>
+              <a:bodyPr wrap="none" lIns="0" tIns="0" rIns="0" bIns="0" rtlCol="0">
+                <a:spAutoFit/>
+              </a:bodyPr>
+              <a:lstStyle/>
+              <a:p>
+                <a:pPr algn="just"/>
+                <a14:m>
+                  <m:oMathPara xmlns:m="http://schemas.openxmlformats.org/officeDocument/2006/math">
+                    <m:oMathParaPr>
+                      <m:jc m:val="right"/>
+                    </m:oMathParaPr>
+                    <m:oMath xmlns:m="http://schemas.openxmlformats.org/officeDocument/2006/math">
+                      <m:d>
+                        <m:dPr>
+                          <m:begChr m:val="{"/>
+                          <m:endChr m:val=""/>
+                          <m:ctrlPr>
+                            <a:rPr lang="it-IT" sz="2000" i="1" smtClean="0">
+                              <a:latin typeface="Cambria Math" panose="02040503050406030204" pitchFamily="18" charset="0"/>
+                            </a:rPr>
+                          </m:ctrlPr>
+                        </m:dPr>
+                        <m:e>
+                          <m:m>
+                            <m:mPr>
+                              <m:mcs>
+                                <m:mc>
+                                  <m:mcPr>
+                                    <m:count m:val="1"/>
+                                    <m:mcJc m:val="center"/>
+                                  </m:mcPr>
+                                </m:mc>
+                              </m:mcs>
+                              <m:ctrlPr>
+                                <a:rPr lang="it-IT" sz="2000" i="1" smtClean="0">
+                                  <a:latin typeface="Cambria Math" panose="02040503050406030204" pitchFamily="18" charset="0"/>
+                                </a:rPr>
+                              </m:ctrlPr>
+                            </m:mPr>
+                            <m:mr>
+                              <m:e>
+                                <m:r>
+                                  <m:rPr>
+                                    <m:brk m:alnAt="7"/>
+                                  </m:rPr>
+                                  <a:rPr lang="it-IT" sz="2000" b="0" i="1" smtClean="0">
+                                    <a:latin typeface="Cambria Math" panose="02040503050406030204" pitchFamily="18" charset="0"/>
+                                  </a:rPr>
+                                  <m:t>𝑥</m:t>
+                                </m:r>
+                                <m:r>
+                                  <a:rPr lang="it-IT" sz="2000" b="0" i="1" smtClean="0">
+                                    <a:latin typeface="Cambria Math" panose="02040503050406030204" pitchFamily="18" charset="0"/>
+                                  </a:rPr>
+                                  <m:t>+</m:t>
+                                </m:r>
+                                <m:r>
+                                  <a:rPr lang="it-IT" sz="2000" b="0" i="1" smtClean="0">
+                                    <a:latin typeface="Cambria Math" panose="02040503050406030204" pitchFamily="18" charset="0"/>
+                                  </a:rPr>
+                                  <m:t>𝑦</m:t>
+                                </m:r>
+                                <m:r>
+                                  <a:rPr lang="it-IT" sz="2000" b="0" i="1" smtClean="0">
+                                    <a:latin typeface="Cambria Math" panose="02040503050406030204" pitchFamily="18" charset="0"/>
+                                  </a:rPr>
+                                  <m:t>+2</m:t>
+                                </m:r>
+                                <m:r>
+                                  <a:rPr lang="it-IT" sz="2000" b="0" i="1" smtClean="0">
+                                    <a:latin typeface="Cambria Math" panose="02040503050406030204" pitchFamily="18" charset="0"/>
+                                  </a:rPr>
+                                  <m:t>𝑧</m:t>
+                                </m:r>
+                                <m:r>
+                                  <a:rPr lang="it-IT" sz="2000" b="0" i="1" smtClean="0">
+                                    <a:latin typeface="Cambria Math" panose="02040503050406030204" pitchFamily="18" charset="0"/>
+                                  </a:rPr>
+                                  <m:t>=2</m:t>
+                                </m:r>
+                              </m:e>
+                            </m:mr>
+                            <m:mr>
+                              <m:e>
+                                <m:r>
+                                  <a:rPr lang="it-IT" sz="2000" b="0" i="1" smtClean="0">
+                                    <a:latin typeface="Cambria Math" panose="02040503050406030204" pitchFamily="18" charset="0"/>
+                                  </a:rPr>
+                                  <m:t>3</m:t>
+                                </m:r>
+                                <m:r>
+                                  <a:rPr lang="it-IT" sz="2000" b="0" i="1" smtClean="0">
+                                    <a:latin typeface="Cambria Math" panose="02040503050406030204" pitchFamily="18" charset="0"/>
+                                  </a:rPr>
+                                  <m:t>𝑦</m:t>
+                                </m:r>
+                                <m:r>
+                                  <a:rPr lang="it-IT" sz="2000" b="0" i="1" smtClean="0">
+                                    <a:latin typeface="Cambria Math" panose="02040503050406030204" pitchFamily="18" charset="0"/>
+                                  </a:rPr>
+                                  <m:t>−</m:t>
+                                </m:r>
+                                <m:r>
+                                  <a:rPr lang="it-IT" sz="2000" b="0" i="1" smtClean="0">
+                                    <a:latin typeface="Cambria Math" panose="02040503050406030204" pitchFamily="18" charset="0"/>
+                                  </a:rPr>
+                                  <m:t>𝑧</m:t>
+                                </m:r>
+                                <m:r>
+                                  <a:rPr lang="it-IT" sz="2000" b="0" i="1" smtClean="0">
+                                    <a:latin typeface="Cambria Math" panose="02040503050406030204" pitchFamily="18" charset="0"/>
+                                  </a:rPr>
+                                  <m:t>=1</m:t>
+                                </m:r>
+                              </m:e>
+                            </m:mr>
+                            <m:mr>
+                              <m:e>
+                                <m:r>
+                                  <a:rPr lang="it-IT" sz="2000" b="0" i="1" smtClean="0">
+                                    <a:latin typeface="Cambria Math" panose="02040503050406030204" pitchFamily="18" charset="0"/>
+                                  </a:rPr>
+                                  <m:t>0=0</m:t>
+                                </m:r>
+                              </m:e>
+                            </m:mr>
+                          </m:m>
+                        </m:e>
+                      </m:d>
+                    </m:oMath>
+                  </m:oMathPara>
+                </a14:m>
+                <a:endParaRPr lang="it-IT" sz="2000" dirty="0"/>
+              </a:p>
+            </p:txBody>
+          </p:sp>
+        </mc:Choice>
+        <mc:Fallback>
+          <p:sp>
+            <p:nvSpPr>
+              <p:cNvPr id="6" name="CasellaDiTesto 5">
+                <a:extLst>
+                  <a:ext uri="{FF2B5EF4-FFF2-40B4-BE49-F238E27FC236}">
+                    <a16:creationId xmlns:a16="http://schemas.microsoft.com/office/drawing/2014/main" id="{85714899-73C4-409C-AAEA-E9794A91992E}"/>
+                  </a:ext>
+                </a:extLst>
+              </p:cNvPr>
+              <p:cNvSpPr txBox="1">
+                <a:spLocks noRot="1" noChangeAspect="1" noMove="1" noResize="1" noEditPoints="1" noAdjustHandles="1" noChangeArrowheads="1" noChangeShapeType="1" noTextEdit="1"/>
+              </p:cNvSpPr>
+              <p:nvPr/>
+            </p:nvSpPr>
+            <p:spPr>
+              <a:xfrm>
+                <a:off x="4678059" y="2466412"/>
+                <a:ext cx="1890710" cy="982577"/>
+              </a:xfrm>
+              <a:prstGeom prst="rect">
+                <a:avLst/>
+              </a:prstGeom>
+              <a:blipFill>
+                <a:blip r:embed="rId2"/>
+                <a:stretch>
+                  <a:fillRect/>
+                </a:stretch>
+              </a:blipFill>
+            </p:spPr>
+            <p:txBody>
+              <a:bodyPr/>
+              <a:lstStyle/>
+              <a:p>
+                <a:r>
+                  <a:rPr lang="it-IT">
+                    <a:noFill/>
+                  </a:rPr>
+                  <a:t> </a:t>
+                </a:r>
+              </a:p>
+            </p:txBody>
+          </p:sp>
+        </mc:Fallback>
+      </mc:AlternateContent>
+      <p:cxnSp>
+        <p:nvCxnSpPr>
+          <p:cNvPr id="9" name="Connettore 2 8">
+            <a:extLst>
+              <a:ext uri="{FF2B5EF4-FFF2-40B4-BE49-F238E27FC236}">
+                <a16:creationId xmlns:a16="http://schemas.microsoft.com/office/drawing/2014/main" id="{F8F70AF4-32D4-47AC-B811-BE3D73F303AC}"/>
+              </a:ext>
+            </a:extLst>
+          </p:cNvPr>
+          <p:cNvCxnSpPr/>
+          <p:nvPr/>
+        </p:nvCxnSpPr>
+        <p:spPr>
+          <a:xfrm>
+            <a:off x="3261785" y="3013689"/>
+            <a:ext cx="929149" cy="0"/>
+          </a:xfrm>
+          <a:prstGeom prst="straightConnector1">
+            <a:avLst/>
+          </a:prstGeom>
+          <a:ln>
+            <a:tailEnd type="triangle"/>
+          </a:ln>
+        </p:spPr>
+        <p:style>
+          <a:lnRef idx="1">
+            <a:schemeClr val="accent1"/>
+          </a:lnRef>
+          <a:fillRef idx="0">
+            <a:schemeClr val="accent1"/>
+          </a:fillRef>
+          <a:effectRef idx="0">
+            <a:schemeClr val="accent1"/>
+          </a:effectRef>
+          <a:fontRef idx="minor">
+            <a:schemeClr val="tx1"/>
+          </a:fontRef>
+        </p:style>
+      </p:cxnSp>
+      <p:grpSp>
+        <p:nvGrpSpPr>
+          <p:cNvPr id="2" name="Gruppo 1">
+            <a:extLst>
+              <a:ext uri="{FF2B5EF4-FFF2-40B4-BE49-F238E27FC236}">
+                <a16:creationId xmlns:a16="http://schemas.microsoft.com/office/drawing/2014/main" id="{B44598C4-45B9-4489-AFA0-87B36824BCF9}"/>
+              </a:ext>
+            </a:extLst>
+          </p:cNvPr>
+          <p:cNvGrpSpPr/>
+          <p:nvPr/>
+        </p:nvGrpSpPr>
+        <p:grpSpPr>
+          <a:xfrm>
+            <a:off x="1173517" y="2651332"/>
+            <a:ext cx="1686379" cy="732573"/>
+            <a:chOff x="9503232" y="5657063"/>
+            <a:chExt cx="1686379" cy="732573"/>
+          </a:xfrm>
+        </p:grpSpPr>
+        <p:sp>
+          <p:nvSpPr>
+            <p:cNvPr id="17" name="Rettangolo 16">
+              <a:extLst>
+                <a:ext uri="{FF2B5EF4-FFF2-40B4-BE49-F238E27FC236}">
+                  <a16:creationId xmlns:a16="http://schemas.microsoft.com/office/drawing/2014/main" id="{A56956FC-9336-4E79-9A82-ADB265C3210F}"/>
+                </a:ext>
+              </a:extLst>
+            </p:cNvPr>
+            <p:cNvSpPr/>
+            <p:nvPr/>
+          </p:nvSpPr>
+          <p:spPr>
+            <a:xfrm rot="5400000">
+              <a:off x="10289611" y="5489636"/>
+              <a:ext cx="216000" cy="1584000"/>
+            </a:xfrm>
+            <a:prstGeom prst="rect">
+              <a:avLst/>
+            </a:prstGeom>
+            <a:solidFill>
+              <a:srgbClr val="0070C0">
+                <a:alpha val="43000"/>
+              </a:srgbClr>
+            </a:solidFill>
+            <a:ln>
+              <a:noFill/>
+            </a:ln>
+          </p:spPr>
+          <p:style>
+            <a:lnRef idx="2">
+              <a:schemeClr val="accent1">
+                <a:shade val="50000"/>
+              </a:schemeClr>
+            </a:lnRef>
+            <a:fillRef idx="1">
+              <a:schemeClr val="accent1"/>
+            </a:fillRef>
+            <a:effectRef idx="0">
+              <a:schemeClr val="accent1"/>
+            </a:effectRef>
+            <a:fontRef idx="minor">
+              <a:schemeClr val="lt1"/>
+            </a:fontRef>
+          </p:style>
+          <p:txBody>
+            <a:bodyPr rtlCol="0" anchor="ctr"/>
+            <a:lstStyle/>
+            <a:p>
+              <a:pPr algn="ctr"/>
+              <a:endParaRPr lang="it-IT" dirty="0"/>
+            </a:p>
+          </p:txBody>
+        </p:sp>
+        <mc:AlternateContent xmlns:mc="http://schemas.openxmlformats.org/markup-compatibility/2006">
+          <mc:Choice xmlns:a14="http://schemas.microsoft.com/office/drawing/2010/main" Requires="a14">
+            <p:sp>
+              <p:nvSpPr>
+                <p:cNvPr id="16" name="CasellaDiTesto 15">
+                  <a:extLst>
+                    <a:ext uri="{FF2B5EF4-FFF2-40B4-BE49-F238E27FC236}">
+                      <a16:creationId xmlns:a16="http://schemas.microsoft.com/office/drawing/2014/main" id="{38B93B90-1BC6-42D8-8ACD-8E248DF3B087}"/>
+                    </a:ext>
+                  </a:extLst>
+                </p:cNvPr>
+                <p:cNvSpPr txBox="1"/>
+                <p:nvPr/>
+              </p:nvSpPr>
+              <p:spPr>
+                <a:xfrm>
+                  <a:off x="9503232" y="5657063"/>
+                  <a:ext cx="1615634" cy="732573"/>
+                </a:xfrm>
+                <a:prstGeom prst="rect">
+                  <a:avLst/>
+                </a:prstGeom>
+                <a:noFill/>
+              </p:spPr>
+              <p:txBody>
+                <a:bodyPr wrap="none" lIns="0" tIns="0" rIns="0" bIns="0" rtlCol="0">
+                  <a:spAutoFit/>
+                </a:bodyPr>
+                <a:lstStyle/>
+                <a:p>
+                  <a:pPr/>
+                  <a14:m>
+                    <m:oMathPara xmlns:m="http://schemas.openxmlformats.org/officeDocument/2006/math">
+                      <m:oMathParaPr>
+                        <m:jc m:val="centerGroup"/>
+                      </m:oMathParaPr>
+                      <m:oMath xmlns:m="http://schemas.openxmlformats.org/officeDocument/2006/math">
+                        <m:d>
+                          <m:dPr>
+                            <m:begChr m:val="["/>
+                            <m:endChr m:val="]"/>
+                            <m:ctrlPr>
+                              <a:rPr lang="it-IT" i="1" smtClean="0">
+                                <a:latin typeface="Cambria Math" panose="02040503050406030204" pitchFamily="18" charset="0"/>
+                              </a:rPr>
+                            </m:ctrlPr>
+                          </m:dPr>
+                          <m:e>
+                            <m:m>
+                              <m:mPr>
+                                <m:mcs>
+                                  <m:mc>
+                                    <m:mcPr>
+                                      <m:count m:val="4"/>
+                                      <m:mcJc m:val="center"/>
+                                    </m:mcPr>
+                                  </m:mc>
+                                </m:mcs>
+                                <m:ctrlPr>
+                                  <a:rPr lang="it-IT" b="0" i="1" smtClean="0">
+                                    <a:latin typeface="Cambria Math" panose="02040503050406030204" pitchFamily="18" charset="0"/>
+                                  </a:rPr>
+                                </m:ctrlPr>
+                              </m:mPr>
+                              <m:mr>
+                                <m:e>
+                                  <m:r>
+                                    <m:rPr>
+                                      <m:brk m:alnAt="7"/>
+                                    </m:rPr>
+                                    <a:rPr lang="it-IT" b="0" i="1" smtClean="0">
+                                      <a:latin typeface="Cambria Math" panose="02040503050406030204" pitchFamily="18" charset="0"/>
+                                    </a:rPr>
+                                    <m:t>1</m:t>
+                                  </m:r>
+                                </m:e>
+                                <m:e>
+                                  <m:r>
+                                    <a:rPr lang="it-IT" b="0" i="1" smtClean="0">
+                                      <a:latin typeface="Cambria Math" panose="02040503050406030204" pitchFamily="18" charset="0"/>
+                                    </a:rPr>
+                                    <m:t>1</m:t>
+                                  </m:r>
+                                </m:e>
+                                <m:e>
+                                  <m:r>
+                                    <a:rPr lang="it-IT" b="0" i="1" smtClean="0">
+                                      <a:latin typeface="Cambria Math" panose="02040503050406030204" pitchFamily="18" charset="0"/>
+                                    </a:rPr>
+                                    <m:t>2</m:t>
+                                  </m:r>
+                                </m:e>
+                                <m:e>
+                                  <m:r>
+                                    <a:rPr lang="it-IT" b="0" i="1" smtClean="0">
+                                      <a:latin typeface="Cambria Math" panose="02040503050406030204" pitchFamily="18" charset="0"/>
+                                    </a:rPr>
+                                    <m:t>2</m:t>
+                                  </m:r>
+                                </m:e>
+                              </m:mr>
+                              <m:mr>
+                                <m:e>
+                                  <m:r>
+                                    <a:rPr lang="it-IT" b="0" i="1" smtClean="0">
+                                      <a:latin typeface="Cambria Math" panose="02040503050406030204" pitchFamily="18" charset="0"/>
+                                    </a:rPr>
+                                    <m:t>0</m:t>
+                                  </m:r>
+                                </m:e>
+                                <m:e>
+                                  <m:r>
+                                    <a:rPr lang="it-IT" b="0" i="1" smtClean="0">
+                                      <a:latin typeface="Cambria Math" panose="02040503050406030204" pitchFamily="18" charset="0"/>
+                                    </a:rPr>
+                                    <m:t>3</m:t>
+                                  </m:r>
+                                </m:e>
+                                <m:e>
+                                  <m:r>
+                                    <a:rPr lang="it-IT" b="0" i="1" smtClean="0">
+                                      <a:latin typeface="Cambria Math" panose="02040503050406030204" pitchFamily="18" charset="0"/>
+                                    </a:rPr>
+                                    <m:t>−1</m:t>
+                                  </m:r>
+                                </m:e>
+                                <m:e>
+                                  <m:r>
+                                    <a:rPr lang="it-IT" b="0" i="1" smtClean="0">
+                                      <a:latin typeface="Cambria Math" panose="02040503050406030204" pitchFamily="18" charset="0"/>
+                                    </a:rPr>
+                                    <m:t>1</m:t>
+                                  </m:r>
+                                </m:e>
+                              </m:mr>
+                              <m:mr>
+                                <m:e>
+                                  <m:r>
+                                    <a:rPr lang="it-IT" b="0" i="1" smtClean="0">
+                                      <a:latin typeface="Cambria Math" panose="02040503050406030204" pitchFamily="18" charset="0"/>
+                                    </a:rPr>
+                                    <m:t>0</m:t>
+                                  </m:r>
+                                </m:e>
+                                <m:e>
+                                  <m:r>
+                                    <a:rPr lang="it-IT" b="0" i="1" smtClean="0">
+                                      <a:latin typeface="Cambria Math" panose="02040503050406030204" pitchFamily="18" charset="0"/>
+                                    </a:rPr>
+                                    <m:t>0</m:t>
+                                  </m:r>
+                                </m:e>
+                                <m:e>
+                                  <m:r>
+                                    <a:rPr lang="it-IT" b="0" i="1" smtClean="0">
+                                      <a:latin typeface="Cambria Math" panose="02040503050406030204" pitchFamily="18" charset="0"/>
+                                    </a:rPr>
+                                    <m:t>0</m:t>
+                                  </m:r>
+                                </m:e>
+                                <m:e>
+                                  <m:r>
+                                    <a:rPr lang="it-IT" b="0" i="1" smtClean="0">
+                                      <a:latin typeface="Cambria Math" panose="02040503050406030204" pitchFamily="18" charset="0"/>
+                                    </a:rPr>
+                                    <m:t>0</m:t>
+                                  </m:r>
+                                </m:e>
+                              </m:mr>
+                            </m:m>
+                          </m:e>
+                        </m:d>
+                      </m:oMath>
+                    </m:oMathPara>
+                  </a14:m>
+                  <a:endParaRPr lang="it-IT" dirty="0"/>
+                </a:p>
+              </p:txBody>
+            </p:sp>
+          </mc:Choice>
+          <mc:Fallback>
+            <p:sp>
+              <p:nvSpPr>
+                <p:cNvPr id="16" name="CasellaDiTesto 15">
+                  <a:extLst>
+                    <a:ext uri="{FF2B5EF4-FFF2-40B4-BE49-F238E27FC236}">
+                      <a16:creationId xmlns:a16="http://schemas.microsoft.com/office/drawing/2014/main" id="{38B93B90-1BC6-42D8-8ACD-8E248DF3B087}"/>
+                    </a:ext>
+                  </a:extLst>
+                </p:cNvPr>
+                <p:cNvSpPr txBox="1">
+                  <a:spLocks noRot="1" noChangeAspect="1" noMove="1" noResize="1" noEditPoints="1" noAdjustHandles="1" noChangeArrowheads="1" noChangeShapeType="1" noTextEdit="1"/>
+                </p:cNvSpPr>
+                <p:nvPr/>
+              </p:nvSpPr>
+              <p:spPr>
+                <a:xfrm>
+                  <a:off x="9503232" y="5657063"/>
+                  <a:ext cx="1615634" cy="732573"/>
+                </a:xfrm>
+                <a:prstGeom prst="rect">
+                  <a:avLst/>
+                </a:prstGeom>
+                <a:blipFill>
+                  <a:blip r:embed="rId3"/>
+                  <a:stretch>
+                    <a:fillRect/>
+                  </a:stretch>
+                </a:blipFill>
+              </p:spPr>
+              <p:txBody>
+                <a:bodyPr/>
+                <a:lstStyle/>
+                <a:p>
+                  <a:r>
+                    <a:rPr lang="it-IT">
+                      <a:noFill/>
+                    </a:rPr>
+                    <a:t> </a:t>
+                  </a:r>
+                </a:p>
+              </p:txBody>
+            </p:sp>
+          </mc:Fallback>
+        </mc:AlternateContent>
+      </p:grpSp>
+      <p:sp>
+        <p:nvSpPr>
+          <p:cNvPr id="18" name="Rettangolo 17">
+            <a:extLst>
+              <a:ext uri="{FF2B5EF4-FFF2-40B4-BE49-F238E27FC236}">
+                <a16:creationId xmlns:a16="http://schemas.microsoft.com/office/drawing/2014/main" id="{411C47F8-1F95-4B29-A638-E5E945D2A9B3}"/>
+              </a:ext>
+            </a:extLst>
+          </p:cNvPr>
+          <p:cNvSpPr/>
+          <p:nvPr/>
+        </p:nvSpPr>
+        <p:spPr>
+          <a:xfrm rot="5400000">
+            <a:off x="5668769" y="2483905"/>
+            <a:ext cx="216000" cy="1584000"/>
+          </a:xfrm>
+          <a:prstGeom prst="rect">
+            <a:avLst/>
+          </a:prstGeom>
+          <a:solidFill>
+            <a:srgbClr val="0070C0">
+              <a:alpha val="43000"/>
+            </a:srgbClr>
+          </a:solidFill>
+          <a:ln>
+            <a:noFill/>
+          </a:ln>
+        </p:spPr>
+        <p:style>
+          <a:lnRef idx="2">
+            <a:schemeClr val="accent1">
+              <a:shade val="50000"/>
+            </a:schemeClr>
+          </a:lnRef>
+          <a:fillRef idx="1">
+            <a:schemeClr val="accent1"/>
+          </a:fillRef>
+          <a:effectRef idx="0">
+            <a:schemeClr val="accent1"/>
+          </a:effectRef>
+          <a:fontRef idx="minor">
+            <a:schemeClr val="lt1"/>
+          </a:fontRef>
+        </p:style>
+        <p:txBody>
+          <a:bodyPr rtlCol="0" anchor="ctr"/>
+          <a:lstStyle/>
+          <a:p>
+            <a:pPr algn="ctr"/>
+            <a:endParaRPr lang="it-IT" dirty="0"/>
+          </a:p>
+        </p:txBody>
+      </p:sp>
+      <p:grpSp>
+        <p:nvGrpSpPr>
+          <p:cNvPr id="20" name="Gruppo 19">
+            <a:extLst>
+              <a:ext uri="{FF2B5EF4-FFF2-40B4-BE49-F238E27FC236}">
+                <a16:creationId xmlns:a16="http://schemas.microsoft.com/office/drawing/2014/main" id="{362B7BEA-9CAB-4D9D-A200-FED7E68B8792}"/>
+              </a:ext>
+            </a:extLst>
+          </p:cNvPr>
+          <p:cNvGrpSpPr/>
+          <p:nvPr/>
+        </p:nvGrpSpPr>
+        <p:grpSpPr>
+          <a:xfrm>
+            <a:off x="7055894" y="2352575"/>
+            <a:ext cx="3784803" cy="1200329"/>
+            <a:chOff x="7241458" y="3794488"/>
+            <a:chExt cx="3784803" cy="1200329"/>
+          </a:xfrm>
+        </p:grpSpPr>
+        <p:sp>
+          <p:nvSpPr>
+            <p:cNvPr id="24" name="Freccia a destra 23">
+              <a:extLst>
+                <a:ext uri="{FF2B5EF4-FFF2-40B4-BE49-F238E27FC236}">
+                  <a16:creationId xmlns:a16="http://schemas.microsoft.com/office/drawing/2014/main" id="{FA3EE8AC-7DA6-4588-9D29-23EE7300E33F}"/>
+                </a:ext>
+              </a:extLst>
+            </p:cNvPr>
+            <p:cNvSpPr/>
+            <p:nvPr/>
+          </p:nvSpPr>
+          <p:spPr>
+            <a:xfrm>
+              <a:off x="7241458" y="3916680"/>
+              <a:ext cx="784971" cy="729096"/>
+            </a:xfrm>
+            <a:prstGeom prst="rightArrow">
+              <a:avLst/>
+            </a:prstGeom>
+            <a:solidFill>
+              <a:srgbClr val="0070C0"/>
+            </a:solidFill>
+          </p:spPr>
+          <p:style>
+            <a:lnRef idx="2">
+              <a:schemeClr val="accent1">
+                <a:shade val="50000"/>
+              </a:schemeClr>
+            </a:lnRef>
+            <a:fillRef idx="1">
+              <a:schemeClr val="accent1"/>
+            </a:fillRef>
+            <a:effectRef idx="0">
+              <a:schemeClr val="accent1"/>
+            </a:effectRef>
+            <a:fontRef idx="minor">
+              <a:schemeClr val="lt1"/>
+            </a:fontRef>
+          </p:style>
+          <p:txBody>
+            <a:bodyPr rtlCol="0" anchor="ctr"/>
+            <a:lstStyle/>
+            <a:p>
+              <a:pPr algn="ctr"/>
+              <a:endParaRPr lang="it-IT">
+                <a:solidFill>
+                  <a:srgbClr val="FF0000"/>
+                </a:solidFill>
+              </a:endParaRPr>
+            </a:p>
+          </p:txBody>
+        </p:sp>
+        <p:sp>
+          <p:nvSpPr>
+            <p:cNvPr id="25" name="CasellaDiTesto 24">
+              <a:extLst>
+                <a:ext uri="{FF2B5EF4-FFF2-40B4-BE49-F238E27FC236}">
+                  <a16:creationId xmlns:a16="http://schemas.microsoft.com/office/drawing/2014/main" id="{043B005D-3D1E-41F2-897B-CC3CBA800FD7}"/>
+                </a:ext>
+              </a:extLst>
+            </p:cNvPr>
+            <p:cNvSpPr txBox="1"/>
+            <p:nvPr/>
+          </p:nvSpPr>
+          <p:spPr>
+            <a:xfrm>
+              <a:off x="8450826" y="3794488"/>
+              <a:ext cx="2575435" cy="1200329"/>
+            </a:xfrm>
+            <a:prstGeom prst="rect">
+              <a:avLst/>
+            </a:prstGeom>
+            <a:noFill/>
+          </p:spPr>
+          <p:txBody>
+            <a:bodyPr wrap="square" rtlCol="0">
+              <a:spAutoFit/>
+            </a:bodyPr>
+            <a:lstStyle/>
+            <a:p>
+              <a:r>
+                <a:rPr lang="it-IT" dirty="0"/>
+                <a:t>Questo sistema è indeterminato e ammette infinite soluzioni</a:t>
+              </a:r>
+            </a:p>
+          </p:txBody>
+        </p:sp>
+      </p:grpSp>
+      <p:sp>
+        <p:nvSpPr>
+          <p:cNvPr id="28" name="CasellaDiTesto 27">
+            <a:extLst>
+              <a:ext uri="{FF2B5EF4-FFF2-40B4-BE49-F238E27FC236}">
+                <a16:creationId xmlns:a16="http://schemas.microsoft.com/office/drawing/2014/main" id="{B48C0CF9-71E7-4234-A1F5-20A7B4F05C70}"/>
+              </a:ext>
+            </a:extLst>
+          </p:cNvPr>
+          <p:cNvSpPr txBox="1"/>
+          <p:nvPr/>
+        </p:nvSpPr>
+        <p:spPr>
+          <a:xfrm>
+            <a:off x="1425986" y="4462135"/>
+            <a:ext cx="9340028" cy="461665"/>
+          </a:xfrm>
+          <a:prstGeom prst="rect">
+            <a:avLst/>
+          </a:prstGeom>
+          <a:noFill/>
+          <a:ln>
+            <a:solidFill>
+              <a:srgbClr val="0070C0"/>
+            </a:solidFill>
+          </a:ln>
+        </p:spPr>
+        <p:txBody>
+          <a:bodyPr wrap="square" rtlCol="0">
+            <a:spAutoFit/>
+          </a:bodyPr>
+          <a:lstStyle/>
+          <a:p>
+            <a:pPr algn="ctr"/>
+            <a:r>
+              <a:rPr lang="it-IT" sz="2400" dirty="0"/>
+              <a:t>Quando tutti gli elementi di una riga sono 0 il sistema è indeterminato.</a:t>
+            </a:r>
+          </a:p>
+        </p:txBody>
+      </p:sp>
+    </p:spTree>
+    <p:extLst>
+      <p:ext uri="{BB962C8B-B14F-4D97-AF65-F5344CB8AC3E}">
+        <p14:creationId xmlns:p14="http://schemas.microsoft.com/office/powerpoint/2010/main" val="1769044805"/>
+      </p:ext>
+    </p:extLst>
+  </p:cSld>
+  <p:clrMapOvr>
+    <a:masterClrMapping/>
+  </p:clrMapOvr>
+</p:sld>
+</file>
+
+<file path=ppt/slides/slide42.xml><?xml version="1.0" encoding="utf-8"?>
+<p:sld xmlns:a="http://schemas.openxmlformats.org/drawingml/2006/main" xmlns:r="http://schemas.openxmlformats.org/officeDocument/2006/relationships" xmlns:p="http://schemas.openxmlformats.org/presentationml/2006/main">
+  <p:cSld>
+    <p:spTree>
+      <p:nvGrpSpPr>
+        <p:cNvPr id="1" name=""/>
+        <p:cNvGrpSpPr/>
+        <p:nvPr/>
+      </p:nvGrpSpPr>
+      <p:grpSpPr>
+        <a:xfrm>
+          <a:off x="0" y="0"/>
+          <a:ext cx="0" cy="0"/>
+          <a:chOff x="0" y="0"/>
+          <a:chExt cx="0" cy="0"/>
+        </a:xfrm>
+      </p:grpSpPr>
+      <p:sp>
+        <p:nvSpPr>
+          <p:cNvPr id="4" name="Titolo 1">
+            <a:extLst>
+              <a:ext uri="{FF2B5EF4-FFF2-40B4-BE49-F238E27FC236}">
+                <a16:creationId xmlns:a16="http://schemas.microsoft.com/office/drawing/2014/main" id="{72303C4D-90C9-455A-A51B-7358DB02DEDB}"/>
+              </a:ext>
+            </a:extLst>
+          </p:cNvPr>
+          <p:cNvSpPr>
+            <a:spLocks noGrp="1"/>
+          </p:cNvSpPr>
+          <p:nvPr>
+            <p:ph type="title"/>
+          </p:nvPr>
+        </p:nvSpPr>
+        <p:spPr>
+          <a:xfrm>
+            <a:off x="838200" y="365125"/>
+            <a:ext cx="10515600" cy="1325563"/>
+          </a:xfrm>
+        </p:spPr>
+        <p:txBody>
+          <a:bodyPr/>
+          <a:lstStyle/>
+          <a:p>
+            <a:r>
+              <a:rPr lang="it-IT" dirty="0"/>
+              <a:t>Metodo di Gauss</a:t>
+            </a:r>
+            <a:br>
+              <a:rPr lang="it-IT" dirty="0"/>
+            </a:br>
+            <a:r>
+              <a:rPr lang="it-IT" sz="2800" dirty="0"/>
+              <a:t>Conclusione</a:t>
+            </a:r>
+            <a:endParaRPr lang="it-IT" dirty="0"/>
+          </a:p>
+        </p:txBody>
+      </p:sp>
+      <p:sp>
+        <p:nvSpPr>
+          <p:cNvPr id="7" name="CasellaDiTesto 6">
+            <a:extLst>
+              <a:ext uri="{FF2B5EF4-FFF2-40B4-BE49-F238E27FC236}">
+                <a16:creationId xmlns:a16="http://schemas.microsoft.com/office/drawing/2014/main" id="{67C6033A-3ADB-4B72-A9CE-DD720FD09CE2}"/>
+              </a:ext>
+            </a:extLst>
+          </p:cNvPr>
+          <p:cNvSpPr txBox="1"/>
+          <p:nvPr/>
+        </p:nvSpPr>
+        <p:spPr>
+          <a:xfrm>
+            <a:off x="1418492" y="2215662"/>
+            <a:ext cx="9355015" cy="3046988"/>
+          </a:xfrm>
+          <a:prstGeom prst="rect">
+            <a:avLst/>
+          </a:prstGeom>
+          <a:noFill/>
+          <a:ln>
+            <a:solidFill>
+              <a:srgbClr val="FF0000"/>
+            </a:solidFill>
+          </a:ln>
+        </p:spPr>
+        <p:txBody>
+          <a:bodyPr wrap="square" rtlCol="0">
+            <a:spAutoFit/>
+          </a:bodyPr>
+          <a:lstStyle/>
+          <a:p>
+            <a:r>
+              <a:rPr lang="it-IT" sz="3200" dirty="0"/>
+              <a:t>Abbiamo illustrato l’algoritmo di Gauss solo con esempi, ma è un metodo che funziona in generale per qualsiasi matrice.</a:t>
+            </a:r>
+          </a:p>
+          <a:p>
+            <a:r>
+              <a:rPr lang="it-IT" sz="3200" dirty="0"/>
+              <a:t>Con un opportuno uso delle «mosse» elementari è possibile ridurre a gradini matrici anche di dimensioni m x n . </a:t>
+            </a:r>
+          </a:p>
+        </p:txBody>
+      </p:sp>
+    </p:spTree>
+    <p:extLst>
+      <p:ext uri="{BB962C8B-B14F-4D97-AF65-F5344CB8AC3E}">
+        <p14:creationId xmlns:p14="http://schemas.microsoft.com/office/powerpoint/2010/main" val="91921757"/>
+      </p:ext>
+    </p:extLst>
+  </p:cSld>
+  <p:clrMapOvr>
+    <a:masterClrMapping/>
+  </p:clrMapOvr>
+</p:sld>
+</file>
+
+<file path=ppt/slides/slide43.xml><?xml version="1.0" encoding="utf-8"?>
+<p:sld xmlns:a="http://schemas.openxmlformats.org/drawingml/2006/main" xmlns:r="http://schemas.openxmlformats.org/officeDocument/2006/relationships" xmlns:p="http://schemas.openxmlformats.org/presentationml/2006/main">
+  <p:cSld>
+    <p:spTree>
+      <p:nvGrpSpPr>
+        <p:cNvPr id="1" name=""/>
+        <p:cNvGrpSpPr/>
+        <p:nvPr/>
+      </p:nvGrpSpPr>
+      <p:grpSpPr>
+        <a:xfrm>
+          <a:off x="0" y="0"/>
+          <a:ext cx="0" cy="0"/>
+          <a:chOff x="0" y="0"/>
+          <a:chExt cx="0" cy="0"/>
+        </a:xfrm>
+      </p:grpSpPr>
+      <p:sp>
+        <p:nvSpPr>
+          <p:cNvPr id="4" name="Titolo 1">
+            <a:extLst>
+              <a:ext uri="{FF2B5EF4-FFF2-40B4-BE49-F238E27FC236}">
                 <a16:creationId xmlns:a16="http://schemas.microsoft.com/office/drawing/2014/main" id="{5C310D8D-832E-4EF6-9F0B-5B97AB22CAB7}"/>
               </a:ext>
             </a:extLst>
@@ -25677,7 +30762,7 @@
 </p:sld>
 </file>
 
-<file path=ppt/slides/slide39.xml><?xml version="1.0" encoding="utf-8"?>
+<file path=ppt/slides/slide44.xml><?xml version="1.0" encoding="utf-8"?>
 <p:sld xmlns:a="http://schemas.openxmlformats.org/drawingml/2006/main" xmlns:r="http://schemas.openxmlformats.org/officeDocument/2006/relationships" xmlns:p="http://schemas.openxmlformats.org/presentationml/2006/main">
   <p:cSld>
     <p:spTree>
@@ -27089,181 +32174,6 @@
     <p:extLst>
       <p:ext uri="{BB962C8B-B14F-4D97-AF65-F5344CB8AC3E}">
         <p14:creationId xmlns:p14="http://schemas.microsoft.com/office/powerpoint/2010/main" val="1921842211"/>
-      </p:ext>
-    </p:extLst>
-  </p:cSld>
-  <p:clrMapOvr>
-    <a:masterClrMapping/>
-  </p:clrMapOvr>
-</p:sld>
-</file>
-
-<file path=ppt/slides/slide4.xml><?xml version="1.0" encoding="utf-8"?>
-<p:sld xmlns:a="http://schemas.openxmlformats.org/drawingml/2006/main" xmlns:r="http://schemas.openxmlformats.org/officeDocument/2006/relationships" xmlns:p="http://schemas.openxmlformats.org/presentationml/2006/main">
-  <p:cSld>
-    <p:spTree>
-      <p:nvGrpSpPr>
-        <p:cNvPr id="1" name=""/>
-        <p:cNvGrpSpPr/>
-        <p:nvPr/>
-      </p:nvGrpSpPr>
-      <p:grpSpPr>
-        <a:xfrm>
-          <a:off x="0" y="0"/>
-          <a:ext cx="0" cy="0"/>
-          <a:chOff x="0" y="0"/>
-          <a:chExt cx="0" cy="0"/>
-        </a:xfrm>
-      </p:grpSpPr>
-      <p:pic>
-        <p:nvPicPr>
-          <p:cNvPr id="5" name="Immagine 4">
-            <a:extLst>
-              <a:ext uri="{FF2B5EF4-FFF2-40B4-BE49-F238E27FC236}">
-                <a16:creationId xmlns:a16="http://schemas.microsoft.com/office/drawing/2014/main" id="{9234A203-F684-4DF6-80AC-177C84A3C8CA}"/>
-              </a:ext>
-            </a:extLst>
-          </p:cNvPr>
-          <p:cNvPicPr>
-            <a:picLocks noChangeAspect="1"/>
-          </p:cNvPicPr>
-          <p:nvPr/>
-        </p:nvPicPr>
-        <p:blipFill>
-          <a:blip r:embed="rId2">
-            <a:extLst>
-              <a:ext uri="{28A0092B-C50C-407E-A947-70E740481C1C}">
-                <a14:useLocalDpi xmlns:a14="http://schemas.microsoft.com/office/drawing/2010/main" val="0"/>
-              </a:ext>
-            </a:extLst>
-          </a:blip>
-          <a:stretch>
-            <a:fillRect/>
-          </a:stretch>
-        </p:blipFill>
-        <p:spPr>
-          <a:xfrm>
-            <a:off x="0" y="0"/>
-            <a:ext cx="12192000" cy="6689558"/>
-          </a:xfrm>
-          <a:prstGeom prst="rect">
-            <a:avLst/>
-          </a:prstGeom>
-        </p:spPr>
-      </p:pic>
-      <p:sp>
-        <p:nvSpPr>
-          <p:cNvPr id="6" name="CasellaDiTesto 5">
-            <a:extLst>
-              <a:ext uri="{FF2B5EF4-FFF2-40B4-BE49-F238E27FC236}">
-                <a16:creationId xmlns:a16="http://schemas.microsoft.com/office/drawing/2014/main" id="{B825BDB0-1D3D-4695-9334-E7E91B86145D}"/>
-              </a:ext>
-            </a:extLst>
-          </p:cNvPr>
-          <p:cNvSpPr txBox="1"/>
-          <p:nvPr/>
-        </p:nvSpPr>
-        <p:spPr>
-          <a:xfrm>
-            <a:off x="175647" y="1099066"/>
-            <a:ext cx="11561736" cy="369332"/>
-          </a:xfrm>
-          <a:prstGeom prst="rect">
-            <a:avLst/>
-          </a:prstGeom>
-          <a:noFill/>
-        </p:spPr>
-        <p:txBody>
-          <a:bodyPr wrap="square" rtlCol="0">
-            <a:spAutoFit/>
-          </a:bodyPr>
-          <a:lstStyle/>
-          <a:p>
-            <a:r>
-              <a:rPr lang="it-IT" dirty="0"/>
-              <a:t>Risolto per via grafica. Questo metodo …</a:t>
-            </a:r>
-          </a:p>
-        </p:txBody>
-      </p:sp>
-      <p:sp>
-        <p:nvSpPr>
-          <p:cNvPr id="2" name="CasellaDiTesto 1">
-            <a:extLst>
-              <a:ext uri="{FF2B5EF4-FFF2-40B4-BE49-F238E27FC236}">
-                <a16:creationId xmlns:a16="http://schemas.microsoft.com/office/drawing/2014/main" id="{872CBE70-9815-4C31-B0DB-5F79881DB73D}"/>
-              </a:ext>
-            </a:extLst>
-          </p:cNvPr>
-          <p:cNvSpPr txBox="1"/>
-          <p:nvPr/>
-        </p:nvSpPr>
-        <p:spPr>
-          <a:xfrm>
-            <a:off x="7516678" y="729734"/>
-            <a:ext cx="542441" cy="369332"/>
-          </a:xfrm>
-          <a:prstGeom prst="rect">
-            <a:avLst/>
-          </a:prstGeom>
-          <a:solidFill>
-            <a:schemeClr val="bg2"/>
-          </a:solidFill>
-        </p:spPr>
-        <p:txBody>
-          <a:bodyPr wrap="square" rtlCol="0">
-            <a:spAutoFit/>
-          </a:bodyPr>
-          <a:lstStyle/>
-          <a:p>
-            <a:r>
-              <a:rPr lang="it-IT" dirty="0"/>
-              <a:t>tre</a:t>
-            </a:r>
-          </a:p>
-        </p:txBody>
-      </p:sp>
-      <p:sp>
-        <p:nvSpPr>
-          <p:cNvPr id="7" name="CasellaDiTesto 6">
-            <a:extLst>
-              <a:ext uri="{FF2B5EF4-FFF2-40B4-BE49-F238E27FC236}">
-                <a16:creationId xmlns:a16="http://schemas.microsoft.com/office/drawing/2014/main" id="{8A1BFAB4-8378-44BE-80F6-CEFDBE5EB8EA}"/>
-              </a:ext>
-            </a:extLst>
-          </p:cNvPr>
-          <p:cNvSpPr txBox="1"/>
-          <p:nvPr/>
-        </p:nvSpPr>
-        <p:spPr>
-          <a:xfrm>
-            <a:off x="9583118" y="729734"/>
-            <a:ext cx="542441" cy="369332"/>
-          </a:xfrm>
-          <a:prstGeom prst="rect">
-            <a:avLst/>
-          </a:prstGeom>
-          <a:solidFill>
-            <a:schemeClr val="bg2"/>
-          </a:solidFill>
-        </p:spPr>
-        <p:txBody>
-          <a:bodyPr wrap="square" rtlCol="0">
-            <a:spAutoFit/>
-          </a:bodyPr>
-          <a:lstStyle/>
-          <a:p>
-            <a:r>
-              <a:rPr lang="it-IT" dirty="0"/>
-              <a:t>tre</a:t>
-            </a:r>
-          </a:p>
-        </p:txBody>
-      </p:sp>
-    </p:spTree>
-    <p:extLst>
-      <p:ext uri="{BB962C8B-B14F-4D97-AF65-F5344CB8AC3E}">
-        <p14:creationId xmlns:p14="http://schemas.microsoft.com/office/powerpoint/2010/main" val="1506991266"/>
       </p:ext>
     </p:extLst>
   </p:cSld>
@@ -30627,7 +35537,7 @@
           <p:nvPr/>
         </p:nvPicPr>
         <p:blipFill>
-          <a:blip r:embed="rId2">
+          <a:blip r:embed="rId3">
             <a:extLst>
               <a:ext uri="{28A0092B-C50C-407E-A947-70E740481C1C}">
                 <a14:useLocalDpi xmlns:a14="http://schemas.microsoft.com/office/drawing/2010/main" val="0"/>
